--- a/DRAFT Project1-Hotel_Booking.pptx
+++ b/DRAFT Project1-Hotel_Booking.pptx
@@ -5,7 +5,7 @@
     <p:sldMasterId id="2147483696" r:id="rId1"/>
   </p:sldMasterIdLst>
   <p:notesMasterIdLst>
-    <p:notesMasterId r:id="rId14"/>
+    <p:notesMasterId r:id="rId26"/>
   </p:notesMasterIdLst>
   <p:sldIdLst>
     <p:sldId id="256" r:id="rId2"/>
@@ -18,8 +18,20 @@
     <p:sldId id="268" r:id="rId9"/>
     <p:sldId id="265" r:id="rId10"/>
     <p:sldId id="263" r:id="rId11"/>
-    <p:sldId id="260" r:id="rId12"/>
-    <p:sldId id="264" r:id="rId13"/>
+    <p:sldId id="269" r:id="rId12"/>
+    <p:sldId id="270" r:id="rId13"/>
+    <p:sldId id="271" r:id="rId14"/>
+    <p:sldId id="272" r:id="rId15"/>
+    <p:sldId id="273" r:id="rId16"/>
+    <p:sldId id="274" r:id="rId17"/>
+    <p:sldId id="275" r:id="rId18"/>
+    <p:sldId id="276" r:id="rId19"/>
+    <p:sldId id="277" r:id="rId20"/>
+    <p:sldId id="278" r:id="rId21"/>
+    <p:sldId id="279" r:id="rId22"/>
+    <p:sldId id="280" r:id="rId23"/>
+    <p:sldId id="260" r:id="rId24"/>
+    <p:sldId id="264" r:id="rId25"/>
   </p:sldIdLst>
   <p:sldSz cx="12192000" cy="6858000"/>
   <p:notesSz cx="6858000" cy="9144000"/>
@@ -208,7 +220,7 @@
           <a:p>
             <a:fld id="{516EF974-E6BB-452F-B13B-D48F9662FC46}" type="datetimeFigureOut">
               <a:rPr lang="en-GB" smtClean="0"/>
-              <a:t>18/06/2024</a:t>
+              <a:t>20/06/2024</a:t>
             </a:fld>
             <a:endParaRPr lang="en-GB"/>
           </a:p>
@@ -814,7 +826,7 @@
           <a:p>
             <a:fld id="{63787753-DB0A-4FEF-A5D0-22798A4D1E74}" type="slidenum">
               <a:rPr lang="en-GB" smtClean="0"/>
-              <a:t>12</a:t>
+              <a:t>24</a:t>
             </a:fld>
             <a:endParaRPr lang="en-GB"/>
           </a:p>
@@ -964,7 +976,7 @@
           <a:p>
             <a:fld id="{B2CBCA21-FF79-4CB6-8764-5C706F516107}" type="datetimeFigureOut">
               <a:rPr lang="en-GB" smtClean="0"/>
-              <a:t>18/06/2024</a:t>
+              <a:t>20/06/2024</a:t>
             </a:fld>
             <a:endParaRPr lang="en-GB"/>
           </a:p>
@@ -1134,7 +1146,7 @@
           <a:p>
             <a:fld id="{B2CBCA21-FF79-4CB6-8764-5C706F516107}" type="datetimeFigureOut">
               <a:rPr lang="en-GB" smtClean="0"/>
-              <a:t>18/06/2024</a:t>
+              <a:t>20/06/2024</a:t>
             </a:fld>
             <a:endParaRPr lang="en-GB"/>
           </a:p>
@@ -1314,7 +1326,7 @@
           <a:p>
             <a:fld id="{B2CBCA21-FF79-4CB6-8764-5C706F516107}" type="datetimeFigureOut">
               <a:rPr lang="en-GB" smtClean="0"/>
-              <a:t>18/06/2024</a:t>
+              <a:t>20/06/2024</a:t>
             </a:fld>
             <a:endParaRPr lang="en-GB"/>
           </a:p>
@@ -1484,7 +1496,7 @@
           <a:p>
             <a:fld id="{B2CBCA21-FF79-4CB6-8764-5C706F516107}" type="datetimeFigureOut">
               <a:rPr lang="en-GB" smtClean="0"/>
-              <a:t>18/06/2024</a:t>
+              <a:t>20/06/2024</a:t>
             </a:fld>
             <a:endParaRPr lang="en-GB"/>
           </a:p>
@@ -1730,7 +1742,7 @@
           <a:p>
             <a:fld id="{B2CBCA21-FF79-4CB6-8764-5C706F516107}" type="datetimeFigureOut">
               <a:rPr lang="en-GB" smtClean="0"/>
-              <a:t>18/06/2024</a:t>
+              <a:t>20/06/2024</a:t>
             </a:fld>
             <a:endParaRPr lang="en-GB"/>
           </a:p>
@@ -1962,7 +1974,7 @@
           <a:p>
             <a:fld id="{B2CBCA21-FF79-4CB6-8764-5C706F516107}" type="datetimeFigureOut">
               <a:rPr lang="en-GB" smtClean="0"/>
-              <a:t>18/06/2024</a:t>
+              <a:t>20/06/2024</a:t>
             </a:fld>
             <a:endParaRPr lang="en-GB"/>
           </a:p>
@@ -2329,7 +2341,7 @@
           <a:p>
             <a:fld id="{B2CBCA21-FF79-4CB6-8764-5C706F516107}" type="datetimeFigureOut">
               <a:rPr lang="en-GB" smtClean="0"/>
-              <a:t>18/06/2024</a:t>
+              <a:t>20/06/2024</a:t>
             </a:fld>
             <a:endParaRPr lang="en-GB"/>
           </a:p>
@@ -2447,7 +2459,7 @@
           <a:p>
             <a:fld id="{B2CBCA21-FF79-4CB6-8764-5C706F516107}" type="datetimeFigureOut">
               <a:rPr lang="en-GB" smtClean="0"/>
-              <a:t>18/06/2024</a:t>
+              <a:t>20/06/2024</a:t>
             </a:fld>
             <a:endParaRPr lang="en-GB"/>
           </a:p>
@@ -2542,7 +2554,7 @@
           <a:p>
             <a:fld id="{B2CBCA21-FF79-4CB6-8764-5C706F516107}" type="datetimeFigureOut">
               <a:rPr lang="en-GB" smtClean="0"/>
-              <a:t>18/06/2024</a:t>
+              <a:t>20/06/2024</a:t>
             </a:fld>
             <a:endParaRPr lang="en-GB"/>
           </a:p>
@@ -2819,7 +2831,7 @@
           <a:p>
             <a:fld id="{B2CBCA21-FF79-4CB6-8764-5C706F516107}" type="datetimeFigureOut">
               <a:rPr lang="en-GB" smtClean="0"/>
-              <a:t>18/06/2024</a:t>
+              <a:t>20/06/2024</a:t>
             </a:fld>
             <a:endParaRPr lang="en-GB"/>
           </a:p>
@@ -3076,7 +3088,7 @@
           <a:p>
             <a:fld id="{B2CBCA21-FF79-4CB6-8764-5C706F516107}" type="datetimeFigureOut">
               <a:rPr lang="en-GB" smtClean="0"/>
-              <a:t>18/06/2024</a:t>
+              <a:t>20/06/2024</a:t>
             </a:fld>
             <a:endParaRPr lang="en-GB"/>
           </a:p>
@@ -3289,7 +3301,7 @@
           <a:p>
             <a:fld id="{B2CBCA21-FF79-4CB6-8764-5C706F516107}" type="datetimeFigureOut">
               <a:rPr lang="en-GB" smtClean="0"/>
-              <a:t>18/06/2024</a:t>
+              <a:t>20/06/2024</a:t>
             </a:fld>
             <a:endParaRPr lang="en-GB"/>
           </a:p>
@@ -3386,7 +3398,7 @@
           <p:nvPr userDrawn="1">
             <p:extLst>
               <p:ext uri="{1162E1C5-73C7-4A58-AE30-91384D911F3F}">
-                <p184:classification xmlns:p184="http://schemas.microsoft.com/office/powerpoint/2018/4/main" val="hdr"/>
+                <p184:classification xmlns:p184="http://schemas.microsoft.com/office/powerpoint/2018/4/main" xmlns="" val="hdr"/>
               </p:ext>
             </p:extLst>
           </p:nvPr>
@@ -3758,7 +3770,7 @@
                 <a16:creationId xmlns:a16="http://schemas.microsoft.com/office/drawing/2014/main" id="{9089EED9-F54D-4F20-A2C6-949DE4176959}"/>
               </a:ext>
               <a:ext uri="{C183D7F6-B498-43B3-948B-1728B52AA6E4}">
-                <adec:decorative xmlns:adec="http://schemas.microsoft.com/office/drawing/2017/decorative" val="1"/>
+                <adec:decorative xmlns:adec="http://schemas.microsoft.com/office/drawing/2017/decorative" xmlns="" val="1"/>
               </a:ext>
             </a:extLst>
           </p:cNvPr>
@@ -3834,7 +3846,7 @@
                 <a16:creationId xmlns:a16="http://schemas.microsoft.com/office/drawing/2014/main" id="{7E46F721-3785-414D-8697-16AF490E6806}"/>
               </a:ext>
               <a:ext uri="{C183D7F6-B498-43B3-948B-1728B52AA6E4}">
-                <adec:decorative xmlns:adec="http://schemas.microsoft.com/office/drawing/2017/decorative" val="1"/>
+                <adec:decorative xmlns:adec="http://schemas.microsoft.com/office/drawing/2017/decorative" xmlns="" val="1"/>
               </a:ext>
             </a:extLst>
           </p:cNvPr>
@@ -5364,7 +5376,7 @@
                 <a16:creationId xmlns:a16="http://schemas.microsoft.com/office/drawing/2014/main" id="{9089EED9-F54D-4F20-A2C6-949DE4176959}"/>
               </a:ext>
               <a:ext uri="{C183D7F6-B498-43B3-948B-1728B52AA6E4}">
-                <adec:decorative xmlns:adec="http://schemas.microsoft.com/office/drawing/2017/decorative" val="1"/>
+                <adec:decorative xmlns:adec="http://schemas.microsoft.com/office/drawing/2017/decorative" xmlns="" val="1"/>
               </a:ext>
             </a:extLst>
           </p:cNvPr>
@@ -5440,7 +5452,7 @@
                 <a16:creationId xmlns:a16="http://schemas.microsoft.com/office/drawing/2014/main" id="{7E46F721-3785-414D-8697-16AF490E6806}"/>
               </a:ext>
               <a:ext uri="{C183D7F6-B498-43B3-948B-1728B52AA6E4}">
-                <adec:decorative xmlns:adec="http://schemas.microsoft.com/office/drawing/2017/decorative" val="1"/>
+                <adec:decorative xmlns:adec="http://schemas.microsoft.com/office/drawing/2017/decorative" xmlns="" val="1"/>
               </a:ext>
             </a:extLst>
           </p:cNvPr>
@@ -5550,6 +5562,17 @@
                 </a:solidFill>
               </a:rPr>
             </a:br>
+            <a:r>
+              <a:rPr lang="en-US" sz="3600" dirty="0">
+                <a:solidFill>
+                  <a:schemeClr val="tx1">
+                    <a:lumMod val="85000"/>
+                    <a:lumOff val="15000"/>
+                  </a:schemeClr>
+                </a:solidFill>
+              </a:rPr>
+              <a:t/>
+            </a:r>
             <a:br>
               <a:rPr lang="en-US" sz="3600" dirty="0">
                 <a:solidFill>
@@ -5560,6 +5583,17 @@
                 </a:solidFill>
               </a:rPr>
             </a:br>
+            <a:r>
+              <a:rPr lang="en-US" sz="3600" dirty="0">
+                <a:solidFill>
+                  <a:schemeClr val="tx1">
+                    <a:lumMod val="85000"/>
+                    <a:lumOff val="15000"/>
+                  </a:schemeClr>
+                </a:solidFill>
+              </a:rPr>
+              <a:t/>
+            </a:r>
             <a:br>
               <a:rPr lang="en-US" sz="3600" dirty="0">
                 <a:solidFill>
@@ -6801,6 +6835,2550 @@
 <file path=ppt/slides/slide11.xml><?xml version="1.0" encoding="utf-8"?>
 <p:sld xmlns:a="http://schemas.openxmlformats.org/drawingml/2006/main" xmlns:r="http://schemas.openxmlformats.org/officeDocument/2006/relationships" xmlns:p="http://schemas.openxmlformats.org/presentationml/2006/main">
   <p:cSld>
+    <p:spTree>
+      <p:nvGrpSpPr>
+        <p:cNvPr id="1" name=""/>
+        <p:cNvGrpSpPr/>
+        <p:nvPr/>
+      </p:nvGrpSpPr>
+      <p:grpSpPr>
+        <a:xfrm>
+          <a:off x="0" y="0"/>
+          <a:ext cx="0" cy="0"/>
+          <a:chOff x="0" y="0"/>
+          <a:chExt cx="0" cy="0"/>
+        </a:xfrm>
+      </p:grpSpPr>
+      <p:pic>
+        <p:nvPicPr>
+          <p:cNvPr id="2" name="Picture 1"/>
+          <p:cNvPicPr>
+            <a:picLocks noChangeAspect="1"/>
+          </p:cNvPicPr>
+          <p:nvPr/>
+        </p:nvPicPr>
+        <p:blipFill>
+          <a:blip r:embed="rId2"/>
+          <a:stretch>
+            <a:fillRect/>
+          </a:stretch>
+        </p:blipFill>
+        <p:spPr>
+          <a:xfrm>
+            <a:off x="1390650" y="833437"/>
+            <a:ext cx="9410700" cy="5191125"/>
+          </a:xfrm>
+          <a:prstGeom prst="rect">
+            <a:avLst/>
+          </a:prstGeom>
+        </p:spPr>
+      </p:pic>
+    </p:spTree>
+    <p:extLst>
+      <p:ext uri="{BB962C8B-B14F-4D97-AF65-F5344CB8AC3E}">
+        <p14:creationId xmlns:p14="http://schemas.microsoft.com/office/powerpoint/2010/main" val="402588089"/>
+      </p:ext>
+    </p:extLst>
+  </p:cSld>
+  <p:clrMapOvr>
+    <a:masterClrMapping/>
+  </p:clrMapOvr>
+</p:sld>
+</file>
+
+<file path=ppt/slides/slide12.xml><?xml version="1.0" encoding="utf-8"?>
+<p:sld xmlns:a="http://schemas.openxmlformats.org/drawingml/2006/main" xmlns:r="http://schemas.openxmlformats.org/officeDocument/2006/relationships" xmlns:p="http://schemas.openxmlformats.org/presentationml/2006/main">
+  <p:cSld>
+    <p:spTree>
+      <p:nvGrpSpPr>
+        <p:cNvPr id="1" name=""/>
+        <p:cNvGrpSpPr/>
+        <p:nvPr/>
+      </p:nvGrpSpPr>
+      <p:grpSpPr>
+        <a:xfrm>
+          <a:off x="0" y="0"/>
+          <a:ext cx="0" cy="0"/>
+          <a:chOff x="0" y="0"/>
+          <a:chExt cx="0" cy="0"/>
+        </a:xfrm>
+      </p:grpSpPr>
+      <p:pic>
+        <p:nvPicPr>
+          <p:cNvPr id="3" name="Picture 2"/>
+          <p:cNvPicPr>
+            <a:picLocks noChangeAspect="1"/>
+          </p:cNvPicPr>
+          <p:nvPr/>
+        </p:nvPicPr>
+        <p:blipFill>
+          <a:blip r:embed="rId2"/>
+          <a:stretch>
+            <a:fillRect/>
+          </a:stretch>
+        </p:blipFill>
+        <p:spPr>
+          <a:xfrm>
+            <a:off x="1390650" y="833437"/>
+            <a:ext cx="9410700" cy="5191125"/>
+          </a:xfrm>
+          <a:prstGeom prst="rect">
+            <a:avLst/>
+          </a:prstGeom>
+        </p:spPr>
+      </p:pic>
+    </p:spTree>
+    <p:extLst>
+      <p:ext uri="{BB962C8B-B14F-4D97-AF65-F5344CB8AC3E}">
+        <p14:creationId xmlns:p14="http://schemas.microsoft.com/office/powerpoint/2010/main" val="2636049287"/>
+      </p:ext>
+    </p:extLst>
+  </p:cSld>
+  <p:clrMapOvr>
+    <a:masterClrMapping/>
+  </p:clrMapOvr>
+</p:sld>
+</file>
+
+<file path=ppt/slides/slide13.xml><?xml version="1.0" encoding="utf-8"?>
+<p:sld xmlns:a="http://schemas.openxmlformats.org/drawingml/2006/main" xmlns:r="http://schemas.openxmlformats.org/officeDocument/2006/relationships" xmlns:p="http://schemas.openxmlformats.org/presentationml/2006/main">
+  <p:cSld>
+    <p:spTree>
+      <p:nvGrpSpPr>
+        <p:cNvPr id="1" name=""/>
+        <p:cNvGrpSpPr/>
+        <p:nvPr/>
+      </p:nvGrpSpPr>
+      <p:grpSpPr>
+        <a:xfrm>
+          <a:off x="0" y="0"/>
+          <a:ext cx="0" cy="0"/>
+          <a:chOff x="0" y="0"/>
+          <a:chExt cx="0" cy="0"/>
+        </a:xfrm>
+      </p:grpSpPr>
+      <p:pic>
+        <p:nvPicPr>
+          <p:cNvPr id="2" name="Picture 1"/>
+          <p:cNvPicPr>
+            <a:picLocks noChangeAspect="1"/>
+          </p:cNvPicPr>
+          <p:nvPr/>
+        </p:nvPicPr>
+        <p:blipFill>
+          <a:blip r:embed="rId2"/>
+          <a:stretch>
+            <a:fillRect/>
+          </a:stretch>
+        </p:blipFill>
+        <p:spPr>
+          <a:xfrm>
+            <a:off x="1328737" y="833437"/>
+            <a:ext cx="9534525" cy="5191125"/>
+          </a:xfrm>
+          <a:prstGeom prst="rect">
+            <a:avLst/>
+          </a:prstGeom>
+        </p:spPr>
+      </p:pic>
+    </p:spTree>
+    <p:extLst>
+      <p:ext uri="{BB962C8B-B14F-4D97-AF65-F5344CB8AC3E}">
+        <p14:creationId xmlns:p14="http://schemas.microsoft.com/office/powerpoint/2010/main" val="4250279464"/>
+      </p:ext>
+    </p:extLst>
+  </p:cSld>
+  <p:clrMapOvr>
+    <a:masterClrMapping/>
+  </p:clrMapOvr>
+</p:sld>
+</file>
+
+<file path=ppt/slides/slide14.xml><?xml version="1.0" encoding="utf-8"?>
+<p:sld xmlns:a="http://schemas.openxmlformats.org/drawingml/2006/main" xmlns:r="http://schemas.openxmlformats.org/officeDocument/2006/relationships" xmlns:p="http://schemas.openxmlformats.org/presentationml/2006/main">
+  <p:cSld>
+    <p:spTree>
+      <p:nvGrpSpPr>
+        <p:cNvPr id="1" name=""/>
+        <p:cNvGrpSpPr/>
+        <p:nvPr/>
+      </p:nvGrpSpPr>
+      <p:grpSpPr>
+        <a:xfrm>
+          <a:off x="0" y="0"/>
+          <a:ext cx="0" cy="0"/>
+          <a:chOff x="0" y="0"/>
+          <a:chExt cx="0" cy="0"/>
+        </a:xfrm>
+      </p:grpSpPr>
+      <p:sp>
+        <p:nvSpPr>
+          <p:cNvPr id="2" name="Rectangle 1"/>
+          <p:cNvSpPr/>
+          <p:nvPr/>
+        </p:nvSpPr>
+        <p:spPr>
+          <a:xfrm>
+            <a:off x="7170058" y="2364379"/>
+            <a:ext cx="4891313" cy="1200329"/>
+          </a:xfrm>
+          <a:prstGeom prst="rect">
+            <a:avLst/>
+          </a:prstGeom>
+        </p:spPr>
+        <p:txBody>
+          <a:bodyPr wrap="square">
+            <a:spAutoFit/>
+          </a:bodyPr>
+          <a:lstStyle/>
+          <a:p>
+            <a:r>
+              <a:rPr lang="en-US" dirty="0">
+                <a:solidFill>
+                  <a:srgbClr val="000000"/>
+                </a:solidFill>
+                <a:latin typeface="Consolas" panose="020B0609020204030204" pitchFamily="49" charset="0"/>
+              </a:rPr>
+              <a:t>Total Canceled Bookings: </a:t>
+            </a:r>
+            <a:r>
+              <a:rPr lang="en-US" dirty="0" smtClean="0">
+                <a:solidFill>
+                  <a:srgbClr val="000000"/>
+                </a:solidFill>
+                <a:latin typeface="Consolas" panose="020B0609020204030204" pitchFamily="49" charset="0"/>
+              </a:rPr>
+              <a:t>44224</a:t>
+            </a:r>
+          </a:p>
+          <a:p>
+            <a:r>
+              <a:rPr lang="en-US" dirty="0" smtClean="0">
+                <a:solidFill>
+                  <a:srgbClr val="000000"/>
+                </a:solidFill>
+                <a:latin typeface="Consolas" panose="020B0609020204030204" pitchFamily="49" charset="0"/>
+              </a:rPr>
+              <a:t>Refundable </a:t>
+            </a:r>
+            <a:r>
+              <a:rPr lang="en-US" dirty="0">
+                <a:solidFill>
+                  <a:srgbClr val="000000"/>
+                </a:solidFill>
+                <a:latin typeface="Consolas" panose="020B0609020204030204" pitchFamily="49" charset="0"/>
+              </a:rPr>
+              <a:t>Canceled Bookings: 0.08</a:t>
+            </a:r>
+            <a:r>
+              <a:rPr lang="en-US" dirty="0" smtClean="0">
+                <a:solidFill>
+                  <a:srgbClr val="000000"/>
+                </a:solidFill>
+                <a:latin typeface="Consolas" panose="020B0609020204030204" pitchFamily="49" charset="0"/>
+              </a:rPr>
+              <a:t>%</a:t>
+            </a:r>
+          </a:p>
+          <a:p>
+            <a:r>
+              <a:rPr lang="en-US" dirty="0" smtClean="0">
+                <a:solidFill>
+                  <a:srgbClr val="000000"/>
+                </a:solidFill>
+                <a:latin typeface="Consolas" panose="020B0609020204030204" pitchFamily="49" charset="0"/>
+              </a:rPr>
+              <a:t>No </a:t>
+            </a:r>
+            <a:r>
+              <a:rPr lang="en-US" dirty="0">
+                <a:solidFill>
+                  <a:srgbClr val="000000"/>
+                </a:solidFill>
+                <a:latin typeface="Consolas" panose="020B0609020204030204" pitchFamily="49" charset="0"/>
+              </a:rPr>
+              <a:t>Deposit Canceled Bookings: 67.14</a:t>
+            </a:r>
+            <a:r>
+              <a:rPr lang="en-US" dirty="0" smtClean="0">
+                <a:solidFill>
+                  <a:srgbClr val="000000"/>
+                </a:solidFill>
+                <a:latin typeface="Consolas" panose="020B0609020204030204" pitchFamily="49" charset="0"/>
+              </a:rPr>
+              <a:t>%</a:t>
+            </a:r>
+          </a:p>
+          <a:p>
+            <a:r>
+              <a:rPr lang="en-US" dirty="0" smtClean="0">
+                <a:solidFill>
+                  <a:srgbClr val="000000"/>
+                </a:solidFill>
+                <a:latin typeface="Consolas" panose="020B0609020204030204" pitchFamily="49" charset="0"/>
+              </a:rPr>
+              <a:t>Non </a:t>
+            </a:r>
+            <a:r>
+              <a:rPr lang="en-US" dirty="0">
+                <a:solidFill>
+                  <a:srgbClr val="000000"/>
+                </a:solidFill>
+                <a:latin typeface="Consolas" panose="020B0609020204030204" pitchFamily="49" charset="0"/>
+              </a:rPr>
+              <a:t>Refund Canceled Bookings: 32.77%</a:t>
+            </a:r>
+            <a:endParaRPr lang="en-US" dirty="0"/>
+          </a:p>
+        </p:txBody>
+      </p:sp>
+      <p:pic>
+        <p:nvPicPr>
+          <p:cNvPr id="3" name="Picture 2"/>
+          <p:cNvPicPr>
+            <a:picLocks noChangeAspect="1"/>
+          </p:cNvPicPr>
+          <p:nvPr/>
+        </p:nvPicPr>
+        <p:blipFill>
+          <a:blip r:embed="rId2"/>
+          <a:stretch>
+            <a:fillRect/>
+          </a:stretch>
+        </p:blipFill>
+        <p:spPr>
+          <a:xfrm>
+            <a:off x="217714" y="581144"/>
+            <a:ext cx="6778172" cy="4766797"/>
+          </a:xfrm>
+          <a:prstGeom prst="rect">
+            <a:avLst/>
+          </a:prstGeom>
+        </p:spPr>
+      </p:pic>
+    </p:spTree>
+    <p:extLst>
+      <p:ext uri="{BB962C8B-B14F-4D97-AF65-F5344CB8AC3E}">
+        <p14:creationId xmlns:p14="http://schemas.microsoft.com/office/powerpoint/2010/main" val="3099948710"/>
+      </p:ext>
+    </p:extLst>
+  </p:cSld>
+  <p:clrMapOvr>
+    <a:masterClrMapping/>
+  </p:clrMapOvr>
+</p:sld>
+</file>
+
+<file path=ppt/slides/slide15.xml><?xml version="1.0" encoding="utf-8"?>
+<p:sld xmlns:a="http://schemas.openxmlformats.org/drawingml/2006/main" xmlns:r="http://schemas.openxmlformats.org/officeDocument/2006/relationships" xmlns:p="http://schemas.openxmlformats.org/presentationml/2006/main">
+  <p:cSld>
+    <p:spTree>
+      <p:nvGrpSpPr>
+        <p:cNvPr id="1" name=""/>
+        <p:cNvGrpSpPr/>
+        <p:nvPr/>
+      </p:nvGrpSpPr>
+      <p:grpSpPr>
+        <a:xfrm>
+          <a:off x="0" y="0"/>
+          <a:ext cx="0" cy="0"/>
+          <a:chOff x="0" y="0"/>
+          <a:chExt cx="0" cy="0"/>
+        </a:xfrm>
+      </p:grpSpPr>
+      <p:pic>
+        <p:nvPicPr>
+          <p:cNvPr id="3" name="Picture 2"/>
+          <p:cNvPicPr>
+            <a:picLocks noChangeAspect="1"/>
+          </p:cNvPicPr>
+          <p:nvPr/>
+        </p:nvPicPr>
+        <p:blipFill>
+          <a:blip r:embed="rId2"/>
+          <a:stretch>
+            <a:fillRect/>
+          </a:stretch>
+        </p:blipFill>
+        <p:spPr>
+          <a:xfrm>
+            <a:off x="0" y="116114"/>
+            <a:ext cx="12192000" cy="6641873"/>
+          </a:xfrm>
+          <a:prstGeom prst="rect">
+            <a:avLst/>
+          </a:prstGeom>
+        </p:spPr>
+      </p:pic>
+    </p:spTree>
+    <p:extLst>
+      <p:ext uri="{BB962C8B-B14F-4D97-AF65-F5344CB8AC3E}">
+        <p14:creationId xmlns:p14="http://schemas.microsoft.com/office/powerpoint/2010/main" val="1555554280"/>
+      </p:ext>
+    </p:extLst>
+  </p:cSld>
+  <p:clrMapOvr>
+    <a:masterClrMapping/>
+  </p:clrMapOvr>
+</p:sld>
+</file>
+
+<file path=ppt/slides/slide16.xml><?xml version="1.0" encoding="utf-8"?>
+<p:sld xmlns:a="http://schemas.openxmlformats.org/drawingml/2006/main" xmlns:r="http://schemas.openxmlformats.org/officeDocument/2006/relationships" xmlns:p="http://schemas.openxmlformats.org/presentationml/2006/main">
+  <p:cSld>
+    <p:spTree>
+      <p:nvGrpSpPr>
+        <p:cNvPr id="1" name=""/>
+        <p:cNvGrpSpPr/>
+        <p:nvPr/>
+      </p:nvGrpSpPr>
+      <p:grpSpPr>
+        <a:xfrm>
+          <a:off x="0" y="0"/>
+          <a:ext cx="0" cy="0"/>
+          <a:chOff x="0" y="0"/>
+          <a:chExt cx="0" cy="0"/>
+        </a:xfrm>
+      </p:grpSpPr>
+      <p:pic>
+        <p:nvPicPr>
+          <p:cNvPr id="2" name="Picture 1"/>
+          <p:cNvPicPr>
+            <a:picLocks noChangeAspect="1"/>
+          </p:cNvPicPr>
+          <p:nvPr/>
+        </p:nvPicPr>
+        <p:blipFill>
+          <a:blip r:embed="rId2"/>
+          <a:stretch>
+            <a:fillRect/>
+          </a:stretch>
+        </p:blipFill>
+        <p:spPr>
+          <a:xfrm>
+            <a:off x="217714" y="100012"/>
+            <a:ext cx="11974285" cy="6657975"/>
+          </a:xfrm>
+          <a:prstGeom prst="rect">
+            <a:avLst/>
+          </a:prstGeom>
+        </p:spPr>
+      </p:pic>
+    </p:spTree>
+    <p:extLst>
+      <p:ext uri="{BB962C8B-B14F-4D97-AF65-F5344CB8AC3E}">
+        <p14:creationId xmlns:p14="http://schemas.microsoft.com/office/powerpoint/2010/main" val="1547061356"/>
+      </p:ext>
+    </p:extLst>
+  </p:cSld>
+  <p:clrMapOvr>
+    <a:masterClrMapping/>
+  </p:clrMapOvr>
+</p:sld>
+</file>
+
+<file path=ppt/slides/slide17.xml><?xml version="1.0" encoding="utf-8"?>
+<p:sld xmlns:a="http://schemas.openxmlformats.org/drawingml/2006/main" xmlns:r="http://schemas.openxmlformats.org/officeDocument/2006/relationships" xmlns:p="http://schemas.openxmlformats.org/presentationml/2006/main">
+  <p:cSld>
+    <p:spTree>
+      <p:nvGrpSpPr>
+        <p:cNvPr id="1" name=""/>
+        <p:cNvGrpSpPr/>
+        <p:nvPr/>
+      </p:nvGrpSpPr>
+      <p:grpSpPr>
+        <a:xfrm>
+          <a:off x="0" y="0"/>
+          <a:ext cx="0" cy="0"/>
+          <a:chOff x="0" y="0"/>
+          <a:chExt cx="0" cy="0"/>
+        </a:xfrm>
+      </p:grpSpPr>
+      <p:pic>
+        <p:nvPicPr>
+          <p:cNvPr id="2" name="Picture 1"/>
+          <p:cNvPicPr>
+            <a:picLocks noChangeAspect="1"/>
+          </p:cNvPicPr>
+          <p:nvPr/>
+        </p:nvPicPr>
+        <p:blipFill>
+          <a:blip r:embed="rId2"/>
+          <a:stretch>
+            <a:fillRect/>
+          </a:stretch>
+        </p:blipFill>
+        <p:spPr>
+          <a:xfrm>
+            <a:off x="304800" y="130630"/>
+            <a:ext cx="11756571" cy="6458856"/>
+          </a:xfrm>
+          <a:prstGeom prst="rect">
+            <a:avLst/>
+          </a:prstGeom>
+        </p:spPr>
+      </p:pic>
+    </p:spTree>
+    <p:extLst>
+      <p:ext uri="{BB962C8B-B14F-4D97-AF65-F5344CB8AC3E}">
+        <p14:creationId xmlns:p14="http://schemas.microsoft.com/office/powerpoint/2010/main" val="700977356"/>
+      </p:ext>
+    </p:extLst>
+  </p:cSld>
+  <p:clrMapOvr>
+    <a:masterClrMapping/>
+  </p:clrMapOvr>
+</p:sld>
+</file>
+
+<file path=ppt/slides/slide18.xml><?xml version="1.0" encoding="utf-8"?>
+<p:sld xmlns:a="http://schemas.openxmlformats.org/drawingml/2006/main" xmlns:r="http://schemas.openxmlformats.org/officeDocument/2006/relationships" xmlns:p="http://schemas.openxmlformats.org/presentationml/2006/main">
+  <p:cSld>
+    <p:spTree>
+      <p:nvGrpSpPr>
+        <p:cNvPr id="1" name=""/>
+        <p:cNvGrpSpPr/>
+        <p:nvPr/>
+      </p:nvGrpSpPr>
+      <p:grpSpPr>
+        <a:xfrm>
+          <a:off x="0" y="0"/>
+          <a:ext cx="0" cy="0"/>
+          <a:chOff x="0" y="0"/>
+          <a:chExt cx="0" cy="0"/>
+        </a:xfrm>
+      </p:grpSpPr>
+      <p:pic>
+        <p:nvPicPr>
+          <p:cNvPr id="2" name="Picture 1"/>
+          <p:cNvPicPr>
+            <a:picLocks noChangeAspect="1"/>
+          </p:cNvPicPr>
+          <p:nvPr/>
+        </p:nvPicPr>
+        <p:blipFill>
+          <a:blip r:embed="rId2"/>
+          <a:stretch>
+            <a:fillRect/>
+          </a:stretch>
+        </p:blipFill>
+        <p:spPr>
+          <a:xfrm>
+            <a:off x="0" y="101600"/>
+            <a:ext cx="12192000" cy="6756400"/>
+          </a:xfrm>
+          <a:prstGeom prst="rect">
+            <a:avLst/>
+          </a:prstGeom>
+        </p:spPr>
+      </p:pic>
+    </p:spTree>
+    <p:extLst>
+      <p:ext uri="{BB962C8B-B14F-4D97-AF65-F5344CB8AC3E}">
+        <p14:creationId xmlns:p14="http://schemas.microsoft.com/office/powerpoint/2010/main" val="3391350016"/>
+      </p:ext>
+    </p:extLst>
+  </p:cSld>
+  <p:clrMapOvr>
+    <a:masterClrMapping/>
+  </p:clrMapOvr>
+</p:sld>
+</file>
+
+<file path=ppt/slides/slide19.xml><?xml version="1.0" encoding="utf-8"?>
+<p:sld xmlns:a="http://schemas.openxmlformats.org/drawingml/2006/main" xmlns:r="http://schemas.openxmlformats.org/officeDocument/2006/relationships" xmlns:p="http://schemas.openxmlformats.org/presentationml/2006/main">
+  <p:cSld>
+    <p:spTree>
+      <p:nvGrpSpPr>
+        <p:cNvPr id="1" name=""/>
+        <p:cNvGrpSpPr/>
+        <p:nvPr/>
+      </p:nvGrpSpPr>
+      <p:grpSpPr>
+        <a:xfrm>
+          <a:off x="0" y="0"/>
+          <a:ext cx="0" cy="0"/>
+          <a:chOff x="0" y="0"/>
+          <a:chExt cx="0" cy="0"/>
+        </a:xfrm>
+      </p:grpSpPr>
+      <p:pic>
+        <p:nvPicPr>
+          <p:cNvPr id="2" name="Picture 1"/>
+          <p:cNvPicPr>
+            <a:picLocks noChangeAspect="1"/>
+          </p:cNvPicPr>
+          <p:nvPr/>
+        </p:nvPicPr>
+        <p:blipFill>
+          <a:blip r:embed="rId2"/>
+          <a:stretch>
+            <a:fillRect/>
+          </a:stretch>
+        </p:blipFill>
+        <p:spPr>
+          <a:xfrm>
+            <a:off x="116115" y="100012"/>
+            <a:ext cx="11625942" cy="6657975"/>
+          </a:xfrm>
+          <a:prstGeom prst="rect">
+            <a:avLst/>
+          </a:prstGeom>
+        </p:spPr>
+      </p:pic>
+    </p:spTree>
+    <p:extLst>
+      <p:ext uri="{BB962C8B-B14F-4D97-AF65-F5344CB8AC3E}">
+        <p14:creationId xmlns:p14="http://schemas.microsoft.com/office/powerpoint/2010/main" val="2498356833"/>
+      </p:ext>
+    </p:extLst>
+  </p:cSld>
+  <p:clrMapOvr>
+    <a:masterClrMapping/>
+  </p:clrMapOvr>
+</p:sld>
+</file>
+
+<file path=ppt/slides/slide2.xml><?xml version="1.0" encoding="utf-8"?>
+<p:sld xmlns:a="http://schemas.openxmlformats.org/drawingml/2006/main" xmlns:r="http://schemas.openxmlformats.org/officeDocument/2006/relationships" xmlns:p="http://schemas.openxmlformats.org/presentationml/2006/main">
+  <p:cSld>
+    <p:bg>
+      <p:bgPr>
+        <a:solidFill>
+          <a:schemeClr val="bg1"/>
+        </a:solidFill>
+        <a:effectLst/>
+      </p:bgPr>
+    </p:bg>
+    <p:spTree>
+      <p:nvGrpSpPr>
+        <p:cNvPr id="1" name=""/>
+        <p:cNvGrpSpPr/>
+        <p:nvPr/>
+      </p:nvGrpSpPr>
+      <p:grpSpPr>
+        <a:xfrm>
+          <a:off x="0" y="0"/>
+          <a:ext cx="0" cy="0"/>
+          <a:chOff x="0" y="0"/>
+          <a:chExt cx="0" cy="0"/>
+        </a:xfrm>
+      </p:grpSpPr>
+      <p:sp useBgFill="1">
+        <p:nvSpPr>
+          <p:cNvPr id="14" name="Rectangle 13">
+            <a:extLst>
+              <a:ext uri="{FF2B5EF4-FFF2-40B4-BE49-F238E27FC236}">
+                <a16:creationId xmlns:a16="http://schemas.microsoft.com/office/drawing/2014/main" id="{9089EED9-F54D-4F20-A2C6-949DE4176959}"/>
+              </a:ext>
+              <a:ext uri="{C183D7F6-B498-43B3-948B-1728B52AA6E4}">
+                <adec:decorative xmlns:adec="http://schemas.microsoft.com/office/drawing/2017/decorative" xmlns="" val="1"/>
+              </a:ext>
+            </a:extLst>
+          </p:cNvPr>
+          <p:cNvSpPr>
+            <a:spLocks noGrp="1" noRot="1" noChangeAspect="1" noMove="1" noResize="1" noEditPoints="1" noAdjustHandles="1" noChangeArrowheads="1" noChangeShapeType="1" noTextEdit="1"/>
+          </p:cNvSpPr>
+          <p:nvPr>
+            <p:extLst>
+              <p:ext uri="{386F3935-93C4-4BCD-93E2-E3B085C9AB24}">
+                <p16:designElem xmlns:p16="http://schemas.microsoft.com/office/powerpoint/2015/main" val="1"/>
+              </p:ext>
+            </p:extLst>
+          </p:nvPr>
+        </p:nvSpPr>
+        <p:spPr>
+          <a:xfrm>
+            <a:off x="0" y="0"/>
+            <a:ext cx="12192000" cy="6858000"/>
+          </a:xfrm>
+          <a:prstGeom prst="rect">
+            <a:avLst/>
+          </a:prstGeom>
+          <a:ln w="12700" cap="flat" cmpd="sng" algn="ctr">
+            <a:noFill/>
+            <a:prstDash val="solid"/>
+            <a:miter lim="800000"/>
+          </a:ln>
+          <a:effectLst/>
+          <a:extLst>
+            <a:ext uri="{91240B29-F687-4F45-9708-019B960494DF}">
+              <a14:hiddenLine xmlns:a14="http://schemas.microsoft.com/office/drawing/2010/main" w="12700" cap="flat" cmpd="sng" algn="ctr">
+                <a:solidFill>
+                  <a:schemeClr val="accent1">
+                    <a:shade val="50000"/>
+                  </a:schemeClr>
+                </a:solidFill>
+                <a:prstDash val="solid"/>
+                <a:miter lim="800000"/>
+              </a14:hiddenLine>
+            </a:ext>
+          </a:extLst>
+        </p:spPr>
+        <p:style>
+          <a:lnRef idx="2">
+            <a:schemeClr val="accent1">
+              <a:shade val="50000"/>
+            </a:schemeClr>
+          </a:lnRef>
+          <a:fillRef idx="1">
+            <a:schemeClr val="accent1"/>
+          </a:fillRef>
+          <a:effectRef idx="0">
+            <a:schemeClr val="accent1"/>
+          </a:effectRef>
+          <a:fontRef idx="minor">
+            <a:schemeClr val="lt1"/>
+          </a:fontRef>
+        </p:style>
+        <p:txBody>
+          <a:bodyPr rtlCol="0" anchor="ctr"/>
+          <a:lstStyle/>
+          <a:p>
+            <a:pPr algn="ctr"/>
+            <a:endParaRPr lang="en-US"/>
+          </a:p>
+        </p:txBody>
+      </p:sp>
+      <p:sp>
+        <p:nvSpPr>
+          <p:cNvPr id="16" name="Rectangle 15">
+            <a:extLst>
+              <a:ext uri="{FF2B5EF4-FFF2-40B4-BE49-F238E27FC236}">
+                <a16:creationId xmlns:a16="http://schemas.microsoft.com/office/drawing/2014/main" id="{7E46F721-3785-414D-8697-16AF490E6806}"/>
+              </a:ext>
+              <a:ext uri="{C183D7F6-B498-43B3-948B-1728B52AA6E4}">
+                <adec:decorative xmlns:adec="http://schemas.microsoft.com/office/drawing/2017/decorative" xmlns="" val="1"/>
+              </a:ext>
+            </a:extLst>
+          </p:cNvPr>
+          <p:cNvSpPr>
+            <a:spLocks noGrp="1" noRot="1" noChangeAspect="1" noMove="1" noResize="1" noEditPoints="1" noAdjustHandles="1" noChangeArrowheads="1" noChangeShapeType="1" noTextEdit="1"/>
+          </p:cNvSpPr>
+          <p:nvPr>
+            <p:extLst>
+              <p:ext uri="{386F3935-93C4-4BCD-93E2-E3B085C9AB24}">
+                <p16:designElem xmlns:p16="http://schemas.microsoft.com/office/powerpoint/2015/main" val="1"/>
+              </p:ext>
+            </p:extLst>
+          </p:nvPr>
+        </p:nvSpPr>
+        <p:spPr>
+          <a:xfrm>
+            <a:off x="6096000" y="0"/>
+            <a:ext cx="6096000" cy="6858000"/>
+          </a:xfrm>
+          <a:prstGeom prst="rect">
+            <a:avLst/>
+          </a:prstGeom>
+          <a:solidFill>
+            <a:srgbClr val="82766A">
+              <a:alpha val="15000"/>
+            </a:srgbClr>
+          </a:solidFill>
+          <a:ln w="12700" cap="flat" cmpd="sng" algn="ctr">
+            <a:noFill/>
+            <a:prstDash val="solid"/>
+            <a:miter lim="800000"/>
+          </a:ln>
+          <a:effectLst/>
+        </p:spPr>
+        <p:style>
+          <a:lnRef idx="2">
+            <a:schemeClr val="accent1">
+              <a:shade val="50000"/>
+            </a:schemeClr>
+          </a:lnRef>
+          <a:fillRef idx="1">
+            <a:schemeClr val="accent1"/>
+          </a:fillRef>
+          <a:effectRef idx="0">
+            <a:schemeClr val="accent1"/>
+          </a:effectRef>
+          <a:fontRef idx="minor">
+            <a:schemeClr val="lt1"/>
+          </a:fontRef>
+        </p:style>
+        <p:txBody>
+          <a:bodyPr rtlCol="0" anchor="ctr"/>
+          <a:lstStyle/>
+          <a:p>
+            <a:pPr algn="ctr"/>
+            <a:endParaRPr lang="en-US"/>
+          </a:p>
+        </p:txBody>
+      </p:sp>
+      <p:sp>
+        <p:nvSpPr>
+          <p:cNvPr id="2" name="Title 1">
+            <a:extLst>
+              <a:ext uri="{FF2B5EF4-FFF2-40B4-BE49-F238E27FC236}">
+                <a16:creationId xmlns:a16="http://schemas.microsoft.com/office/drawing/2014/main" id="{F6BE85AE-A88E-9FB6-CA11-68DFB3AF2112}"/>
+              </a:ext>
+            </a:extLst>
+          </p:cNvPr>
+          <p:cNvSpPr>
+            <a:spLocks noGrp="1"/>
+          </p:cNvSpPr>
+          <p:nvPr>
+            <p:ph type="ctrTitle"/>
+          </p:nvPr>
+        </p:nvSpPr>
+        <p:spPr>
+          <a:xfrm>
+            <a:off x="7869036" y="87831"/>
+            <a:ext cx="3389515" cy="610260"/>
+          </a:xfrm>
+        </p:spPr>
+        <p:txBody>
+          <a:bodyPr anchor="b">
+            <a:normAutofit/>
+          </a:bodyPr>
+          <a:lstStyle/>
+          <a:p>
+            <a:r>
+              <a:rPr lang="en-GB" sz="3600" dirty="0">
+                <a:solidFill>
+                  <a:schemeClr val="tx1">
+                    <a:lumMod val="85000"/>
+                    <a:lumOff val="15000"/>
+                  </a:schemeClr>
+                </a:solidFill>
+              </a:rPr>
+              <a:t>Introduction</a:t>
+            </a:r>
+          </a:p>
+        </p:txBody>
+      </p:sp>
+      <p:sp>
+        <p:nvSpPr>
+          <p:cNvPr id="3" name="Subtitle 2">
+            <a:extLst>
+              <a:ext uri="{FF2B5EF4-FFF2-40B4-BE49-F238E27FC236}">
+                <a16:creationId xmlns:a16="http://schemas.microsoft.com/office/drawing/2014/main" id="{25C49F12-3CC8-DDFB-DA23-E297CAFDE212}"/>
+              </a:ext>
+            </a:extLst>
+          </p:cNvPr>
+          <p:cNvSpPr>
+            <a:spLocks noGrp="1"/>
+          </p:cNvSpPr>
+          <p:nvPr>
+            <p:ph type="subTitle" idx="1"/>
+          </p:nvPr>
+        </p:nvSpPr>
+        <p:spPr>
+          <a:xfrm>
+            <a:off x="8608757" y="6223886"/>
+            <a:ext cx="2895600" cy="471904"/>
+          </a:xfrm>
+        </p:spPr>
+        <p:txBody>
+          <a:bodyPr anchor="t">
+            <a:noAutofit/>
+          </a:bodyPr>
+          <a:lstStyle/>
+          <a:p>
+            <a:r>
+              <a:rPr lang="en-GB" sz="2800" dirty="0">
+                <a:solidFill>
+                  <a:schemeClr val="tx1">
+                    <a:lumMod val="85000"/>
+                    <a:lumOff val="15000"/>
+                  </a:schemeClr>
+                </a:solidFill>
+              </a:rPr>
+              <a:t>Lavanya</a:t>
+            </a:r>
+          </a:p>
+        </p:txBody>
+      </p:sp>
+      <p:pic>
+        <p:nvPicPr>
+          <p:cNvPr id="4" name="Picture 3">
+            <a:extLst>
+              <a:ext uri="{FF2B5EF4-FFF2-40B4-BE49-F238E27FC236}">
+                <a16:creationId xmlns:a16="http://schemas.microsoft.com/office/drawing/2014/main" id="{BFE212EB-26DC-4C57-1114-4A6F6164C534}"/>
+              </a:ext>
+            </a:extLst>
+          </p:cNvPr>
+          <p:cNvPicPr>
+            <a:picLocks noChangeAspect="1"/>
+          </p:cNvPicPr>
+          <p:nvPr/>
+        </p:nvPicPr>
+        <p:blipFill rotWithShape="1">
+          <a:blip r:embed="rId3"/>
+          <a:srcRect l="2005" r="469" b="-2"/>
+          <a:stretch/>
+        </p:blipFill>
+        <p:spPr>
+          <a:xfrm>
+            <a:off x="20" y="1"/>
+            <a:ext cx="7665573" cy="6857999"/>
+          </a:xfrm>
+          <a:custGeom>
+            <a:avLst/>
+            <a:gdLst/>
+            <a:ahLst/>
+            <a:cxnLst/>
+            <a:rect l="l" t="t" r="r" b="b"/>
+            <a:pathLst>
+              <a:path w="7665593" h="6857999">
+                <a:moveTo>
+                  <a:pt x="0" y="0"/>
+                </a:moveTo>
+                <a:lnTo>
+                  <a:pt x="7363783" y="0"/>
+                </a:lnTo>
+                <a:lnTo>
+                  <a:pt x="7372954" y="18152"/>
+                </a:lnTo>
+                <a:cubicBezTo>
+                  <a:pt x="7378508" y="27417"/>
+                  <a:pt x="7383821" y="35694"/>
+                  <a:pt x="7386404" y="41707"/>
+                </a:cubicBezTo>
+                <a:lnTo>
+                  <a:pt x="7389058" y="60832"/>
+                </a:lnTo>
+                <a:lnTo>
+                  <a:pt x="7394074" y="60137"/>
+                </a:lnTo>
+                <a:lnTo>
+                  <a:pt x="7394443" y="67241"/>
+                </a:lnTo>
+                <a:lnTo>
+                  <a:pt x="7394565" y="83099"/>
+                </a:lnTo>
+                <a:cubicBezTo>
+                  <a:pt x="7395324" y="92994"/>
+                  <a:pt x="7394122" y="120511"/>
+                  <a:pt x="7395957" y="130584"/>
+                </a:cubicBezTo>
+                <a:cubicBezTo>
+                  <a:pt x="7401306" y="133490"/>
+                  <a:pt x="7404223" y="137975"/>
+                  <a:pt x="7405574" y="143540"/>
+                </a:cubicBezTo>
+                <a:lnTo>
+                  <a:pt x="7405725" y="155795"/>
+                </a:lnTo>
+                <a:lnTo>
+                  <a:pt x="7418615" y="226869"/>
+                </a:lnTo>
+                <a:lnTo>
+                  <a:pt x="7419579" y="236641"/>
+                </a:lnTo>
+                <a:lnTo>
+                  <a:pt x="7423900" y="241933"/>
+                </a:lnTo>
+                <a:cubicBezTo>
+                  <a:pt x="7424763" y="245974"/>
+                  <a:pt x="7424206" y="257579"/>
+                  <a:pt x="7424760" y="260885"/>
+                </a:cubicBezTo>
+                <a:cubicBezTo>
+                  <a:pt x="7425580" y="261177"/>
+                  <a:pt x="7426400" y="261469"/>
+                  <a:pt x="7427220" y="261761"/>
+                </a:cubicBezTo>
+                <a:cubicBezTo>
+                  <a:pt x="7431152" y="272291"/>
+                  <a:pt x="7444241" y="311893"/>
+                  <a:pt x="7448344" y="324055"/>
+                </a:cubicBezTo>
+                <a:cubicBezTo>
+                  <a:pt x="7444563" y="326484"/>
+                  <a:pt x="7450535" y="331924"/>
+                  <a:pt x="7451833" y="334727"/>
+                </a:cubicBezTo>
+                <a:cubicBezTo>
+                  <a:pt x="7449286" y="335161"/>
+                  <a:pt x="7448510" y="341947"/>
+                  <a:pt x="7450776" y="343948"/>
+                </a:cubicBezTo>
+                <a:cubicBezTo>
+                  <a:pt x="7463202" y="391652"/>
+                  <a:pt x="7437523" y="367773"/>
+                  <a:pt x="7453791" y="395003"/>
+                </a:cubicBezTo>
+                <a:cubicBezTo>
+                  <a:pt x="7454869" y="399820"/>
+                  <a:pt x="7453841" y="403723"/>
+                  <a:pt x="7451939" y="407147"/>
+                </a:cubicBezTo>
+                <a:lnTo>
+                  <a:pt x="7448030" y="412254"/>
+                </a:lnTo>
+                <a:lnTo>
+                  <a:pt x="7455416" y="432021"/>
+                </a:lnTo>
+                <a:cubicBezTo>
+                  <a:pt x="7457991" y="441758"/>
+                  <a:pt x="7459699" y="452007"/>
+                  <a:pt x="7460479" y="462523"/>
+                </a:cubicBezTo>
+                <a:cubicBezTo>
+                  <a:pt x="7455275" y="464882"/>
+                  <a:pt x="7462669" y="473136"/>
+                  <a:pt x="7464133" y="477020"/>
+                </a:cubicBezTo>
+                <a:cubicBezTo>
+                  <a:pt x="7460734" y="477060"/>
+                  <a:pt x="7459104" y="485663"/>
+                  <a:pt x="7461914" y="488716"/>
+                </a:cubicBezTo>
+                <a:cubicBezTo>
+                  <a:pt x="7474065" y="552879"/>
+                  <a:pt x="7442314" y="516775"/>
+                  <a:pt x="7461353" y="555280"/>
+                </a:cubicBezTo>
+                <a:cubicBezTo>
+                  <a:pt x="7462345" y="561721"/>
+                  <a:pt x="7460642" y="566553"/>
+                  <a:pt x="7457829" y="570585"/>
+                </a:cubicBezTo>
+                <a:lnTo>
+                  <a:pt x="7450804" y="577839"/>
+                </a:lnTo>
+                <a:lnTo>
+                  <a:pt x="7453309" y="583524"/>
+                </a:lnTo>
+                <a:cubicBezTo>
+                  <a:pt x="7453505" y="604977"/>
+                  <a:pt x="7446306" y="611303"/>
+                  <a:pt x="7453558" y="623785"/>
+                </a:cubicBezTo>
+                <a:cubicBezTo>
+                  <a:pt x="7438483" y="642230"/>
+                  <a:pt x="7452055" y="636019"/>
+                  <a:pt x="7454362" y="650049"/>
+                </a:cubicBezTo>
+                <a:cubicBezTo>
+                  <a:pt x="7457368" y="661117"/>
+                  <a:pt x="7463152" y="640798"/>
+                  <a:pt x="7464006" y="651645"/>
+                </a:cubicBezTo>
+                <a:cubicBezTo>
+                  <a:pt x="7460114" y="663380"/>
+                  <a:pt x="7472201" y="662829"/>
+                  <a:pt x="7467442" y="675032"/>
+                </a:cubicBezTo>
+                <a:cubicBezTo>
+                  <a:pt x="7458335" y="672068"/>
+                  <a:pt x="7469207" y="699114"/>
+                  <a:pt x="7461251" y="699956"/>
+                </a:cubicBezTo>
+                <a:cubicBezTo>
+                  <a:pt x="7472628" y="710321"/>
+                  <a:pt x="7458614" y="715529"/>
+                  <a:pt x="7462119" y="729331"/>
+                </a:cubicBezTo>
+                <a:cubicBezTo>
+                  <a:pt x="7466423" y="735831"/>
+                  <a:pt x="7467162" y="740521"/>
+                  <a:pt x="7462533" y="746910"/>
+                </a:cubicBezTo>
+                <a:cubicBezTo>
+                  <a:pt x="7483486" y="776851"/>
+                  <a:pt x="7463470" y="765024"/>
+                  <a:pt x="7471529" y="793043"/>
+                </a:cubicBezTo>
+                <a:cubicBezTo>
+                  <a:pt x="7480002" y="817184"/>
+                  <a:pt x="7485500" y="844550"/>
+                  <a:pt x="7505730" y="867898"/>
+                </a:cubicBezTo>
+                <a:cubicBezTo>
+                  <a:pt x="7511461" y="872184"/>
+                  <a:pt x="7513630" y="882707"/>
+                  <a:pt x="7510576" y="891400"/>
+                </a:cubicBezTo>
+                <a:cubicBezTo>
+                  <a:pt x="7510049" y="892894"/>
+                  <a:pt x="7509385" y="894278"/>
+                  <a:pt x="7508604" y="895508"/>
+                </a:cubicBezTo>
+                <a:cubicBezTo>
+                  <a:pt x="7511698" y="915692"/>
+                  <a:pt x="7525520" y="989520"/>
+                  <a:pt x="7529143" y="1012510"/>
+                </a:cubicBezTo>
+                <a:cubicBezTo>
+                  <a:pt x="7521781" y="1014371"/>
+                  <a:pt x="7535067" y="1025997"/>
+                  <a:pt x="7530347" y="1033444"/>
+                </a:cubicBezTo>
+                <a:cubicBezTo>
+                  <a:pt x="7526204" y="1038777"/>
+                  <a:pt x="7529270" y="1043549"/>
+                  <a:pt x="7529596" y="1049120"/>
+                </a:cubicBezTo>
+                <a:cubicBezTo>
+                  <a:pt x="7526339" y="1056460"/>
+                  <a:pt x="7532220" y="1080398"/>
+                  <a:pt x="7536437" y="1086639"/>
+                </a:cubicBezTo>
+                <a:cubicBezTo>
+                  <a:pt x="7551094" y="1101553"/>
+                  <a:pt x="7540210" y="1135442"/>
+                  <a:pt x="7551438" y="1147834"/>
+                </a:cubicBezTo>
+                <a:cubicBezTo>
+                  <a:pt x="7553086" y="1152330"/>
+                  <a:pt x="7553752" y="1156729"/>
+                  <a:pt x="7553808" y="1161047"/>
+                </a:cubicBezTo>
+                <a:lnTo>
+                  <a:pt x="7552572" y="1173130"/>
+                </a:lnTo>
+                <a:lnTo>
+                  <a:pt x="7549434" y="1176566"/>
+                </a:lnTo>
+                <a:lnTo>
+                  <a:pt x="7550211" y="1183950"/>
+                </a:lnTo>
+                <a:lnTo>
+                  <a:pt x="7549733" y="1186066"/>
+                </a:lnTo>
+                <a:cubicBezTo>
+                  <a:pt x="7548807" y="1190108"/>
+                  <a:pt x="7548001" y="1194099"/>
+                  <a:pt x="7547683" y="1198047"/>
+                </a:cubicBezTo>
+                <a:cubicBezTo>
+                  <a:pt x="7563423" y="1192855"/>
+                  <a:pt x="7547566" y="1230782"/>
+                  <a:pt x="7560295" y="1219849"/>
+                </a:cubicBezTo>
+                <a:cubicBezTo>
+                  <a:pt x="7561281" y="1240644"/>
+                  <a:pt x="7573138" y="1224782"/>
+                  <a:pt x="7561835" y="1249779"/>
+                </a:cubicBezTo>
+                <a:cubicBezTo>
+                  <a:pt x="7574707" y="1282065"/>
+                  <a:pt x="7569916" y="1332957"/>
+                  <a:pt x="7589445" y="1358245"/>
+                </a:cubicBezTo>
+                <a:cubicBezTo>
+                  <a:pt x="7581989" y="1355103"/>
+                  <a:pt x="7576204" y="1368711"/>
+                  <a:pt x="7579904" y="1378136"/>
+                </a:cubicBezTo>
+                <a:cubicBezTo>
+                  <a:pt x="7550647" y="1367117"/>
+                  <a:pt x="7606267" y="1415404"/>
+                  <a:pt x="7586303" y="1423699"/>
+                </a:cubicBezTo>
+                <a:cubicBezTo>
+                  <a:pt x="7604838" y="1424108"/>
+                  <a:pt x="7636267" y="1466352"/>
+                  <a:pt x="7621059" y="1486236"/>
+                </a:cubicBezTo>
+                <a:cubicBezTo>
+                  <a:pt x="7624771" y="1516526"/>
+                  <a:pt x="7640092" y="1537976"/>
+                  <a:pt x="7633966" y="1569734"/>
+                </a:cubicBezTo>
+                <a:cubicBezTo>
+                  <a:pt x="7636447" y="1570719"/>
+                  <a:pt x="7638522" y="1572334"/>
+                  <a:pt x="7640304" y="1574384"/>
+                </a:cubicBezTo>
+                <a:lnTo>
+                  <a:pt x="7644628" y="1581242"/>
+                </a:lnTo>
+                <a:lnTo>
+                  <a:pt x="7644313" y="1582567"/>
+                </a:lnTo>
+                <a:cubicBezTo>
+                  <a:pt x="7644257" y="1587776"/>
+                  <a:pt x="7645302" y="1590443"/>
+                  <a:pt x="7646831" y="1591983"/>
+                </a:cubicBezTo>
+                <a:cubicBezTo>
+                  <a:pt x="7647577" y="1592347"/>
+                  <a:pt x="7648323" y="1592711"/>
+                  <a:pt x="7649069" y="1593074"/>
+                </a:cubicBezTo>
+                <a:lnTo>
+                  <a:pt x="7651326" y="1599230"/>
+                </a:lnTo>
+                <a:lnTo>
+                  <a:pt x="7657195" y="1610539"/>
+                </a:lnTo>
+                <a:lnTo>
+                  <a:pt x="7656957" y="1613422"/>
+                </a:lnTo>
+                <a:lnTo>
+                  <a:pt x="7663730" y="1631673"/>
+                </a:lnTo>
+                <a:lnTo>
+                  <a:pt x="7663189" y="1632289"/>
+                </a:lnTo>
+                <a:cubicBezTo>
+                  <a:pt x="7662131" y="1634085"/>
+                  <a:pt x="7661641" y="1636199"/>
+                  <a:pt x="7662326" y="1639024"/>
+                </a:cubicBezTo>
+                <a:cubicBezTo>
+                  <a:pt x="7651979" y="1640024"/>
+                  <a:pt x="7659188" y="1642819"/>
+                  <a:pt x="7662125" y="1651067"/>
+                </a:cubicBezTo>
+                <a:cubicBezTo>
+                  <a:pt x="7646711" y="1654462"/>
+                  <a:pt x="7660667" y="1674670"/>
+                  <a:pt x="7653812" y="1683345"/>
+                </a:cubicBezTo>
+                <a:cubicBezTo>
+                  <a:pt x="7656316" y="1689330"/>
+                  <a:pt x="7658683" y="1695719"/>
+                  <a:pt x="7660803" y="1702414"/>
+                </a:cubicBezTo>
+                <a:lnTo>
+                  <a:pt x="7661867" y="1756201"/>
+                </a:lnTo>
+                <a:lnTo>
+                  <a:pt x="7649453" y="1812530"/>
+                </a:lnTo>
+                <a:cubicBezTo>
+                  <a:pt x="7649183" y="1833366"/>
+                  <a:pt x="7644573" y="1851408"/>
+                  <a:pt x="7647823" y="1869041"/>
+                </a:cubicBezTo>
+                <a:cubicBezTo>
+                  <a:pt x="7644238" y="1876204"/>
+                  <a:pt x="7642789" y="1882956"/>
+                  <a:pt x="7648156" y="1889503"/>
+                </a:cubicBezTo>
+                <a:cubicBezTo>
+                  <a:pt x="7646365" y="1908946"/>
+                  <a:pt x="7638702" y="1913653"/>
+                  <a:pt x="7644679" y="1925974"/>
+                </a:cubicBezTo>
+                <a:cubicBezTo>
+                  <a:pt x="7632281" y="1936898"/>
+                  <a:pt x="7637013" y="1937545"/>
+                  <a:pt x="7640564" y="1942678"/>
+                </a:cubicBezTo>
+                <a:lnTo>
+                  <a:pt x="7640816" y="1943410"/>
+                </a:lnTo>
+                <a:lnTo>
+                  <a:pt x="7639044" y="1944904"/>
+                </a:lnTo>
+                <a:lnTo>
+                  <a:pt x="7638223" y="1947993"/>
+                </a:lnTo>
+                <a:lnTo>
+                  <a:pt x="7638752" y="1956430"/>
+                </a:lnTo>
+                <a:lnTo>
+                  <a:pt x="7639407" y="1959603"/>
+                </a:lnTo>
+                <a:cubicBezTo>
+                  <a:pt x="7639690" y="1961788"/>
+                  <a:pt x="7639658" y="1963239"/>
+                  <a:pt x="7639396" y="1964244"/>
+                </a:cubicBezTo>
+                <a:lnTo>
+                  <a:pt x="7639249" y="1964361"/>
+                </a:lnTo>
+                <a:lnTo>
+                  <a:pt x="7639521" y="1968708"/>
+                </a:lnTo>
+                <a:cubicBezTo>
+                  <a:pt x="7640315" y="1976045"/>
+                  <a:pt x="7641402" y="1983186"/>
+                  <a:pt x="7642694" y="1989983"/>
+                </a:cubicBezTo>
+                <a:cubicBezTo>
+                  <a:pt x="7634556" y="1995729"/>
+                  <a:pt x="7644169" y="2020842"/>
+                  <a:pt x="7628828" y="2018094"/>
+                </a:cubicBezTo>
+                <a:cubicBezTo>
+                  <a:pt x="7630116" y="2027262"/>
+                  <a:pt x="7636485" y="2032807"/>
+                  <a:pt x="7626423" y="2029720"/>
+                </a:cubicBezTo>
+                <a:cubicBezTo>
+                  <a:pt x="7626559" y="2032738"/>
+                  <a:pt x="7625703" y="2034598"/>
+                  <a:pt x="7624364" y="2035929"/>
+                </a:cubicBezTo>
+                <a:lnTo>
+                  <a:pt x="7623733" y="2036314"/>
+                </a:lnTo>
+                <a:lnTo>
+                  <a:pt x="7626847" y="2056711"/>
+                </a:lnTo>
+                <a:lnTo>
+                  <a:pt x="7626090" y="2059419"/>
+                </a:lnTo>
+                <a:lnTo>
+                  <a:pt x="7629618" y="2072712"/>
+                </a:lnTo>
+                <a:lnTo>
+                  <a:pt x="7630641" y="2079581"/>
+                </a:lnTo>
+                <a:lnTo>
+                  <a:pt x="7632577" y="2081522"/>
+                </a:lnTo>
+                <a:cubicBezTo>
+                  <a:pt x="7633753" y="2083617"/>
+                  <a:pt x="7634261" y="2086620"/>
+                  <a:pt x="7633251" y="2091658"/>
+                </a:cubicBezTo>
+                <a:lnTo>
+                  <a:pt x="7632707" y="2092825"/>
+                </a:lnTo>
+                <a:lnTo>
+                  <a:pt x="7635575" y="2101184"/>
+                </a:lnTo>
+                <a:cubicBezTo>
+                  <a:pt x="7636900" y="2103876"/>
+                  <a:pt x="7638586" y="2106260"/>
+                  <a:pt x="7640772" y="2108190"/>
+                </a:cubicBezTo>
+                <a:cubicBezTo>
+                  <a:pt x="7629093" y="2136655"/>
+                  <a:pt x="7639778" y="2163513"/>
+                  <a:pt x="7637758" y="2194409"/>
+                </a:cubicBezTo>
+                <a:cubicBezTo>
+                  <a:pt x="7619585" y="2207765"/>
+                  <a:pt x="7641835" y="2261154"/>
+                  <a:pt x="7659453" y="2268824"/>
+                </a:cubicBezTo>
+                <a:cubicBezTo>
+                  <a:pt x="7644015" y="2268997"/>
+                  <a:pt x="7665037" y="2307714"/>
+                  <a:pt x="7665583" y="2317700"/>
+                </a:cubicBezTo>
+                <a:cubicBezTo>
+                  <a:pt x="7665764" y="2321029"/>
+                  <a:pt x="7663671" y="2321166"/>
+                  <a:pt x="7657195" y="2315619"/>
+                </a:cubicBezTo>
+                <a:cubicBezTo>
+                  <a:pt x="7658997" y="2326231"/>
+                  <a:pt x="7650972" y="2337185"/>
+                  <a:pt x="7644431" y="2331209"/>
+                </a:cubicBezTo>
+                <a:cubicBezTo>
+                  <a:pt x="7658433" y="2363448"/>
+                  <a:pt x="7644510" y="2411031"/>
+                  <a:pt x="7650869" y="2447461"/>
+                </a:cubicBezTo>
+                <a:cubicBezTo>
+                  <a:pt x="7635485" y="2467322"/>
+                  <a:pt x="7649719" y="2456555"/>
+                  <a:pt x="7646841" y="2477156"/>
+                </a:cubicBezTo>
+                <a:cubicBezTo>
+                  <a:pt x="7661004" y="2471521"/>
+                  <a:pt x="7638896" y="2502164"/>
+                  <a:pt x="7654880" y="2503292"/>
+                </a:cubicBezTo>
+                <a:cubicBezTo>
+                  <a:pt x="7653849" y="2507005"/>
+                  <a:pt x="7652348" y="2510567"/>
+                  <a:pt x="7650720" y="2514131"/>
+                </a:cubicBezTo>
+                <a:lnTo>
+                  <a:pt x="7649876" y="2516003"/>
+                </a:lnTo>
+                <a:lnTo>
+                  <a:pt x="7649263" y="2523483"/>
+                </a:lnTo>
+                <a:lnTo>
+                  <a:pt x="7645633" y="2525592"/>
+                </a:lnTo>
+                <a:lnTo>
+                  <a:pt x="7642233" y="2536851"/>
+                </a:lnTo>
+                <a:cubicBezTo>
+                  <a:pt x="7641494" y="2541069"/>
+                  <a:pt x="7641323" y="2545607"/>
+                  <a:pt x="7642069" y="2550622"/>
+                </a:cubicBezTo>
+                <a:cubicBezTo>
+                  <a:pt x="7648404" y="2562959"/>
+                  <a:pt x="7640640" y="2582170"/>
+                  <a:pt x="7641110" y="2599544"/>
+                </a:cubicBezTo>
+                <a:lnTo>
+                  <a:pt x="7643071" y="2607523"/>
+                </a:lnTo>
+                <a:lnTo>
+                  <a:pt x="7639801" y="2633566"/>
+                </a:lnTo>
+                <a:cubicBezTo>
+                  <a:pt x="7639166" y="2640978"/>
+                  <a:pt x="7638833" y="2648672"/>
+                  <a:pt x="7639065" y="2656773"/>
+                </a:cubicBezTo>
+                <a:lnTo>
+                  <a:pt x="7640624" y="2671810"/>
+                </a:lnTo>
+                <a:lnTo>
+                  <a:pt x="7639332" y="2675751"/>
+                </a:lnTo>
+                <a:cubicBezTo>
+                  <a:pt x="7639476" y="2682617"/>
+                  <a:pt x="7644027" y="2691703"/>
+                  <a:pt x="7638498" y="2690893"/>
+                </a:cubicBezTo>
+                <a:lnTo>
+                  <a:pt x="7640415" y="2698606"/>
+                </a:lnTo>
+                <a:lnTo>
+                  <a:pt x="7636002" y="2706218"/>
+                </a:lnTo>
+                <a:cubicBezTo>
+                  <a:pt x="7634978" y="2707053"/>
+                  <a:pt x="7633887" y="2707679"/>
+                  <a:pt x="7632770" y="2708079"/>
+                </a:cubicBezTo>
+                <a:lnTo>
+                  <a:pt x="7634220" y="2718854"/>
+                </a:lnTo>
+                <a:lnTo>
+                  <a:pt x="7631061" y="2727688"/>
+                </a:lnTo>
+                <a:lnTo>
+                  <a:pt x="7633127" y="2735389"/>
+                </a:lnTo>
+                <a:lnTo>
+                  <a:pt x="7632661" y="2738584"/>
+                </a:lnTo>
+                <a:lnTo>
+                  <a:pt x="7631098" y="2746529"/>
+                </a:lnTo>
+                <a:cubicBezTo>
+                  <a:pt x="7630002" y="2750602"/>
+                  <a:pt x="7628681" y="2755160"/>
+                  <a:pt x="7627624" y="2760235"/>
+                </a:cubicBezTo>
+                <a:lnTo>
+                  <a:pt x="7627140" y="2764511"/>
+                </a:lnTo>
+                <a:lnTo>
+                  <a:pt x="7621827" y="2773820"/>
+                </a:lnTo>
+                <a:cubicBezTo>
+                  <a:pt x="7617811" y="2780593"/>
+                  <a:pt x="7615104" y="2785923"/>
+                  <a:pt x="7617284" y="2791840"/>
+                </a:cubicBezTo>
+                <a:cubicBezTo>
+                  <a:pt x="7612094" y="2801924"/>
+                  <a:pt x="7597550" y="2808970"/>
+                  <a:pt x="7601430" y="2823567"/>
+                </a:cubicBezTo>
+                <a:cubicBezTo>
+                  <a:pt x="7594841" y="2819137"/>
+                  <a:pt x="7600633" y="2839778"/>
+                  <a:pt x="7593865" y="2842217"/>
+                </a:cubicBezTo>
+                <a:cubicBezTo>
+                  <a:pt x="7588415" y="2843342"/>
+                  <a:pt x="7588901" y="2849866"/>
+                  <a:pt x="7586893" y="2854834"/>
+                </a:cubicBezTo>
+                <a:cubicBezTo>
+                  <a:pt x="7581327" y="2858374"/>
+                  <a:pt x="7576244" y="2883372"/>
+                  <a:pt x="7577046" y="2892075"/>
+                </a:cubicBezTo>
+                <a:cubicBezTo>
+                  <a:pt x="7582584" y="2916606"/>
+                  <a:pt x="7560175" y="2936338"/>
+                  <a:pt x="7564026" y="2955950"/>
+                </a:cubicBezTo>
+                <a:cubicBezTo>
+                  <a:pt x="7563501" y="2961086"/>
+                  <a:pt x="7562240" y="2965343"/>
+                  <a:pt x="7560529" y="2969031"/>
+                </a:cubicBezTo>
+                <a:lnTo>
+                  <a:pt x="7554631" y="2978222"/>
+                </a:lnTo>
+                <a:lnTo>
+                  <a:pt x="7550747" y="2978564"/>
+                </a:lnTo>
+                <a:lnTo>
+                  <a:pt x="7548359" y="2985429"/>
+                </a:lnTo>
+                <a:lnTo>
+                  <a:pt x="7547120" y="2986826"/>
+                </a:lnTo>
+                <a:cubicBezTo>
+                  <a:pt x="7544741" y="2989483"/>
+                  <a:pt x="7542480" y="2992194"/>
+                  <a:pt x="7540621" y="2995267"/>
+                </a:cubicBezTo>
+                <a:cubicBezTo>
+                  <a:pt x="7555200" y="3003715"/>
+                  <a:pt x="7527208" y="3022799"/>
+                  <a:pt x="7541739" y="3023946"/>
+                </a:cubicBezTo>
+                <a:cubicBezTo>
+                  <a:pt x="7534059" y="3042303"/>
+                  <a:pt x="7549904" y="3038579"/>
+                  <a:pt x="7530781" y="3050462"/>
+                </a:cubicBezTo>
+                <a:cubicBezTo>
+                  <a:pt x="7527838" y="3088204"/>
+                  <a:pt x="7503338" y="3127251"/>
+                  <a:pt x="7508515" y="3164510"/>
+                </a:cubicBezTo>
+                <a:cubicBezTo>
+                  <a:pt x="7503888" y="3155782"/>
+                  <a:pt x="7493770" y="3162549"/>
+                  <a:pt x="7492866" y="3173520"/>
+                </a:cubicBezTo>
+                <a:cubicBezTo>
+                  <a:pt x="7474179" y="3140376"/>
+                  <a:pt x="7498581" y="3226463"/>
+                  <a:pt x="7479395" y="3217191"/>
+                </a:cubicBezTo>
+                <a:cubicBezTo>
+                  <a:pt x="7493905" y="3232643"/>
+                  <a:pt x="7501608" y="3293915"/>
+                  <a:pt x="7481475" y="3298298"/>
+                </a:cubicBezTo>
+                <a:cubicBezTo>
+                  <a:pt x="7472089" y="3326890"/>
+                  <a:pt x="7475493" y="3357480"/>
+                  <a:pt x="7457722" y="3379292"/>
+                </a:cubicBezTo>
+                <a:cubicBezTo>
+                  <a:pt x="7459285" y="3382143"/>
+                  <a:pt x="7460273" y="3385199"/>
+                  <a:pt x="7460850" y="3388381"/>
+                </a:cubicBezTo>
+                <a:lnTo>
+                  <a:pt x="7461482" y="3397694"/>
+                </a:lnTo>
+                <a:lnTo>
+                  <a:pt x="7460695" y="3398556"/>
+                </a:lnTo>
+                <a:cubicBezTo>
+                  <a:pt x="7458532" y="3402904"/>
+                  <a:pt x="7458275" y="3406007"/>
+                  <a:pt x="7458858" y="3408553"/>
+                </a:cubicBezTo>
+                <a:lnTo>
+                  <a:pt x="7460185" y="3411299"/>
+                </a:lnTo>
+                <a:lnTo>
+                  <a:pt x="7459468" y="3418333"/>
+                </a:lnTo>
+                <a:lnTo>
+                  <a:pt x="7459515" y="3432662"/>
+                </a:lnTo>
+                <a:lnTo>
+                  <a:pt x="7458154" y="3434902"/>
+                </a:lnTo>
+                <a:lnTo>
+                  <a:pt x="7456091" y="3455825"/>
+                </a:lnTo>
+                <a:cubicBezTo>
+                  <a:pt x="7455865" y="3455850"/>
+                  <a:pt x="7455638" y="3455877"/>
+                  <a:pt x="7455413" y="3455903"/>
+                </a:cubicBezTo>
+                <a:cubicBezTo>
+                  <a:pt x="7453843" y="3456557"/>
+                  <a:pt x="7452596" y="3457940"/>
+                  <a:pt x="7451989" y="3460886"/>
+                </a:cubicBezTo>
+                <a:cubicBezTo>
+                  <a:pt x="7443388" y="3453296"/>
+                  <a:pt x="7447961" y="3461529"/>
+                  <a:pt x="7446929" y="3470886"/>
+                </a:cubicBezTo>
+                <a:cubicBezTo>
+                  <a:pt x="7433341" y="3461186"/>
+                  <a:pt x="7436171" y="3489615"/>
+                  <a:pt x="7427213" y="3491353"/>
+                </a:cubicBezTo>
+                <a:cubicBezTo>
+                  <a:pt x="7426761" y="3498443"/>
+                  <a:pt x="7426037" y="3505767"/>
+                  <a:pt x="7424990" y="3513143"/>
+                </a:cubicBezTo>
+                <a:lnTo>
+                  <a:pt x="7424186" y="3517424"/>
+                </a:lnTo>
+                <a:cubicBezTo>
+                  <a:pt x="7424132" y="3517438"/>
+                  <a:pt x="7424077" y="3517453"/>
+                  <a:pt x="7424024" y="3517467"/>
+                </a:cubicBezTo>
+                <a:cubicBezTo>
+                  <a:pt x="7423536" y="3518305"/>
+                  <a:pt x="7423153" y="3519678"/>
+                  <a:pt x="7422883" y="3521896"/>
+                </a:cubicBezTo>
+                <a:lnTo>
+                  <a:pt x="7422723" y="3525229"/>
+                </a:lnTo>
+                <a:lnTo>
+                  <a:pt x="7421163" y="3533534"/>
+                </a:lnTo>
+                <a:lnTo>
+                  <a:pt x="7419650" y="3536108"/>
+                </a:lnTo>
+                <a:lnTo>
+                  <a:pt x="7417640" y="3536718"/>
+                </a:lnTo>
+                <a:lnTo>
+                  <a:pt x="7417697" y="3537534"/>
+                </a:lnTo>
+                <a:cubicBezTo>
+                  <a:pt x="7419749" y="3544077"/>
+                  <a:pt x="7423989" y="3546875"/>
+                  <a:pt x="7409814" y="3551598"/>
+                </a:cubicBezTo>
+                <a:cubicBezTo>
+                  <a:pt x="7412376" y="3566128"/>
+                  <a:pt x="7404108" y="3567090"/>
+                  <a:pt x="7397719" y="3584844"/>
+                </a:cubicBezTo>
+                <a:cubicBezTo>
+                  <a:pt x="7401116" y="3593573"/>
+                  <a:pt x="7398130" y="3599358"/>
+                  <a:pt x="7393057" y="3604546"/>
+                </a:cubicBezTo>
+                <a:cubicBezTo>
+                  <a:pt x="7391792" y="3622895"/>
+                  <a:pt x="7383125" y="3638008"/>
+                  <a:pt x="7377811" y="3657793"/>
+                </a:cubicBezTo>
+                <a:cubicBezTo>
+                  <a:pt x="7379886" y="3680874"/>
+                  <a:pt x="7366255" y="3689531"/>
+                  <a:pt x="7360624" y="3710685"/>
+                </a:cubicBezTo>
+                <a:cubicBezTo>
+                  <a:pt x="7367950" y="3731637"/>
+                  <a:pt x="7347999" y="3723947"/>
+                  <a:pt x="7341489" y="3734006"/>
+                </a:cubicBezTo>
+                <a:lnTo>
+                  <a:pt x="7340478" y="3737028"/>
+                </a:lnTo>
+                <a:lnTo>
+                  <a:pt x="7340489" y="3745476"/>
+                </a:lnTo>
+                <a:lnTo>
+                  <a:pt x="7340950" y="3748687"/>
+                </a:lnTo>
+                <a:cubicBezTo>
+                  <a:pt x="7341098" y="3750887"/>
+                  <a:pt x="7340976" y="3752333"/>
+                  <a:pt x="7340653" y="3753314"/>
+                </a:cubicBezTo>
+                <a:lnTo>
+                  <a:pt x="7340500" y="3753419"/>
+                </a:lnTo>
+                <a:lnTo>
+                  <a:pt x="7340506" y="3757774"/>
+                </a:lnTo>
+                <a:cubicBezTo>
+                  <a:pt x="7340847" y="3765147"/>
+                  <a:pt x="7341495" y="3772345"/>
+                  <a:pt x="7342369" y="3779218"/>
+                </a:cubicBezTo>
+                <a:cubicBezTo>
+                  <a:pt x="7333890" y="3784348"/>
+                  <a:pt x="7341949" y="3810090"/>
+                  <a:pt x="7326800" y="3806225"/>
+                </a:cubicBezTo>
+                <a:cubicBezTo>
+                  <a:pt x="7327524" y="3815461"/>
+                  <a:pt x="7333545" y="3821456"/>
+                  <a:pt x="7323686" y="3817640"/>
+                </a:cubicBezTo>
+                <a:cubicBezTo>
+                  <a:pt x="7323637" y="3820659"/>
+                  <a:pt x="7322668" y="3822449"/>
+                  <a:pt x="7321247" y="3823678"/>
+                </a:cubicBezTo>
+                <a:lnTo>
+                  <a:pt x="7320595" y="3824018"/>
+                </a:lnTo>
+                <a:lnTo>
+                  <a:pt x="7322453" y="3844579"/>
+                </a:lnTo>
+                <a:lnTo>
+                  <a:pt x="7321532" y="3847225"/>
+                </a:lnTo>
+                <a:lnTo>
+                  <a:pt x="7324238" y="3860736"/>
+                </a:lnTo>
+                <a:lnTo>
+                  <a:pt x="7324840" y="3867658"/>
+                </a:lnTo>
+                <a:lnTo>
+                  <a:pt x="7326655" y="3869733"/>
+                </a:lnTo>
+                <a:cubicBezTo>
+                  <a:pt x="7327701" y="3871909"/>
+                  <a:pt x="7328023" y="3874942"/>
+                  <a:pt x="7326706" y="3879891"/>
+                </a:cubicBezTo>
+                <a:lnTo>
+                  <a:pt x="7326093" y="3881013"/>
+                </a:lnTo>
+                <a:lnTo>
+                  <a:pt x="7328442" y="3889558"/>
+                </a:lnTo>
+                <a:cubicBezTo>
+                  <a:pt x="7329602" y="3892339"/>
+                  <a:pt x="7331138" y="3894839"/>
+                  <a:pt x="7333203" y="3896924"/>
+                </a:cubicBezTo>
+                <a:cubicBezTo>
+                  <a:pt x="7319795" y="3924445"/>
+                  <a:pt x="7328820" y="3952004"/>
+                  <a:pt x="7324908" y="3982658"/>
+                </a:cubicBezTo>
+                <a:cubicBezTo>
+                  <a:pt x="7325522" y="4017325"/>
+                  <a:pt x="7327874" y="4041416"/>
+                  <a:pt x="7327588" y="4064228"/>
+                </a:cubicBezTo>
+                <a:cubicBezTo>
+                  <a:pt x="7328735" y="4074940"/>
+                  <a:pt x="7329351" y="4153102"/>
+                  <a:pt x="7323186" y="4146664"/>
+                </a:cubicBezTo>
+                <a:cubicBezTo>
+                  <a:pt x="7335189" y="4179829"/>
+                  <a:pt x="7318370" y="4199117"/>
+                  <a:pt x="7322488" y="4235901"/>
+                </a:cubicBezTo>
+                <a:cubicBezTo>
+                  <a:pt x="7305909" y="4254573"/>
+                  <a:pt x="7320783" y="4244884"/>
+                  <a:pt x="7316645" y="4265209"/>
+                </a:cubicBezTo>
+                <a:cubicBezTo>
+                  <a:pt x="7331133" y="4260631"/>
+                  <a:pt x="7307179" y="4289560"/>
+                  <a:pt x="7323069" y="4291857"/>
+                </a:cubicBezTo>
+                <a:cubicBezTo>
+                  <a:pt x="7321814" y="4295483"/>
+                  <a:pt x="7320095" y="4298923"/>
+                  <a:pt x="7318251" y="4302359"/>
+                </a:cubicBezTo>
+                <a:lnTo>
+                  <a:pt x="7317295" y="4304161"/>
+                </a:lnTo>
+                <a:lnTo>
+                  <a:pt x="7316223" y="4311573"/>
+                </a:lnTo>
+                <a:lnTo>
+                  <a:pt x="7312469" y="4313411"/>
+                </a:lnTo>
+                <a:lnTo>
+                  <a:pt x="7306447" y="4403491"/>
+                </a:lnTo>
+                <a:cubicBezTo>
+                  <a:pt x="7308849" y="4411399"/>
+                  <a:pt x="7308497" y="4436984"/>
+                  <a:pt x="7303688" y="4442497"/>
+                </a:cubicBezTo>
+                <a:cubicBezTo>
+                  <a:pt x="7302637" y="4447969"/>
+                  <a:pt x="7304327" y="4453942"/>
+                  <a:pt x="7299181" y="4457128"/>
+                </a:cubicBezTo>
+                <a:cubicBezTo>
+                  <a:pt x="7296154" y="4469016"/>
+                  <a:pt x="7289197" y="4496240"/>
+                  <a:pt x="7285530" y="4513823"/>
+                </a:cubicBezTo>
+                <a:cubicBezTo>
+                  <a:pt x="7288769" y="4518560"/>
+                  <a:pt x="7287100" y="4524649"/>
+                  <a:pt x="7284412" y="4532609"/>
+                </a:cubicBezTo>
+                <a:lnTo>
+                  <a:pt x="7282601" y="4540125"/>
+                </a:lnTo>
+                <a:lnTo>
+                  <a:pt x="7291785" y="4563650"/>
+                </a:lnTo>
+                <a:lnTo>
+                  <a:pt x="7284191" y="4636427"/>
+                </a:lnTo>
+                <a:lnTo>
+                  <a:pt x="7292797" y="4672055"/>
+                </a:lnTo>
+                <a:cubicBezTo>
+                  <a:pt x="7294304" y="4686552"/>
+                  <a:pt x="7294421" y="4700466"/>
+                  <a:pt x="7295425" y="4713953"/>
+                </a:cubicBezTo>
+                <a:cubicBezTo>
+                  <a:pt x="7296104" y="4744441"/>
+                  <a:pt x="7280378" y="4723911"/>
+                  <a:pt x="7292574" y="4762180"/>
+                </a:cubicBezTo>
+                <a:cubicBezTo>
+                  <a:pt x="7286719" y="4766152"/>
+                  <a:pt x="7286266" y="4770971"/>
+                  <a:pt x="7288689" y="4779168"/>
+                </a:cubicBezTo>
+                <a:cubicBezTo>
+                  <a:pt x="7288592" y="4793971"/>
+                  <a:pt x="7274303" y="4792486"/>
+                  <a:pt x="7282355" y="4807636"/>
+                </a:cubicBezTo>
+                <a:cubicBezTo>
+                  <a:pt x="7278556" y="4806204"/>
+                  <a:pt x="7277539" y="4813202"/>
+                  <a:pt x="7276505" y="4819678"/>
+                </a:cubicBezTo>
+                <a:lnTo>
+                  <a:pt x="7273752" y="4823797"/>
+                </a:lnTo>
+                <a:lnTo>
+                  <a:pt x="7283683" y="4847794"/>
+                </a:lnTo>
+                <a:cubicBezTo>
+                  <a:pt x="7296832" y="4890479"/>
+                  <a:pt x="7302379" y="4941877"/>
+                  <a:pt x="7311552" y="4978326"/>
+                </a:cubicBezTo>
+                <a:cubicBezTo>
+                  <a:pt x="7284161" y="4998846"/>
+                  <a:pt x="7309660" y="4989594"/>
+                  <a:pt x="7304880" y="5015024"/>
+                </a:cubicBezTo>
+                <a:cubicBezTo>
+                  <a:pt x="7330355" y="5012307"/>
+                  <a:pt x="7291032" y="5044485"/>
+                  <a:pt x="7319932" y="5050993"/>
+                </a:cubicBezTo>
+                <a:cubicBezTo>
+                  <a:pt x="7318148" y="5055414"/>
+                  <a:pt x="7315506" y="5059493"/>
+                  <a:pt x="7312641" y="5063537"/>
+                </a:cubicBezTo>
+                <a:lnTo>
+                  <a:pt x="7311153" y="5065661"/>
+                </a:lnTo>
+                <a:lnTo>
+                  <a:pt x="7310197" y="5075032"/>
+                </a:lnTo>
+                <a:lnTo>
+                  <a:pt x="7303683" y="5076576"/>
+                </a:lnTo>
+                <a:lnTo>
+                  <a:pt x="7297768" y="5089898"/>
+                </a:lnTo>
+                <a:cubicBezTo>
+                  <a:pt x="7296519" y="5095057"/>
+                  <a:pt x="7296302" y="5100805"/>
+                  <a:pt x="7297750" y="5107454"/>
+                </a:cubicBezTo>
+                <a:cubicBezTo>
+                  <a:pt x="7309447" y="5125240"/>
+                  <a:pt x="7295812" y="5147341"/>
+                  <a:pt x="7297014" y="5169708"/>
+                </a:cubicBezTo>
+                <a:lnTo>
+                  <a:pt x="7300719" y="5180532"/>
+                </a:lnTo>
+                <a:lnTo>
+                  <a:pt x="7295705" y="5210620"/>
+                </a:lnTo>
+                <a:lnTo>
+                  <a:pt x="7296901" y="5212749"/>
+                </a:lnTo>
+                <a:cubicBezTo>
+                  <a:pt x="7296704" y="5218058"/>
+                  <a:pt x="7294377" y="5228574"/>
+                  <a:pt x="7294523" y="5242477"/>
+                </a:cubicBezTo>
+                <a:lnTo>
+                  <a:pt x="7297776" y="5296160"/>
+                </a:lnTo>
+                <a:lnTo>
+                  <a:pt x="7289955" y="5304499"/>
+                </a:lnTo>
+                <a:lnTo>
+                  <a:pt x="7286210" y="5305374"/>
+                </a:lnTo>
+                <a:lnTo>
+                  <a:pt x="7286995" y="5320092"/>
+                </a:lnTo>
+                <a:lnTo>
+                  <a:pt x="7281550" y="5330613"/>
+                </a:lnTo>
+                <a:lnTo>
+                  <a:pt x="7285354" y="5340890"/>
+                </a:lnTo>
+                <a:lnTo>
+                  <a:pt x="7281914" y="5354491"/>
+                </a:lnTo>
+                <a:cubicBezTo>
+                  <a:pt x="7280017" y="5359352"/>
+                  <a:pt x="7277725" y="5364763"/>
+                  <a:pt x="7275918" y="5370917"/>
+                </a:cubicBezTo>
+                <a:lnTo>
+                  <a:pt x="7267655" y="5384350"/>
+                </a:lnTo>
+                <a:lnTo>
+                  <a:pt x="7263791" y="5406610"/>
+                </a:lnTo>
+                <a:cubicBezTo>
+                  <a:pt x="7260956" y="5423841"/>
+                  <a:pt x="7257650" y="5440271"/>
+                  <a:pt x="7251522" y="5456222"/>
+                </a:cubicBezTo>
+                <a:cubicBezTo>
+                  <a:pt x="7253699" y="5469913"/>
+                  <a:pt x="7252931" y="5482529"/>
+                  <a:pt x="7242311" y="5493751"/>
+                </a:cubicBezTo>
+                <a:cubicBezTo>
+                  <a:pt x="7236636" y="5529727"/>
+                  <a:pt x="7245809" y="5539513"/>
+                  <a:pt x="7231835" y="5561252"/>
+                </a:cubicBezTo>
+                <a:cubicBezTo>
+                  <a:pt x="7236311" y="5568555"/>
+                  <a:pt x="7238499" y="5573475"/>
+                  <a:pt x="7239152" y="5577121"/>
+                </a:cubicBezTo>
+                <a:cubicBezTo>
+                  <a:pt x="7241111" y="5588065"/>
+                  <a:pt x="7229268" y="5587525"/>
+                  <a:pt x="7224043" y="5605355"/>
+                </a:cubicBezTo>
+                <a:cubicBezTo>
+                  <a:pt x="7216774" y="5624244"/>
+                  <a:pt x="7213225" y="5590845"/>
+                  <a:pt x="7209229" y="5609118"/>
+                </a:cubicBezTo>
+                <a:cubicBezTo>
+                  <a:pt x="7212098" y="5628346"/>
+                  <a:pt x="7194168" y="5628785"/>
+                  <a:pt x="7198222" y="5648700"/>
+                </a:cubicBezTo>
+                <a:cubicBezTo>
+                  <a:pt x="7212577" y="5642705"/>
+                  <a:pt x="7189541" y="5689259"/>
+                  <a:pt x="7201221" y="5689771"/>
+                </a:cubicBezTo>
+                <a:cubicBezTo>
+                  <a:pt x="7181618" y="5708428"/>
+                  <a:pt x="7201258" y="5715573"/>
+                  <a:pt x="7192555" y="5739098"/>
+                </a:cubicBezTo>
+                <a:cubicBezTo>
+                  <a:pt x="7184486" y="5750478"/>
+                  <a:pt x="7182208" y="5758416"/>
+                  <a:pt x="7187522" y="5768603"/>
+                </a:cubicBezTo>
+                <a:cubicBezTo>
+                  <a:pt x="7148692" y="5821144"/>
+                  <a:pt x="7181577" y="5799065"/>
+                  <a:pt x="7162500" y="5846928"/>
+                </a:cubicBezTo>
+                <a:lnTo>
+                  <a:pt x="7160827" y="5850799"/>
+                </a:lnTo>
+                <a:lnTo>
+                  <a:pt x="7163312" y="5866636"/>
+                </a:lnTo>
+                <a:cubicBezTo>
+                  <a:pt x="7163884" y="5867070"/>
+                  <a:pt x="7164455" y="5867505"/>
+                  <a:pt x="7165029" y="5867939"/>
+                </a:cubicBezTo>
+                <a:lnTo>
+                  <a:pt x="7142501" y="5914339"/>
+                </a:lnTo>
+                <a:lnTo>
+                  <a:pt x="7143151" y="5921221"/>
+                </a:lnTo>
+                <a:lnTo>
+                  <a:pt x="7123808" y="5950546"/>
+                </a:lnTo>
+                <a:lnTo>
+                  <a:pt x="7116299" y="5966186"/>
+                </a:lnTo>
+                <a:lnTo>
+                  <a:pt x="7106117" y="5983669"/>
+                </a:lnTo>
+                <a:lnTo>
+                  <a:pt x="7109622" y="5995569"/>
+                </a:lnTo>
+                <a:cubicBezTo>
+                  <a:pt x="7114727" y="6023526"/>
+                  <a:pt x="7092983" y="6067450"/>
+                  <a:pt x="7116605" y="6077139"/>
+                </a:cubicBezTo>
+                <a:cubicBezTo>
+                  <a:pt x="7102148" y="6089933"/>
+                  <a:pt x="7125501" y="6101908"/>
+                  <a:pt x="7127573" y="6115892"/>
+                </a:cubicBezTo>
+                <a:cubicBezTo>
+                  <a:pt x="7118381" y="6127056"/>
+                  <a:pt x="7126331" y="6132595"/>
+                  <a:pt x="7128098" y="6142737"/>
+                </a:cubicBezTo>
+                <a:cubicBezTo>
+                  <a:pt x="7122429" y="6147329"/>
+                  <a:pt x="7122724" y="6155912"/>
+                  <a:pt x="7129375" y="6158833"/>
+                </a:cubicBezTo>
+                <a:cubicBezTo>
+                  <a:pt x="7144709" y="6154689"/>
+                  <a:pt x="7137060" y="6184499"/>
+                  <a:pt x="7147635" y="6186714"/>
+                </a:cubicBezTo>
+                <a:cubicBezTo>
+                  <a:pt x="7149842" y="6204016"/>
+                  <a:pt x="7136414" y="6279145"/>
+                  <a:pt x="7153343" y="6291871"/>
+                </a:cubicBezTo>
+                <a:cubicBezTo>
+                  <a:pt x="7161381" y="6326852"/>
+                  <a:pt x="7134450" y="6377408"/>
+                  <a:pt x="7134923" y="6392273"/>
+                </a:cubicBezTo>
+                <a:cubicBezTo>
+                  <a:pt x="7103997" y="6407024"/>
+                  <a:pt x="7185503" y="6478818"/>
+                  <a:pt x="7187236" y="6541940"/>
+                </a:cubicBezTo>
+                <a:cubicBezTo>
+                  <a:pt x="7184250" y="6550446"/>
+                  <a:pt x="7184290" y="6554993"/>
+                  <a:pt x="7191340" y="6557275"/>
+                </a:cubicBezTo>
+                <a:cubicBezTo>
+                  <a:pt x="7195412" y="6573685"/>
+                  <a:pt x="7202070" y="6606060"/>
+                  <a:pt x="7211670" y="6640404"/>
+                </a:cubicBezTo>
+                <a:cubicBezTo>
+                  <a:pt x="7219591" y="6666216"/>
+                  <a:pt x="7212698" y="6793331"/>
+                  <a:pt x="7221085" y="6827708"/>
+                </a:cubicBezTo>
+                <a:lnTo>
+                  <a:pt x="7227698" y="6857999"/>
+                </a:lnTo>
+                <a:lnTo>
+                  <a:pt x="0" y="6857999"/>
+                </a:lnTo>
+                <a:close/>
+              </a:path>
+            </a:pathLst>
+          </a:custGeom>
+        </p:spPr>
+      </p:pic>
+      <p:sp>
+        <p:nvSpPr>
+          <p:cNvPr id="5" name="TextBox 4">
+            <a:extLst>
+              <a:ext uri="{FF2B5EF4-FFF2-40B4-BE49-F238E27FC236}">
+                <a16:creationId xmlns:a16="http://schemas.microsoft.com/office/drawing/2014/main" id="{C32862D5-9255-6BCF-42B6-9296ADD6E826}"/>
+              </a:ext>
+            </a:extLst>
+          </p:cNvPr>
+          <p:cNvSpPr txBox="1"/>
+          <p:nvPr/>
+        </p:nvSpPr>
+        <p:spPr>
+          <a:xfrm>
+            <a:off x="8168822" y="1080618"/>
+            <a:ext cx="3519949" cy="2031325"/>
+          </a:xfrm>
+          <a:prstGeom prst="rect">
+            <a:avLst/>
+          </a:prstGeom>
+          <a:noFill/>
+        </p:spPr>
+        <p:txBody>
+          <a:bodyPr wrap="square" rtlCol="0">
+            <a:spAutoFit/>
+          </a:bodyPr>
+          <a:lstStyle/>
+          <a:p>
+            <a:r>
+              <a:rPr lang="en-CA" dirty="0"/>
+              <a:t>There are 4 analysts deciphering data</a:t>
+            </a:r>
+          </a:p>
+          <a:p>
+            <a:endParaRPr lang="en-CA" dirty="0"/>
+          </a:p>
+          <a:p>
+            <a:r>
+              <a:rPr lang="en-GB" b="1" i="0" dirty="0">
+                <a:solidFill>
+                  <a:srgbClr val="1D1C1D"/>
+                </a:solidFill>
+                <a:effectLst/>
+                <a:highlight>
+                  <a:srgbClr val="FFFFFF"/>
+                </a:highlight>
+                <a:latin typeface="Slack-Lato"/>
+              </a:rPr>
+              <a:t>Lavanya </a:t>
+            </a:r>
+            <a:r>
+              <a:rPr lang="en-GB" b="1" dirty="0" err="1">
+                <a:solidFill>
+                  <a:srgbClr val="1D1C1D"/>
+                </a:solidFill>
+                <a:highlight>
+                  <a:srgbClr val="FFFFFF"/>
+                </a:highlight>
+                <a:latin typeface="Slack-Lato"/>
+              </a:rPr>
+              <a:t>B</a:t>
+            </a:r>
+            <a:r>
+              <a:rPr lang="en-GB" b="1" i="0" dirty="0" err="1">
+                <a:solidFill>
+                  <a:srgbClr val="1D1C1D"/>
+                </a:solidFill>
+                <a:effectLst/>
+                <a:highlight>
+                  <a:srgbClr val="FFFFFF"/>
+                </a:highlight>
+                <a:latin typeface="Slack-Lato"/>
+              </a:rPr>
+              <a:t>hanot</a:t>
+            </a:r>
+            <a:endParaRPr lang="en-GB" b="1" i="0" dirty="0">
+              <a:solidFill>
+                <a:srgbClr val="1D1C1D"/>
+              </a:solidFill>
+              <a:effectLst/>
+              <a:highlight>
+                <a:srgbClr val="FFFFFF"/>
+              </a:highlight>
+              <a:latin typeface="Slack-Lato"/>
+            </a:endParaRPr>
+          </a:p>
+          <a:p>
+            <a:r>
+              <a:rPr lang="en-GB" b="1" i="0" dirty="0" err="1">
+                <a:solidFill>
+                  <a:srgbClr val="1D1C1D"/>
+                </a:solidFill>
+                <a:effectLst/>
+                <a:highlight>
+                  <a:srgbClr val="FFFFFF"/>
+                </a:highlight>
+                <a:latin typeface="Slack-Lato"/>
+              </a:rPr>
+              <a:t>Deogratius</a:t>
+            </a:r>
+            <a:r>
+              <a:rPr lang="en-GB" b="1" i="0" dirty="0">
+                <a:solidFill>
+                  <a:srgbClr val="1D1C1D"/>
+                </a:solidFill>
+                <a:effectLst/>
+                <a:highlight>
+                  <a:srgbClr val="FFFFFF"/>
+                </a:highlight>
+                <a:latin typeface="Slack-Lato"/>
+              </a:rPr>
+              <a:t> </a:t>
+            </a:r>
+            <a:r>
+              <a:rPr lang="en-GB" b="1" i="0" dirty="0" err="1">
+                <a:solidFill>
+                  <a:srgbClr val="1D1C1D"/>
+                </a:solidFill>
+                <a:effectLst/>
+                <a:highlight>
+                  <a:srgbClr val="FFFFFF"/>
+                </a:highlight>
+                <a:latin typeface="Slack-Lato"/>
+              </a:rPr>
+              <a:t>Nteza</a:t>
+            </a:r>
+            <a:endParaRPr lang="en-GB" b="1" i="0" dirty="0">
+              <a:solidFill>
+                <a:srgbClr val="1D1C1D"/>
+              </a:solidFill>
+              <a:effectLst/>
+              <a:highlight>
+                <a:srgbClr val="FFFFFF"/>
+              </a:highlight>
+              <a:latin typeface="Slack-Lato"/>
+            </a:endParaRPr>
+          </a:p>
+          <a:p>
+            <a:r>
+              <a:rPr lang="en-GB" b="1" i="0" dirty="0">
+                <a:solidFill>
+                  <a:srgbClr val="1D1C1D"/>
+                </a:solidFill>
+                <a:effectLst/>
+                <a:highlight>
+                  <a:srgbClr val="FFFFFF"/>
+                </a:highlight>
+                <a:latin typeface="Slack-Lato"/>
+              </a:rPr>
+              <a:t>Xuan (Sam) Chen</a:t>
+            </a:r>
+          </a:p>
+          <a:p>
+            <a:r>
+              <a:rPr lang="en-GB" b="1" dirty="0">
+                <a:solidFill>
+                  <a:srgbClr val="1D1C1D"/>
+                </a:solidFill>
+                <a:highlight>
+                  <a:srgbClr val="FFFFFF"/>
+                </a:highlight>
+                <a:latin typeface="Slack-Lato"/>
+              </a:rPr>
+              <a:t>Judy Pin</a:t>
+            </a:r>
+            <a:endParaRPr lang="en-GB" dirty="0"/>
+          </a:p>
+        </p:txBody>
+      </p:sp>
+    </p:spTree>
+    <p:extLst>
+      <p:ext uri="{BB962C8B-B14F-4D97-AF65-F5344CB8AC3E}">
+        <p14:creationId xmlns:p14="http://schemas.microsoft.com/office/powerpoint/2010/main" val="4250330208"/>
+      </p:ext>
+    </p:extLst>
+  </p:cSld>
+  <p:clrMapOvr>
+    <a:masterClrMapping/>
+  </p:clrMapOvr>
+  <p:timing>
+    <p:tnLst>
+      <p:par>
+        <p:cTn id="1" dur="indefinite" restart="never" nodeType="tmRoot">
+          <p:childTnLst>
+            <p:seq concurrent="1" nextAc="seek">
+              <p:cTn id="2" dur="indefinite" nodeType="mainSeq">
+                <p:childTnLst>
+                  <p:par>
+                    <p:cTn id="3" fill="hold">
+                      <p:stCondLst>
+                        <p:cond delay="indefinite"/>
+                        <p:cond evt="onBegin" delay="0">
+                          <p:tn val="2"/>
+                        </p:cond>
+                      </p:stCondLst>
+                      <p:childTnLst>
+                        <p:par>
+                          <p:cTn id="4" fill="hold">
+                            <p:stCondLst>
+                              <p:cond delay="0"/>
+                            </p:stCondLst>
+                            <p:childTnLst>
+                              <p:par>
+                                <p:cTn id="5" presetID="10" presetClass="entr" presetSubtype="0" fill="hold" grpId="0" nodeType="withEffect">
+                                  <p:stCondLst>
+                                    <p:cond delay="1500"/>
+                                  </p:stCondLst>
+                                  <p:iterate>
+                                    <p:tmPct val="10000"/>
+                                  </p:iterate>
+                                  <p:childTnLst>
+                                    <p:set>
+                                      <p:cBhvr>
+                                        <p:cTn id="6" dur="1" fill="hold">
+                                          <p:stCondLst>
+                                            <p:cond delay="0"/>
+                                          </p:stCondLst>
+                                        </p:cTn>
+                                        <p:tgtEl>
+                                          <p:spTgt spid="3">
+                                            <p:txEl>
+                                              <p:pRg st="0" end="0"/>
+                                            </p:txEl>
+                                          </p:spTgt>
+                                        </p:tgtEl>
+                                        <p:attrNameLst>
+                                          <p:attrName>style.visibility</p:attrName>
+                                        </p:attrNameLst>
+                                      </p:cBhvr>
+                                      <p:to>
+                                        <p:strVal val="visible"/>
+                                      </p:to>
+                                    </p:set>
+                                    <p:animEffect transition="in" filter="fade">
+                                      <p:cBhvr>
+                                        <p:cTn id="7" dur="700"/>
+                                        <p:tgtEl>
+                                          <p:spTgt spid="3">
+                                            <p:txEl>
+                                              <p:pRg st="0" end="0"/>
+                                            </p:txEl>
+                                          </p:spTgt>
+                                        </p:tgtEl>
+                                      </p:cBhvr>
+                                    </p:animEffect>
+                                  </p:childTnLst>
+                                </p:cTn>
+                              </p:par>
+                              <p:par>
+                                <p:cTn id="8" presetID="10" presetClass="entr" presetSubtype="0" fill="hold" grpId="0" nodeType="withEffect">
+                                  <p:stCondLst>
+                                    <p:cond delay="1000"/>
+                                  </p:stCondLst>
+                                  <p:iterate>
+                                    <p:tmPct val="10000"/>
+                                  </p:iterate>
+                                  <p:childTnLst>
+                                    <p:set>
+                                      <p:cBhvr>
+                                        <p:cTn id="9" dur="1" fill="hold">
+                                          <p:stCondLst>
+                                            <p:cond delay="0"/>
+                                          </p:stCondLst>
+                                        </p:cTn>
+                                        <p:tgtEl>
+                                          <p:spTgt spid="2"/>
+                                        </p:tgtEl>
+                                        <p:attrNameLst>
+                                          <p:attrName>style.visibility</p:attrName>
+                                        </p:attrNameLst>
+                                      </p:cBhvr>
+                                      <p:to>
+                                        <p:strVal val="visible"/>
+                                      </p:to>
+                                    </p:set>
+                                    <p:animEffect transition="in" filter="fade">
+                                      <p:cBhvr>
+                                        <p:cTn id="10" dur="700"/>
+                                        <p:tgtEl>
+                                          <p:spTgt spid="2"/>
+                                        </p:tgtEl>
+                                      </p:cBhvr>
+                                    </p:animEffect>
+                                  </p:childTnLst>
+                                </p:cTn>
+                              </p:par>
+                            </p:childTnLst>
+                          </p:cTn>
+                        </p:par>
+                      </p:childTnLst>
+                    </p:cTn>
+                  </p:par>
+                </p:childTnLst>
+              </p:cTn>
+              <p:prevCondLst>
+                <p:cond evt="onPrev" delay="0">
+                  <p:tgtEl>
+                    <p:sldTgt/>
+                  </p:tgtEl>
+                </p:cond>
+              </p:prevCondLst>
+              <p:nextCondLst>
+                <p:cond evt="onNext" delay="0">
+                  <p:tgtEl>
+                    <p:sldTgt/>
+                  </p:tgtEl>
+                </p:cond>
+              </p:nextCondLst>
+            </p:seq>
+          </p:childTnLst>
+        </p:cTn>
+      </p:par>
+    </p:tnLst>
+    <p:bldLst>
+      <p:bldP spid="2" grpId="0"/>
+      <p:bldP spid="3" grpId="0" build="p"/>
+    </p:bldLst>
+  </p:timing>
+</p:sld>
+</file>
+
+<file path=ppt/slides/slide20.xml><?xml version="1.0" encoding="utf-8"?>
+<p:sld xmlns:a="http://schemas.openxmlformats.org/drawingml/2006/main" xmlns:r="http://schemas.openxmlformats.org/officeDocument/2006/relationships" xmlns:p="http://schemas.openxmlformats.org/presentationml/2006/main">
+  <p:cSld>
+    <p:spTree>
+      <p:nvGrpSpPr>
+        <p:cNvPr id="1" name=""/>
+        <p:cNvGrpSpPr/>
+        <p:nvPr/>
+      </p:nvGrpSpPr>
+      <p:grpSpPr>
+        <a:xfrm>
+          <a:off x="0" y="0"/>
+          <a:ext cx="0" cy="0"/>
+          <a:chOff x="0" y="0"/>
+          <a:chExt cx="0" cy="0"/>
+        </a:xfrm>
+      </p:grpSpPr>
+      <p:pic>
+        <p:nvPicPr>
+          <p:cNvPr id="2" name="Picture 1"/>
+          <p:cNvPicPr>
+            <a:picLocks noChangeAspect="1"/>
+          </p:cNvPicPr>
+          <p:nvPr/>
+        </p:nvPicPr>
+        <p:blipFill>
+          <a:blip r:embed="rId2"/>
+          <a:stretch>
+            <a:fillRect/>
+          </a:stretch>
+        </p:blipFill>
+        <p:spPr>
+          <a:xfrm>
+            <a:off x="145143" y="100012"/>
+            <a:ext cx="12046857" cy="6657975"/>
+          </a:xfrm>
+          <a:prstGeom prst="rect">
+            <a:avLst/>
+          </a:prstGeom>
+        </p:spPr>
+      </p:pic>
+    </p:spTree>
+    <p:extLst>
+      <p:ext uri="{BB962C8B-B14F-4D97-AF65-F5344CB8AC3E}">
+        <p14:creationId xmlns:p14="http://schemas.microsoft.com/office/powerpoint/2010/main" val="2258715119"/>
+      </p:ext>
+    </p:extLst>
+  </p:cSld>
+  <p:clrMapOvr>
+    <a:masterClrMapping/>
+  </p:clrMapOvr>
+</p:sld>
+</file>
+
+<file path=ppt/slides/slide21.xml><?xml version="1.0" encoding="utf-8"?>
+<p:sld xmlns:a="http://schemas.openxmlformats.org/drawingml/2006/main" xmlns:r="http://schemas.openxmlformats.org/officeDocument/2006/relationships" xmlns:p="http://schemas.openxmlformats.org/presentationml/2006/main">
+  <p:cSld>
+    <p:spTree>
+      <p:nvGrpSpPr>
+        <p:cNvPr id="1" name=""/>
+        <p:cNvGrpSpPr/>
+        <p:nvPr/>
+      </p:nvGrpSpPr>
+      <p:grpSpPr>
+        <a:xfrm>
+          <a:off x="0" y="0"/>
+          <a:ext cx="0" cy="0"/>
+          <a:chOff x="0" y="0"/>
+          <a:chExt cx="0" cy="0"/>
+        </a:xfrm>
+      </p:grpSpPr>
+      <p:pic>
+        <p:nvPicPr>
+          <p:cNvPr id="3" name="Picture 2"/>
+          <p:cNvPicPr>
+            <a:picLocks noChangeAspect="1"/>
+          </p:cNvPicPr>
+          <p:nvPr/>
+        </p:nvPicPr>
+        <p:blipFill>
+          <a:blip r:embed="rId2"/>
+          <a:stretch>
+            <a:fillRect/>
+          </a:stretch>
+        </p:blipFill>
+        <p:spPr>
+          <a:xfrm>
+            <a:off x="145143" y="0"/>
+            <a:ext cx="12177486" cy="6757987"/>
+          </a:xfrm>
+          <a:prstGeom prst="rect">
+            <a:avLst/>
+          </a:prstGeom>
+        </p:spPr>
+      </p:pic>
+    </p:spTree>
+    <p:extLst>
+      <p:ext uri="{BB962C8B-B14F-4D97-AF65-F5344CB8AC3E}">
+        <p14:creationId xmlns:p14="http://schemas.microsoft.com/office/powerpoint/2010/main" val="762947549"/>
+      </p:ext>
+    </p:extLst>
+  </p:cSld>
+  <p:clrMapOvr>
+    <a:masterClrMapping/>
+  </p:clrMapOvr>
+</p:sld>
+</file>
+
+<file path=ppt/slides/slide22.xml><?xml version="1.0" encoding="utf-8"?>
+<p:sld xmlns:a="http://schemas.openxmlformats.org/drawingml/2006/main" xmlns:r="http://schemas.openxmlformats.org/officeDocument/2006/relationships" xmlns:p="http://schemas.openxmlformats.org/presentationml/2006/main">
+  <p:cSld>
+    <p:spTree>
+      <p:nvGrpSpPr>
+        <p:cNvPr id="1" name=""/>
+        <p:cNvGrpSpPr/>
+        <p:nvPr/>
+      </p:nvGrpSpPr>
+      <p:grpSpPr>
+        <a:xfrm>
+          <a:off x="0" y="0"/>
+          <a:ext cx="0" cy="0"/>
+          <a:chOff x="0" y="0"/>
+          <a:chExt cx="0" cy="0"/>
+        </a:xfrm>
+      </p:grpSpPr>
+      <p:pic>
+        <p:nvPicPr>
+          <p:cNvPr id="2" name="Picture 1"/>
+          <p:cNvPicPr>
+            <a:picLocks noChangeAspect="1"/>
+          </p:cNvPicPr>
+          <p:nvPr/>
+        </p:nvPicPr>
+        <p:blipFill>
+          <a:blip r:embed="rId2"/>
+          <a:stretch>
+            <a:fillRect/>
+          </a:stretch>
+        </p:blipFill>
+        <p:spPr>
+          <a:xfrm>
+            <a:off x="145143" y="70984"/>
+            <a:ext cx="12046857" cy="6657975"/>
+          </a:xfrm>
+          <a:prstGeom prst="rect">
+            <a:avLst/>
+          </a:prstGeom>
+        </p:spPr>
+      </p:pic>
+    </p:spTree>
+    <p:extLst>
+      <p:ext uri="{BB962C8B-B14F-4D97-AF65-F5344CB8AC3E}">
+        <p14:creationId xmlns:p14="http://schemas.microsoft.com/office/powerpoint/2010/main" val="2637963"/>
+      </p:ext>
+    </p:extLst>
+  </p:cSld>
+  <p:clrMapOvr>
+    <a:masterClrMapping/>
+  </p:clrMapOvr>
+</p:sld>
+</file>
+
+<file path=ppt/slides/slide23.xml><?xml version="1.0" encoding="utf-8"?>
+<p:sld xmlns:a="http://schemas.openxmlformats.org/drawingml/2006/main" xmlns:r="http://schemas.openxmlformats.org/officeDocument/2006/relationships" xmlns:p="http://schemas.openxmlformats.org/presentationml/2006/main">
+  <p:cSld>
     <p:bg>
       <p:bgPr>
         <a:solidFill>
@@ -6831,7 +9409,7 @@
                 <a16:creationId xmlns:a16="http://schemas.microsoft.com/office/drawing/2014/main" id="{3C54F4CE-85F0-46ED-80DA-9518C9251AD1}"/>
               </a:ext>
               <a:ext uri="{C183D7F6-B498-43B3-948B-1728B52AA6E4}">
-                <adec:decorative xmlns:adec="http://schemas.microsoft.com/office/drawing/2017/decorative" val="1"/>
+                <adec:decorative xmlns:adec="http://schemas.microsoft.com/office/drawing/2017/decorative" xmlns="" val="1"/>
               </a:ext>
             </a:extLst>
           </p:cNvPr>
@@ -6907,7 +9485,7 @@
                 <a16:creationId xmlns:a16="http://schemas.microsoft.com/office/drawing/2014/main" id="{DADD1FCA-8ACB-4958-81DD-4CDD6D3E1921}"/>
               </a:ext>
               <a:ext uri="{C183D7F6-B498-43B3-948B-1728B52AA6E4}">
-                <adec:decorative xmlns:adec="http://schemas.microsoft.com/office/drawing/2017/decorative" val="1"/>
+                <adec:decorative xmlns:adec="http://schemas.microsoft.com/office/drawing/2017/decorative" xmlns="" val="1"/>
               </a:ext>
             </a:extLst>
           </p:cNvPr>
@@ -9478,6 +12056,17 @@
                 <a:cs typeface="+mj-cs"/>
               </a:rPr>
             </a:br>
+            <a:r>
+              <a:rPr lang="en-US" kern="1200" dirty="0">
+                <a:solidFill>
+                  <a:schemeClr val="tx1"/>
+                </a:solidFill>
+                <a:latin typeface="+mj-lt"/>
+                <a:ea typeface="+mj-ea"/>
+                <a:cs typeface="+mj-cs"/>
+              </a:rPr>
+              <a:t/>
+            </a:r>
             <a:br>
               <a:rPr lang="en-US" kern="1200" dirty="0">
                 <a:solidFill>
@@ -9488,6 +12077,17 @@
                 <a:cs typeface="+mj-cs"/>
               </a:rPr>
             </a:br>
+            <a:r>
+              <a:rPr lang="en-US" kern="1200" dirty="0">
+                <a:solidFill>
+                  <a:schemeClr val="tx1"/>
+                </a:solidFill>
+                <a:latin typeface="+mj-lt"/>
+                <a:ea typeface="+mj-ea"/>
+                <a:cs typeface="+mj-cs"/>
+              </a:rPr>
+              <a:t/>
+            </a:r>
             <a:br>
               <a:rPr lang="en-US" kern="1200" dirty="0">
                 <a:solidFill>
@@ -9555,7 +12155,7 @@
 </p:sld>
 </file>
 
-<file path=ppt/slides/slide12.xml><?xml version="1.0" encoding="utf-8"?>
+<file path=ppt/slides/slide24.xml><?xml version="1.0" encoding="utf-8"?>
 <p:sld xmlns:a="http://schemas.openxmlformats.org/drawingml/2006/main" xmlns:r="http://schemas.openxmlformats.org/officeDocument/2006/relationships" xmlns:p="http://schemas.openxmlformats.org/presentationml/2006/main">
   <p:cSld>
     <p:bg>
@@ -9588,7 +12188,7 @@
                 <a16:creationId xmlns:a16="http://schemas.microsoft.com/office/drawing/2014/main" id="{9089EED9-F54D-4F20-A2C6-949DE4176959}"/>
               </a:ext>
               <a:ext uri="{C183D7F6-B498-43B3-948B-1728B52AA6E4}">
-                <adec:decorative xmlns:adec="http://schemas.microsoft.com/office/drawing/2017/decorative" val="1"/>
+                <adec:decorative xmlns:adec="http://schemas.microsoft.com/office/drawing/2017/decorative" xmlns="" val="1"/>
               </a:ext>
             </a:extLst>
           </p:cNvPr>
@@ -9664,7 +12264,7 @@
                 <a16:creationId xmlns:a16="http://schemas.microsoft.com/office/drawing/2014/main" id="{7E46F721-3785-414D-8697-16AF490E6806}"/>
               </a:ext>
               <a:ext uri="{C183D7F6-B498-43B3-948B-1728B52AA6E4}">
-                <adec:decorative xmlns:adec="http://schemas.microsoft.com/office/drawing/2017/decorative" val="1"/>
+                <adec:decorative xmlns:adec="http://schemas.microsoft.com/office/drawing/2017/decorative" xmlns="" val="1"/>
               </a:ext>
             </a:extLst>
           </p:cNvPr>
@@ -11109,1781 +13709,6 @@
 </p:sld>
 </file>
 
-<file path=ppt/slides/slide2.xml><?xml version="1.0" encoding="utf-8"?>
-<p:sld xmlns:a="http://schemas.openxmlformats.org/drawingml/2006/main" xmlns:r="http://schemas.openxmlformats.org/officeDocument/2006/relationships" xmlns:p="http://schemas.openxmlformats.org/presentationml/2006/main">
-  <p:cSld>
-    <p:bg>
-      <p:bgPr>
-        <a:solidFill>
-          <a:schemeClr val="bg1"/>
-        </a:solidFill>
-        <a:effectLst/>
-      </p:bgPr>
-    </p:bg>
-    <p:spTree>
-      <p:nvGrpSpPr>
-        <p:cNvPr id="1" name=""/>
-        <p:cNvGrpSpPr/>
-        <p:nvPr/>
-      </p:nvGrpSpPr>
-      <p:grpSpPr>
-        <a:xfrm>
-          <a:off x="0" y="0"/>
-          <a:ext cx="0" cy="0"/>
-          <a:chOff x="0" y="0"/>
-          <a:chExt cx="0" cy="0"/>
-        </a:xfrm>
-      </p:grpSpPr>
-      <p:sp useBgFill="1">
-        <p:nvSpPr>
-          <p:cNvPr id="14" name="Rectangle 13">
-            <a:extLst>
-              <a:ext uri="{FF2B5EF4-FFF2-40B4-BE49-F238E27FC236}">
-                <a16:creationId xmlns:a16="http://schemas.microsoft.com/office/drawing/2014/main" id="{9089EED9-F54D-4F20-A2C6-949DE4176959}"/>
-              </a:ext>
-              <a:ext uri="{C183D7F6-B498-43B3-948B-1728B52AA6E4}">
-                <adec:decorative xmlns:adec="http://schemas.microsoft.com/office/drawing/2017/decorative" val="1"/>
-              </a:ext>
-            </a:extLst>
-          </p:cNvPr>
-          <p:cNvSpPr>
-            <a:spLocks noGrp="1" noRot="1" noChangeAspect="1" noMove="1" noResize="1" noEditPoints="1" noAdjustHandles="1" noChangeArrowheads="1" noChangeShapeType="1" noTextEdit="1"/>
-          </p:cNvSpPr>
-          <p:nvPr>
-            <p:extLst>
-              <p:ext uri="{386F3935-93C4-4BCD-93E2-E3B085C9AB24}">
-                <p16:designElem xmlns:p16="http://schemas.microsoft.com/office/powerpoint/2015/main" val="1"/>
-              </p:ext>
-            </p:extLst>
-          </p:nvPr>
-        </p:nvSpPr>
-        <p:spPr>
-          <a:xfrm>
-            <a:off x="0" y="0"/>
-            <a:ext cx="12192000" cy="6858000"/>
-          </a:xfrm>
-          <a:prstGeom prst="rect">
-            <a:avLst/>
-          </a:prstGeom>
-          <a:ln w="12700" cap="flat" cmpd="sng" algn="ctr">
-            <a:noFill/>
-            <a:prstDash val="solid"/>
-            <a:miter lim="800000"/>
-          </a:ln>
-          <a:effectLst/>
-          <a:extLst>
-            <a:ext uri="{91240B29-F687-4F45-9708-019B960494DF}">
-              <a14:hiddenLine xmlns:a14="http://schemas.microsoft.com/office/drawing/2010/main" w="12700" cap="flat" cmpd="sng" algn="ctr">
-                <a:solidFill>
-                  <a:schemeClr val="accent1">
-                    <a:shade val="50000"/>
-                  </a:schemeClr>
-                </a:solidFill>
-                <a:prstDash val="solid"/>
-                <a:miter lim="800000"/>
-              </a14:hiddenLine>
-            </a:ext>
-          </a:extLst>
-        </p:spPr>
-        <p:style>
-          <a:lnRef idx="2">
-            <a:schemeClr val="accent1">
-              <a:shade val="50000"/>
-            </a:schemeClr>
-          </a:lnRef>
-          <a:fillRef idx="1">
-            <a:schemeClr val="accent1"/>
-          </a:fillRef>
-          <a:effectRef idx="0">
-            <a:schemeClr val="accent1"/>
-          </a:effectRef>
-          <a:fontRef idx="minor">
-            <a:schemeClr val="lt1"/>
-          </a:fontRef>
-        </p:style>
-        <p:txBody>
-          <a:bodyPr rtlCol="0" anchor="ctr"/>
-          <a:lstStyle/>
-          <a:p>
-            <a:pPr algn="ctr"/>
-            <a:endParaRPr lang="en-US"/>
-          </a:p>
-        </p:txBody>
-      </p:sp>
-      <p:sp>
-        <p:nvSpPr>
-          <p:cNvPr id="16" name="Rectangle 15">
-            <a:extLst>
-              <a:ext uri="{FF2B5EF4-FFF2-40B4-BE49-F238E27FC236}">
-                <a16:creationId xmlns:a16="http://schemas.microsoft.com/office/drawing/2014/main" id="{7E46F721-3785-414D-8697-16AF490E6806}"/>
-              </a:ext>
-              <a:ext uri="{C183D7F6-B498-43B3-948B-1728B52AA6E4}">
-                <adec:decorative xmlns:adec="http://schemas.microsoft.com/office/drawing/2017/decorative" val="1"/>
-              </a:ext>
-            </a:extLst>
-          </p:cNvPr>
-          <p:cNvSpPr>
-            <a:spLocks noGrp="1" noRot="1" noChangeAspect="1" noMove="1" noResize="1" noEditPoints="1" noAdjustHandles="1" noChangeArrowheads="1" noChangeShapeType="1" noTextEdit="1"/>
-          </p:cNvSpPr>
-          <p:nvPr>
-            <p:extLst>
-              <p:ext uri="{386F3935-93C4-4BCD-93E2-E3B085C9AB24}">
-                <p16:designElem xmlns:p16="http://schemas.microsoft.com/office/powerpoint/2015/main" val="1"/>
-              </p:ext>
-            </p:extLst>
-          </p:nvPr>
-        </p:nvSpPr>
-        <p:spPr>
-          <a:xfrm>
-            <a:off x="6096000" y="0"/>
-            <a:ext cx="6096000" cy="6858000"/>
-          </a:xfrm>
-          <a:prstGeom prst="rect">
-            <a:avLst/>
-          </a:prstGeom>
-          <a:solidFill>
-            <a:srgbClr val="82766A">
-              <a:alpha val="15000"/>
-            </a:srgbClr>
-          </a:solidFill>
-          <a:ln w="12700" cap="flat" cmpd="sng" algn="ctr">
-            <a:noFill/>
-            <a:prstDash val="solid"/>
-            <a:miter lim="800000"/>
-          </a:ln>
-          <a:effectLst/>
-        </p:spPr>
-        <p:style>
-          <a:lnRef idx="2">
-            <a:schemeClr val="accent1">
-              <a:shade val="50000"/>
-            </a:schemeClr>
-          </a:lnRef>
-          <a:fillRef idx="1">
-            <a:schemeClr val="accent1"/>
-          </a:fillRef>
-          <a:effectRef idx="0">
-            <a:schemeClr val="accent1"/>
-          </a:effectRef>
-          <a:fontRef idx="minor">
-            <a:schemeClr val="lt1"/>
-          </a:fontRef>
-        </p:style>
-        <p:txBody>
-          <a:bodyPr rtlCol="0" anchor="ctr"/>
-          <a:lstStyle/>
-          <a:p>
-            <a:pPr algn="ctr"/>
-            <a:endParaRPr lang="en-US"/>
-          </a:p>
-        </p:txBody>
-      </p:sp>
-      <p:sp>
-        <p:nvSpPr>
-          <p:cNvPr id="2" name="Title 1">
-            <a:extLst>
-              <a:ext uri="{FF2B5EF4-FFF2-40B4-BE49-F238E27FC236}">
-                <a16:creationId xmlns:a16="http://schemas.microsoft.com/office/drawing/2014/main" id="{F6BE85AE-A88E-9FB6-CA11-68DFB3AF2112}"/>
-              </a:ext>
-            </a:extLst>
-          </p:cNvPr>
-          <p:cNvSpPr>
-            <a:spLocks noGrp="1"/>
-          </p:cNvSpPr>
-          <p:nvPr>
-            <p:ph type="ctrTitle"/>
-          </p:nvPr>
-        </p:nvSpPr>
-        <p:spPr>
-          <a:xfrm>
-            <a:off x="7869036" y="87831"/>
-            <a:ext cx="3389515" cy="610260"/>
-          </a:xfrm>
-        </p:spPr>
-        <p:txBody>
-          <a:bodyPr anchor="b">
-            <a:normAutofit/>
-          </a:bodyPr>
-          <a:lstStyle/>
-          <a:p>
-            <a:r>
-              <a:rPr lang="en-GB" sz="3600" dirty="0">
-                <a:solidFill>
-                  <a:schemeClr val="tx1">
-                    <a:lumMod val="85000"/>
-                    <a:lumOff val="15000"/>
-                  </a:schemeClr>
-                </a:solidFill>
-              </a:rPr>
-              <a:t>Introduction</a:t>
-            </a:r>
-          </a:p>
-        </p:txBody>
-      </p:sp>
-      <p:sp>
-        <p:nvSpPr>
-          <p:cNvPr id="3" name="Subtitle 2">
-            <a:extLst>
-              <a:ext uri="{FF2B5EF4-FFF2-40B4-BE49-F238E27FC236}">
-                <a16:creationId xmlns:a16="http://schemas.microsoft.com/office/drawing/2014/main" id="{25C49F12-3CC8-DDFB-DA23-E297CAFDE212}"/>
-              </a:ext>
-            </a:extLst>
-          </p:cNvPr>
-          <p:cNvSpPr>
-            <a:spLocks noGrp="1"/>
-          </p:cNvSpPr>
-          <p:nvPr>
-            <p:ph type="subTitle" idx="1"/>
-          </p:nvPr>
-        </p:nvSpPr>
-        <p:spPr>
-          <a:xfrm>
-            <a:off x="8608757" y="6223886"/>
-            <a:ext cx="2895600" cy="471904"/>
-          </a:xfrm>
-        </p:spPr>
-        <p:txBody>
-          <a:bodyPr anchor="t">
-            <a:noAutofit/>
-          </a:bodyPr>
-          <a:lstStyle/>
-          <a:p>
-            <a:r>
-              <a:rPr lang="en-GB" sz="2800" dirty="0">
-                <a:solidFill>
-                  <a:schemeClr val="tx1">
-                    <a:lumMod val="85000"/>
-                    <a:lumOff val="15000"/>
-                  </a:schemeClr>
-                </a:solidFill>
-              </a:rPr>
-              <a:t>Lavanya</a:t>
-            </a:r>
-          </a:p>
-        </p:txBody>
-      </p:sp>
-      <p:pic>
-        <p:nvPicPr>
-          <p:cNvPr id="4" name="Picture 3">
-            <a:extLst>
-              <a:ext uri="{FF2B5EF4-FFF2-40B4-BE49-F238E27FC236}">
-                <a16:creationId xmlns:a16="http://schemas.microsoft.com/office/drawing/2014/main" id="{BFE212EB-26DC-4C57-1114-4A6F6164C534}"/>
-              </a:ext>
-            </a:extLst>
-          </p:cNvPr>
-          <p:cNvPicPr>
-            <a:picLocks noChangeAspect="1"/>
-          </p:cNvPicPr>
-          <p:nvPr/>
-        </p:nvPicPr>
-        <p:blipFill rotWithShape="1">
-          <a:blip r:embed="rId3"/>
-          <a:srcRect l="2005" r="469" b="-2"/>
-          <a:stretch/>
-        </p:blipFill>
-        <p:spPr>
-          <a:xfrm>
-            <a:off x="20" y="1"/>
-            <a:ext cx="7665573" cy="6857999"/>
-          </a:xfrm>
-          <a:custGeom>
-            <a:avLst/>
-            <a:gdLst/>
-            <a:ahLst/>
-            <a:cxnLst/>
-            <a:rect l="l" t="t" r="r" b="b"/>
-            <a:pathLst>
-              <a:path w="7665593" h="6857999">
-                <a:moveTo>
-                  <a:pt x="0" y="0"/>
-                </a:moveTo>
-                <a:lnTo>
-                  <a:pt x="7363783" y="0"/>
-                </a:lnTo>
-                <a:lnTo>
-                  <a:pt x="7372954" y="18152"/>
-                </a:lnTo>
-                <a:cubicBezTo>
-                  <a:pt x="7378508" y="27417"/>
-                  <a:pt x="7383821" y="35694"/>
-                  <a:pt x="7386404" y="41707"/>
-                </a:cubicBezTo>
-                <a:lnTo>
-                  <a:pt x="7389058" y="60832"/>
-                </a:lnTo>
-                <a:lnTo>
-                  <a:pt x="7394074" y="60137"/>
-                </a:lnTo>
-                <a:lnTo>
-                  <a:pt x="7394443" y="67241"/>
-                </a:lnTo>
-                <a:lnTo>
-                  <a:pt x="7394565" y="83099"/>
-                </a:lnTo>
-                <a:cubicBezTo>
-                  <a:pt x="7395324" y="92994"/>
-                  <a:pt x="7394122" y="120511"/>
-                  <a:pt x="7395957" y="130584"/>
-                </a:cubicBezTo>
-                <a:cubicBezTo>
-                  <a:pt x="7401306" y="133490"/>
-                  <a:pt x="7404223" y="137975"/>
-                  <a:pt x="7405574" y="143540"/>
-                </a:cubicBezTo>
-                <a:lnTo>
-                  <a:pt x="7405725" y="155795"/>
-                </a:lnTo>
-                <a:lnTo>
-                  <a:pt x="7418615" y="226869"/>
-                </a:lnTo>
-                <a:lnTo>
-                  <a:pt x="7419579" y="236641"/>
-                </a:lnTo>
-                <a:lnTo>
-                  <a:pt x="7423900" y="241933"/>
-                </a:lnTo>
-                <a:cubicBezTo>
-                  <a:pt x="7424763" y="245974"/>
-                  <a:pt x="7424206" y="257579"/>
-                  <a:pt x="7424760" y="260885"/>
-                </a:cubicBezTo>
-                <a:cubicBezTo>
-                  <a:pt x="7425580" y="261177"/>
-                  <a:pt x="7426400" y="261469"/>
-                  <a:pt x="7427220" y="261761"/>
-                </a:cubicBezTo>
-                <a:cubicBezTo>
-                  <a:pt x="7431152" y="272291"/>
-                  <a:pt x="7444241" y="311893"/>
-                  <a:pt x="7448344" y="324055"/>
-                </a:cubicBezTo>
-                <a:cubicBezTo>
-                  <a:pt x="7444563" y="326484"/>
-                  <a:pt x="7450535" y="331924"/>
-                  <a:pt x="7451833" y="334727"/>
-                </a:cubicBezTo>
-                <a:cubicBezTo>
-                  <a:pt x="7449286" y="335161"/>
-                  <a:pt x="7448510" y="341947"/>
-                  <a:pt x="7450776" y="343948"/>
-                </a:cubicBezTo>
-                <a:cubicBezTo>
-                  <a:pt x="7463202" y="391652"/>
-                  <a:pt x="7437523" y="367773"/>
-                  <a:pt x="7453791" y="395003"/>
-                </a:cubicBezTo>
-                <a:cubicBezTo>
-                  <a:pt x="7454869" y="399820"/>
-                  <a:pt x="7453841" y="403723"/>
-                  <a:pt x="7451939" y="407147"/>
-                </a:cubicBezTo>
-                <a:lnTo>
-                  <a:pt x="7448030" y="412254"/>
-                </a:lnTo>
-                <a:lnTo>
-                  <a:pt x="7455416" y="432021"/>
-                </a:lnTo>
-                <a:cubicBezTo>
-                  <a:pt x="7457991" y="441758"/>
-                  <a:pt x="7459699" y="452007"/>
-                  <a:pt x="7460479" y="462523"/>
-                </a:cubicBezTo>
-                <a:cubicBezTo>
-                  <a:pt x="7455275" y="464882"/>
-                  <a:pt x="7462669" y="473136"/>
-                  <a:pt x="7464133" y="477020"/>
-                </a:cubicBezTo>
-                <a:cubicBezTo>
-                  <a:pt x="7460734" y="477060"/>
-                  <a:pt x="7459104" y="485663"/>
-                  <a:pt x="7461914" y="488716"/>
-                </a:cubicBezTo>
-                <a:cubicBezTo>
-                  <a:pt x="7474065" y="552879"/>
-                  <a:pt x="7442314" y="516775"/>
-                  <a:pt x="7461353" y="555280"/>
-                </a:cubicBezTo>
-                <a:cubicBezTo>
-                  <a:pt x="7462345" y="561721"/>
-                  <a:pt x="7460642" y="566553"/>
-                  <a:pt x="7457829" y="570585"/>
-                </a:cubicBezTo>
-                <a:lnTo>
-                  <a:pt x="7450804" y="577839"/>
-                </a:lnTo>
-                <a:lnTo>
-                  <a:pt x="7453309" y="583524"/>
-                </a:lnTo>
-                <a:cubicBezTo>
-                  <a:pt x="7453505" y="604977"/>
-                  <a:pt x="7446306" y="611303"/>
-                  <a:pt x="7453558" y="623785"/>
-                </a:cubicBezTo>
-                <a:cubicBezTo>
-                  <a:pt x="7438483" y="642230"/>
-                  <a:pt x="7452055" y="636019"/>
-                  <a:pt x="7454362" y="650049"/>
-                </a:cubicBezTo>
-                <a:cubicBezTo>
-                  <a:pt x="7457368" y="661117"/>
-                  <a:pt x="7463152" y="640798"/>
-                  <a:pt x="7464006" y="651645"/>
-                </a:cubicBezTo>
-                <a:cubicBezTo>
-                  <a:pt x="7460114" y="663380"/>
-                  <a:pt x="7472201" y="662829"/>
-                  <a:pt x="7467442" y="675032"/>
-                </a:cubicBezTo>
-                <a:cubicBezTo>
-                  <a:pt x="7458335" y="672068"/>
-                  <a:pt x="7469207" y="699114"/>
-                  <a:pt x="7461251" y="699956"/>
-                </a:cubicBezTo>
-                <a:cubicBezTo>
-                  <a:pt x="7472628" y="710321"/>
-                  <a:pt x="7458614" y="715529"/>
-                  <a:pt x="7462119" y="729331"/>
-                </a:cubicBezTo>
-                <a:cubicBezTo>
-                  <a:pt x="7466423" y="735831"/>
-                  <a:pt x="7467162" y="740521"/>
-                  <a:pt x="7462533" y="746910"/>
-                </a:cubicBezTo>
-                <a:cubicBezTo>
-                  <a:pt x="7483486" y="776851"/>
-                  <a:pt x="7463470" y="765024"/>
-                  <a:pt x="7471529" y="793043"/>
-                </a:cubicBezTo>
-                <a:cubicBezTo>
-                  <a:pt x="7480002" y="817184"/>
-                  <a:pt x="7485500" y="844550"/>
-                  <a:pt x="7505730" y="867898"/>
-                </a:cubicBezTo>
-                <a:cubicBezTo>
-                  <a:pt x="7511461" y="872184"/>
-                  <a:pt x="7513630" y="882707"/>
-                  <a:pt x="7510576" y="891400"/>
-                </a:cubicBezTo>
-                <a:cubicBezTo>
-                  <a:pt x="7510049" y="892894"/>
-                  <a:pt x="7509385" y="894278"/>
-                  <a:pt x="7508604" y="895508"/>
-                </a:cubicBezTo>
-                <a:cubicBezTo>
-                  <a:pt x="7511698" y="915692"/>
-                  <a:pt x="7525520" y="989520"/>
-                  <a:pt x="7529143" y="1012510"/>
-                </a:cubicBezTo>
-                <a:cubicBezTo>
-                  <a:pt x="7521781" y="1014371"/>
-                  <a:pt x="7535067" y="1025997"/>
-                  <a:pt x="7530347" y="1033444"/>
-                </a:cubicBezTo>
-                <a:cubicBezTo>
-                  <a:pt x="7526204" y="1038777"/>
-                  <a:pt x="7529270" y="1043549"/>
-                  <a:pt x="7529596" y="1049120"/>
-                </a:cubicBezTo>
-                <a:cubicBezTo>
-                  <a:pt x="7526339" y="1056460"/>
-                  <a:pt x="7532220" y="1080398"/>
-                  <a:pt x="7536437" y="1086639"/>
-                </a:cubicBezTo>
-                <a:cubicBezTo>
-                  <a:pt x="7551094" y="1101553"/>
-                  <a:pt x="7540210" y="1135442"/>
-                  <a:pt x="7551438" y="1147834"/>
-                </a:cubicBezTo>
-                <a:cubicBezTo>
-                  <a:pt x="7553086" y="1152330"/>
-                  <a:pt x="7553752" y="1156729"/>
-                  <a:pt x="7553808" y="1161047"/>
-                </a:cubicBezTo>
-                <a:lnTo>
-                  <a:pt x="7552572" y="1173130"/>
-                </a:lnTo>
-                <a:lnTo>
-                  <a:pt x="7549434" y="1176566"/>
-                </a:lnTo>
-                <a:lnTo>
-                  <a:pt x="7550211" y="1183950"/>
-                </a:lnTo>
-                <a:lnTo>
-                  <a:pt x="7549733" y="1186066"/>
-                </a:lnTo>
-                <a:cubicBezTo>
-                  <a:pt x="7548807" y="1190108"/>
-                  <a:pt x="7548001" y="1194099"/>
-                  <a:pt x="7547683" y="1198047"/>
-                </a:cubicBezTo>
-                <a:cubicBezTo>
-                  <a:pt x="7563423" y="1192855"/>
-                  <a:pt x="7547566" y="1230782"/>
-                  <a:pt x="7560295" y="1219849"/>
-                </a:cubicBezTo>
-                <a:cubicBezTo>
-                  <a:pt x="7561281" y="1240644"/>
-                  <a:pt x="7573138" y="1224782"/>
-                  <a:pt x="7561835" y="1249779"/>
-                </a:cubicBezTo>
-                <a:cubicBezTo>
-                  <a:pt x="7574707" y="1282065"/>
-                  <a:pt x="7569916" y="1332957"/>
-                  <a:pt x="7589445" y="1358245"/>
-                </a:cubicBezTo>
-                <a:cubicBezTo>
-                  <a:pt x="7581989" y="1355103"/>
-                  <a:pt x="7576204" y="1368711"/>
-                  <a:pt x="7579904" y="1378136"/>
-                </a:cubicBezTo>
-                <a:cubicBezTo>
-                  <a:pt x="7550647" y="1367117"/>
-                  <a:pt x="7606267" y="1415404"/>
-                  <a:pt x="7586303" y="1423699"/>
-                </a:cubicBezTo>
-                <a:cubicBezTo>
-                  <a:pt x="7604838" y="1424108"/>
-                  <a:pt x="7636267" y="1466352"/>
-                  <a:pt x="7621059" y="1486236"/>
-                </a:cubicBezTo>
-                <a:cubicBezTo>
-                  <a:pt x="7624771" y="1516526"/>
-                  <a:pt x="7640092" y="1537976"/>
-                  <a:pt x="7633966" y="1569734"/>
-                </a:cubicBezTo>
-                <a:cubicBezTo>
-                  <a:pt x="7636447" y="1570719"/>
-                  <a:pt x="7638522" y="1572334"/>
-                  <a:pt x="7640304" y="1574384"/>
-                </a:cubicBezTo>
-                <a:lnTo>
-                  <a:pt x="7644628" y="1581242"/>
-                </a:lnTo>
-                <a:lnTo>
-                  <a:pt x="7644313" y="1582567"/>
-                </a:lnTo>
-                <a:cubicBezTo>
-                  <a:pt x="7644257" y="1587776"/>
-                  <a:pt x="7645302" y="1590443"/>
-                  <a:pt x="7646831" y="1591983"/>
-                </a:cubicBezTo>
-                <a:cubicBezTo>
-                  <a:pt x="7647577" y="1592347"/>
-                  <a:pt x="7648323" y="1592711"/>
-                  <a:pt x="7649069" y="1593074"/>
-                </a:cubicBezTo>
-                <a:lnTo>
-                  <a:pt x="7651326" y="1599230"/>
-                </a:lnTo>
-                <a:lnTo>
-                  <a:pt x="7657195" y="1610539"/>
-                </a:lnTo>
-                <a:lnTo>
-                  <a:pt x="7656957" y="1613422"/>
-                </a:lnTo>
-                <a:lnTo>
-                  <a:pt x="7663730" y="1631673"/>
-                </a:lnTo>
-                <a:lnTo>
-                  <a:pt x="7663189" y="1632289"/>
-                </a:lnTo>
-                <a:cubicBezTo>
-                  <a:pt x="7662131" y="1634085"/>
-                  <a:pt x="7661641" y="1636199"/>
-                  <a:pt x="7662326" y="1639024"/>
-                </a:cubicBezTo>
-                <a:cubicBezTo>
-                  <a:pt x="7651979" y="1640024"/>
-                  <a:pt x="7659188" y="1642819"/>
-                  <a:pt x="7662125" y="1651067"/>
-                </a:cubicBezTo>
-                <a:cubicBezTo>
-                  <a:pt x="7646711" y="1654462"/>
-                  <a:pt x="7660667" y="1674670"/>
-                  <a:pt x="7653812" y="1683345"/>
-                </a:cubicBezTo>
-                <a:cubicBezTo>
-                  <a:pt x="7656316" y="1689330"/>
-                  <a:pt x="7658683" y="1695719"/>
-                  <a:pt x="7660803" y="1702414"/>
-                </a:cubicBezTo>
-                <a:lnTo>
-                  <a:pt x="7661867" y="1756201"/>
-                </a:lnTo>
-                <a:lnTo>
-                  <a:pt x="7649453" y="1812530"/>
-                </a:lnTo>
-                <a:cubicBezTo>
-                  <a:pt x="7649183" y="1833366"/>
-                  <a:pt x="7644573" y="1851408"/>
-                  <a:pt x="7647823" y="1869041"/>
-                </a:cubicBezTo>
-                <a:cubicBezTo>
-                  <a:pt x="7644238" y="1876204"/>
-                  <a:pt x="7642789" y="1882956"/>
-                  <a:pt x="7648156" y="1889503"/>
-                </a:cubicBezTo>
-                <a:cubicBezTo>
-                  <a:pt x="7646365" y="1908946"/>
-                  <a:pt x="7638702" y="1913653"/>
-                  <a:pt x="7644679" y="1925974"/>
-                </a:cubicBezTo>
-                <a:cubicBezTo>
-                  <a:pt x="7632281" y="1936898"/>
-                  <a:pt x="7637013" y="1937545"/>
-                  <a:pt x="7640564" y="1942678"/>
-                </a:cubicBezTo>
-                <a:lnTo>
-                  <a:pt x="7640816" y="1943410"/>
-                </a:lnTo>
-                <a:lnTo>
-                  <a:pt x="7639044" y="1944904"/>
-                </a:lnTo>
-                <a:lnTo>
-                  <a:pt x="7638223" y="1947993"/>
-                </a:lnTo>
-                <a:lnTo>
-                  <a:pt x="7638752" y="1956430"/>
-                </a:lnTo>
-                <a:lnTo>
-                  <a:pt x="7639407" y="1959603"/>
-                </a:lnTo>
-                <a:cubicBezTo>
-                  <a:pt x="7639690" y="1961788"/>
-                  <a:pt x="7639658" y="1963239"/>
-                  <a:pt x="7639396" y="1964244"/>
-                </a:cubicBezTo>
-                <a:lnTo>
-                  <a:pt x="7639249" y="1964361"/>
-                </a:lnTo>
-                <a:lnTo>
-                  <a:pt x="7639521" y="1968708"/>
-                </a:lnTo>
-                <a:cubicBezTo>
-                  <a:pt x="7640315" y="1976045"/>
-                  <a:pt x="7641402" y="1983186"/>
-                  <a:pt x="7642694" y="1989983"/>
-                </a:cubicBezTo>
-                <a:cubicBezTo>
-                  <a:pt x="7634556" y="1995729"/>
-                  <a:pt x="7644169" y="2020842"/>
-                  <a:pt x="7628828" y="2018094"/>
-                </a:cubicBezTo>
-                <a:cubicBezTo>
-                  <a:pt x="7630116" y="2027262"/>
-                  <a:pt x="7636485" y="2032807"/>
-                  <a:pt x="7626423" y="2029720"/>
-                </a:cubicBezTo>
-                <a:cubicBezTo>
-                  <a:pt x="7626559" y="2032738"/>
-                  <a:pt x="7625703" y="2034598"/>
-                  <a:pt x="7624364" y="2035929"/>
-                </a:cubicBezTo>
-                <a:lnTo>
-                  <a:pt x="7623733" y="2036314"/>
-                </a:lnTo>
-                <a:lnTo>
-                  <a:pt x="7626847" y="2056711"/>
-                </a:lnTo>
-                <a:lnTo>
-                  <a:pt x="7626090" y="2059419"/>
-                </a:lnTo>
-                <a:lnTo>
-                  <a:pt x="7629618" y="2072712"/>
-                </a:lnTo>
-                <a:lnTo>
-                  <a:pt x="7630641" y="2079581"/>
-                </a:lnTo>
-                <a:lnTo>
-                  <a:pt x="7632577" y="2081522"/>
-                </a:lnTo>
-                <a:cubicBezTo>
-                  <a:pt x="7633753" y="2083617"/>
-                  <a:pt x="7634261" y="2086620"/>
-                  <a:pt x="7633251" y="2091658"/>
-                </a:cubicBezTo>
-                <a:lnTo>
-                  <a:pt x="7632707" y="2092825"/>
-                </a:lnTo>
-                <a:lnTo>
-                  <a:pt x="7635575" y="2101184"/>
-                </a:lnTo>
-                <a:cubicBezTo>
-                  <a:pt x="7636900" y="2103876"/>
-                  <a:pt x="7638586" y="2106260"/>
-                  <a:pt x="7640772" y="2108190"/>
-                </a:cubicBezTo>
-                <a:cubicBezTo>
-                  <a:pt x="7629093" y="2136655"/>
-                  <a:pt x="7639778" y="2163513"/>
-                  <a:pt x="7637758" y="2194409"/>
-                </a:cubicBezTo>
-                <a:cubicBezTo>
-                  <a:pt x="7619585" y="2207765"/>
-                  <a:pt x="7641835" y="2261154"/>
-                  <a:pt x="7659453" y="2268824"/>
-                </a:cubicBezTo>
-                <a:cubicBezTo>
-                  <a:pt x="7644015" y="2268997"/>
-                  <a:pt x="7665037" y="2307714"/>
-                  <a:pt x="7665583" y="2317700"/>
-                </a:cubicBezTo>
-                <a:cubicBezTo>
-                  <a:pt x="7665764" y="2321029"/>
-                  <a:pt x="7663671" y="2321166"/>
-                  <a:pt x="7657195" y="2315619"/>
-                </a:cubicBezTo>
-                <a:cubicBezTo>
-                  <a:pt x="7658997" y="2326231"/>
-                  <a:pt x="7650972" y="2337185"/>
-                  <a:pt x="7644431" y="2331209"/>
-                </a:cubicBezTo>
-                <a:cubicBezTo>
-                  <a:pt x="7658433" y="2363448"/>
-                  <a:pt x="7644510" y="2411031"/>
-                  <a:pt x="7650869" y="2447461"/>
-                </a:cubicBezTo>
-                <a:cubicBezTo>
-                  <a:pt x="7635485" y="2467322"/>
-                  <a:pt x="7649719" y="2456555"/>
-                  <a:pt x="7646841" y="2477156"/>
-                </a:cubicBezTo>
-                <a:cubicBezTo>
-                  <a:pt x="7661004" y="2471521"/>
-                  <a:pt x="7638896" y="2502164"/>
-                  <a:pt x="7654880" y="2503292"/>
-                </a:cubicBezTo>
-                <a:cubicBezTo>
-                  <a:pt x="7653849" y="2507005"/>
-                  <a:pt x="7652348" y="2510567"/>
-                  <a:pt x="7650720" y="2514131"/>
-                </a:cubicBezTo>
-                <a:lnTo>
-                  <a:pt x="7649876" y="2516003"/>
-                </a:lnTo>
-                <a:lnTo>
-                  <a:pt x="7649263" y="2523483"/>
-                </a:lnTo>
-                <a:lnTo>
-                  <a:pt x="7645633" y="2525592"/>
-                </a:lnTo>
-                <a:lnTo>
-                  <a:pt x="7642233" y="2536851"/>
-                </a:lnTo>
-                <a:cubicBezTo>
-                  <a:pt x="7641494" y="2541069"/>
-                  <a:pt x="7641323" y="2545607"/>
-                  <a:pt x="7642069" y="2550622"/>
-                </a:cubicBezTo>
-                <a:cubicBezTo>
-                  <a:pt x="7648404" y="2562959"/>
-                  <a:pt x="7640640" y="2582170"/>
-                  <a:pt x="7641110" y="2599544"/>
-                </a:cubicBezTo>
-                <a:lnTo>
-                  <a:pt x="7643071" y="2607523"/>
-                </a:lnTo>
-                <a:lnTo>
-                  <a:pt x="7639801" y="2633566"/>
-                </a:lnTo>
-                <a:cubicBezTo>
-                  <a:pt x="7639166" y="2640978"/>
-                  <a:pt x="7638833" y="2648672"/>
-                  <a:pt x="7639065" y="2656773"/>
-                </a:cubicBezTo>
-                <a:lnTo>
-                  <a:pt x="7640624" y="2671810"/>
-                </a:lnTo>
-                <a:lnTo>
-                  <a:pt x="7639332" y="2675751"/>
-                </a:lnTo>
-                <a:cubicBezTo>
-                  <a:pt x="7639476" y="2682617"/>
-                  <a:pt x="7644027" y="2691703"/>
-                  <a:pt x="7638498" y="2690893"/>
-                </a:cubicBezTo>
-                <a:lnTo>
-                  <a:pt x="7640415" y="2698606"/>
-                </a:lnTo>
-                <a:lnTo>
-                  <a:pt x="7636002" y="2706218"/>
-                </a:lnTo>
-                <a:cubicBezTo>
-                  <a:pt x="7634978" y="2707053"/>
-                  <a:pt x="7633887" y="2707679"/>
-                  <a:pt x="7632770" y="2708079"/>
-                </a:cubicBezTo>
-                <a:lnTo>
-                  <a:pt x="7634220" y="2718854"/>
-                </a:lnTo>
-                <a:lnTo>
-                  <a:pt x="7631061" y="2727688"/>
-                </a:lnTo>
-                <a:lnTo>
-                  <a:pt x="7633127" y="2735389"/>
-                </a:lnTo>
-                <a:lnTo>
-                  <a:pt x="7632661" y="2738584"/>
-                </a:lnTo>
-                <a:lnTo>
-                  <a:pt x="7631098" y="2746529"/>
-                </a:lnTo>
-                <a:cubicBezTo>
-                  <a:pt x="7630002" y="2750602"/>
-                  <a:pt x="7628681" y="2755160"/>
-                  <a:pt x="7627624" y="2760235"/>
-                </a:cubicBezTo>
-                <a:lnTo>
-                  <a:pt x="7627140" y="2764511"/>
-                </a:lnTo>
-                <a:lnTo>
-                  <a:pt x="7621827" y="2773820"/>
-                </a:lnTo>
-                <a:cubicBezTo>
-                  <a:pt x="7617811" y="2780593"/>
-                  <a:pt x="7615104" y="2785923"/>
-                  <a:pt x="7617284" y="2791840"/>
-                </a:cubicBezTo>
-                <a:cubicBezTo>
-                  <a:pt x="7612094" y="2801924"/>
-                  <a:pt x="7597550" y="2808970"/>
-                  <a:pt x="7601430" y="2823567"/>
-                </a:cubicBezTo>
-                <a:cubicBezTo>
-                  <a:pt x="7594841" y="2819137"/>
-                  <a:pt x="7600633" y="2839778"/>
-                  <a:pt x="7593865" y="2842217"/>
-                </a:cubicBezTo>
-                <a:cubicBezTo>
-                  <a:pt x="7588415" y="2843342"/>
-                  <a:pt x="7588901" y="2849866"/>
-                  <a:pt x="7586893" y="2854834"/>
-                </a:cubicBezTo>
-                <a:cubicBezTo>
-                  <a:pt x="7581327" y="2858374"/>
-                  <a:pt x="7576244" y="2883372"/>
-                  <a:pt x="7577046" y="2892075"/>
-                </a:cubicBezTo>
-                <a:cubicBezTo>
-                  <a:pt x="7582584" y="2916606"/>
-                  <a:pt x="7560175" y="2936338"/>
-                  <a:pt x="7564026" y="2955950"/>
-                </a:cubicBezTo>
-                <a:cubicBezTo>
-                  <a:pt x="7563501" y="2961086"/>
-                  <a:pt x="7562240" y="2965343"/>
-                  <a:pt x="7560529" y="2969031"/>
-                </a:cubicBezTo>
-                <a:lnTo>
-                  <a:pt x="7554631" y="2978222"/>
-                </a:lnTo>
-                <a:lnTo>
-                  <a:pt x="7550747" y="2978564"/>
-                </a:lnTo>
-                <a:lnTo>
-                  <a:pt x="7548359" y="2985429"/>
-                </a:lnTo>
-                <a:lnTo>
-                  <a:pt x="7547120" y="2986826"/>
-                </a:lnTo>
-                <a:cubicBezTo>
-                  <a:pt x="7544741" y="2989483"/>
-                  <a:pt x="7542480" y="2992194"/>
-                  <a:pt x="7540621" y="2995267"/>
-                </a:cubicBezTo>
-                <a:cubicBezTo>
-                  <a:pt x="7555200" y="3003715"/>
-                  <a:pt x="7527208" y="3022799"/>
-                  <a:pt x="7541739" y="3023946"/>
-                </a:cubicBezTo>
-                <a:cubicBezTo>
-                  <a:pt x="7534059" y="3042303"/>
-                  <a:pt x="7549904" y="3038579"/>
-                  <a:pt x="7530781" y="3050462"/>
-                </a:cubicBezTo>
-                <a:cubicBezTo>
-                  <a:pt x="7527838" y="3088204"/>
-                  <a:pt x="7503338" y="3127251"/>
-                  <a:pt x="7508515" y="3164510"/>
-                </a:cubicBezTo>
-                <a:cubicBezTo>
-                  <a:pt x="7503888" y="3155782"/>
-                  <a:pt x="7493770" y="3162549"/>
-                  <a:pt x="7492866" y="3173520"/>
-                </a:cubicBezTo>
-                <a:cubicBezTo>
-                  <a:pt x="7474179" y="3140376"/>
-                  <a:pt x="7498581" y="3226463"/>
-                  <a:pt x="7479395" y="3217191"/>
-                </a:cubicBezTo>
-                <a:cubicBezTo>
-                  <a:pt x="7493905" y="3232643"/>
-                  <a:pt x="7501608" y="3293915"/>
-                  <a:pt x="7481475" y="3298298"/>
-                </a:cubicBezTo>
-                <a:cubicBezTo>
-                  <a:pt x="7472089" y="3326890"/>
-                  <a:pt x="7475493" y="3357480"/>
-                  <a:pt x="7457722" y="3379292"/>
-                </a:cubicBezTo>
-                <a:cubicBezTo>
-                  <a:pt x="7459285" y="3382143"/>
-                  <a:pt x="7460273" y="3385199"/>
-                  <a:pt x="7460850" y="3388381"/>
-                </a:cubicBezTo>
-                <a:lnTo>
-                  <a:pt x="7461482" y="3397694"/>
-                </a:lnTo>
-                <a:lnTo>
-                  <a:pt x="7460695" y="3398556"/>
-                </a:lnTo>
-                <a:cubicBezTo>
-                  <a:pt x="7458532" y="3402904"/>
-                  <a:pt x="7458275" y="3406007"/>
-                  <a:pt x="7458858" y="3408553"/>
-                </a:cubicBezTo>
-                <a:lnTo>
-                  <a:pt x="7460185" y="3411299"/>
-                </a:lnTo>
-                <a:lnTo>
-                  <a:pt x="7459468" y="3418333"/>
-                </a:lnTo>
-                <a:lnTo>
-                  <a:pt x="7459515" y="3432662"/>
-                </a:lnTo>
-                <a:lnTo>
-                  <a:pt x="7458154" y="3434902"/>
-                </a:lnTo>
-                <a:lnTo>
-                  <a:pt x="7456091" y="3455825"/>
-                </a:lnTo>
-                <a:cubicBezTo>
-                  <a:pt x="7455865" y="3455850"/>
-                  <a:pt x="7455638" y="3455877"/>
-                  <a:pt x="7455413" y="3455903"/>
-                </a:cubicBezTo>
-                <a:cubicBezTo>
-                  <a:pt x="7453843" y="3456557"/>
-                  <a:pt x="7452596" y="3457940"/>
-                  <a:pt x="7451989" y="3460886"/>
-                </a:cubicBezTo>
-                <a:cubicBezTo>
-                  <a:pt x="7443388" y="3453296"/>
-                  <a:pt x="7447961" y="3461529"/>
-                  <a:pt x="7446929" y="3470886"/>
-                </a:cubicBezTo>
-                <a:cubicBezTo>
-                  <a:pt x="7433341" y="3461186"/>
-                  <a:pt x="7436171" y="3489615"/>
-                  <a:pt x="7427213" y="3491353"/>
-                </a:cubicBezTo>
-                <a:cubicBezTo>
-                  <a:pt x="7426761" y="3498443"/>
-                  <a:pt x="7426037" y="3505767"/>
-                  <a:pt x="7424990" y="3513143"/>
-                </a:cubicBezTo>
-                <a:lnTo>
-                  <a:pt x="7424186" y="3517424"/>
-                </a:lnTo>
-                <a:cubicBezTo>
-                  <a:pt x="7424132" y="3517438"/>
-                  <a:pt x="7424077" y="3517453"/>
-                  <a:pt x="7424024" y="3517467"/>
-                </a:cubicBezTo>
-                <a:cubicBezTo>
-                  <a:pt x="7423536" y="3518305"/>
-                  <a:pt x="7423153" y="3519678"/>
-                  <a:pt x="7422883" y="3521896"/>
-                </a:cubicBezTo>
-                <a:lnTo>
-                  <a:pt x="7422723" y="3525229"/>
-                </a:lnTo>
-                <a:lnTo>
-                  <a:pt x="7421163" y="3533534"/>
-                </a:lnTo>
-                <a:lnTo>
-                  <a:pt x="7419650" y="3536108"/>
-                </a:lnTo>
-                <a:lnTo>
-                  <a:pt x="7417640" y="3536718"/>
-                </a:lnTo>
-                <a:lnTo>
-                  <a:pt x="7417697" y="3537534"/>
-                </a:lnTo>
-                <a:cubicBezTo>
-                  <a:pt x="7419749" y="3544077"/>
-                  <a:pt x="7423989" y="3546875"/>
-                  <a:pt x="7409814" y="3551598"/>
-                </a:cubicBezTo>
-                <a:cubicBezTo>
-                  <a:pt x="7412376" y="3566128"/>
-                  <a:pt x="7404108" y="3567090"/>
-                  <a:pt x="7397719" y="3584844"/>
-                </a:cubicBezTo>
-                <a:cubicBezTo>
-                  <a:pt x="7401116" y="3593573"/>
-                  <a:pt x="7398130" y="3599358"/>
-                  <a:pt x="7393057" y="3604546"/>
-                </a:cubicBezTo>
-                <a:cubicBezTo>
-                  <a:pt x="7391792" y="3622895"/>
-                  <a:pt x="7383125" y="3638008"/>
-                  <a:pt x="7377811" y="3657793"/>
-                </a:cubicBezTo>
-                <a:cubicBezTo>
-                  <a:pt x="7379886" y="3680874"/>
-                  <a:pt x="7366255" y="3689531"/>
-                  <a:pt x="7360624" y="3710685"/>
-                </a:cubicBezTo>
-                <a:cubicBezTo>
-                  <a:pt x="7367950" y="3731637"/>
-                  <a:pt x="7347999" y="3723947"/>
-                  <a:pt x="7341489" y="3734006"/>
-                </a:cubicBezTo>
-                <a:lnTo>
-                  <a:pt x="7340478" y="3737028"/>
-                </a:lnTo>
-                <a:lnTo>
-                  <a:pt x="7340489" y="3745476"/>
-                </a:lnTo>
-                <a:lnTo>
-                  <a:pt x="7340950" y="3748687"/>
-                </a:lnTo>
-                <a:cubicBezTo>
-                  <a:pt x="7341098" y="3750887"/>
-                  <a:pt x="7340976" y="3752333"/>
-                  <a:pt x="7340653" y="3753314"/>
-                </a:cubicBezTo>
-                <a:lnTo>
-                  <a:pt x="7340500" y="3753419"/>
-                </a:lnTo>
-                <a:lnTo>
-                  <a:pt x="7340506" y="3757774"/>
-                </a:lnTo>
-                <a:cubicBezTo>
-                  <a:pt x="7340847" y="3765147"/>
-                  <a:pt x="7341495" y="3772345"/>
-                  <a:pt x="7342369" y="3779218"/>
-                </a:cubicBezTo>
-                <a:cubicBezTo>
-                  <a:pt x="7333890" y="3784348"/>
-                  <a:pt x="7341949" y="3810090"/>
-                  <a:pt x="7326800" y="3806225"/>
-                </a:cubicBezTo>
-                <a:cubicBezTo>
-                  <a:pt x="7327524" y="3815461"/>
-                  <a:pt x="7333545" y="3821456"/>
-                  <a:pt x="7323686" y="3817640"/>
-                </a:cubicBezTo>
-                <a:cubicBezTo>
-                  <a:pt x="7323637" y="3820659"/>
-                  <a:pt x="7322668" y="3822449"/>
-                  <a:pt x="7321247" y="3823678"/>
-                </a:cubicBezTo>
-                <a:lnTo>
-                  <a:pt x="7320595" y="3824018"/>
-                </a:lnTo>
-                <a:lnTo>
-                  <a:pt x="7322453" y="3844579"/>
-                </a:lnTo>
-                <a:lnTo>
-                  <a:pt x="7321532" y="3847225"/>
-                </a:lnTo>
-                <a:lnTo>
-                  <a:pt x="7324238" y="3860736"/>
-                </a:lnTo>
-                <a:lnTo>
-                  <a:pt x="7324840" y="3867658"/>
-                </a:lnTo>
-                <a:lnTo>
-                  <a:pt x="7326655" y="3869733"/>
-                </a:lnTo>
-                <a:cubicBezTo>
-                  <a:pt x="7327701" y="3871909"/>
-                  <a:pt x="7328023" y="3874942"/>
-                  <a:pt x="7326706" y="3879891"/>
-                </a:cubicBezTo>
-                <a:lnTo>
-                  <a:pt x="7326093" y="3881013"/>
-                </a:lnTo>
-                <a:lnTo>
-                  <a:pt x="7328442" y="3889558"/>
-                </a:lnTo>
-                <a:cubicBezTo>
-                  <a:pt x="7329602" y="3892339"/>
-                  <a:pt x="7331138" y="3894839"/>
-                  <a:pt x="7333203" y="3896924"/>
-                </a:cubicBezTo>
-                <a:cubicBezTo>
-                  <a:pt x="7319795" y="3924445"/>
-                  <a:pt x="7328820" y="3952004"/>
-                  <a:pt x="7324908" y="3982658"/>
-                </a:cubicBezTo>
-                <a:cubicBezTo>
-                  <a:pt x="7325522" y="4017325"/>
-                  <a:pt x="7327874" y="4041416"/>
-                  <a:pt x="7327588" y="4064228"/>
-                </a:cubicBezTo>
-                <a:cubicBezTo>
-                  <a:pt x="7328735" y="4074940"/>
-                  <a:pt x="7329351" y="4153102"/>
-                  <a:pt x="7323186" y="4146664"/>
-                </a:cubicBezTo>
-                <a:cubicBezTo>
-                  <a:pt x="7335189" y="4179829"/>
-                  <a:pt x="7318370" y="4199117"/>
-                  <a:pt x="7322488" y="4235901"/>
-                </a:cubicBezTo>
-                <a:cubicBezTo>
-                  <a:pt x="7305909" y="4254573"/>
-                  <a:pt x="7320783" y="4244884"/>
-                  <a:pt x="7316645" y="4265209"/>
-                </a:cubicBezTo>
-                <a:cubicBezTo>
-                  <a:pt x="7331133" y="4260631"/>
-                  <a:pt x="7307179" y="4289560"/>
-                  <a:pt x="7323069" y="4291857"/>
-                </a:cubicBezTo>
-                <a:cubicBezTo>
-                  <a:pt x="7321814" y="4295483"/>
-                  <a:pt x="7320095" y="4298923"/>
-                  <a:pt x="7318251" y="4302359"/>
-                </a:cubicBezTo>
-                <a:lnTo>
-                  <a:pt x="7317295" y="4304161"/>
-                </a:lnTo>
-                <a:lnTo>
-                  <a:pt x="7316223" y="4311573"/>
-                </a:lnTo>
-                <a:lnTo>
-                  <a:pt x="7312469" y="4313411"/>
-                </a:lnTo>
-                <a:lnTo>
-                  <a:pt x="7306447" y="4403491"/>
-                </a:lnTo>
-                <a:cubicBezTo>
-                  <a:pt x="7308849" y="4411399"/>
-                  <a:pt x="7308497" y="4436984"/>
-                  <a:pt x="7303688" y="4442497"/>
-                </a:cubicBezTo>
-                <a:cubicBezTo>
-                  <a:pt x="7302637" y="4447969"/>
-                  <a:pt x="7304327" y="4453942"/>
-                  <a:pt x="7299181" y="4457128"/>
-                </a:cubicBezTo>
-                <a:cubicBezTo>
-                  <a:pt x="7296154" y="4469016"/>
-                  <a:pt x="7289197" y="4496240"/>
-                  <a:pt x="7285530" y="4513823"/>
-                </a:cubicBezTo>
-                <a:cubicBezTo>
-                  <a:pt x="7288769" y="4518560"/>
-                  <a:pt x="7287100" y="4524649"/>
-                  <a:pt x="7284412" y="4532609"/>
-                </a:cubicBezTo>
-                <a:lnTo>
-                  <a:pt x="7282601" y="4540125"/>
-                </a:lnTo>
-                <a:lnTo>
-                  <a:pt x="7291785" y="4563650"/>
-                </a:lnTo>
-                <a:lnTo>
-                  <a:pt x="7284191" y="4636427"/>
-                </a:lnTo>
-                <a:lnTo>
-                  <a:pt x="7292797" y="4672055"/>
-                </a:lnTo>
-                <a:cubicBezTo>
-                  <a:pt x="7294304" y="4686552"/>
-                  <a:pt x="7294421" y="4700466"/>
-                  <a:pt x="7295425" y="4713953"/>
-                </a:cubicBezTo>
-                <a:cubicBezTo>
-                  <a:pt x="7296104" y="4744441"/>
-                  <a:pt x="7280378" y="4723911"/>
-                  <a:pt x="7292574" y="4762180"/>
-                </a:cubicBezTo>
-                <a:cubicBezTo>
-                  <a:pt x="7286719" y="4766152"/>
-                  <a:pt x="7286266" y="4770971"/>
-                  <a:pt x="7288689" y="4779168"/>
-                </a:cubicBezTo>
-                <a:cubicBezTo>
-                  <a:pt x="7288592" y="4793971"/>
-                  <a:pt x="7274303" y="4792486"/>
-                  <a:pt x="7282355" y="4807636"/>
-                </a:cubicBezTo>
-                <a:cubicBezTo>
-                  <a:pt x="7278556" y="4806204"/>
-                  <a:pt x="7277539" y="4813202"/>
-                  <a:pt x="7276505" y="4819678"/>
-                </a:cubicBezTo>
-                <a:lnTo>
-                  <a:pt x="7273752" y="4823797"/>
-                </a:lnTo>
-                <a:lnTo>
-                  <a:pt x="7283683" y="4847794"/>
-                </a:lnTo>
-                <a:cubicBezTo>
-                  <a:pt x="7296832" y="4890479"/>
-                  <a:pt x="7302379" y="4941877"/>
-                  <a:pt x="7311552" y="4978326"/>
-                </a:cubicBezTo>
-                <a:cubicBezTo>
-                  <a:pt x="7284161" y="4998846"/>
-                  <a:pt x="7309660" y="4989594"/>
-                  <a:pt x="7304880" y="5015024"/>
-                </a:cubicBezTo>
-                <a:cubicBezTo>
-                  <a:pt x="7330355" y="5012307"/>
-                  <a:pt x="7291032" y="5044485"/>
-                  <a:pt x="7319932" y="5050993"/>
-                </a:cubicBezTo>
-                <a:cubicBezTo>
-                  <a:pt x="7318148" y="5055414"/>
-                  <a:pt x="7315506" y="5059493"/>
-                  <a:pt x="7312641" y="5063537"/>
-                </a:cubicBezTo>
-                <a:lnTo>
-                  <a:pt x="7311153" y="5065661"/>
-                </a:lnTo>
-                <a:lnTo>
-                  <a:pt x="7310197" y="5075032"/>
-                </a:lnTo>
-                <a:lnTo>
-                  <a:pt x="7303683" y="5076576"/>
-                </a:lnTo>
-                <a:lnTo>
-                  <a:pt x="7297768" y="5089898"/>
-                </a:lnTo>
-                <a:cubicBezTo>
-                  <a:pt x="7296519" y="5095057"/>
-                  <a:pt x="7296302" y="5100805"/>
-                  <a:pt x="7297750" y="5107454"/>
-                </a:cubicBezTo>
-                <a:cubicBezTo>
-                  <a:pt x="7309447" y="5125240"/>
-                  <a:pt x="7295812" y="5147341"/>
-                  <a:pt x="7297014" y="5169708"/>
-                </a:cubicBezTo>
-                <a:lnTo>
-                  <a:pt x="7300719" y="5180532"/>
-                </a:lnTo>
-                <a:lnTo>
-                  <a:pt x="7295705" y="5210620"/>
-                </a:lnTo>
-                <a:lnTo>
-                  <a:pt x="7296901" y="5212749"/>
-                </a:lnTo>
-                <a:cubicBezTo>
-                  <a:pt x="7296704" y="5218058"/>
-                  <a:pt x="7294377" y="5228574"/>
-                  <a:pt x="7294523" y="5242477"/>
-                </a:cubicBezTo>
-                <a:lnTo>
-                  <a:pt x="7297776" y="5296160"/>
-                </a:lnTo>
-                <a:lnTo>
-                  <a:pt x="7289955" y="5304499"/>
-                </a:lnTo>
-                <a:lnTo>
-                  <a:pt x="7286210" y="5305374"/>
-                </a:lnTo>
-                <a:lnTo>
-                  <a:pt x="7286995" y="5320092"/>
-                </a:lnTo>
-                <a:lnTo>
-                  <a:pt x="7281550" y="5330613"/>
-                </a:lnTo>
-                <a:lnTo>
-                  <a:pt x="7285354" y="5340890"/>
-                </a:lnTo>
-                <a:lnTo>
-                  <a:pt x="7281914" y="5354491"/>
-                </a:lnTo>
-                <a:cubicBezTo>
-                  <a:pt x="7280017" y="5359352"/>
-                  <a:pt x="7277725" y="5364763"/>
-                  <a:pt x="7275918" y="5370917"/>
-                </a:cubicBezTo>
-                <a:lnTo>
-                  <a:pt x="7267655" y="5384350"/>
-                </a:lnTo>
-                <a:lnTo>
-                  <a:pt x="7263791" y="5406610"/>
-                </a:lnTo>
-                <a:cubicBezTo>
-                  <a:pt x="7260956" y="5423841"/>
-                  <a:pt x="7257650" y="5440271"/>
-                  <a:pt x="7251522" y="5456222"/>
-                </a:cubicBezTo>
-                <a:cubicBezTo>
-                  <a:pt x="7253699" y="5469913"/>
-                  <a:pt x="7252931" y="5482529"/>
-                  <a:pt x="7242311" y="5493751"/>
-                </a:cubicBezTo>
-                <a:cubicBezTo>
-                  <a:pt x="7236636" y="5529727"/>
-                  <a:pt x="7245809" y="5539513"/>
-                  <a:pt x="7231835" y="5561252"/>
-                </a:cubicBezTo>
-                <a:cubicBezTo>
-                  <a:pt x="7236311" y="5568555"/>
-                  <a:pt x="7238499" y="5573475"/>
-                  <a:pt x="7239152" y="5577121"/>
-                </a:cubicBezTo>
-                <a:cubicBezTo>
-                  <a:pt x="7241111" y="5588065"/>
-                  <a:pt x="7229268" y="5587525"/>
-                  <a:pt x="7224043" y="5605355"/>
-                </a:cubicBezTo>
-                <a:cubicBezTo>
-                  <a:pt x="7216774" y="5624244"/>
-                  <a:pt x="7213225" y="5590845"/>
-                  <a:pt x="7209229" y="5609118"/>
-                </a:cubicBezTo>
-                <a:cubicBezTo>
-                  <a:pt x="7212098" y="5628346"/>
-                  <a:pt x="7194168" y="5628785"/>
-                  <a:pt x="7198222" y="5648700"/>
-                </a:cubicBezTo>
-                <a:cubicBezTo>
-                  <a:pt x="7212577" y="5642705"/>
-                  <a:pt x="7189541" y="5689259"/>
-                  <a:pt x="7201221" y="5689771"/>
-                </a:cubicBezTo>
-                <a:cubicBezTo>
-                  <a:pt x="7181618" y="5708428"/>
-                  <a:pt x="7201258" y="5715573"/>
-                  <a:pt x="7192555" y="5739098"/>
-                </a:cubicBezTo>
-                <a:cubicBezTo>
-                  <a:pt x="7184486" y="5750478"/>
-                  <a:pt x="7182208" y="5758416"/>
-                  <a:pt x="7187522" y="5768603"/>
-                </a:cubicBezTo>
-                <a:cubicBezTo>
-                  <a:pt x="7148692" y="5821144"/>
-                  <a:pt x="7181577" y="5799065"/>
-                  <a:pt x="7162500" y="5846928"/>
-                </a:cubicBezTo>
-                <a:lnTo>
-                  <a:pt x="7160827" y="5850799"/>
-                </a:lnTo>
-                <a:lnTo>
-                  <a:pt x="7163312" y="5866636"/>
-                </a:lnTo>
-                <a:cubicBezTo>
-                  <a:pt x="7163884" y="5867070"/>
-                  <a:pt x="7164455" y="5867505"/>
-                  <a:pt x="7165029" y="5867939"/>
-                </a:cubicBezTo>
-                <a:lnTo>
-                  <a:pt x="7142501" y="5914339"/>
-                </a:lnTo>
-                <a:lnTo>
-                  <a:pt x="7143151" y="5921221"/>
-                </a:lnTo>
-                <a:lnTo>
-                  <a:pt x="7123808" y="5950546"/>
-                </a:lnTo>
-                <a:lnTo>
-                  <a:pt x="7116299" y="5966186"/>
-                </a:lnTo>
-                <a:lnTo>
-                  <a:pt x="7106117" y="5983669"/>
-                </a:lnTo>
-                <a:lnTo>
-                  <a:pt x="7109622" y="5995569"/>
-                </a:lnTo>
-                <a:cubicBezTo>
-                  <a:pt x="7114727" y="6023526"/>
-                  <a:pt x="7092983" y="6067450"/>
-                  <a:pt x="7116605" y="6077139"/>
-                </a:cubicBezTo>
-                <a:cubicBezTo>
-                  <a:pt x="7102148" y="6089933"/>
-                  <a:pt x="7125501" y="6101908"/>
-                  <a:pt x="7127573" y="6115892"/>
-                </a:cubicBezTo>
-                <a:cubicBezTo>
-                  <a:pt x="7118381" y="6127056"/>
-                  <a:pt x="7126331" y="6132595"/>
-                  <a:pt x="7128098" y="6142737"/>
-                </a:cubicBezTo>
-                <a:cubicBezTo>
-                  <a:pt x="7122429" y="6147329"/>
-                  <a:pt x="7122724" y="6155912"/>
-                  <a:pt x="7129375" y="6158833"/>
-                </a:cubicBezTo>
-                <a:cubicBezTo>
-                  <a:pt x="7144709" y="6154689"/>
-                  <a:pt x="7137060" y="6184499"/>
-                  <a:pt x="7147635" y="6186714"/>
-                </a:cubicBezTo>
-                <a:cubicBezTo>
-                  <a:pt x="7149842" y="6204016"/>
-                  <a:pt x="7136414" y="6279145"/>
-                  <a:pt x="7153343" y="6291871"/>
-                </a:cubicBezTo>
-                <a:cubicBezTo>
-                  <a:pt x="7161381" y="6326852"/>
-                  <a:pt x="7134450" y="6377408"/>
-                  <a:pt x="7134923" y="6392273"/>
-                </a:cubicBezTo>
-                <a:cubicBezTo>
-                  <a:pt x="7103997" y="6407024"/>
-                  <a:pt x="7185503" y="6478818"/>
-                  <a:pt x="7187236" y="6541940"/>
-                </a:cubicBezTo>
-                <a:cubicBezTo>
-                  <a:pt x="7184250" y="6550446"/>
-                  <a:pt x="7184290" y="6554993"/>
-                  <a:pt x="7191340" y="6557275"/>
-                </a:cubicBezTo>
-                <a:cubicBezTo>
-                  <a:pt x="7195412" y="6573685"/>
-                  <a:pt x="7202070" y="6606060"/>
-                  <a:pt x="7211670" y="6640404"/>
-                </a:cubicBezTo>
-                <a:cubicBezTo>
-                  <a:pt x="7219591" y="6666216"/>
-                  <a:pt x="7212698" y="6793331"/>
-                  <a:pt x="7221085" y="6827708"/>
-                </a:cubicBezTo>
-                <a:lnTo>
-                  <a:pt x="7227698" y="6857999"/>
-                </a:lnTo>
-                <a:lnTo>
-                  <a:pt x="0" y="6857999"/>
-                </a:lnTo>
-                <a:close/>
-              </a:path>
-            </a:pathLst>
-          </a:custGeom>
-        </p:spPr>
-      </p:pic>
-      <p:sp>
-        <p:nvSpPr>
-          <p:cNvPr id="5" name="TextBox 4">
-            <a:extLst>
-              <a:ext uri="{FF2B5EF4-FFF2-40B4-BE49-F238E27FC236}">
-                <a16:creationId xmlns:a16="http://schemas.microsoft.com/office/drawing/2014/main" id="{C32862D5-9255-6BCF-42B6-9296ADD6E826}"/>
-              </a:ext>
-            </a:extLst>
-          </p:cNvPr>
-          <p:cNvSpPr txBox="1"/>
-          <p:nvPr/>
-        </p:nvSpPr>
-        <p:spPr>
-          <a:xfrm>
-            <a:off x="8168822" y="1080618"/>
-            <a:ext cx="3519949" cy="2031325"/>
-          </a:xfrm>
-          <a:prstGeom prst="rect">
-            <a:avLst/>
-          </a:prstGeom>
-          <a:noFill/>
-        </p:spPr>
-        <p:txBody>
-          <a:bodyPr wrap="square" rtlCol="0">
-            <a:spAutoFit/>
-          </a:bodyPr>
-          <a:lstStyle/>
-          <a:p>
-            <a:r>
-              <a:rPr lang="en-CA" dirty="0"/>
-              <a:t>There are 4 analysts deciphering data</a:t>
-            </a:r>
-          </a:p>
-          <a:p>
-            <a:endParaRPr lang="en-CA" dirty="0"/>
-          </a:p>
-          <a:p>
-            <a:r>
-              <a:rPr lang="en-GB" b="1" i="0" dirty="0">
-                <a:solidFill>
-                  <a:srgbClr val="1D1C1D"/>
-                </a:solidFill>
-                <a:effectLst/>
-                <a:highlight>
-                  <a:srgbClr val="FFFFFF"/>
-                </a:highlight>
-                <a:latin typeface="Slack-Lato"/>
-              </a:rPr>
-              <a:t>Lavanya </a:t>
-            </a:r>
-            <a:r>
-              <a:rPr lang="en-GB" b="1" dirty="0" err="1">
-                <a:solidFill>
-                  <a:srgbClr val="1D1C1D"/>
-                </a:solidFill>
-                <a:highlight>
-                  <a:srgbClr val="FFFFFF"/>
-                </a:highlight>
-                <a:latin typeface="Slack-Lato"/>
-              </a:rPr>
-              <a:t>B</a:t>
-            </a:r>
-            <a:r>
-              <a:rPr lang="en-GB" b="1" i="0" dirty="0" err="1">
-                <a:solidFill>
-                  <a:srgbClr val="1D1C1D"/>
-                </a:solidFill>
-                <a:effectLst/>
-                <a:highlight>
-                  <a:srgbClr val="FFFFFF"/>
-                </a:highlight>
-                <a:latin typeface="Slack-Lato"/>
-              </a:rPr>
-              <a:t>hanot</a:t>
-            </a:r>
-            <a:endParaRPr lang="en-GB" b="1" i="0" dirty="0">
-              <a:solidFill>
-                <a:srgbClr val="1D1C1D"/>
-              </a:solidFill>
-              <a:effectLst/>
-              <a:highlight>
-                <a:srgbClr val="FFFFFF"/>
-              </a:highlight>
-              <a:latin typeface="Slack-Lato"/>
-            </a:endParaRPr>
-          </a:p>
-          <a:p>
-            <a:r>
-              <a:rPr lang="en-GB" b="1" i="0" dirty="0" err="1">
-                <a:solidFill>
-                  <a:srgbClr val="1D1C1D"/>
-                </a:solidFill>
-                <a:effectLst/>
-                <a:highlight>
-                  <a:srgbClr val="FFFFFF"/>
-                </a:highlight>
-                <a:latin typeface="Slack-Lato"/>
-              </a:rPr>
-              <a:t>Deogratius</a:t>
-            </a:r>
-            <a:r>
-              <a:rPr lang="en-GB" b="1" i="0" dirty="0">
-                <a:solidFill>
-                  <a:srgbClr val="1D1C1D"/>
-                </a:solidFill>
-                <a:effectLst/>
-                <a:highlight>
-                  <a:srgbClr val="FFFFFF"/>
-                </a:highlight>
-                <a:latin typeface="Slack-Lato"/>
-              </a:rPr>
-              <a:t> </a:t>
-            </a:r>
-            <a:r>
-              <a:rPr lang="en-GB" b="1" i="0" dirty="0" err="1">
-                <a:solidFill>
-                  <a:srgbClr val="1D1C1D"/>
-                </a:solidFill>
-                <a:effectLst/>
-                <a:highlight>
-                  <a:srgbClr val="FFFFFF"/>
-                </a:highlight>
-                <a:latin typeface="Slack-Lato"/>
-              </a:rPr>
-              <a:t>Nteza</a:t>
-            </a:r>
-            <a:endParaRPr lang="en-GB" b="1" i="0" dirty="0">
-              <a:solidFill>
-                <a:srgbClr val="1D1C1D"/>
-              </a:solidFill>
-              <a:effectLst/>
-              <a:highlight>
-                <a:srgbClr val="FFFFFF"/>
-              </a:highlight>
-              <a:latin typeface="Slack-Lato"/>
-            </a:endParaRPr>
-          </a:p>
-          <a:p>
-            <a:r>
-              <a:rPr lang="en-GB" b="1" i="0" dirty="0">
-                <a:solidFill>
-                  <a:srgbClr val="1D1C1D"/>
-                </a:solidFill>
-                <a:effectLst/>
-                <a:highlight>
-                  <a:srgbClr val="FFFFFF"/>
-                </a:highlight>
-                <a:latin typeface="Slack-Lato"/>
-              </a:rPr>
-              <a:t>Xuan (Sam) Chen</a:t>
-            </a:r>
-          </a:p>
-          <a:p>
-            <a:r>
-              <a:rPr lang="en-GB" b="1" dirty="0">
-                <a:solidFill>
-                  <a:srgbClr val="1D1C1D"/>
-                </a:solidFill>
-                <a:highlight>
-                  <a:srgbClr val="FFFFFF"/>
-                </a:highlight>
-                <a:latin typeface="Slack-Lato"/>
-              </a:rPr>
-              <a:t>Judy Pin</a:t>
-            </a:r>
-            <a:endParaRPr lang="en-GB" dirty="0"/>
-          </a:p>
-        </p:txBody>
-      </p:sp>
-    </p:spTree>
-    <p:extLst>
-      <p:ext uri="{BB962C8B-B14F-4D97-AF65-F5344CB8AC3E}">
-        <p14:creationId xmlns:p14="http://schemas.microsoft.com/office/powerpoint/2010/main" val="4250330208"/>
-      </p:ext>
-    </p:extLst>
-  </p:cSld>
-  <p:clrMapOvr>
-    <a:masterClrMapping/>
-  </p:clrMapOvr>
-  <p:timing>
-    <p:tnLst>
-      <p:par>
-        <p:cTn id="1" dur="indefinite" restart="never" nodeType="tmRoot">
-          <p:childTnLst>
-            <p:seq concurrent="1" nextAc="seek">
-              <p:cTn id="2" dur="indefinite" nodeType="mainSeq">
-                <p:childTnLst>
-                  <p:par>
-                    <p:cTn id="3" fill="hold">
-                      <p:stCondLst>
-                        <p:cond delay="indefinite"/>
-                        <p:cond evt="onBegin" delay="0">
-                          <p:tn val="2"/>
-                        </p:cond>
-                      </p:stCondLst>
-                      <p:childTnLst>
-                        <p:par>
-                          <p:cTn id="4" fill="hold">
-                            <p:stCondLst>
-                              <p:cond delay="0"/>
-                            </p:stCondLst>
-                            <p:childTnLst>
-                              <p:par>
-                                <p:cTn id="5" presetID="10" presetClass="entr" presetSubtype="0" fill="hold" grpId="0" nodeType="withEffect">
-                                  <p:stCondLst>
-                                    <p:cond delay="1500"/>
-                                  </p:stCondLst>
-                                  <p:iterate>
-                                    <p:tmPct val="10000"/>
-                                  </p:iterate>
-                                  <p:childTnLst>
-                                    <p:set>
-                                      <p:cBhvr>
-                                        <p:cTn id="6" dur="1" fill="hold">
-                                          <p:stCondLst>
-                                            <p:cond delay="0"/>
-                                          </p:stCondLst>
-                                        </p:cTn>
-                                        <p:tgtEl>
-                                          <p:spTgt spid="3">
-                                            <p:txEl>
-                                              <p:pRg st="0" end="0"/>
-                                            </p:txEl>
-                                          </p:spTgt>
-                                        </p:tgtEl>
-                                        <p:attrNameLst>
-                                          <p:attrName>style.visibility</p:attrName>
-                                        </p:attrNameLst>
-                                      </p:cBhvr>
-                                      <p:to>
-                                        <p:strVal val="visible"/>
-                                      </p:to>
-                                    </p:set>
-                                    <p:animEffect transition="in" filter="fade">
-                                      <p:cBhvr>
-                                        <p:cTn id="7" dur="700"/>
-                                        <p:tgtEl>
-                                          <p:spTgt spid="3">
-                                            <p:txEl>
-                                              <p:pRg st="0" end="0"/>
-                                            </p:txEl>
-                                          </p:spTgt>
-                                        </p:tgtEl>
-                                      </p:cBhvr>
-                                    </p:animEffect>
-                                  </p:childTnLst>
-                                </p:cTn>
-                              </p:par>
-                              <p:par>
-                                <p:cTn id="8" presetID="10" presetClass="entr" presetSubtype="0" fill="hold" grpId="0" nodeType="withEffect">
-                                  <p:stCondLst>
-                                    <p:cond delay="1000"/>
-                                  </p:stCondLst>
-                                  <p:iterate>
-                                    <p:tmPct val="10000"/>
-                                  </p:iterate>
-                                  <p:childTnLst>
-                                    <p:set>
-                                      <p:cBhvr>
-                                        <p:cTn id="9" dur="1" fill="hold">
-                                          <p:stCondLst>
-                                            <p:cond delay="0"/>
-                                          </p:stCondLst>
-                                        </p:cTn>
-                                        <p:tgtEl>
-                                          <p:spTgt spid="2"/>
-                                        </p:tgtEl>
-                                        <p:attrNameLst>
-                                          <p:attrName>style.visibility</p:attrName>
-                                        </p:attrNameLst>
-                                      </p:cBhvr>
-                                      <p:to>
-                                        <p:strVal val="visible"/>
-                                      </p:to>
-                                    </p:set>
-                                    <p:animEffect transition="in" filter="fade">
-                                      <p:cBhvr>
-                                        <p:cTn id="10" dur="700"/>
-                                        <p:tgtEl>
-                                          <p:spTgt spid="2"/>
-                                        </p:tgtEl>
-                                      </p:cBhvr>
-                                    </p:animEffect>
-                                  </p:childTnLst>
-                                </p:cTn>
-                              </p:par>
-                            </p:childTnLst>
-                          </p:cTn>
-                        </p:par>
-                      </p:childTnLst>
-                    </p:cTn>
-                  </p:par>
-                </p:childTnLst>
-              </p:cTn>
-              <p:prevCondLst>
-                <p:cond evt="onPrev" delay="0">
-                  <p:tgtEl>
-                    <p:sldTgt/>
-                  </p:tgtEl>
-                </p:cond>
-              </p:prevCondLst>
-              <p:nextCondLst>
-                <p:cond evt="onNext" delay="0">
-                  <p:tgtEl>
-                    <p:sldTgt/>
-                  </p:tgtEl>
-                </p:cond>
-              </p:nextCondLst>
-            </p:seq>
-          </p:childTnLst>
-        </p:cTn>
-      </p:par>
-    </p:tnLst>
-    <p:bldLst>
-      <p:bldP spid="2" grpId="0"/>
-      <p:bldP spid="3" grpId="0" build="p"/>
-    </p:bldLst>
-  </p:timing>
-</p:sld>
-</file>
-
 <file path=ppt/slides/slide3.xml><?xml version="1.0" encoding="utf-8"?>
 <p:sld xmlns:a="http://schemas.openxmlformats.org/drawingml/2006/main" xmlns:r="http://schemas.openxmlformats.org/officeDocument/2006/relationships" xmlns:p="http://schemas.openxmlformats.org/presentationml/2006/main">
   <p:cSld>
@@ -12917,7 +13742,7 @@
                 <a16:creationId xmlns:a16="http://schemas.microsoft.com/office/drawing/2014/main" id="{7DA3C418-758E-4180-A5D0-8655D6804587}"/>
               </a:ext>
               <a:ext uri="{C183D7F6-B498-43B3-948B-1728B52AA6E4}">
-                <adec:decorative xmlns:adec="http://schemas.microsoft.com/office/drawing/2017/decorative" val="1"/>
+                <adec:decorative xmlns:adec="http://schemas.microsoft.com/office/drawing/2017/decorative" xmlns="" val="1"/>
               </a:ext>
             </a:extLst>
           </p:cNvPr>
@@ -12993,7 +13818,7 @@
                 <a16:creationId xmlns:a16="http://schemas.microsoft.com/office/drawing/2014/main" id="{28C8EF06-5EC3-4883-AFAF-D74FF46550FB}"/>
               </a:ext>
               <a:ext uri="{C183D7F6-B498-43B3-948B-1728B52AA6E4}">
-                <adec:decorative xmlns:adec="http://schemas.microsoft.com/office/drawing/2017/decorative" val="1"/>
+                <adec:decorative xmlns:adec="http://schemas.microsoft.com/office/drawing/2017/decorative" xmlns="" val="1"/>
               </a:ext>
             </a:extLst>
           </p:cNvPr>
@@ -13677,7 +14502,7 @@
                 <a16:creationId xmlns:a16="http://schemas.microsoft.com/office/drawing/2014/main" id="{3C54F4CE-85F0-46ED-80DA-9518C9251AD1}"/>
               </a:ext>
               <a:ext uri="{C183D7F6-B498-43B3-948B-1728B52AA6E4}">
-                <adec:decorative xmlns:adec="http://schemas.microsoft.com/office/drawing/2017/decorative" val="1"/>
+                <adec:decorative xmlns:adec="http://schemas.microsoft.com/office/drawing/2017/decorative" xmlns="" val="1"/>
               </a:ext>
             </a:extLst>
           </p:cNvPr>
@@ -13753,7 +14578,7 @@
                 <a16:creationId xmlns:a16="http://schemas.microsoft.com/office/drawing/2014/main" id="{DADD1FCA-8ACB-4958-81DD-4CDD6D3E1921}"/>
               </a:ext>
               <a:ext uri="{C183D7F6-B498-43B3-948B-1728B52AA6E4}">
-                <adec:decorative xmlns:adec="http://schemas.microsoft.com/office/drawing/2017/decorative" val="1"/>
+                <adec:decorative xmlns:adec="http://schemas.microsoft.com/office/drawing/2017/decorative" xmlns="" val="1"/>
               </a:ext>
             </a:extLst>
           </p:cNvPr>
@@ -16324,6 +17149,17 @@
                 <a:cs typeface="+mj-cs"/>
               </a:rPr>
             </a:br>
+            <a:r>
+              <a:rPr lang="en-US" kern="1200" dirty="0">
+                <a:solidFill>
+                  <a:schemeClr val="tx1"/>
+                </a:solidFill>
+                <a:latin typeface="+mj-lt"/>
+                <a:ea typeface="+mj-ea"/>
+                <a:cs typeface="+mj-cs"/>
+              </a:rPr>
+              <a:t/>
+            </a:r>
             <a:br>
               <a:rPr lang="en-US" kern="1200" dirty="0">
                 <a:solidFill>
@@ -16334,6 +17170,17 @@
                 <a:cs typeface="+mj-cs"/>
               </a:rPr>
             </a:br>
+            <a:r>
+              <a:rPr lang="en-US" kern="1200" dirty="0">
+                <a:solidFill>
+                  <a:schemeClr val="tx1"/>
+                </a:solidFill>
+                <a:latin typeface="+mj-lt"/>
+                <a:ea typeface="+mj-ea"/>
+                <a:cs typeface="+mj-cs"/>
+              </a:rPr>
+              <a:t/>
+            </a:r>
             <a:br>
               <a:rPr lang="en-US" kern="1200" dirty="0">
                 <a:solidFill>
@@ -16434,7 +17281,7 @@
                 <a16:creationId xmlns:a16="http://schemas.microsoft.com/office/drawing/2014/main" id="{7DA3C418-758E-4180-A5D0-8655D6804587}"/>
               </a:ext>
               <a:ext uri="{C183D7F6-B498-43B3-948B-1728B52AA6E4}">
-                <adec:decorative xmlns:adec="http://schemas.microsoft.com/office/drawing/2017/decorative" val="1"/>
+                <adec:decorative xmlns:adec="http://schemas.microsoft.com/office/drawing/2017/decorative" xmlns="" val="1"/>
               </a:ext>
             </a:extLst>
           </p:cNvPr>
@@ -16510,7 +17357,7 @@
                 <a16:creationId xmlns:a16="http://schemas.microsoft.com/office/drawing/2014/main" id="{28C8EF06-5EC3-4883-AFAF-D74FF46550FB}"/>
               </a:ext>
               <a:ext uri="{C183D7F6-B498-43B3-948B-1728B52AA6E4}">
-                <adec:decorative xmlns:adec="http://schemas.microsoft.com/office/drawing/2017/decorative" val="1"/>
+                <adec:decorative xmlns:adec="http://schemas.microsoft.com/office/drawing/2017/decorative" xmlns="" val="1"/>
               </a:ext>
             </a:extLst>
           </p:cNvPr>
@@ -17122,6 +17969,17 @@
                 </a:solidFill>
               </a:rPr>
             </a:br>
+            <a:r>
+              <a:rPr lang="en-US" sz="3100">
+                <a:solidFill>
+                  <a:schemeClr val="tx1">
+                    <a:lumMod val="85000"/>
+                    <a:lumOff val="15000"/>
+                  </a:schemeClr>
+                </a:solidFill>
+              </a:rPr>
+              <a:t/>
+            </a:r>
             <a:br>
               <a:rPr lang="en-US" sz="3100">
                 <a:solidFill>
@@ -17132,6 +17990,17 @@
                 </a:solidFill>
               </a:rPr>
             </a:br>
+            <a:r>
+              <a:rPr lang="en-US" sz="3100">
+                <a:solidFill>
+                  <a:schemeClr val="tx1">
+                    <a:lumMod val="85000"/>
+                    <a:lumOff val="15000"/>
+                  </a:schemeClr>
+                </a:solidFill>
+              </a:rPr>
+              <a:t/>
+            </a:r>
             <a:br>
               <a:rPr lang="en-US" sz="3100">
                 <a:solidFill>

--- a/DRAFT Project1-Hotel_Booking.pptx
+++ b/DRAFT Project1-Hotel_Booking.pptx
@@ -5,7 +5,7 @@
     <p:sldMasterId id="2147483696" r:id="rId1"/>
   </p:sldMasterIdLst>
   <p:notesMasterIdLst>
-    <p:notesMasterId r:id="rId26"/>
+    <p:notesMasterId r:id="rId14"/>
   </p:notesMasterIdLst>
   <p:sldIdLst>
     <p:sldId id="256" r:id="rId2"/>
@@ -18,20 +18,8 @@
     <p:sldId id="268" r:id="rId9"/>
     <p:sldId id="265" r:id="rId10"/>
     <p:sldId id="263" r:id="rId11"/>
-    <p:sldId id="269" r:id="rId12"/>
-    <p:sldId id="270" r:id="rId13"/>
-    <p:sldId id="271" r:id="rId14"/>
-    <p:sldId id="272" r:id="rId15"/>
-    <p:sldId id="273" r:id="rId16"/>
-    <p:sldId id="274" r:id="rId17"/>
-    <p:sldId id="275" r:id="rId18"/>
-    <p:sldId id="276" r:id="rId19"/>
-    <p:sldId id="277" r:id="rId20"/>
-    <p:sldId id="278" r:id="rId21"/>
-    <p:sldId id="279" r:id="rId22"/>
-    <p:sldId id="280" r:id="rId23"/>
-    <p:sldId id="260" r:id="rId24"/>
-    <p:sldId id="264" r:id="rId25"/>
+    <p:sldId id="260" r:id="rId12"/>
+    <p:sldId id="264" r:id="rId13"/>
   </p:sldIdLst>
   <p:sldSz cx="12192000" cy="6858000"/>
   <p:notesSz cx="6858000" cy="9144000"/>
@@ -220,7 +208,7 @@
           <a:p>
             <a:fld id="{516EF974-E6BB-452F-B13B-D48F9662FC46}" type="datetimeFigureOut">
               <a:rPr lang="en-GB" smtClean="0"/>
-              <a:t>20/06/2024</a:t>
+              <a:t>18/06/2024</a:t>
             </a:fld>
             <a:endParaRPr lang="en-GB"/>
           </a:p>
@@ -826,7 +814,7 @@
           <a:p>
             <a:fld id="{63787753-DB0A-4FEF-A5D0-22798A4D1E74}" type="slidenum">
               <a:rPr lang="en-GB" smtClean="0"/>
-              <a:t>24</a:t>
+              <a:t>12</a:t>
             </a:fld>
             <a:endParaRPr lang="en-GB"/>
           </a:p>
@@ -976,7 +964,7 @@
           <a:p>
             <a:fld id="{B2CBCA21-FF79-4CB6-8764-5C706F516107}" type="datetimeFigureOut">
               <a:rPr lang="en-GB" smtClean="0"/>
-              <a:t>20/06/2024</a:t>
+              <a:t>18/06/2024</a:t>
             </a:fld>
             <a:endParaRPr lang="en-GB"/>
           </a:p>
@@ -1146,7 +1134,7 @@
           <a:p>
             <a:fld id="{B2CBCA21-FF79-4CB6-8764-5C706F516107}" type="datetimeFigureOut">
               <a:rPr lang="en-GB" smtClean="0"/>
-              <a:t>20/06/2024</a:t>
+              <a:t>18/06/2024</a:t>
             </a:fld>
             <a:endParaRPr lang="en-GB"/>
           </a:p>
@@ -1326,7 +1314,7 @@
           <a:p>
             <a:fld id="{B2CBCA21-FF79-4CB6-8764-5C706F516107}" type="datetimeFigureOut">
               <a:rPr lang="en-GB" smtClean="0"/>
-              <a:t>20/06/2024</a:t>
+              <a:t>18/06/2024</a:t>
             </a:fld>
             <a:endParaRPr lang="en-GB"/>
           </a:p>
@@ -1496,7 +1484,7 @@
           <a:p>
             <a:fld id="{B2CBCA21-FF79-4CB6-8764-5C706F516107}" type="datetimeFigureOut">
               <a:rPr lang="en-GB" smtClean="0"/>
-              <a:t>20/06/2024</a:t>
+              <a:t>18/06/2024</a:t>
             </a:fld>
             <a:endParaRPr lang="en-GB"/>
           </a:p>
@@ -1742,7 +1730,7 @@
           <a:p>
             <a:fld id="{B2CBCA21-FF79-4CB6-8764-5C706F516107}" type="datetimeFigureOut">
               <a:rPr lang="en-GB" smtClean="0"/>
-              <a:t>20/06/2024</a:t>
+              <a:t>18/06/2024</a:t>
             </a:fld>
             <a:endParaRPr lang="en-GB"/>
           </a:p>
@@ -1974,7 +1962,7 @@
           <a:p>
             <a:fld id="{B2CBCA21-FF79-4CB6-8764-5C706F516107}" type="datetimeFigureOut">
               <a:rPr lang="en-GB" smtClean="0"/>
-              <a:t>20/06/2024</a:t>
+              <a:t>18/06/2024</a:t>
             </a:fld>
             <a:endParaRPr lang="en-GB"/>
           </a:p>
@@ -2341,7 +2329,7 @@
           <a:p>
             <a:fld id="{B2CBCA21-FF79-4CB6-8764-5C706F516107}" type="datetimeFigureOut">
               <a:rPr lang="en-GB" smtClean="0"/>
-              <a:t>20/06/2024</a:t>
+              <a:t>18/06/2024</a:t>
             </a:fld>
             <a:endParaRPr lang="en-GB"/>
           </a:p>
@@ -2459,7 +2447,7 @@
           <a:p>
             <a:fld id="{B2CBCA21-FF79-4CB6-8764-5C706F516107}" type="datetimeFigureOut">
               <a:rPr lang="en-GB" smtClean="0"/>
-              <a:t>20/06/2024</a:t>
+              <a:t>18/06/2024</a:t>
             </a:fld>
             <a:endParaRPr lang="en-GB"/>
           </a:p>
@@ -2554,7 +2542,7 @@
           <a:p>
             <a:fld id="{B2CBCA21-FF79-4CB6-8764-5C706F516107}" type="datetimeFigureOut">
               <a:rPr lang="en-GB" smtClean="0"/>
-              <a:t>20/06/2024</a:t>
+              <a:t>18/06/2024</a:t>
             </a:fld>
             <a:endParaRPr lang="en-GB"/>
           </a:p>
@@ -2831,7 +2819,7 @@
           <a:p>
             <a:fld id="{B2CBCA21-FF79-4CB6-8764-5C706F516107}" type="datetimeFigureOut">
               <a:rPr lang="en-GB" smtClean="0"/>
-              <a:t>20/06/2024</a:t>
+              <a:t>18/06/2024</a:t>
             </a:fld>
             <a:endParaRPr lang="en-GB"/>
           </a:p>
@@ -3088,7 +3076,7 @@
           <a:p>
             <a:fld id="{B2CBCA21-FF79-4CB6-8764-5C706F516107}" type="datetimeFigureOut">
               <a:rPr lang="en-GB" smtClean="0"/>
-              <a:t>20/06/2024</a:t>
+              <a:t>18/06/2024</a:t>
             </a:fld>
             <a:endParaRPr lang="en-GB"/>
           </a:p>
@@ -3301,7 +3289,7 @@
           <a:p>
             <a:fld id="{B2CBCA21-FF79-4CB6-8764-5C706F516107}" type="datetimeFigureOut">
               <a:rPr lang="en-GB" smtClean="0"/>
-              <a:t>20/06/2024</a:t>
+              <a:t>18/06/2024</a:t>
             </a:fld>
             <a:endParaRPr lang="en-GB"/>
           </a:p>
@@ -3398,7 +3386,7 @@
           <p:nvPr userDrawn="1">
             <p:extLst>
               <p:ext uri="{1162E1C5-73C7-4A58-AE30-91384D911F3F}">
-                <p184:classification xmlns:p184="http://schemas.microsoft.com/office/powerpoint/2018/4/main" xmlns="" val="hdr"/>
+                <p184:classification xmlns:p184="http://schemas.microsoft.com/office/powerpoint/2018/4/main" val="hdr"/>
               </p:ext>
             </p:extLst>
           </p:nvPr>
@@ -3770,7 +3758,7 @@
                 <a16:creationId xmlns:a16="http://schemas.microsoft.com/office/drawing/2014/main" id="{9089EED9-F54D-4F20-A2C6-949DE4176959}"/>
               </a:ext>
               <a:ext uri="{C183D7F6-B498-43B3-948B-1728B52AA6E4}">
-                <adec:decorative xmlns:adec="http://schemas.microsoft.com/office/drawing/2017/decorative" xmlns="" val="1"/>
+                <adec:decorative xmlns:adec="http://schemas.microsoft.com/office/drawing/2017/decorative" val="1"/>
               </a:ext>
             </a:extLst>
           </p:cNvPr>
@@ -3846,7 +3834,7 @@
                 <a16:creationId xmlns:a16="http://schemas.microsoft.com/office/drawing/2014/main" id="{7E46F721-3785-414D-8697-16AF490E6806}"/>
               </a:ext>
               <a:ext uri="{C183D7F6-B498-43B3-948B-1728B52AA6E4}">
-                <adec:decorative xmlns:adec="http://schemas.microsoft.com/office/drawing/2017/decorative" xmlns="" val="1"/>
+                <adec:decorative xmlns:adec="http://schemas.microsoft.com/office/drawing/2017/decorative" val="1"/>
               </a:ext>
             </a:extLst>
           </p:cNvPr>
@@ -5376,7 +5364,7 @@
                 <a16:creationId xmlns:a16="http://schemas.microsoft.com/office/drawing/2014/main" id="{9089EED9-F54D-4F20-A2C6-949DE4176959}"/>
               </a:ext>
               <a:ext uri="{C183D7F6-B498-43B3-948B-1728B52AA6E4}">
-                <adec:decorative xmlns:adec="http://schemas.microsoft.com/office/drawing/2017/decorative" xmlns="" val="1"/>
+                <adec:decorative xmlns:adec="http://schemas.microsoft.com/office/drawing/2017/decorative" val="1"/>
               </a:ext>
             </a:extLst>
           </p:cNvPr>
@@ -5452,7 +5440,7 @@
                 <a16:creationId xmlns:a16="http://schemas.microsoft.com/office/drawing/2014/main" id="{7E46F721-3785-414D-8697-16AF490E6806}"/>
               </a:ext>
               <a:ext uri="{C183D7F6-B498-43B3-948B-1728B52AA6E4}">
-                <adec:decorative xmlns:adec="http://schemas.microsoft.com/office/drawing/2017/decorative" xmlns="" val="1"/>
+                <adec:decorative xmlns:adec="http://schemas.microsoft.com/office/drawing/2017/decorative" val="1"/>
               </a:ext>
             </a:extLst>
           </p:cNvPr>
@@ -5562,17 +5550,6 @@
                 </a:solidFill>
               </a:rPr>
             </a:br>
-            <a:r>
-              <a:rPr lang="en-US" sz="3600" dirty="0">
-                <a:solidFill>
-                  <a:schemeClr val="tx1">
-                    <a:lumMod val="85000"/>
-                    <a:lumOff val="15000"/>
-                  </a:schemeClr>
-                </a:solidFill>
-              </a:rPr>
-              <a:t/>
-            </a:r>
             <a:br>
               <a:rPr lang="en-US" sz="3600" dirty="0">
                 <a:solidFill>
@@ -5583,17 +5560,6 @@
                 </a:solidFill>
               </a:rPr>
             </a:br>
-            <a:r>
-              <a:rPr lang="en-US" sz="3600" dirty="0">
-                <a:solidFill>
-                  <a:schemeClr val="tx1">
-                    <a:lumMod val="85000"/>
-                    <a:lumOff val="15000"/>
-                  </a:schemeClr>
-                </a:solidFill>
-              </a:rPr>
-              <a:t/>
-            </a:r>
             <a:br>
               <a:rPr lang="en-US" sz="3600" dirty="0">
                 <a:solidFill>
@@ -6835,2550 +6801,6 @@
 <file path=ppt/slides/slide11.xml><?xml version="1.0" encoding="utf-8"?>
 <p:sld xmlns:a="http://schemas.openxmlformats.org/drawingml/2006/main" xmlns:r="http://schemas.openxmlformats.org/officeDocument/2006/relationships" xmlns:p="http://schemas.openxmlformats.org/presentationml/2006/main">
   <p:cSld>
-    <p:spTree>
-      <p:nvGrpSpPr>
-        <p:cNvPr id="1" name=""/>
-        <p:cNvGrpSpPr/>
-        <p:nvPr/>
-      </p:nvGrpSpPr>
-      <p:grpSpPr>
-        <a:xfrm>
-          <a:off x="0" y="0"/>
-          <a:ext cx="0" cy="0"/>
-          <a:chOff x="0" y="0"/>
-          <a:chExt cx="0" cy="0"/>
-        </a:xfrm>
-      </p:grpSpPr>
-      <p:pic>
-        <p:nvPicPr>
-          <p:cNvPr id="2" name="Picture 1"/>
-          <p:cNvPicPr>
-            <a:picLocks noChangeAspect="1"/>
-          </p:cNvPicPr>
-          <p:nvPr/>
-        </p:nvPicPr>
-        <p:blipFill>
-          <a:blip r:embed="rId2"/>
-          <a:stretch>
-            <a:fillRect/>
-          </a:stretch>
-        </p:blipFill>
-        <p:spPr>
-          <a:xfrm>
-            <a:off x="1390650" y="833437"/>
-            <a:ext cx="9410700" cy="5191125"/>
-          </a:xfrm>
-          <a:prstGeom prst="rect">
-            <a:avLst/>
-          </a:prstGeom>
-        </p:spPr>
-      </p:pic>
-    </p:spTree>
-    <p:extLst>
-      <p:ext uri="{BB962C8B-B14F-4D97-AF65-F5344CB8AC3E}">
-        <p14:creationId xmlns:p14="http://schemas.microsoft.com/office/powerpoint/2010/main" val="402588089"/>
-      </p:ext>
-    </p:extLst>
-  </p:cSld>
-  <p:clrMapOvr>
-    <a:masterClrMapping/>
-  </p:clrMapOvr>
-</p:sld>
-</file>
-
-<file path=ppt/slides/slide12.xml><?xml version="1.0" encoding="utf-8"?>
-<p:sld xmlns:a="http://schemas.openxmlformats.org/drawingml/2006/main" xmlns:r="http://schemas.openxmlformats.org/officeDocument/2006/relationships" xmlns:p="http://schemas.openxmlformats.org/presentationml/2006/main">
-  <p:cSld>
-    <p:spTree>
-      <p:nvGrpSpPr>
-        <p:cNvPr id="1" name=""/>
-        <p:cNvGrpSpPr/>
-        <p:nvPr/>
-      </p:nvGrpSpPr>
-      <p:grpSpPr>
-        <a:xfrm>
-          <a:off x="0" y="0"/>
-          <a:ext cx="0" cy="0"/>
-          <a:chOff x="0" y="0"/>
-          <a:chExt cx="0" cy="0"/>
-        </a:xfrm>
-      </p:grpSpPr>
-      <p:pic>
-        <p:nvPicPr>
-          <p:cNvPr id="3" name="Picture 2"/>
-          <p:cNvPicPr>
-            <a:picLocks noChangeAspect="1"/>
-          </p:cNvPicPr>
-          <p:nvPr/>
-        </p:nvPicPr>
-        <p:blipFill>
-          <a:blip r:embed="rId2"/>
-          <a:stretch>
-            <a:fillRect/>
-          </a:stretch>
-        </p:blipFill>
-        <p:spPr>
-          <a:xfrm>
-            <a:off x="1390650" y="833437"/>
-            <a:ext cx="9410700" cy="5191125"/>
-          </a:xfrm>
-          <a:prstGeom prst="rect">
-            <a:avLst/>
-          </a:prstGeom>
-        </p:spPr>
-      </p:pic>
-    </p:spTree>
-    <p:extLst>
-      <p:ext uri="{BB962C8B-B14F-4D97-AF65-F5344CB8AC3E}">
-        <p14:creationId xmlns:p14="http://schemas.microsoft.com/office/powerpoint/2010/main" val="2636049287"/>
-      </p:ext>
-    </p:extLst>
-  </p:cSld>
-  <p:clrMapOvr>
-    <a:masterClrMapping/>
-  </p:clrMapOvr>
-</p:sld>
-</file>
-
-<file path=ppt/slides/slide13.xml><?xml version="1.0" encoding="utf-8"?>
-<p:sld xmlns:a="http://schemas.openxmlformats.org/drawingml/2006/main" xmlns:r="http://schemas.openxmlformats.org/officeDocument/2006/relationships" xmlns:p="http://schemas.openxmlformats.org/presentationml/2006/main">
-  <p:cSld>
-    <p:spTree>
-      <p:nvGrpSpPr>
-        <p:cNvPr id="1" name=""/>
-        <p:cNvGrpSpPr/>
-        <p:nvPr/>
-      </p:nvGrpSpPr>
-      <p:grpSpPr>
-        <a:xfrm>
-          <a:off x="0" y="0"/>
-          <a:ext cx="0" cy="0"/>
-          <a:chOff x="0" y="0"/>
-          <a:chExt cx="0" cy="0"/>
-        </a:xfrm>
-      </p:grpSpPr>
-      <p:pic>
-        <p:nvPicPr>
-          <p:cNvPr id="2" name="Picture 1"/>
-          <p:cNvPicPr>
-            <a:picLocks noChangeAspect="1"/>
-          </p:cNvPicPr>
-          <p:nvPr/>
-        </p:nvPicPr>
-        <p:blipFill>
-          <a:blip r:embed="rId2"/>
-          <a:stretch>
-            <a:fillRect/>
-          </a:stretch>
-        </p:blipFill>
-        <p:spPr>
-          <a:xfrm>
-            <a:off x="1328737" y="833437"/>
-            <a:ext cx="9534525" cy="5191125"/>
-          </a:xfrm>
-          <a:prstGeom prst="rect">
-            <a:avLst/>
-          </a:prstGeom>
-        </p:spPr>
-      </p:pic>
-    </p:spTree>
-    <p:extLst>
-      <p:ext uri="{BB962C8B-B14F-4D97-AF65-F5344CB8AC3E}">
-        <p14:creationId xmlns:p14="http://schemas.microsoft.com/office/powerpoint/2010/main" val="4250279464"/>
-      </p:ext>
-    </p:extLst>
-  </p:cSld>
-  <p:clrMapOvr>
-    <a:masterClrMapping/>
-  </p:clrMapOvr>
-</p:sld>
-</file>
-
-<file path=ppt/slides/slide14.xml><?xml version="1.0" encoding="utf-8"?>
-<p:sld xmlns:a="http://schemas.openxmlformats.org/drawingml/2006/main" xmlns:r="http://schemas.openxmlformats.org/officeDocument/2006/relationships" xmlns:p="http://schemas.openxmlformats.org/presentationml/2006/main">
-  <p:cSld>
-    <p:spTree>
-      <p:nvGrpSpPr>
-        <p:cNvPr id="1" name=""/>
-        <p:cNvGrpSpPr/>
-        <p:nvPr/>
-      </p:nvGrpSpPr>
-      <p:grpSpPr>
-        <a:xfrm>
-          <a:off x="0" y="0"/>
-          <a:ext cx="0" cy="0"/>
-          <a:chOff x="0" y="0"/>
-          <a:chExt cx="0" cy="0"/>
-        </a:xfrm>
-      </p:grpSpPr>
-      <p:sp>
-        <p:nvSpPr>
-          <p:cNvPr id="2" name="Rectangle 1"/>
-          <p:cNvSpPr/>
-          <p:nvPr/>
-        </p:nvSpPr>
-        <p:spPr>
-          <a:xfrm>
-            <a:off x="7170058" y="2364379"/>
-            <a:ext cx="4891313" cy="1200329"/>
-          </a:xfrm>
-          <a:prstGeom prst="rect">
-            <a:avLst/>
-          </a:prstGeom>
-        </p:spPr>
-        <p:txBody>
-          <a:bodyPr wrap="square">
-            <a:spAutoFit/>
-          </a:bodyPr>
-          <a:lstStyle/>
-          <a:p>
-            <a:r>
-              <a:rPr lang="en-US" dirty="0">
-                <a:solidFill>
-                  <a:srgbClr val="000000"/>
-                </a:solidFill>
-                <a:latin typeface="Consolas" panose="020B0609020204030204" pitchFamily="49" charset="0"/>
-              </a:rPr>
-              <a:t>Total Canceled Bookings: </a:t>
-            </a:r>
-            <a:r>
-              <a:rPr lang="en-US" dirty="0" smtClean="0">
-                <a:solidFill>
-                  <a:srgbClr val="000000"/>
-                </a:solidFill>
-                <a:latin typeface="Consolas" panose="020B0609020204030204" pitchFamily="49" charset="0"/>
-              </a:rPr>
-              <a:t>44224</a:t>
-            </a:r>
-          </a:p>
-          <a:p>
-            <a:r>
-              <a:rPr lang="en-US" dirty="0" smtClean="0">
-                <a:solidFill>
-                  <a:srgbClr val="000000"/>
-                </a:solidFill>
-                <a:latin typeface="Consolas" panose="020B0609020204030204" pitchFamily="49" charset="0"/>
-              </a:rPr>
-              <a:t>Refundable </a:t>
-            </a:r>
-            <a:r>
-              <a:rPr lang="en-US" dirty="0">
-                <a:solidFill>
-                  <a:srgbClr val="000000"/>
-                </a:solidFill>
-                <a:latin typeface="Consolas" panose="020B0609020204030204" pitchFamily="49" charset="0"/>
-              </a:rPr>
-              <a:t>Canceled Bookings: 0.08</a:t>
-            </a:r>
-            <a:r>
-              <a:rPr lang="en-US" dirty="0" smtClean="0">
-                <a:solidFill>
-                  <a:srgbClr val="000000"/>
-                </a:solidFill>
-                <a:latin typeface="Consolas" panose="020B0609020204030204" pitchFamily="49" charset="0"/>
-              </a:rPr>
-              <a:t>%</a:t>
-            </a:r>
-          </a:p>
-          <a:p>
-            <a:r>
-              <a:rPr lang="en-US" dirty="0" smtClean="0">
-                <a:solidFill>
-                  <a:srgbClr val="000000"/>
-                </a:solidFill>
-                <a:latin typeface="Consolas" panose="020B0609020204030204" pitchFamily="49" charset="0"/>
-              </a:rPr>
-              <a:t>No </a:t>
-            </a:r>
-            <a:r>
-              <a:rPr lang="en-US" dirty="0">
-                <a:solidFill>
-                  <a:srgbClr val="000000"/>
-                </a:solidFill>
-                <a:latin typeface="Consolas" panose="020B0609020204030204" pitchFamily="49" charset="0"/>
-              </a:rPr>
-              <a:t>Deposit Canceled Bookings: 67.14</a:t>
-            </a:r>
-            <a:r>
-              <a:rPr lang="en-US" dirty="0" smtClean="0">
-                <a:solidFill>
-                  <a:srgbClr val="000000"/>
-                </a:solidFill>
-                <a:latin typeface="Consolas" panose="020B0609020204030204" pitchFamily="49" charset="0"/>
-              </a:rPr>
-              <a:t>%</a:t>
-            </a:r>
-          </a:p>
-          <a:p>
-            <a:r>
-              <a:rPr lang="en-US" dirty="0" smtClean="0">
-                <a:solidFill>
-                  <a:srgbClr val="000000"/>
-                </a:solidFill>
-                <a:latin typeface="Consolas" panose="020B0609020204030204" pitchFamily="49" charset="0"/>
-              </a:rPr>
-              <a:t>Non </a:t>
-            </a:r>
-            <a:r>
-              <a:rPr lang="en-US" dirty="0">
-                <a:solidFill>
-                  <a:srgbClr val="000000"/>
-                </a:solidFill>
-                <a:latin typeface="Consolas" panose="020B0609020204030204" pitchFamily="49" charset="0"/>
-              </a:rPr>
-              <a:t>Refund Canceled Bookings: 32.77%</a:t>
-            </a:r>
-            <a:endParaRPr lang="en-US" dirty="0"/>
-          </a:p>
-        </p:txBody>
-      </p:sp>
-      <p:pic>
-        <p:nvPicPr>
-          <p:cNvPr id="3" name="Picture 2"/>
-          <p:cNvPicPr>
-            <a:picLocks noChangeAspect="1"/>
-          </p:cNvPicPr>
-          <p:nvPr/>
-        </p:nvPicPr>
-        <p:blipFill>
-          <a:blip r:embed="rId2"/>
-          <a:stretch>
-            <a:fillRect/>
-          </a:stretch>
-        </p:blipFill>
-        <p:spPr>
-          <a:xfrm>
-            <a:off x="217714" y="581144"/>
-            <a:ext cx="6778172" cy="4766797"/>
-          </a:xfrm>
-          <a:prstGeom prst="rect">
-            <a:avLst/>
-          </a:prstGeom>
-        </p:spPr>
-      </p:pic>
-    </p:spTree>
-    <p:extLst>
-      <p:ext uri="{BB962C8B-B14F-4D97-AF65-F5344CB8AC3E}">
-        <p14:creationId xmlns:p14="http://schemas.microsoft.com/office/powerpoint/2010/main" val="3099948710"/>
-      </p:ext>
-    </p:extLst>
-  </p:cSld>
-  <p:clrMapOvr>
-    <a:masterClrMapping/>
-  </p:clrMapOvr>
-</p:sld>
-</file>
-
-<file path=ppt/slides/slide15.xml><?xml version="1.0" encoding="utf-8"?>
-<p:sld xmlns:a="http://schemas.openxmlformats.org/drawingml/2006/main" xmlns:r="http://schemas.openxmlformats.org/officeDocument/2006/relationships" xmlns:p="http://schemas.openxmlformats.org/presentationml/2006/main">
-  <p:cSld>
-    <p:spTree>
-      <p:nvGrpSpPr>
-        <p:cNvPr id="1" name=""/>
-        <p:cNvGrpSpPr/>
-        <p:nvPr/>
-      </p:nvGrpSpPr>
-      <p:grpSpPr>
-        <a:xfrm>
-          <a:off x="0" y="0"/>
-          <a:ext cx="0" cy="0"/>
-          <a:chOff x="0" y="0"/>
-          <a:chExt cx="0" cy="0"/>
-        </a:xfrm>
-      </p:grpSpPr>
-      <p:pic>
-        <p:nvPicPr>
-          <p:cNvPr id="3" name="Picture 2"/>
-          <p:cNvPicPr>
-            <a:picLocks noChangeAspect="1"/>
-          </p:cNvPicPr>
-          <p:nvPr/>
-        </p:nvPicPr>
-        <p:blipFill>
-          <a:blip r:embed="rId2"/>
-          <a:stretch>
-            <a:fillRect/>
-          </a:stretch>
-        </p:blipFill>
-        <p:spPr>
-          <a:xfrm>
-            <a:off x="0" y="116114"/>
-            <a:ext cx="12192000" cy="6641873"/>
-          </a:xfrm>
-          <a:prstGeom prst="rect">
-            <a:avLst/>
-          </a:prstGeom>
-        </p:spPr>
-      </p:pic>
-    </p:spTree>
-    <p:extLst>
-      <p:ext uri="{BB962C8B-B14F-4D97-AF65-F5344CB8AC3E}">
-        <p14:creationId xmlns:p14="http://schemas.microsoft.com/office/powerpoint/2010/main" val="1555554280"/>
-      </p:ext>
-    </p:extLst>
-  </p:cSld>
-  <p:clrMapOvr>
-    <a:masterClrMapping/>
-  </p:clrMapOvr>
-</p:sld>
-</file>
-
-<file path=ppt/slides/slide16.xml><?xml version="1.0" encoding="utf-8"?>
-<p:sld xmlns:a="http://schemas.openxmlformats.org/drawingml/2006/main" xmlns:r="http://schemas.openxmlformats.org/officeDocument/2006/relationships" xmlns:p="http://schemas.openxmlformats.org/presentationml/2006/main">
-  <p:cSld>
-    <p:spTree>
-      <p:nvGrpSpPr>
-        <p:cNvPr id="1" name=""/>
-        <p:cNvGrpSpPr/>
-        <p:nvPr/>
-      </p:nvGrpSpPr>
-      <p:grpSpPr>
-        <a:xfrm>
-          <a:off x="0" y="0"/>
-          <a:ext cx="0" cy="0"/>
-          <a:chOff x="0" y="0"/>
-          <a:chExt cx="0" cy="0"/>
-        </a:xfrm>
-      </p:grpSpPr>
-      <p:pic>
-        <p:nvPicPr>
-          <p:cNvPr id="2" name="Picture 1"/>
-          <p:cNvPicPr>
-            <a:picLocks noChangeAspect="1"/>
-          </p:cNvPicPr>
-          <p:nvPr/>
-        </p:nvPicPr>
-        <p:blipFill>
-          <a:blip r:embed="rId2"/>
-          <a:stretch>
-            <a:fillRect/>
-          </a:stretch>
-        </p:blipFill>
-        <p:spPr>
-          <a:xfrm>
-            <a:off x="217714" y="100012"/>
-            <a:ext cx="11974285" cy="6657975"/>
-          </a:xfrm>
-          <a:prstGeom prst="rect">
-            <a:avLst/>
-          </a:prstGeom>
-        </p:spPr>
-      </p:pic>
-    </p:spTree>
-    <p:extLst>
-      <p:ext uri="{BB962C8B-B14F-4D97-AF65-F5344CB8AC3E}">
-        <p14:creationId xmlns:p14="http://schemas.microsoft.com/office/powerpoint/2010/main" val="1547061356"/>
-      </p:ext>
-    </p:extLst>
-  </p:cSld>
-  <p:clrMapOvr>
-    <a:masterClrMapping/>
-  </p:clrMapOvr>
-</p:sld>
-</file>
-
-<file path=ppt/slides/slide17.xml><?xml version="1.0" encoding="utf-8"?>
-<p:sld xmlns:a="http://schemas.openxmlformats.org/drawingml/2006/main" xmlns:r="http://schemas.openxmlformats.org/officeDocument/2006/relationships" xmlns:p="http://schemas.openxmlformats.org/presentationml/2006/main">
-  <p:cSld>
-    <p:spTree>
-      <p:nvGrpSpPr>
-        <p:cNvPr id="1" name=""/>
-        <p:cNvGrpSpPr/>
-        <p:nvPr/>
-      </p:nvGrpSpPr>
-      <p:grpSpPr>
-        <a:xfrm>
-          <a:off x="0" y="0"/>
-          <a:ext cx="0" cy="0"/>
-          <a:chOff x="0" y="0"/>
-          <a:chExt cx="0" cy="0"/>
-        </a:xfrm>
-      </p:grpSpPr>
-      <p:pic>
-        <p:nvPicPr>
-          <p:cNvPr id="2" name="Picture 1"/>
-          <p:cNvPicPr>
-            <a:picLocks noChangeAspect="1"/>
-          </p:cNvPicPr>
-          <p:nvPr/>
-        </p:nvPicPr>
-        <p:blipFill>
-          <a:blip r:embed="rId2"/>
-          <a:stretch>
-            <a:fillRect/>
-          </a:stretch>
-        </p:blipFill>
-        <p:spPr>
-          <a:xfrm>
-            <a:off x="304800" y="130630"/>
-            <a:ext cx="11756571" cy="6458856"/>
-          </a:xfrm>
-          <a:prstGeom prst="rect">
-            <a:avLst/>
-          </a:prstGeom>
-        </p:spPr>
-      </p:pic>
-    </p:spTree>
-    <p:extLst>
-      <p:ext uri="{BB962C8B-B14F-4D97-AF65-F5344CB8AC3E}">
-        <p14:creationId xmlns:p14="http://schemas.microsoft.com/office/powerpoint/2010/main" val="700977356"/>
-      </p:ext>
-    </p:extLst>
-  </p:cSld>
-  <p:clrMapOvr>
-    <a:masterClrMapping/>
-  </p:clrMapOvr>
-</p:sld>
-</file>
-
-<file path=ppt/slides/slide18.xml><?xml version="1.0" encoding="utf-8"?>
-<p:sld xmlns:a="http://schemas.openxmlformats.org/drawingml/2006/main" xmlns:r="http://schemas.openxmlformats.org/officeDocument/2006/relationships" xmlns:p="http://schemas.openxmlformats.org/presentationml/2006/main">
-  <p:cSld>
-    <p:spTree>
-      <p:nvGrpSpPr>
-        <p:cNvPr id="1" name=""/>
-        <p:cNvGrpSpPr/>
-        <p:nvPr/>
-      </p:nvGrpSpPr>
-      <p:grpSpPr>
-        <a:xfrm>
-          <a:off x="0" y="0"/>
-          <a:ext cx="0" cy="0"/>
-          <a:chOff x="0" y="0"/>
-          <a:chExt cx="0" cy="0"/>
-        </a:xfrm>
-      </p:grpSpPr>
-      <p:pic>
-        <p:nvPicPr>
-          <p:cNvPr id="2" name="Picture 1"/>
-          <p:cNvPicPr>
-            <a:picLocks noChangeAspect="1"/>
-          </p:cNvPicPr>
-          <p:nvPr/>
-        </p:nvPicPr>
-        <p:blipFill>
-          <a:blip r:embed="rId2"/>
-          <a:stretch>
-            <a:fillRect/>
-          </a:stretch>
-        </p:blipFill>
-        <p:spPr>
-          <a:xfrm>
-            <a:off x="0" y="101600"/>
-            <a:ext cx="12192000" cy="6756400"/>
-          </a:xfrm>
-          <a:prstGeom prst="rect">
-            <a:avLst/>
-          </a:prstGeom>
-        </p:spPr>
-      </p:pic>
-    </p:spTree>
-    <p:extLst>
-      <p:ext uri="{BB962C8B-B14F-4D97-AF65-F5344CB8AC3E}">
-        <p14:creationId xmlns:p14="http://schemas.microsoft.com/office/powerpoint/2010/main" val="3391350016"/>
-      </p:ext>
-    </p:extLst>
-  </p:cSld>
-  <p:clrMapOvr>
-    <a:masterClrMapping/>
-  </p:clrMapOvr>
-</p:sld>
-</file>
-
-<file path=ppt/slides/slide19.xml><?xml version="1.0" encoding="utf-8"?>
-<p:sld xmlns:a="http://schemas.openxmlformats.org/drawingml/2006/main" xmlns:r="http://schemas.openxmlformats.org/officeDocument/2006/relationships" xmlns:p="http://schemas.openxmlformats.org/presentationml/2006/main">
-  <p:cSld>
-    <p:spTree>
-      <p:nvGrpSpPr>
-        <p:cNvPr id="1" name=""/>
-        <p:cNvGrpSpPr/>
-        <p:nvPr/>
-      </p:nvGrpSpPr>
-      <p:grpSpPr>
-        <a:xfrm>
-          <a:off x="0" y="0"/>
-          <a:ext cx="0" cy="0"/>
-          <a:chOff x="0" y="0"/>
-          <a:chExt cx="0" cy="0"/>
-        </a:xfrm>
-      </p:grpSpPr>
-      <p:pic>
-        <p:nvPicPr>
-          <p:cNvPr id="2" name="Picture 1"/>
-          <p:cNvPicPr>
-            <a:picLocks noChangeAspect="1"/>
-          </p:cNvPicPr>
-          <p:nvPr/>
-        </p:nvPicPr>
-        <p:blipFill>
-          <a:blip r:embed="rId2"/>
-          <a:stretch>
-            <a:fillRect/>
-          </a:stretch>
-        </p:blipFill>
-        <p:spPr>
-          <a:xfrm>
-            <a:off x="116115" y="100012"/>
-            <a:ext cx="11625942" cy="6657975"/>
-          </a:xfrm>
-          <a:prstGeom prst="rect">
-            <a:avLst/>
-          </a:prstGeom>
-        </p:spPr>
-      </p:pic>
-    </p:spTree>
-    <p:extLst>
-      <p:ext uri="{BB962C8B-B14F-4D97-AF65-F5344CB8AC3E}">
-        <p14:creationId xmlns:p14="http://schemas.microsoft.com/office/powerpoint/2010/main" val="2498356833"/>
-      </p:ext>
-    </p:extLst>
-  </p:cSld>
-  <p:clrMapOvr>
-    <a:masterClrMapping/>
-  </p:clrMapOvr>
-</p:sld>
-</file>
-
-<file path=ppt/slides/slide2.xml><?xml version="1.0" encoding="utf-8"?>
-<p:sld xmlns:a="http://schemas.openxmlformats.org/drawingml/2006/main" xmlns:r="http://schemas.openxmlformats.org/officeDocument/2006/relationships" xmlns:p="http://schemas.openxmlformats.org/presentationml/2006/main">
-  <p:cSld>
-    <p:bg>
-      <p:bgPr>
-        <a:solidFill>
-          <a:schemeClr val="bg1"/>
-        </a:solidFill>
-        <a:effectLst/>
-      </p:bgPr>
-    </p:bg>
-    <p:spTree>
-      <p:nvGrpSpPr>
-        <p:cNvPr id="1" name=""/>
-        <p:cNvGrpSpPr/>
-        <p:nvPr/>
-      </p:nvGrpSpPr>
-      <p:grpSpPr>
-        <a:xfrm>
-          <a:off x="0" y="0"/>
-          <a:ext cx="0" cy="0"/>
-          <a:chOff x="0" y="0"/>
-          <a:chExt cx="0" cy="0"/>
-        </a:xfrm>
-      </p:grpSpPr>
-      <p:sp useBgFill="1">
-        <p:nvSpPr>
-          <p:cNvPr id="14" name="Rectangle 13">
-            <a:extLst>
-              <a:ext uri="{FF2B5EF4-FFF2-40B4-BE49-F238E27FC236}">
-                <a16:creationId xmlns:a16="http://schemas.microsoft.com/office/drawing/2014/main" id="{9089EED9-F54D-4F20-A2C6-949DE4176959}"/>
-              </a:ext>
-              <a:ext uri="{C183D7F6-B498-43B3-948B-1728B52AA6E4}">
-                <adec:decorative xmlns:adec="http://schemas.microsoft.com/office/drawing/2017/decorative" xmlns="" val="1"/>
-              </a:ext>
-            </a:extLst>
-          </p:cNvPr>
-          <p:cNvSpPr>
-            <a:spLocks noGrp="1" noRot="1" noChangeAspect="1" noMove="1" noResize="1" noEditPoints="1" noAdjustHandles="1" noChangeArrowheads="1" noChangeShapeType="1" noTextEdit="1"/>
-          </p:cNvSpPr>
-          <p:nvPr>
-            <p:extLst>
-              <p:ext uri="{386F3935-93C4-4BCD-93E2-E3B085C9AB24}">
-                <p16:designElem xmlns:p16="http://schemas.microsoft.com/office/powerpoint/2015/main" val="1"/>
-              </p:ext>
-            </p:extLst>
-          </p:nvPr>
-        </p:nvSpPr>
-        <p:spPr>
-          <a:xfrm>
-            <a:off x="0" y="0"/>
-            <a:ext cx="12192000" cy="6858000"/>
-          </a:xfrm>
-          <a:prstGeom prst="rect">
-            <a:avLst/>
-          </a:prstGeom>
-          <a:ln w="12700" cap="flat" cmpd="sng" algn="ctr">
-            <a:noFill/>
-            <a:prstDash val="solid"/>
-            <a:miter lim="800000"/>
-          </a:ln>
-          <a:effectLst/>
-          <a:extLst>
-            <a:ext uri="{91240B29-F687-4F45-9708-019B960494DF}">
-              <a14:hiddenLine xmlns:a14="http://schemas.microsoft.com/office/drawing/2010/main" w="12700" cap="flat" cmpd="sng" algn="ctr">
-                <a:solidFill>
-                  <a:schemeClr val="accent1">
-                    <a:shade val="50000"/>
-                  </a:schemeClr>
-                </a:solidFill>
-                <a:prstDash val="solid"/>
-                <a:miter lim="800000"/>
-              </a14:hiddenLine>
-            </a:ext>
-          </a:extLst>
-        </p:spPr>
-        <p:style>
-          <a:lnRef idx="2">
-            <a:schemeClr val="accent1">
-              <a:shade val="50000"/>
-            </a:schemeClr>
-          </a:lnRef>
-          <a:fillRef idx="1">
-            <a:schemeClr val="accent1"/>
-          </a:fillRef>
-          <a:effectRef idx="0">
-            <a:schemeClr val="accent1"/>
-          </a:effectRef>
-          <a:fontRef idx="minor">
-            <a:schemeClr val="lt1"/>
-          </a:fontRef>
-        </p:style>
-        <p:txBody>
-          <a:bodyPr rtlCol="0" anchor="ctr"/>
-          <a:lstStyle/>
-          <a:p>
-            <a:pPr algn="ctr"/>
-            <a:endParaRPr lang="en-US"/>
-          </a:p>
-        </p:txBody>
-      </p:sp>
-      <p:sp>
-        <p:nvSpPr>
-          <p:cNvPr id="16" name="Rectangle 15">
-            <a:extLst>
-              <a:ext uri="{FF2B5EF4-FFF2-40B4-BE49-F238E27FC236}">
-                <a16:creationId xmlns:a16="http://schemas.microsoft.com/office/drawing/2014/main" id="{7E46F721-3785-414D-8697-16AF490E6806}"/>
-              </a:ext>
-              <a:ext uri="{C183D7F6-B498-43B3-948B-1728B52AA6E4}">
-                <adec:decorative xmlns:adec="http://schemas.microsoft.com/office/drawing/2017/decorative" xmlns="" val="1"/>
-              </a:ext>
-            </a:extLst>
-          </p:cNvPr>
-          <p:cNvSpPr>
-            <a:spLocks noGrp="1" noRot="1" noChangeAspect="1" noMove="1" noResize="1" noEditPoints="1" noAdjustHandles="1" noChangeArrowheads="1" noChangeShapeType="1" noTextEdit="1"/>
-          </p:cNvSpPr>
-          <p:nvPr>
-            <p:extLst>
-              <p:ext uri="{386F3935-93C4-4BCD-93E2-E3B085C9AB24}">
-                <p16:designElem xmlns:p16="http://schemas.microsoft.com/office/powerpoint/2015/main" val="1"/>
-              </p:ext>
-            </p:extLst>
-          </p:nvPr>
-        </p:nvSpPr>
-        <p:spPr>
-          <a:xfrm>
-            <a:off x="6096000" y="0"/>
-            <a:ext cx="6096000" cy="6858000"/>
-          </a:xfrm>
-          <a:prstGeom prst="rect">
-            <a:avLst/>
-          </a:prstGeom>
-          <a:solidFill>
-            <a:srgbClr val="82766A">
-              <a:alpha val="15000"/>
-            </a:srgbClr>
-          </a:solidFill>
-          <a:ln w="12700" cap="flat" cmpd="sng" algn="ctr">
-            <a:noFill/>
-            <a:prstDash val="solid"/>
-            <a:miter lim="800000"/>
-          </a:ln>
-          <a:effectLst/>
-        </p:spPr>
-        <p:style>
-          <a:lnRef idx="2">
-            <a:schemeClr val="accent1">
-              <a:shade val="50000"/>
-            </a:schemeClr>
-          </a:lnRef>
-          <a:fillRef idx="1">
-            <a:schemeClr val="accent1"/>
-          </a:fillRef>
-          <a:effectRef idx="0">
-            <a:schemeClr val="accent1"/>
-          </a:effectRef>
-          <a:fontRef idx="minor">
-            <a:schemeClr val="lt1"/>
-          </a:fontRef>
-        </p:style>
-        <p:txBody>
-          <a:bodyPr rtlCol="0" anchor="ctr"/>
-          <a:lstStyle/>
-          <a:p>
-            <a:pPr algn="ctr"/>
-            <a:endParaRPr lang="en-US"/>
-          </a:p>
-        </p:txBody>
-      </p:sp>
-      <p:sp>
-        <p:nvSpPr>
-          <p:cNvPr id="2" name="Title 1">
-            <a:extLst>
-              <a:ext uri="{FF2B5EF4-FFF2-40B4-BE49-F238E27FC236}">
-                <a16:creationId xmlns:a16="http://schemas.microsoft.com/office/drawing/2014/main" id="{F6BE85AE-A88E-9FB6-CA11-68DFB3AF2112}"/>
-              </a:ext>
-            </a:extLst>
-          </p:cNvPr>
-          <p:cNvSpPr>
-            <a:spLocks noGrp="1"/>
-          </p:cNvSpPr>
-          <p:nvPr>
-            <p:ph type="ctrTitle"/>
-          </p:nvPr>
-        </p:nvSpPr>
-        <p:spPr>
-          <a:xfrm>
-            <a:off x="7869036" y="87831"/>
-            <a:ext cx="3389515" cy="610260"/>
-          </a:xfrm>
-        </p:spPr>
-        <p:txBody>
-          <a:bodyPr anchor="b">
-            <a:normAutofit/>
-          </a:bodyPr>
-          <a:lstStyle/>
-          <a:p>
-            <a:r>
-              <a:rPr lang="en-GB" sz="3600" dirty="0">
-                <a:solidFill>
-                  <a:schemeClr val="tx1">
-                    <a:lumMod val="85000"/>
-                    <a:lumOff val="15000"/>
-                  </a:schemeClr>
-                </a:solidFill>
-              </a:rPr>
-              <a:t>Introduction</a:t>
-            </a:r>
-          </a:p>
-        </p:txBody>
-      </p:sp>
-      <p:sp>
-        <p:nvSpPr>
-          <p:cNvPr id="3" name="Subtitle 2">
-            <a:extLst>
-              <a:ext uri="{FF2B5EF4-FFF2-40B4-BE49-F238E27FC236}">
-                <a16:creationId xmlns:a16="http://schemas.microsoft.com/office/drawing/2014/main" id="{25C49F12-3CC8-DDFB-DA23-E297CAFDE212}"/>
-              </a:ext>
-            </a:extLst>
-          </p:cNvPr>
-          <p:cNvSpPr>
-            <a:spLocks noGrp="1"/>
-          </p:cNvSpPr>
-          <p:nvPr>
-            <p:ph type="subTitle" idx="1"/>
-          </p:nvPr>
-        </p:nvSpPr>
-        <p:spPr>
-          <a:xfrm>
-            <a:off x="8608757" y="6223886"/>
-            <a:ext cx="2895600" cy="471904"/>
-          </a:xfrm>
-        </p:spPr>
-        <p:txBody>
-          <a:bodyPr anchor="t">
-            <a:noAutofit/>
-          </a:bodyPr>
-          <a:lstStyle/>
-          <a:p>
-            <a:r>
-              <a:rPr lang="en-GB" sz="2800" dirty="0">
-                <a:solidFill>
-                  <a:schemeClr val="tx1">
-                    <a:lumMod val="85000"/>
-                    <a:lumOff val="15000"/>
-                  </a:schemeClr>
-                </a:solidFill>
-              </a:rPr>
-              <a:t>Lavanya</a:t>
-            </a:r>
-          </a:p>
-        </p:txBody>
-      </p:sp>
-      <p:pic>
-        <p:nvPicPr>
-          <p:cNvPr id="4" name="Picture 3">
-            <a:extLst>
-              <a:ext uri="{FF2B5EF4-FFF2-40B4-BE49-F238E27FC236}">
-                <a16:creationId xmlns:a16="http://schemas.microsoft.com/office/drawing/2014/main" id="{BFE212EB-26DC-4C57-1114-4A6F6164C534}"/>
-              </a:ext>
-            </a:extLst>
-          </p:cNvPr>
-          <p:cNvPicPr>
-            <a:picLocks noChangeAspect="1"/>
-          </p:cNvPicPr>
-          <p:nvPr/>
-        </p:nvPicPr>
-        <p:blipFill rotWithShape="1">
-          <a:blip r:embed="rId3"/>
-          <a:srcRect l="2005" r="469" b="-2"/>
-          <a:stretch/>
-        </p:blipFill>
-        <p:spPr>
-          <a:xfrm>
-            <a:off x="20" y="1"/>
-            <a:ext cx="7665573" cy="6857999"/>
-          </a:xfrm>
-          <a:custGeom>
-            <a:avLst/>
-            <a:gdLst/>
-            <a:ahLst/>
-            <a:cxnLst/>
-            <a:rect l="l" t="t" r="r" b="b"/>
-            <a:pathLst>
-              <a:path w="7665593" h="6857999">
-                <a:moveTo>
-                  <a:pt x="0" y="0"/>
-                </a:moveTo>
-                <a:lnTo>
-                  <a:pt x="7363783" y="0"/>
-                </a:lnTo>
-                <a:lnTo>
-                  <a:pt x="7372954" y="18152"/>
-                </a:lnTo>
-                <a:cubicBezTo>
-                  <a:pt x="7378508" y="27417"/>
-                  <a:pt x="7383821" y="35694"/>
-                  <a:pt x="7386404" y="41707"/>
-                </a:cubicBezTo>
-                <a:lnTo>
-                  <a:pt x="7389058" y="60832"/>
-                </a:lnTo>
-                <a:lnTo>
-                  <a:pt x="7394074" y="60137"/>
-                </a:lnTo>
-                <a:lnTo>
-                  <a:pt x="7394443" y="67241"/>
-                </a:lnTo>
-                <a:lnTo>
-                  <a:pt x="7394565" y="83099"/>
-                </a:lnTo>
-                <a:cubicBezTo>
-                  <a:pt x="7395324" y="92994"/>
-                  <a:pt x="7394122" y="120511"/>
-                  <a:pt x="7395957" y="130584"/>
-                </a:cubicBezTo>
-                <a:cubicBezTo>
-                  <a:pt x="7401306" y="133490"/>
-                  <a:pt x="7404223" y="137975"/>
-                  <a:pt x="7405574" y="143540"/>
-                </a:cubicBezTo>
-                <a:lnTo>
-                  <a:pt x="7405725" y="155795"/>
-                </a:lnTo>
-                <a:lnTo>
-                  <a:pt x="7418615" y="226869"/>
-                </a:lnTo>
-                <a:lnTo>
-                  <a:pt x="7419579" y="236641"/>
-                </a:lnTo>
-                <a:lnTo>
-                  <a:pt x="7423900" y="241933"/>
-                </a:lnTo>
-                <a:cubicBezTo>
-                  <a:pt x="7424763" y="245974"/>
-                  <a:pt x="7424206" y="257579"/>
-                  <a:pt x="7424760" y="260885"/>
-                </a:cubicBezTo>
-                <a:cubicBezTo>
-                  <a:pt x="7425580" y="261177"/>
-                  <a:pt x="7426400" y="261469"/>
-                  <a:pt x="7427220" y="261761"/>
-                </a:cubicBezTo>
-                <a:cubicBezTo>
-                  <a:pt x="7431152" y="272291"/>
-                  <a:pt x="7444241" y="311893"/>
-                  <a:pt x="7448344" y="324055"/>
-                </a:cubicBezTo>
-                <a:cubicBezTo>
-                  <a:pt x="7444563" y="326484"/>
-                  <a:pt x="7450535" y="331924"/>
-                  <a:pt x="7451833" y="334727"/>
-                </a:cubicBezTo>
-                <a:cubicBezTo>
-                  <a:pt x="7449286" y="335161"/>
-                  <a:pt x="7448510" y="341947"/>
-                  <a:pt x="7450776" y="343948"/>
-                </a:cubicBezTo>
-                <a:cubicBezTo>
-                  <a:pt x="7463202" y="391652"/>
-                  <a:pt x="7437523" y="367773"/>
-                  <a:pt x="7453791" y="395003"/>
-                </a:cubicBezTo>
-                <a:cubicBezTo>
-                  <a:pt x="7454869" y="399820"/>
-                  <a:pt x="7453841" y="403723"/>
-                  <a:pt x="7451939" y="407147"/>
-                </a:cubicBezTo>
-                <a:lnTo>
-                  <a:pt x="7448030" y="412254"/>
-                </a:lnTo>
-                <a:lnTo>
-                  <a:pt x="7455416" y="432021"/>
-                </a:lnTo>
-                <a:cubicBezTo>
-                  <a:pt x="7457991" y="441758"/>
-                  <a:pt x="7459699" y="452007"/>
-                  <a:pt x="7460479" y="462523"/>
-                </a:cubicBezTo>
-                <a:cubicBezTo>
-                  <a:pt x="7455275" y="464882"/>
-                  <a:pt x="7462669" y="473136"/>
-                  <a:pt x="7464133" y="477020"/>
-                </a:cubicBezTo>
-                <a:cubicBezTo>
-                  <a:pt x="7460734" y="477060"/>
-                  <a:pt x="7459104" y="485663"/>
-                  <a:pt x="7461914" y="488716"/>
-                </a:cubicBezTo>
-                <a:cubicBezTo>
-                  <a:pt x="7474065" y="552879"/>
-                  <a:pt x="7442314" y="516775"/>
-                  <a:pt x="7461353" y="555280"/>
-                </a:cubicBezTo>
-                <a:cubicBezTo>
-                  <a:pt x="7462345" y="561721"/>
-                  <a:pt x="7460642" y="566553"/>
-                  <a:pt x="7457829" y="570585"/>
-                </a:cubicBezTo>
-                <a:lnTo>
-                  <a:pt x="7450804" y="577839"/>
-                </a:lnTo>
-                <a:lnTo>
-                  <a:pt x="7453309" y="583524"/>
-                </a:lnTo>
-                <a:cubicBezTo>
-                  <a:pt x="7453505" y="604977"/>
-                  <a:pt x="7446306" y="611303"/>
-                  <a:pt x="7453558" y="623785"/>
-                </a:cubicBezTo>
-                <a:cubicBezTo>
-                  <a:pt x="7438483" y="642230"/>
-                  <a:pt x="7452055" y="636019"/>
-                  <a:pt x="7454362" y="650049"/>
-                </a:cubicBezTo>
-                <a:cubicBezTo>
-                  <a:pt x="7457368" y="661117"/>
-                  <a:pt x="7463152" y="640798"/>
-                  <a:pt x="7464006" y="651645"/>
-                </a:cubicBezTo>
-                <a:cubicBezTo>
-                  <a:pt x="7460114" y="663380"/>
-                  <a:pt x="7472201" y="662829"/>
-                  <a:pt x="7467442" y="675032"/>
-                </a:cubicBezTo>
-                <a:cubicBezTo>
-                  <a:pt x="7458335" y="672068"/>
-                  <a:pt x="7469207" y="699114"/>
-                  <a:pt x="7461251" y="699956"/>
-                </a:cubicBezTo>
-                <a:cubicBezTo>
-                  <a:pt x="7472628" y="710321"/>
-                  <a:pt x="7458614" y="715529"/>
-                  <a:pt x="7462119" y="729331"/>
-                </a:cubicBezTo>
-                <a:cubicBezTo>
-                  <a:pt x="7466423" y="735831"/>
-                  <a:pt x="7467162" y="740521"/>
-                  <a:pt x="7462533" y="746910"/>
-                </a:cubicBezTo>
-                <a:cubicBezTo>
-                  <a:pt x="7483486" y="776851"/>
-                  <a:pt x="7463470" y="765024"/>
-                  <a:pt x="7471529" y="793043"/>
-                </a:cubicBezTo>
-                <a:cubicBezTo>
-                  <a:pt x="7480002" y="817184"/>
-                  <a:pt x="7485500" y="844550"/>
-                  <a:pt x="7505730" y="867898"/>
-                </a:cubicBezTo>
-                <a:cubicBezTo>
-                  <a:pt x="7511461" y="872184"/>
-                  <a:pt x="7513630" y="882707"/>
-                  <a:pt x="7510576" y="891400"/>
-                </a:cubicBezTo>
-                <a:cubicBezTo>
-                  <a:pt x="7510049" y="892894"/>
-                  <a:pt x="7509385" y="894278"/>
-                  <a:pt x="7508604" y="895508"/>
-                </a:cubicBezTo>
-                <a:cubicBezTo>
-                  <a:pt x="7511698" y="915692"/>
-                  <a:pt x="7525520" y="989520"/>
-                  <a:pt x="7529143" y="1012510"/>
-                </a:cubicBezTo>
-                <a:cubicBezTo>
-                  <a:pt x="7521781" y="1014371"/>
-                  <a:pt x="7535067" y="1025997"/>
-                  <a:pt x="7530347" y="1033444"/>
-                </a:cubicBezTo>
-                <a:cubicBezTo>
-                  <a:pt x="7526204" y="1038777"/>
-                  <a:pt x="7529270" y="1043549"/>
-                  <a:pt x="7529596" y="1049120"/>
-                </a:cubicBezTo>
-                <a:cubicBezTo>
-                  <a:pt x="7526339" y="1056460"/>
-                  <a:pt x="7532220" y="1080398"/>
-                  <a:pt x="7536437" y="1086639"/>
-                </a:cubicBezTo>
-                <a:cubicBezTo>
-                  <a:pt x="7551094" y="1101553"/>
-                  <a:pt x="7540210" y="1135442"/>
-                  <a:pt x="7551438" y="1147834"/>
-                </a:cubicBezTo>
-                <a:cubicBezTo>
-                  <a:pt x="7553086" y="1152330"/>
-                  <a:pt x="7553752" y="1156729"/>
-                  <a:pt x="7553808" y="1161047"/>
-                </a:cubicBezTo>
-                <a:lnTo>
-                  <a:pt x="7552572" y="1173130"/>
-                </a:lnTo>
-                <a:lnTo>
-                  <a:pt x="7549434" y="1176566"/>
-                </a:lnTo>
-                <a:lnTo>
-                  <a:pt x="7550211" y="1183950"/>
-                </a:lnTo>
-                <a:lnTo>
-                  <a:pt x="7549733" y="1186066"/>
-                </a:lnTo>
-                <a:cubicBezTo>
-                  <a:pt x="7548807" y="1190108"/>
-                  <a:pt x="7548001" y="1194099"/>
-                  <a:pt x="7547683" y="1198047"/>
-                </a:cubicBezTo>
-                <a:cubicBezTo>
-                  <a:pt x="7563423" y="1192855"/>
-                  <a:pt x="7547566" y="1230782"/>
-                  <a:pt x="7560295" y="1219849"/>
-                </a:cubicBezTo>
-                <a:cubicBezTo>
-                  <a:pt x="7561281" y="1240644"/>
-                  <a:pt x="7573138" y="1224782"/>
-                  <a:pt x="7561835" y="1249779"/>
-                </a:cubicBezTo>
-                <a:cubicBezTo>
-                  <a:pt x="7574707" y="1282065"/>
-                  <a:pt x="7569916" y="1332957"/>
-                  <a:pt x="7589445" y="1358245"/>
-                </a:cubicBezTo>
-                <a:cubicBezTo>
-                  <a:pt x="7581989" y="1355103"/>
-                  <a:pt x="7576204" y="1368711"/>
-                  <a:pt x="7579904" y="1378136"/>
-                </a:cubicBezTo>
-                <a:cubicBezTo>
-                  <a:pt x="7550647" y="1367117"/>
-                  <a:pt x="7606267" y="1415404"/>
-                  <a:pt x="7586303" y="1423699"/>
-                </a:cubicBezTo>
-                <a:cubicBezTo>
-                  <a:pt x="7604838" y="1424108"/>
-                  <a:pt x="7636267" y="1466352"/>
-                  <a:pt x="7621059" y="1486236"/>
-                </a:cubicBezTo>
-                <a:cubicBezTo>
-                  <a:pt x="7624771" y="1516526"/>
-                  <a:pt x="7640092" y="1537976"/>
-                  <a:pt x="7633966" y="1569734"/>
-                </a:cubicBezTo>
-                <a:cubicBezTo>
-                  <a:pt x="7636447" y="1570719"/>
-                  <a:pt x="7638522" y="1572334"/>
-                  <a:pt x="7640304" y="1574384"/>
-                </a:cubicBezTo>
-                <a:lnTo>
-                  <a:pt x="7644628" y="1581242"/>
-                </a:lnTo>
-                <a:lnTo>
-                  <a:pt x="7644313" y="1582567"/>
-                </a:lnTo>
-                <a:cubicBezTo>
-                  <a:pt x="7644257" y="1587776"/>
-                  <a:pt x="7645302" y="1590443"/>
-                  <a:pt x="7646831" y="1591983"/>
-                </a:cubicBezTo>
-                <a:cubicBezTo>
-                  <a:pt x="7647577" y="1592347"/>
-                  <a:pt x="7648323" y="1592711"/>
-                  <a:pt x="7649069" y="1593074"/>
-                </a:cubicBezTo>
-                <a:lnTo>
-                  <a:pt x="7651326" y="1599230"/>
-                </a:lnTo>
-                <a:lnTo>
-                  <a:pt x="7657195" y="1610539"/>
-                </a:lnTo>
-                <a:lnTo>
-                  <a:pt x="7656957" y="1613422"/>
-                </a:lnTo>
-                <a:lnTo>
-                  <a:pt x="7663730" y="1631673"/>
-                </a:lnTo>
-                <a:lnTo>
-                  <a:pt x="7663189" y="1632289"/>
-                </a:lnTo>
-                <a:cubicBezTo>
-                  <a:pt x="7662131" y="1634085"/>
-                  <a:pt x="7661641" y="1636199"/>
-                  <a:pt x="7662326" y="1639024"/>
-                </a:cubicBezTo>
-                <a:cubicBezTo>
-                  <a:pt x="7651979" y="1640024"/>
-                  <a:pt x="7659188" y="1642819"/>
-                  <a:pt x="7662125" y="1651067"/>
-                </a:cubicBezTo>
-                <a:cubicBezTo>
-                  <a:pt x="7646711" y="1654462"/>
-                  <a:pt x="7660667" y="1674670"/>
-                  <a:pt x="7653812" y="1683345"/>
-                </a:cubicBezTo>
-                <a:cubicBezTo>
-                  <a:pt x="7656316" y="1689330"/>
-                  <a:pt x="7658683" y="1695719"/>
-                  <a:pt x="7660803" y="1702414"/>
-                </a:cubicBezTo>
-                <a:lnTo>
-                  <a:pt x="7661867" y="1756201"/>
-                </a:lnTo>
-                <a:lnTo>
-                  <a:pt x="7649453" y="1812530"/>
-                </a:lnTo>
-                <a:cubicBezTo>
-                  <a:pt x="7649183" y="1833366"/>
-                  <a:pt x="7644573" y="1851408"/>
-                  <a:pt x="7647823" y="1869041"/>
-                </a:cubicBezTo>
-                <a:cubicBezTo>
-                  <a:pt x="7644238" y="1876204"/>
-                  <a:pt x="7642789" y="1882956"/>
-                  <a:pt x="7648156" y="1889503"/>
-                </a:cubicBezTo>
-                <a:cubicBezTo>
-                  <a:pt x="7646365" y="1908946"/>
-                  <a:pt x="7638702" y="1913653"/>
-                  <a:pt x="7644679" y="1925974"/>
-                </a:cubicBezTo>
-                <a:cubicBezTo>
-                  <a:pt x="7632281" y="1936898"/>
-                  <a:pt x="7637013" y="1937545"/>
-                  <a:pt x="7640564" y="1942678"/>
-                </a:cubicBezTo>
-                <a:lnTo>
-                  <a:pt x="7640816" y="1943410"/>
-                </a:lnTo>
-                <a:lnTo>
-                  <a:pt x="7639044" y="1944904"/>
-                </a:lnTo>
-                <a:lnTo>
-                  <a:pt x="7638223" y="1947993"/>
-                </a:lnTo>
-                <a:lnTo>
-                  <a:pt x="7638752" y="1956430"/>
-                </a:lnTo>
-                <a:lnTo>
-                  <a:pt x="7639407" y="1959603"/>
-                </a:lnTo>
-                <a:cubicBezTo>
-                  <a:pt x="7639690" y="1961788"/>
-                  <a:pt x="7639658" y="1963239"/>
-                  <a:pt x="7639396" y="1964244"/>
-                </a:cubicBezTo>
-                <a:lnTo>
-                  <a:pt x="7639249" y="1964361"/>
-                </a:lnTo>
-                <a:lnTo>
-                  <a:pt x="7639521" y="1968708"/>
-                </a:lnTo>
-                <a:cubicBezTo>
-                  <a:pt x="7640315" y="1976045"/>
-                  <a:pt x="7641402" y="1983186"/>
-                  <a:pt x="7642694" y="1989983"/>
-                </a:cubicBezTo>
-                <a:cubicBezTo>
-                  <a:pt x="7634556" y="1995729"/>
-                  <a:pt x="7644169" y="2020842"/>
-                  <a:pt x="7628828" y="2018094"/>
-                </a:cubicBezTo>
-                <a:cubicBezTo>
-                  <a:pt x="7630116" y="2027262"/>
-                  <a:pt x="7636485" y="2032807"/>
-                  <a:pt x="7626423" y="2029720"/>
-                </a:cubicBezTo>
-                <a:cubicBezTo>
-                  <a:pt x="7626559" y="2032738"/>
-                  <a:pt x="7625703" y="2034598"/>
-                  <a:pt x="7624364" y="2035929"/>
-                </a:cubicBezTo>
-                <a:lnTo>
-                  <a:pt x="7623733" y="2036314"/>
-                </a:lnTo>
-                <a:lnTo>
-                  <a:pt x="7626847" y="2056711"/>
-                </a:lnTo>
-                <a:lnTo>
-                  <a:pt x="7626090" y="2059419"/>
-                </a:lnTo>
-                <a:lnTo>
-                  <a:pt x="7629618" y="2072712"/>
-                </a:lnTo>
-                <a:lnTo>
-                  <a:pt x="7630641" y="2079581"/>
-                </a:lnTo>
-                <a:lnTo>
-                  <a:pt x="7632577" y="2081522"/>
-                </a:lnTo>
-                <a:cubicBezTo>
-                  <a:pt x="7633753" y="2083617"/>
-                  <a:pt x="7634261" y="2086620"/>
-                  <a:pt x="7633251" y="2091658"/>
-                </a:cubicBezTo>
-                <a:lnTo>
-                  <a:pt x="7632707" y="2092825"/>
-                </a:lnTo>
-                <a:lnTo>
-                  <a:pt x="7635575" y="2101184"/>
-                </a:lnTo>
-                <a:cubicBezTo>
-                  <a:pt x="7636900" y="2103876"/>
-                  <a:pt x="7638586" y="2106260"/>
-                  <a:pt x="7640772" y="2108190"/>
-                </a:cubicBezTo>
-                <a:cubicBezTo>
-                  <a:pt x="7629093" y="2136655"/>
-                  <a:pt x="7639778" y="2163513"/>
-                  <a:pt x="7637758" y="2194409"/>
-                </a:cubicBezTo>
-                <a:cubicBezTo>
-                  <a:pt x="7619585" y="2207765"/>
-                  <a:pt x="7641835" y="2261154"/>
-                  <a:pt x="7659453" y="2268824"/>
-                </a:cubicBezTo>
-                <a:cubicBezTo>
-                  <a:pt x="7644015" y="2268997"/>
-                  <a:pt x="7665037" y="2307714"/>
-                  <a:pt x="7665583" y="2317700"/>
-                </a:cubicBezTo>
-                <a:cubicBezTo>
-                  <a:pt x="7665764" y="2321029"/>
-                  <a:pt x="7663671" y="2321166"/>
-                  <a:pt x="7657195" y="2315619"/>
-                </a:cubicBezTo>
-                <a:cubicBezTo>
-                  <a:pt x="7658997" y="2326231"/>
-                  <a:pt x="7650972" y="2337185"/>
-                  <a:pt x="7644431" y="2331209"/>
-                </a:cubicBezTo>
-                <a:cubicBezTo>
-                  <a:pt x="7658433" y="2363448"/>
-                  <a:pt x="7644510" y="2411031"/>
-                  <a:pt x="7650869" y="2447461"/>
-                </a:cubicBezTo>
-                <a:cubicBezTo>
-                  <a:pt x="7635485" y="2467322"/>
-                  <a:pt x="7649719" y="2456555"/>
-                  <a:pt x="7646841" y="2477156"/>
-                </a:cubicBezTo>
-                <a:cubicBezTo>
-                  <a:pt x="7661004" y="2471521"/>
-                  <a:pt x="7638896" y="2502164"/>
-                  <a:pt x="7654880" y="2503292"/>
-                </a:cubicBezTo>
-                <a:cubicBezTo>
-                  <a:pt x="7653849" y="2507005"/>
-                  <a:pt x="7652348" y="2510567"/>
-                  <a:pt x="7650720" y="2514131"/>
-                </a:cubicBezTo>
-                <a:lnTo>
-                  <a:pt x="7649876" y="2516003"/>
-                </a:lnTo>
-                <a:lnTo>
-                  <a:pt x="7649263" y="2523483"/>
-                </a:lnTo>
-                <a:lnTo>
-                  <a:pt x="7645633" y="2525592"/>
-                </a:lnTo>
-                <a:lnTo>
-                  <a:pt x="7642233" y="2536851"/>
-                </a:lnTo>
-                <a:cubicBezTo>
-                  <a:pt x="7641494" y="2541069"/>
-                  <a:pt x="7641323" y="2545607"/>
-                  <a:pt x="7642069" y="2550622"/>
-                </a:cubicBezTo>
-                <a:cubicBezTo>
-                  <a:pt x="7648404" y="2562959"/>
-                  <a:pt x="7640640" y="2582170"/>
-                  <a:pt x="7641110" y="2599544"/>
-                </a:cubicBezTo>
-                <a:lnTo>
-                  <a:pt x="7643071" y="2607523"/>
-                </a:lnTo>
-                <a:lnTo>
-                  <a:pt x="7639801" y="2633566"/>
-                </a:lnTo>
-                <a:cubicBezTo>
-                  <a:pt x="7639166" y="2640978"/>
-                  <a:pt x="7638833" y="2648672"/>
-                  <a:pt x="7639065" y="2656773"/>
-                </a:cubicBezTo>
-                <a:lnTo>
-                  <a:pt x="7640624" y="2671810"/>
-                </a:lnTo>
-                <a:lnTo>
-                  <a:pt x="7639332" y="2675751"/>
-                </a:lnTo>
-                <a:cubicBezTo>
-                  <a:pt x="7639476" y="2682617"/>
-                  <a:pt x="7644027" y="2691703"/>
-                  <a:pt x="7638498" y="2690893"/>
-                </a:cubicBezTo>
-                <a:lnTo>
-                  <a:pt x="7640415" y="2698606"/>
-                </a:lnTo>
-                <a:lnTo>
-                  <a:pt x="7636002" y="2706218"/>
-                </a:lnTo>
-                <a:cubicBezTo>
-                  <a:pt x="7634978" y="2707053"/>
-                  <a:pt x="7633887" y="2707679"/>
-                  <a:pt x="7632770" y="2708079"/>
-                </a:cubicBezTo>
-                <a:lnTo>
-                  <a:pt x="7634220" y="2718854"/>
-                </a:lnTo>
-                <a:lnTo>
-                  <a:pt x="7631061" y="2727688"/>
-                </a:lnTo>
-                <a:lnTo>
-                  <a:pt x="7633127" y="2735389"/>
-                </a:lnTo>
-                <a:lnTo>
-                  <a:pt x="7632661" y="2738584"/>
-                </a:lnTo>
-                <a:lnTo>
-                  <a:pt x="7631098" y="2746529"/>
-                </a:lnTo>
-                <a:cubicBezTo>
-                  <a:pt x="7630002" y="2750602"/>
-                  <a:pt x="7628681" y="2755160"/>
-                  <a:pt x="7627624" y="2760235"/>
-                </a:cubicBezTo>
-                <a:lnTo>
-                  <a:pt x="7627140" y="2764511"/>
-                </a:lnTo>
-                <a:lnTo>
-                  <a:pt x="7621827" y="2773820"/>
-                </a:lnTo>
-                <a:cubicBezTo>
-                  <a:pt x="7617811" y="2780593"/>
-                  <a:pt x="7615104" y="2785923"/>
-                  <a:pt x="7617284" y="2791840"/>
-                </a:cubicBezTo>
-                <a:cubicBezTo>
-                  <a:pt x="7612094" y="2801924"/>
-                  <a:pt x="7597550" y="2808970"/>
-                  <a:pt x="7601430" y="2823567"/>
-                </a:cubicBezTo>
-                <a:cubicBezTo>
-                  <a:pt x="7594841" y="2819137"/>
-                  <a:pt x="7600633" y="2839778"/>
-                  <a:pt x="7593865" y="2842217"/>
-                </a:cubicBezTo>
-                <a:cubicBezTo>
-                  <a:pt x="7588415" y="2843342"/>
-                  <a:pt x="7588901" y="2849866"/>
-                  <a:pt x="7586893" y="2854834"/>
-                </a:cubicBezTo>
-                <a:cubicBezTo>
-                  <a:pt x="7581327" y="2858374"/>
-                  <a:pt x="7576244" y="2883372"/>
-                  <a:pt x="7577046" y="2892075"/>
-                </a:cubicBezTo>
-                <a:cubicBezTo>
-                  <a:pt x="7582584" y="2916606"/>
-                  <a:pt x="7560175" y="2936338"/>
-                  <a:pt x="7564026" y="2955950"/>
-                </a:cubicBezTo>
-                <a:cubicBezTo>
-                  <a:pt x="7563501" y="2961086"/>
-                  <a:pt x="7562240" y="2965343"/>
-                  <a:pt x="7560529" y="2969031"/>
-                </a:cubicBezTo>
-                <a:lnTo>
-                  <a:pt x="7554631" y="2978222"/>
-                </a:lnTo>
-                <a:lnTo>
-                  <a:pt x="7550747" y="2978564"/>
-                </a:lnTo>
-                <a:lnTo>
-                  <a:pt x="7548359" y="2985429"/>
-                </a:lnTo>
-                <a:lnTo>
-                  <a:pt x="7547120" y="2986826"/>
-                </a:lnTo>
-                <a:cubicBezTo>
-                  <a:pt x="7544741" y="2989483"/>
-                  <a:pt x="7542480" y="2992194"/>
-                  <a:pt x="7540621" y="2995267"/>
-                </a:cubicBezTo>
-                <a:cubicBezTo>
-                  <a:pt x="7555200" y="3003715"/>
-                  <a:pt x="7527208" y="3022799"/>
-                  <a:pt x="7541739" y="3023946"/>
-                </a:cubicBezTo>
-                <a:cubicBezTo>
-                  <a:pt x="7534059" y="3042303"/>
-                  <a:pt x="7549904" y="3038579"/>
-                  <a:pt x="7530781" y="3050462"/>
-                </a:cubicBezTo>
-                <a:cubicBezTo>
-                  <a:pt x="7527838" y="3088204"/>
-                  <a:pt x="7503338" y="3127251"/>
-                  <a:pt x="7508515" y="3164510"/>
-                </a:cubicBezTo>
-                <a:cubicBezTo>
-                  <a:pt x="7503888" y="3155782"/>
-                  <a:pt x="7493770" y="3162549"/>
-                  <a:pt x="7492866" y="3173520"/>
-                </a:cubicBezTo>
-                <a:cubicBezTo>
-                  <a:pt x="7474179" y="3140376"/>
-                  <a:pt x="7498581" y="3226463"/>
-                  <a:pt x="7479395" y="3217191"/>
-                </a:cubicBezTo>
-                <a:cubicBezTo>
-                  <a:pt x="7493905" y="3232643"/>
-                  <a:pt x="7501608" y="3293915"/>
-                  <a:pt x="7481475" y="3298298"/>
-                </a:cubicBezTo>
-                <a:cubicBezTo>
-                  <a:pt x="7472089" y="3326890"/>
-                  <a:pt x="7475493" y="3357480"/>
-                  <a:pt x="7457722" y="3379292"/>
-                </a:cubicBezTo>
-                <a:cubicBezTo>
-                  <a:pt x="7459285" y="3382143"/>
-                  <a:pt x="7460273" y="3385199"/>
-                  <a:pt x="7460850" y="3388381"/>
-                </a:cubicBezTo>
-                <a:lnTo>
-                  <a:pt x="7461482" y="3397694"/>
-                </a:lnTo>
-                <a:lnTo>
-                  <a:pt x="7460695" y="3398556"/>
-                </a:lnTo>
-                <a:cubicBezTo>
-                  <a:pt x="7458532" y="3402904"/>
-                  <a:pt x="7458275" y="3406007"/>
-                  <a:pt x="7458858" y="3408553"/>
-                </a:cubicBezTo>
-                <a:lnTo>
-                  <a:pt x="7460185" y="3411299"/>
-                </a:lnTo>
-                <a:lnTo>
-                  <a:pt x="7459468" y="3418333"/>
-                </a:lnTo>
-                <a:lnTo>
-                  <a:pt x="7459515" y="3432662"/>
-                </a:lnTo>
-                <a:lnTo>
-                  <a:pt x="7458154" y="3434902"/>
-                </a:lnTo>
-                <a:lnTo>
-                  <a:pt x="7456091" y="3455825"/>
-                </a:lnTo>
-                <a:cubicBezTo>
-                  <a:pt x="7455865" y="3455850"/>
-                  <a:pt x="7455638" y="3455877"/>
-                  <a:pt x="7455413" y="3455903"/>
-                </a:cubicBezTo>
-                <a:cubicBezTo>
-                  <a:pt x="7453843" y="3456557"/>
-                  <a:pt x="7452596" y="3457940"/>
-                  <a:pt x="7451989" y="3460886"/>
-                </a:cubicBezTo>
-                <a:cubicBezTo>
-                  <a:pt x="7443388" y="3453296"/>
-                  <a:pt x="7447961" y="3461529"/>
-                  <a:pt x="7446929" y="3470886"/>
-                </a:cubicBezTo>
-                <a:cubicBezTo>
-                  <a:pt x="7433341" y="3461186"/>
-                  <a:pt x="7436171" y="3489615"/>
-                  <a:pt x="7427213" y="3491353"/>
-                </a:cubicBezTo>
-                <a:cubicBezTo>
-                  <a:pt x="7426761" y="3498443"/>
-                  <a:pt x="7426037" y="3505767"/>
-                  <a:pt x="7424990" y="3513143"/>
-                </a:cubicBezTo>
-                <a:lnTo>
-                  <a:pt x="7424186" y="3517424"/>
-                </a:lnTo>
-                <a:cubicBezTo>
-                  <a:pt x="7424132" y="3517438"/>
-                  <a:pt x="7424077" y="3517453"/>
-                  <a:pt x="7424024" y="3517467"/>
-                </a:cubicBezTo>
-                <a:cubicBezTo>
-                  <a:pt x="7423536" y="3518305"/>
-                  <a:pt x="7423153" y="3519678"/>
-                  <a:pt x="7422883" y="3521896"/>
-                </a:cubicBezTo>
-                <a:lnTo>
-                  <a:pt x="7422723" y="3525229"/>
-                </a:lnTo>
-                <a:lnTo>
-                  <a:pt x="7421163" y="3533534"/>
-                </a:lnTo>
-                <a:lnTo>
-                  <a:pt x="7419650" y="3536108"/>
-                </a:lnTo>
-                <a:lnTo>
-                  <a:pt x="7417640" y="3536718"/>
-                </a:lnTo>
-                <a:lnTo>
-                  <a:pt x="7417697" y="3537534"/>
-                </a:lnTo>
-                <a:cubicBezTo>
-                  <a:pt x="7419749" y="3544077"/>
-                  <a:pt x="7423989" y="3546875"/>
-                  <a:pt x="7409814" y="3551598"/>
-                </a:cubicBezTo>
-                <a:cubicBezTo>
-                  <a:pt x="7412376" y="3566128"/>
-                  <a:pt x="7404108" y="3567090"/>
-                  <a:pt x="7397719" y="3584844"/>
-                </a:cubicBezTo>
-                <a:cubicBezTo>
-                  <a:pt x="7401116" y="3593573"/>
-                  <a:pt x="7398130" y="3599358"/>
-                  <a:pt x="7393057" y="3604546"/>
-                </a:cubicBezTo>
-                <a:cubicBezTo>
-                  <a:pt x="7391792" y="3622895"/>
-                  <a:pt x="7383125" y="3638008"/>
-                  <a:pt x="7377811" y="3657793"/>
-                </a:cubicBezTo>
-                <a:cubicBezTo>
-                  <a:pt x="7379886" y="3680874"/>
-                  <a:pt x="7366255" y="3689531"/>
-                  <a:pt x="7360624" y="3710685"/>
-                </a:cubicBezTo>
-                <a:cubicBezTo>
-                  <a:pt x="7367950" y="3731637"/>
-                  <a:pt x="7347999" y="3723947"/>
-                  <a:pt x="7341489" y="3734006"/>
-                </a:cubicBezTo>
-                <a:lnTo>
-                  <a:pt x="7340478" y="3737028"/>
-                </a:lnTo>
-                <a:lnTo>
-                  <a:pt x="7340489" y="3745476"/>
-                </a:lnTo>
-                <a:lnTo>
-                  <a:pt x="7340950" y="3748687"/>
-                </a:lnTo>
-                <a:cubicBezTo>
-                  <a:pt x="7341098" y="3750887"/>
-                  <a:pt x="7340976" y="3752333"/>
-                  <a:pt x="7340653" y="3753314"/>
-                </a:cubicBezTo>
-                <a:lnTo>
-                  <a:pt x="7340500" y="3753419"/>
-                </a:lnTo>
-                <a:lnTo>
-                  <a:pt x="7340506" y="3757774"/>
-                </a:lnTo>
-                <a:cubicBezTo>
-                  <a:pt x="7340847" y="3765147"/>
-                  <a:pt x="7341495" y="3772345"/>
-                  <a:pt x="7342369" y="3779218"/>
-                </a:cubicBezTo>
-                <a:cubicBezTo>
-                  <a:pt x="7333890" y="3784348"/>
-                  <a:pt x="7341949" y="3810090"/>
-                  <a:pt x="7326800" y="3806225"/>
-                </a:cubicBezTo>
-                <a:cubicBezTo>
-                  <a:pt x="7327524" y="3815461"/>
-                  <a:pt x="7333545" y="3821456"/>
-                  <a:pt x="7323686" y="3817640"/>
-                </a:cubicBezTo>
-                <a:cubicBezTo>
-                  <a:pt x="7323637" y="3820659"/>
-                  <a:pt x="7322668" y="3822449"/>
-                  <a:pt x="7321247" y="3823678"/>
-                </a:cubicBezTo>
-                <a:lnTo>
-                  <a:pt x="7320595" y="3824018"/>
-                </a:lnTo>
-                <a:lnTo>
-                  <a:pt x="7322453" y="3844579"/>
-                </a:lnTo>
-                <a:lnTo>
-                  <a:pt x="7321532" y="3847225"/>
-                </a:lnTo>
-                <a:lnTo>
-                  <a:pt x="7324238" y="3860736"/>
-                </a:lnTo>
-                <a:lnTo>
-                  <a:pt x="7324840" y="3867658"/>
-                </a:lnTo>
-                <a:lnTo>
-                  <a:pt x="7326655" y="3869733"/>
-                </a:lnTo>
-                <a:cubicBezTo>
-                  <a:pt x="7327701" y="3871909"/>
-                  <a:pt x="7328023" y="3874942"/>
-                  <a:pt x="7326706" y="3879891"/>
-                </a:cubicBezTo>
-                <a:lnTo>
-                  <a:pt x="7326093" y="3881013"/>
-                </a:lnTo>
-                <a:lnTo>
-                  <a:pt x="7328442" y="3889558"/>
-                </a:lnTo>
-                <a:cubicBezTo>
-                  <a:pt x="7329602" y="3892339"/>
-                  <a:pt x="7331138" y="3894839"/>
-                  <a:pt x="7333203" y="3896924"/>
-                </a:cubicBezTo>
-                <a:cubicBezTo>
-                  <a:pt x="7319795" y="3924445"/>
-                  <a:pt x="7328820" y="3952004"/>
-                  <a:pt x="7324908" y="3982658"/>
-                </a:cubicBezTo>
-                <a:cubicBezTo>
-                  <a:pt x="7325522" y="4017325"/>
-                  <a:pt x="7327874" y="4041416"/>
-                  <a:pt x="7327588" y="4064228"/>
-                </a:cubicBezTo>
-                <a:cubicBezTo>
-                  <a:pt x="7328735" y="4074940"/>
-                  <a:pt x="7329351" y="4153102"/>
-                  <a:pt x="7323186" y="4146664"/>
-                </a:cubicBezTo>
-                <a:cubicBezTo>
-                  <a:pt x="7335189" y="4179829"/>
-                  <a:pt x="7318370" y="4199117"/>
-                  <a:pt x="7322488" y="4235901"/>
-                </a:cubicBezTo>
-                <a:cubicBezTo>
-                  <a:pt x="7305909" y="4254573"/>
-                  <a:pt x="7320783" y="4244884"/>
-                  <a:pt x="7316645" y="4265209"/>
-                </a:cubicBezTo>
-                <a:cubicBezTo>
-                  <a:pt x="7331133" y="4260631"/>
-                  <a:pt x="7307179" y="4289560"/>
-                  <a:pt x="7323069" y="4291857"/>
-                </a:cubicBezTo>
-                <a:cubicBezTo>
-                  <a:pt x="7321814" y="4295483"/>
-                  <a:pt x="7320095" y="4298923"/>
-                  <a:pt x="7318251" y="4302359"/>
-                </a:cubicBezTo>
-                <a:lnTo>
-                  <a:pt x="7317295" y="4304161"/>
-                </a:lnTo>
-                <a:lnTo>
-                  <a:pt x="7316223" y="4311573"/>
-                </a:lnTo>
-                <a:lnTo>
-                  <a:pt x="7312469" y="4313411"/>
-                </a:lnTo>
-                <a:lnTo>
-                  <a:pt x="7306447" y="4403491"/>
-                </a:lnTo>
-                <a:cubicBezTo>
-                  <a:pt x="7308849" y="4411399"/>
-                  <a:pt x="7308497" y="4436984"/>
-                  <a:pt x="7303688" y="4442497"/>
-                </a:cubicBezTo>
-                <a:cubicBezTo>
-                  <a:pt x="7302637" y="4447969"/>
-                  <a:pt x="7304327" y="4453942"/>
-                  <a:pt x="7299181" y="4457128"/>
-                </a:cubicBezTo>
-                <a:cubicBezTo>
-                  <a:pt x="7296154" y="4469016"/>
-                  <a:pt x="7289197" y="4496240"/>
-                  <a:pt x="7285530" y="4513823"/>
-                </a:cubicBezTo>
-                <a:cubicBezTo>
-                  <a:pt x="7288769" y="4518560"/>
-                  <a:pt x="7287100" y="4524649"/>
-                  <a:pt x="7284412" y="4532609"/>
-                </a:cubicBezTo>
-                <a:lnTo>
-                  <a:pt x="7282601" y="4540125"/>
-                </a:lnTo>
-                <a:lnTo>
-                  <a:pt x="7291785" y="4563650"/>
-                </a:lnTo>
-                <a:lnTo>
-                  <a:pt x="7284191" y="4636427"/>
-                </a:lnTo>
-                <a:lnTo>
-                  <a:pt x="7292797" y="4672055"/>
-                </a:lnTo>
-                <a:cubicBezTo>
-                  <a:pt x="7294304" y="4686552"/>
-                  <a:pt x="7294421" y="4700466"/>
-                  <a:pt x="7295425" y="4713953"/>
-                </a:cubicBezTo>
-                <a:cubicBezTo>
-                  <a:pt x="7296104" y="4744441"/>
-                  <a:pt x="7280378" y="4723911"/>
-                  <a:pt x="7292574" y="4762180"/>
-                </a:cubicBezTo>
-                <a:cubicBezTo>
-                  <a:pt x="7286719" y="4766152"/>
-                  <a:pt x="7286266" y="4770971"/>
-                  <a:pt x="7288689" y="4779168"/>
-                </a:cubicBezTo>
-                <a:cubicBezTo>
-                  <a:pt x="7288592" y="4793971"/>
-                  <a:pt x="7274303" y="4792486"/>
-                  <a:pt x="7282355" y="4807636"/>
-                </a:cubicBezTo>
-                <a:cubicBezTo>
-                  <a:pt x="7278556" y="4806204"/>
-                  <a:pt x="7277539" y="4813202"/>
-                  <a:pt x="7276505" y="4819678"/>
-                </a:cubicBezTo>
-                <a:lnTo>
-                  <a:pt x="7273752" y="4823797"/>
-                </a:lnTo>
-                <a:lnTo>
-                  <a:pt x="7283683" y="4847794"/>
-                </a:lnTo>
-                <a:cubicBezTo>
-                  <a:pt x="7296832" y="4890479"/>
-                  <a:pt x="7302379" y="4941877"/>
-                  <a:pt x="7311552" y="4978326"/>
-                </a:cubicBezTo>
-                <a:cubicBezTo>
-                  <a:pt x="7284161" y="4998846"/>
-                  <a:pt x="7309660" y="4989594"/>
-                  <a:pt x="7304880" y="5015024"/>
-                </a:cubicBezTo>
-                <a:cubicBezTo>
-                  <a:pt x="7330355" y="5012307"/>
-                  <a:pt x="7291032" y="5044485"/>
-                  <a:pt x="7319932" y="5050993"/>
-                </a:cubicBezTo>
-                <a:cubicBezTo>
-                  <a:pt x="7318148" y="5055414"/>
-                  <a:pt x="7315506" y="5059493"/>
-                  <a:pt x="7312641" y="5063537"/>
-                </a:cubicBezTo>
-                <a:lnTo>
-                  <a:pt x="7311153" y="5065661"/>
-                </a:lnTo>
-                <a:lnTo>
-                  <a:pt x="7310197" y="5075032"/>
-                </a:lnTo>
-                <a:lnTo>
-                  <a:pt x="7303683" y="5076576"/>
-                </a:lnTo>
-                <a:lnTo>
-                  <a:pt x="7297768" y="5089898"/>
-                </a:lnTo>
-                <a:cubicBezTo>
-                  <a:pt x="7296519" y="5095057"/>
-                  <a:pt x="7296302" y="5100805"/>
-                  <a:pt x="7297750" y="5107454"/>
-                </a:cubicBezTo>
-                <a:cubicBezTo>
-                  <a:pt x="7309447" y="5125240"/>
-                  <a:pt x="7295812" y="5147341"/>
-                  <a:pt x="7297014" y="5169708"/>
-                </a:cubicBezTo>
-                <a:lnTo>
-                  <a:pt x="7300719" y="5180532"/>
-                </a:lnTo>
-                <a:lnTo>
-                  <a:pt x="7295705" y="5210620"/>
-                </a:lnTo>
-                <a:lnTo>
-                  <a:pt x="7296901" y="5212749"/>
-                </a:lnTo>
-                <a:cubicBezTo>
-                  <a:pt x="7296704" y="5218058"/>
-                  <a:pt x="7294377" y="5228574"/>
-                  <a:pt x="7294523" y="5242477"/>
-                </a:cubicBezTo>
-                <a:lnTo>
-                  <a:pt x="7297776" y="5296160"/>
-                </a:lnTo>
-                <a:lnTo>
-                  <a:pt x="7289955" y="5304499"/>
-                </a:lnTo>
-                <a:lnTo>
-                  <a:pt x="7286210" y="5305374"/>
-                </a:lnTo>
-                <a:lnTo>
-                  <a:pt x="7286995" y="5320092"/>
-                </a:lnTo>
-                <a:lnTo>
-                  <a:pt x="7281550" y="5330613"/>
-                </a:lnTo>
-                <a:lnTo>
-                  <a:pt x="7285354" y="5340890"/>
-                </a:lnTo>
-                <a:lnTo>
-                  <a:pt x="7281914" y="5354491"/>
-                </a:lnTo>
-                <a:cubicBezTo>
-                  <a:pt x="7280017" y="5359352"/>
-                  <a:pt x="7277725" y="5364763"/>
-                  <a:pt x="7275918" y="5370917"/>
-                </a:cubicBezTo>
-                <a:lnTo>
-                  <a:pt x="7267655" y="5384350"/>
-                </a:lnTo>
-                <a:lnTo>
-                  <a:pt x="7263791" y="5406610"/>
-                </a:lnTo>
-                <a:cubicBezTo>
-                  <a:pt x="7260956" y="5423841"/>
-                  <a:pt x="7257650" y="5440271"/>
-                  <a:pt x="7251522" y="5456222"/>
-                </a:cubicBezTo>
-                <a:cubicBezTo>
-                  <a:pt x="7253699" y="5469913"/>
-                  <a:pt x="7252931" y="5482529"/>
-                  <a:pt x="7242311" y="5493751"/>
-                </a:cubicBezTo>
-                <a:cubicBezTo>
-                  <a:pt x="7236636" y="5529727"/>
-                  <a:pt x="7245809" y="5539513"/>
-                  <a:pt x="7231835" y="5561252"/>
-                </a:cubicBezTo>
-                <a:cubicBezTo>
-                  <a:pt x="7236311" y="5568555"/>
-                  <a:pt x="7238499" y="5573475"/>
-                  <a:pt x="7239152" y="5577121"/>
-                </a:cubicBezTo>
-                <a:cubicBezTo>
-                  <a:pt x="7241111" y="5588065"/>
-                  <a:pt x="7229268" y="5587525"/>
-                  <a:pt x="7224043" y="5605355"/>
-                </a:cubicBezTo>
-                <a:cubicBezTo>
-                  <a:pt x="7216774" y="5624244"/>
-                  <a:pt x="7213225" y="5590845"/>
-                  <a:pt x="7209229" y="5609118"/>
-                </a:cubicBezTo>
-                <a:cubicBezTo>
-                  <a:pt x="7212098" y="5628346"/>
-                  <a:pt x="7194168" y="5628785"/>
-                  <a:pt x="7198222" y="5648700"/>
-                </a:cubicBezTo>
-                <a:cubicBezTo>
-                  <a:pt x="7212577" y="5642705"/>
-                  <a:pt x="7189541" y="5689259"/>
-                  <a:pt x="7201221" y="5689771"/>
-                </a:cubicBezTo>
-                <a:cubicBezTo>
-                  <a:pt x="7181618" y="5708428"/>
-                  <a:pt x="7201258" y="5715573"/>
-                  <a:pt x="7192555" y="5739098"/>
-                </a:cubicBezTo>
-                <a:cubicBezTo>
-                  <a:pt x="7184486" y="5750478"/>
-                  <a:pt x="7182208" y="5758416"/>
-                  <a:pt x="7187522" y="5768603"/>
-                </a:cubicBezTo>
-                <a:cubicBezTo>
-                  <a:pt x="7148692" y="5821144"/>
-                  <a:pt x="7181577" y="5799065"/>
-                  <a:pt x="7162500" y="5846928"/>
-                </a:cubicBezTo>
-                <a:lnTo>
-                  <a:pt x="7160827" y="5850799"/>
-                </a:lnTo>
-                <a:lnTo>
-                  <a:pt x="7163312" y="5866636"/>
-                </a:lnTo>
-                <a:cubicBezTo>
-                  <a:pt x="7163884" y="5867070"/>
-                  <a:pt x="7164455" y="5867505"/>
-                  <a:pt x="7165029" y="5867939"/>
-                </a:cubicBezTo>
-                <a:lnTo>
-                  <a:pt x="7142501" y="5914339"/>
-                </a:lnTo>
-                <a:lnTo>
-                  <a:pt x="7143151" y="5921221"/>
-                </a:lnTo>
-                <a:lnTo>
-                  <a:pt x="7123808" y="5950546"/>
-                </a:lnTo>
-                <a:lnTo>
-                  <a:pt x="7116299" y="5966186"/>
-                </a:lnTo>
-                <a:lnTo>
-                  <a:pt x="7106117" y="5983669"/>
-                </a:lnTo>
-                <a:lnTo>
-                  <a:pt x="7109622" y="5995569"/>
-                </a:lnTo>
-                <a:cubicBezTo>
-                  <a:pt x="7114727" y="6023526"/>
-                  <a:pt x="7092983" y="6067450"/>
-                  <a:pt x="7116605" y="6077139"/>
-                </a:cubicBezTo>
-                <a:cubicBezTo>
-                  <a:pt x="7102148" y="6089933"/>
-                  <a:pt x="7125501" y="6101908"/>
-                  <a:pt x="7127573" y="6115892"/>
-                </a:cubicBezTo>
-                <a:cubicBezTo>
-                  <a:pt x="7118381" y="6127056"/>
-                  <a:pt x="7126331" y="6132595"/>
-                  <a:pt x="7128098" y="6142737"/>
-                </a:cubicBezTo>
-                <a:cubicBezTo>
-                  <a:pt x="7122429" y="6147329"/>
-                  <a:pt x="7122724" y="6155912"/>
-                  <a:pt x="7129375" y="6158833"/>
-                </a:cubicBezTo>
-                <a:cubicBezTo>
-                  <a:pt x="7144709" y="6154689"/>
-                  <a:pt x="7137060" y="6184499"/>
-                  <a:pt x="7147635" y="6186714"/>
-                </a:cubicBezTo>
-                <a:cubicBezTo>
-                  <a:pt x="7149842" y="6204016"/>
-                  <a:pt x="7136414" y="6279145"/>
-                  <a:pt x="7153343" y="6291871"/>
-                </a:cubicBezTo>
-                <a:cubicBezTo>
-                  <a:pt x="7161381" y="6326852"/>
-                  <a:pt x="7134450" y="6377408"/>
-                  <a:pt x="7134923" y="6392273"/>
-                </a:cubicBezTo>
-                <a:cubicBezTo>
-                  <a:pt x="7103997" y="6407024"/>
-                  <a:pt x="7185503" y="6478818"/>
-                  <a:pt x="7187236" y="6541940"/>
-                </a:cubicBezTo>
-                <a:cubicBezTo>
-                  <a:pt x="7184250" y="6550446"/>
-                  <a:pt x="7184290" y="6554993"/>
-                  <a:pt x="7191340" y="6557275"/>
-                </a:cubicBezTo>
-                <a:cubicBezTo>
-                  <a:pt x="7195412" y="6573685"/>
-                  <a:pt x="7202070" y="6606060"/>
-                  <a:pt x="7211670" y="6640404"/>
-                </a:cubicBezTo>
-                <a:cubicBezTo>
-                  <a:pt x="7219591" y="6666216"/>
-                  <a:pt x="7212698" y="6793331"/>
-                  <a:pt x="7221085" y="6827708"/>
-                </a:cubicBezTo>
-                <a:lnTo>
-                  <a:pt x="7227698" y="6857999"/>
-                </a:lnTo>
-                <a:lnTo>
-                  <a:pt x="0" y="6857999"/>
-                </a:lnTo>
-                <a:close/>
-              </a:path>
-            </a:pathLst>
-          </a:custGeom>
-        </p:spPr>
-      </p:pic>
-      <p:sp>
-        <p:nvSpPr>
-          <p:cNvPr id="5" name="TextBox 4">
-            <a:extLst>
-              <a:ext uri="{FF2B5EF4-FFF2-40B4-BE49-F238E27FC236}">
-                <a16:creationId xmlns:a16="http://schemas.microsoft.com/office/drawing/2014/main" id="{C32862D5-9255-6BCF-42B6-9296ADD6E826}"/>
-              </a:ext>
-            </a:extLst>
-          </p:cNvPr>
-          <p:cNvSpPr txBox="1"/>
-          <p:nvPr/>
-        </p:nvSpPr>
-        <p:spPr>
-          <a:xfrm>
-            <a:off x="8168822" y="1080618"/>
-            <a:ext cx="3519949" cy="2031325"/>
-          </a:xfrm>
-          <a:prstGeom prst="rect">
-            <a:avLst/>
-          </a:prstGeom>
-          <a:noFill/>
-        </p:spPr>
-        <p:txBody>
-          <a:bodyPr wrap="square" rtlCol="0">
-            <a:spAutoFit/>
-          </a:bodyPr>
-          <a:lstStyle/>
-          <a:p>
-            <a:r>
-              <a:rPr lang="en-CA" dirty="0"/>
-              <a:t>There are 4 analysts deciphering data</a:t>
-            </a:r>
-          </a:p>
-          <a:p>
-            <a:endParaRPr lang="en-CA" dirty="0"/>
-          </a:p>
-          <a:p>
-            <a:r>
-              <a:rPr lang="en-GB" b="1" i="0" dirty="0">
-                <a:solidFill>
-                  <a:srgbClr val="1D1C1D"/>
-                </a:solidFill>
-                <a:effectLst/>
-                <a:highlight>
-                  <a:srgbClr val="FFFFFF"/>
-                </a:highlight>
-                <a:latin typeface="Slack-Lato"/>
-              </a:rPr>
-              <a:t>Lavanya </a:t>
-            </a:r>
-            <a:r>
-              <a:rPr lang="en-GB" b="1" dirty="0" err="1">
-                <a:solidFill>
-                  <a:srgbClr val="1D1C1D"/>
-                </a:solidFill>
-                <a:highlight>
-                  <a:srgbClr val="FFFFFF"/>
-                </a:highlight>
-                <a:latin typeface="Slack-Lato"/>
-              </a:rPr>
-              <a:t>B</a:t>
-            </a:r>
-            <a:r>
-              <a:rPr lang="en-GB" b="1" i="0" dirty="0" err="1">
-                <a:solidFill>
-                  <a:srgbClr val="1D1C1D"/>
-                </a:solidFill>
-                <a:effectLst/>
-                <a:highlight>
-                  <a:srgbClr val="FFFFFF"/>
-                </a:highlight>
-                <a:latin typeface="Slack-Lato"/>
-              </a:rPr>
-              <a:t>hanot</a:t>
-            </a:r>
-            <a:endParaRPr lang="en-GB" b="1" i="0" dirty="0">
-              <a:solidFill>
-                <a:srgbClr val="1D1C1D"/>
-              </a:solidFill>
-              <a:effectLst/>
-              <a:highlight>
-                <a:srgbClr val="FFFFFF"/>
-              </a:highlight>
-              <a:latin typeface="Slack-Lato"/>
-            </a:endParaRPr>
-          </a:p>
-          <a:p>
-            <a:r>
-              <a:rPr lang="en-GB" b="1" i="0" dirty="0" err="1">
-                <a:solidFill>
-                  <a:srgbClr val="1D1C1D"/>
-                </a:solidFill>
-                <a:effectLst/>
-                <a:highlight>
-                  <a:srgbClr val="FFFFFF"/>
-                </a:highlight>
-                <a:latin typeface="Slack-Lato"/>
-              </a:rPr>
-              <a:t>Deogratius</a:t>
-            </a:r>
-            <a:r>
-              <a:rPr lang="en-GB" b="1" i="0" dirty="0">
-                <a:solidFill>
-                  <a:srgbClr val="1D1C1D"/>
-                </a:solidFill>
-                <a:effectLst/>
-                <a:highlight>
-                  <a:srgbClr val="FFFFFF"/>
-                </a:highlight>
-                <a:latin typeface="Slack-Lato"/>
-              </a:rPr>
-              <a:t> </a:t>
-            </a:r>
-            <a:r>
-              <a:rPr lang="en-GB" b="1" i="0" dirty="0" err="1">
-                <a:solidFill>
-                  <a:srgbClr val="1D1C1D"/>
-                </a:solidFill>
-                <a:effectLst/>
-                <a:highlight>
-                  <a:srgbClr val="FFFFFF"/>
-                </a:highlight>
-                <a:latin typeface="Slack-Lato"/>
-              </a:rPr>
-              <a:t>Nteza</a:t>
-            </a:r>
-            <a:endParaRPr lang="en-GB" b="1" i="0" dirty="0">
-              <a:solidFill>
-                <a:srgbClr val="1D1C1D"/>
-              </a:solidFill>
-              <a:effectLst/>
-              <a:highlight>
-                <a:srgbClr val="FFFFFF"/>
-              </a:highlight>
-              <a:latin typeface="Slack-Lato"/>
-            </a:endParaRPr>
-          </a:p>
-          <a:p>
-            <a:r>
-              <a:rPr lang="en-GB" b="1" i="0" dirty="0">
-                <a:solidFill>
-                  <a:srgbClr val="1D1C1D"/>
-                </a:solidFill>
-                <a:effectLst/>
-                <a:highlight>
-                  <a:srgbClr val="FFFFFF"/>
-                </a:highlight>
-                <a:latin typeface="Slack-Lato"/>
-              </a:rPr>
-              <a:t>Xuan (Sam) Chen</a:t>
-            </a:r>
-          </a:p>
-          <a:p>
-            <a:r>
-              <a:rPr lang="en-GB" b="1" dirty="0">
-                <a:solidFill>
-                  <a:srgbClr val="1D1C1D"/>
-                </a:solidFill>
-                <a:highlight>
-                  <a:srgbClr val="FFFFFF"/>
-                </a:highlight>
-                <a:latin typeface="Slack-Lato"/>
-              </a:rPr>
-              <a:t>Judy Pin</a:t>
-            </a:r>
-            <a:endParaRPr lang="en-GB" dirty="0"/>
-          </a:p>
-        </p:txBody>
-      </p:sp>
-    </p:spTree>
-    <p:extLst>
-      <p:ext uri="{BB962C8B-B14F-4D97-AF65-F5344CB8AC3E}">
-        <p14:creationId xmlns:p14="http://schemas.microsoft.com/office/powerpoint/2010/main" val="4250330208"/>
-      </p:ext>
-    </p:extLst>
-  </p:cSld>
-  <p:clrMapOvr>
-    <a:masterClrMapping/>
-  </p:clrMapOvr>
-  <p:timing>
-    <p:tnLst>
-      <p:par>
-        <p:cTn id="1" dur="indefinite" restart="never" nodeType="tmRoot">
-          <p:childTnLst>
-            <p:seq concurrent="1" nextAc="seek">
-              <p:cTn id="2" dur="indefinite" nodeType="mainSeq">
-                <p:childTnLst>
-                  <p:par>
-                    <p:cTn id="3" fill="hold">
-                      <p:stCondLst>
-                        <p:cond delay="indefinite"/>
-                        <p:cond evt="onBegin" delay="0">
-                          <p:tn val="2"/>
-                        </p:cond>
-                      </p:stCondLst>
-                      <p:childTnLst>
-                        <p:par>
-                          <p:cTn id="4" fill="hold">
-                            <p:stCondLst>
-                              <p:cond delay="0"/>
-                            </p:stCondLst>
-                            <p:childTnLst>
-                              <p:par>
-                                <p:cTn id="5" presetID="10" presetClass="entr" presetSubtype="0" fill="hold" grpId="0" nodeType="withEffect">
-                                  <p:stCondLst>
-                                    <p:cond delay="1500"/>
-                                  </p:stCondLst>
-                                  <p:iterate>
-                                    <p:tmPct val="10000"/>
-                                  </p:iterate>
-                                  <p:childTnLst>
-                                    <p:set>
-                                      <p:cBhvr>
-                                        <p:cTn id="6" dur="1" fill="hold">
-                                          <p:stCondLst>
-                                            <p:cond delay="0"/>
-                                          </p:stCondLst>
-                                        </p:cTn>
-                                        <p:tgtEl>
-                                          <p:spTgt spid="3">
-                                            <p:txEl>
-                                              <p:pRg st="0" end="0"/>
-                                            </p:txEl>
-                                          </p:spTgt>
-                                        </p:tgtEl>
-                                        <p:attrNameLst>
-                                          <p:attrName>style.visibility</p:attrName>
-                                        </p:attrNameLst>
-                                      </p:cBhvr>
-                                      <p:to>
-                                        <p:strVal val="visible"/>
-                                      </p:to>
-                                    </p:set>
-                                    <p:animEffect transition="in" filter="fade">
-                                      <p:cBhvr>
-                                        <p:cTn id="7" dur="700"/>
-                                        <p:tgtEl>
-                                          <p:spTgt spid="3">
-                                            <p:txEl>
-                                              <p:pRg st="0" end="0"/>
-                                            </p:txEl>
-                                          </p:spTgt>
-                                        </p:tgtEl>
-                                      </p:cBhvr>
-                                    </p:animEffect>
-                                  </p:childTnLst>
-                                </p:cTn>
-                              </p:par>
-                              <p:par>
-                                <p:cTn id="8" presetID="10" presetClass="entr" presetSubtype="0" fill="hold" grpId="0" nodeType="withEffect">
-                                  <p:stCondLst>
-                                    <p:cond delay="1000"/>
-                                  </p:stCondLst>
-                                  <p:iterate>
-                                    <p:tmPct val="10000"/>
-                                  </p:iterate>
-                                  <p:childTnLst>
-                                    <p:set>
-                                      <p:cBhvr>
-                                        <p:cTn id="9" dur="1" fill="hold">
-                                          <p:stCondLst>
-                                            <p:cond delay="0"/>
-                                          </p:stCondLst>
-                                        </p:cTn>
-                                        <p:tgtEl>
-                                          <p:spTgt spid="2"/>
-                                        </p:tgtEl>
-                                        <p:attrNameLst>
-                                          <p:attrName>style.visibility</p:attrName>
-                                        </p:attrNameLst>
-                                      </p:cBhvr>
-                                      <p:to>
-                                        <p:strVal val="visible"/>
-                                      </p:to>
-                                    </p:set>
-                                    <p:animEffect transition="in" filter="fade">
-                                      <p:cBhvr>
-                                        <p:cTn id="10" dur="700"/>
-                                        <p:tgtEl>
-                                          <p:spTgt spid="2"/>
-                                        </p:tgtEl>
-                                      </p:cBhvr>
-                                    </p:animEffect>
-                                  </p:childTnLst>
-                                </p:cTn>
-                              </p:par>
-                            </p:childTnLst>
-                          </p:cTn>
-                        </p:par>
-                      </p:childTnLst>
-                    </p:cTn>
-                  </p:par>
-                </p:childTnLst>
-              </p:cTn>
-              <p:prevCondLst>
-                <p:cond evt="onPrev" delay="0">
-                  <p:tgtEl>
-                    <p:sldTgt/>
-                  </p:tgtEl>
-                </p:cond>
-              </p:prevCondLst>
-              <p:nextCondLst>
-                <p:cond evt="onNext" delay="0">
-                  <p:tgtEl>
-                    <p:sldTgt/>
-                  </p:tgtEl>
-                </p:cond>
-              </p:nextCondLst>
-            </p:seq>
-          </p:childTnLst>
-        </p:cTn>
-      </p:par>
-    </p:tnLst>
-    <p:bldLst>
-      <p:bldP spid="2" grpId="0"/>
-      <p:bldP spid="3" grpId="0" build="p"/>
-    </p:bldLst>
-  </p:timing>
-</p:sld>
-</file>
-
-<file path=ppt/slides/slide20.xml><?xml version="1.0" encoding="utf-8"?>
-<p:sld xmlns:a="http://schemas.openxmlformats.org/drawingml/2006/main" xmlns:r="http://schemas.openxmlformats.org/officeDocument/2006/relationships" xmlns:p="http://schemas.openxmlformats.org/presentationml/2006/main">
-  <p:cSld>
-    <p:spTree>
-      <p:nvGrpSpPr>
-        <p:cNvPr id="1" name=""/>
-        <p:cNvGrpSpPr/>
-        <p:nvPr/>
-      </p:nvGrpSpPr>
-      <p:grpSpPr>
-        <a:xfrm>
-          <a:off x="0" y="0"/>
-          <a:ext cx="0" cy="0"/>
-          <a:chOff x="0" y="0"/>
-          <a:chExt cx="0" cy="0"/>
-        </a:xfrm>
-      </p:grpSpPr>
-      <p:pic>
-        <p:nvPicPr>
-          <p:cNvPr id="2" name="Picture 1"/>
-          <p:cNvPicPr>
-            <a:picLocks noChangeAspect="1"/>
-          </p:cNvPicPr>
-          <p:nvPr/>
-        </p:nvPicPr>
-        <p:blipFill>
-          <a:blip r:embed="rId2"/>
-          <a:stretch>
-            <a:fillRect/>
-          </a:stretch>
-        </p:blipFill>
-        <p:spPr>
-          <a:xfrm>
-            <a:off x="145143" y="100012"/>
-            <a:ext cx="12046857" cy="6657975"/>
-          </a:xfrm>
-          <a:prstGeom prst="rect">
-            <a:avLst/>
-          </a:prstGeom>
-        </p:spPr>
-      </p:pic>
-    </p:spTree>
-    <p:extLst>
-      <p:ext uri="{BB962C8B-B14F-4D97-AF65-F5344CB8AC3E}">
-        <p14:creationId xmlns:p14="http://schemas.microsoft.com/office/powerpoint/2010/main" val="2258715119"/>
-      </p:ext>
-    </p:extLst>
-  </p:cSld>
-  <p:clrMapOvr>
-    <a:masterClrMapping/>
-  </p:clrMapOvr>
-</p:sld>
-</file>
-
-<file path=ppt/slides/slide21.xml><?xml version="1.0" encoding="utf-8"?>
-<p:sld xmlns:a="http://schemas.openxmlformats.org/drawingml/2006/main" xmlns:r="http://schemas.openxmlformats.org/officeDocument/2006/relationships" xmlns:p="http://schemas.openxmlformats.org/presentationml/2006/main">
-  <p:cSld>
-    <p:spTree>
-      <p:nvGrpSpPr>
-        <p:cNvPr id="1" name=""/>
-        <p:cNvGrpSpPr/>
-        <p:nvPr/>
-      </p:nvGrpSpPr>
-      <p:grpSpPr>
-        <a:xfrm>
-          <a:off x="0" y="0"/>
-          <a:ext cx="0" cy="0"/>
-          <a:chOff x="0" y="0"/>
-          <a:chExt cx="0" cy="0"/>
-        </a:xfrm>
-      </p:grpSpPr>
-      <p:pic>
-        <p:nvPicPr>
-          <p:cNvPr id="3" name="Picture 2"/>
-          <p:cNvPicPr>
-            <a:picLocks noChangeAspect="1"/>
-          </p:cNvPicPr>
-          <p:nvPr/>
-        </p:nvPicPr>
-        <p:blipFill>
-          <a:blip r:embed="rId2"/>
-          <a:stretch>
-            <a:fillRect/>
-          </a:stretch>
-        </p:blipFill>
-        <p:spPr>
-          <a:xfrm>
-            <a:off x="145143" y="0"/>
-            <a:ext cx="12177486" cy="6757987"/>
-          </a:xfrm>
-          <a:prstGeom prst="rect">
-            <a:avLst/>
-          </a:prstGeom>
-        </p:spPr>
-      </p:pic>
-    </p:spTree>
-    <p:extLst>
-      <p:ext uri="{BB962C8B-B14F-4D97-AF65-F5344CB8AC3E}">
-        <p14:creationId xmlns:p14="http://schemas.microsoft.com/office/powerpoint/2010/main" val="762947549"/>
-      </p:ext>
-    </p:extLst>
-  </p:cSld>
-  <p:clrMapOvr>
-    <a:masterClrMapping/>
-  </p:clrMapOvr>
-</p:sld>
-</file>
-
-<file path=ppt/slides/slide22.xml><?xml version="1.0" encoding="utf-8"?>
-<p:sld xmlns:a="http://schemas.openxmlformats.org/drawingml/2006/main" xmlns:r="http://schemas.openxmlformats.org/officeDocument/2006/relationships" xmlns:p="http://schemas.openxmlformats.org/presentationml/2006/main">
-  <p:cSld>
-    <p:spTree>
-      <p:nvGrpSpPr>
-        <p:cNvPr id="1" name=""/>
-        <p:cNvGrpSpPr/>
-        <p:nvPr/>
-      </p:nvGrpSpPr>
-      <p:grpSpPr>
-        <a:xfrm>
-          <a:off x="0" y="0"/>
-          <a:ext cx="0" cy="0"/>
-          <a:chOff x="0" y="0"/>
-          <a:chExt cx="0" cy="0"/>
-        </a:xfrm>
-      </p:grpSpPr>
-      <p:pic>
-        <p:nvPicPr>
-          <p:cNvPr id="2" name="Picture 1"/>
-          <p:cNvPicPr>
-            <a:picLocks noChangeAspect="1"/>
-          </p:cNvPicPr>
-          <p:nvPr/>
-        </p:nvPicPr>
-        <p:blipFill>
-          <a:blip r:embed="rId2"/>
-          <a:stretch>
-            <a:fillRect/>
-          </a:stretch>
-        </p:blipFill>
-        <p:spPr>
-          <a:xfrm>
-            <a:off x="145143" y="70984"/>
-            <a:ext cx="12046857" cy="6657975"/>
-          </a:xfrm>
-          <a:prstGeom prst="rect">
-            <a:avLst/>
-          </a:prstGeom>
-        </p:spPr>
-      </p:pic>
-    </p:spTree>
-    <p:extLst>
-      <p:ext uri="{BB962C8B-B14F-4D97-AF65-F5344CB8AC3E}">
-        <p14:creationId xmlns:p14="http://schemas.microsoft.com/office/powerpoint/2010/main" val="2637963"/>
-      </p:ext>
-    </p:extLst>
-  </p:cSld>
-  <p:clrMapOvr>
-    <a:masterClrMapping/>
-  </p:clrMapOvr>
-</p:sld>
-</file>
-
-<file path=ppt/slides/slide23.xml><?xml version="1.0" encoding="utf-8"?>
-<p:sld xmlns:a="http://schemas.openxmlformats.org/drawingml/2006/main" xmlns:r="http://schemas.openxmlformats.org/officeDocument/2006/relationships" xmlns:p="http://schemas.openxmlformats.org/presentationml/2006/main">
-  <p:cSld>
     <p:bg>
       <p:bgPr>
         <a:solidFill>
@@ -9409,7 +6831,7 @@
                 <a16:creationId xmlns:a16="http://schemas.microsoft.com/office/drawing/2014/main" id="{3C54F4CE-85F0-46ED-80DA-9518C9251AD1}"/>
               </a:ext>
               <a:ext uri="{C183D7F6-B498-43B3-948B-1728B52AA6E4}">
-                <adec:decorative xmlns:adec="http://schemas.microsoft.com/office/drawing/2017/decorative" xmlns="" val="1"/>
+                <adec:decorative xmlns:adec="http://schemas.microsoft.com/office/drawing/2017/decorative" val="1"/>
               </a:ext>
             </a:extLst>
           </p:cNvPr>
@@ -9485,7 +6907,7 @@
                 <a16:creationId xmlns:a16="http://schemas.microsoft.com/office/drawing/2014/main" id="{DADD1FCA-8ACB-4958-81DD-4CDD6D3E1921}"/>
               </a:ext>
               <a:ext uri="{C183D7F6-B498-43B3-948B-1728B52AA6E4}">
-                <adec:decorative xmlns:adec="http://schemas.microsoft.com/office/drawing/2017/decorative" xmlns="" val="1"/>
+                <adec:decorative xmlns:adec="http://schemas.microsoft.com/office/drawing/2017/decorative" val="1"/>
               </a:ext>
             </a:extLst>
           </p:cNvPr>
@@ -12056,17 +9478,6 @@
                 <a:cs typeface="+mj-cs"/>
               </a:rPr>
             </a:br>
-            <a:r>
-              <a:rPr lang="en-US" kern="1200" dirty="0">
-                <a:solidFill>
-                  <a:schemeClr val="tx1"/>
-                </a:solidFill>
-                <a:latin typeface="+mj-lt"/>
-                <a:ea typeface="+mj-ea"/>
-                <a:cs typeface="+mj-cs"/>
-              </a:rPr>
-              <a:t/>
-            </a:r>
             <a:br>
               <a:rPr lang="en-US" kern="1200" dirty="0">
                 <a:solidFill>
@@ -12077,17 +9488,6 @@
                 <a:cs typeface="+mj-cs"/>
               </a:rPr>
             </a:br>
-            <a:r>
-              <a:rPr lang="en-US" kern="1200" dirty="0">
-                <a:solidFill>
-                  <a:schemeClr val="tx1"/>
-                </a:solidFill>
-                <a:latin typeface="+mj-lt"/>
-                <a:ea typeface="+mj-ea"/>
-                <a:cs typeface="+mj-cs"/>
-              </a:rPr>
-              <a:t/>
-            </a:r>
             <a:br>
               <a:rPr lang="en-US" kern="1200" dirty="0">
                 <a:solidFill>
@@ -12155,7 +9555,7 @@
 </p:sld>
 </file>
 
-<file path=ppt/slides/slide24.xml><?xml version="1.0" encoding="utf-8"?>
+<file path=ppt/slides/slide12.xml><?xml version="1.0" encoding="utf-8"?>
 <p:sld xmlns:a="http://schemas.openxmlformats.org/drawingml/2006/main" xmlns:r="http://schemas.openxmlformats.org/officeDocument/2006/relationships" xmlns:p="http://schemas.openxmlformats.org/presentationml/2006/main">
   <p:cSld>
     <p:bg>
@@ -12188,7 +9588,7 @@
                 <a16:creationId xmlns:a16="http://schemas.microsoft.com/office/drawing/2014/main" id="{9089EED9-F54D-4F20-A2C6-949DE4176959}"/>
               </a:ext>
               <a:ext uri="{C183D7F6-B498-43B3-948B-1728B52AA6E4}">
-                <adec:decorative xmlns:adec="http://schemas.microsoft.com/office/drawing/2017/decorative" xmlns="" val="1"/>
+                <adec:decorative xmlns:adec="http://schemas.microsoft.com/office/drawing/2017/decorative" val="1"/>
               </a:ext>
             </a:extLst>
           </p:cNvPr>
@@ -12264,7 +9664,7 @@
                 <a16:creationId xmlns:a16="http://schemas.microsoft.com/office/drawing/2014/main" id="{7E46F721-3785-414D-8697-16AF490E6806}"/>
               </a:ext>
               <a:ext uri="{C183D7F6-B498-43B3-948B-1728B52AA6E4}">
-                <adec:decorative xmlns:adec="http://schemas.microsoft.com/office/drawing/2017/decorative" xmlns="" val="1"/>
+                <adec:decorative xmlns:adec="http://schemas.microsoft.com/office/drawing/2017/decorative" val="1"/>
               </a:ext>
             </a:extLst>
           </p:cNvPr>
@@ -13709,6 +11109,1781 @@
 </p:sld>
 </file>
 
+<file path=ppt/slides/slide2.xml><?xml version="1.0" encoding="utf-8"?>
+<p:sld xmlns:a="http://schemas.openxmlformats.org/drawingml/2006/main" xmlns:r="http://schemas.openxmlformats.org/officeDocument/2006/relationships" xmlns:p="http://schemas.openxmlformats.org/presentationml/2006/main">
+  <p:cSld>
+    <p:bg>
+      <p:bgPr>
+        <a:solidFill>
+          <a:schemeClr val="bg1"/>
+        </a:solidFill>
+        <a:effectLst/>
+      </p:bgPr>
+    </p:bg>
+    <p:spTree>
+      <p:nvGrpSpPr>
+        <p:cNvPr id="1" name=""/>
+        <p:cNvGrpSpPr/>
+        <p:nvPr/>
+      </p:nvGrpSpPr>
+      <p:grpSpPr>
+        <a:xfrm>
+          <a:off x="0" y="0"/>
+          <a:ext cx="0" cy="0"/>
+          <a:chOff x="0" y="0"/>
+          <a:chExt cx="0" cy="0"/>
+        </a:xfrm>
+      </p:grpSpPr>
+      <p:sp useBgFill="1">
+        <p:nvSpPr>
+          <p:cNvPr id="14" name="Rectangle 13">
+            <a:extLst>
+              <a:ext uri="{FF2B5EF4-FFF2-40B4-BE49-F238E27FC236}">
+                <a16:creationId xmlns:a16="http://schemas.microsoft.com/office/drawing/2014/main" id="{9089EED9-F54D-4F20-A2C6-949DE4176959}"/>
+              </a:ext>
+              <a:ext uri="{C183D7F6-B498-43B3-948B-1728B52AA6E4}">
+                <adec:decorative xmlns:adec="http://schemas.microsoft.com/office/drawing/2017/decorative" val="1"/>
+              </a:ext>
+            </a:extLst>
+          </p:cNvPr>
+          <p:cNvSpPr>
+            <a:spLocks noGrp="1" noRot="1" noChangeAspect="1" noMove="1" noResize="1" noEditPoints="1" noAdjustHandles="1" noChangeArrowheads="1" noChangeShapeType="1" noTextEdit="1"/>
+          </p:cNvSpPr>
+          <p:nvPr>
+            <p:extLst>
+              <p:ext uri="{386F3935-93C4-4BCD-93E2-E3B085C9AB24}">
+                <p16:designElem xmlns:p16="http://schemas.microsoft.com/office/powerpoint/2015/main" val="1"/>
+              </p:ext>
+            </p:extLst>
+          </p:nvPr>
+        </p:nvSpPr>
+        <p:spPr>
+          <a:xfrm>
+            <a:off x="0" y="0"/>
+            <a:ext cx="12192000" cy="6858000"/>
+          </a:xfrm>
+          <a:prstGeom prst="rect">
+            <a:avLst/>
+          </a:prstGeom>
+          <a:ln w="12700" cap="flat" cmpd="sng" algn="ctr">
+            <a:noFill/>
+            <a:prstDash val="solid"/>
+            <a:miter lim="800000"/>
+          </a:ln>
+          <a:effectLst/>
+          <a:extLst>
+            <a:ext uri="{91240B29-F687-4F45-9708-019B960494DF}">
+              <a14:hiddenLine xmlns:a14="http://schemas.microsoft.com/office/drawing/2010/main" w="12700" cap="flat" cmpd="sng" algn="ctr">
+                <a:solidFill>
+                  <a:schemeClr val="accent1">
+                    <a:shade val="50000"/>
+                  </a:schemeClr>
+                </a:solidFill>
+                <a:prstDash val="solid"/>
+                <a:miter lim="800000"/>
+              </a14:hiddenLine>
+            </a:ext>
+          </a:extLst>
+        </p:spPr>
+        <p:style>
+          <a:lnRef idx="2">
+            <a:schemeClr val="accent1">
+              <a:shade val="50000"/>
+            </a:schemeClr>
+          </a:lnRef>
+          <a:fillRef idx="1">
+            <a:schemeClr val="accent1"/>
+          </a:fillRef>
+          <a:effectRef idx="0">
+            <a:schemeClr val="accent1"/>
+          </a:effectRef>
+          <a:fontRef idx="minor">
+            <a:schemeClr val="lt1"/>
+          </a:fontRef>
+        </p:style>
+        <p:txBody>
+          <a:bodyPr rtlCol="0" anchor="ctr"/>
+          <a:lstStyle/>
+          <a:p>
+            <a:pPr algn="ctr"/>
+            <a:endParaRPr lang="en-US"/>
+          </a:p>
+        </p:txBody>
+      </p:sp>
+      <p:sp>
+        <p:nvSpPr>
+          <p:cNvPr id="16" name="Rectangle 15">
+            <a:extLst>
+              <a:ext uri="{FF2B5EF4-FFF2-40B4-BE49-F238E27FC236}">
+                <a16:creationId xmlns:a16="http://schemas.microsoft.com/office/drawing/2014/main" id="{7E46F721-3785-414D-8697-16AF490E6806}"/>
+              </a:ext>
+              <a:ext uri="{C183D7F6-B498-43B3-948B-1728B52AA6E4}">
+                <adec:decorative xmlns:adec="http://schemas.microsoft.com/office/drawing/2017/decorative" val="1"/>
+              </a:ext>
+            </a:extLst>
+          </p:cNvPr>
+          <p:cNvSpPr>
+            <a:spLocks noGrp="1" noRot="1" noChangeAspect="1" noMove="1" noResize="1" noEditPoints="1" noAdjustHandles="1" noChangeArrowheads="1" noChangeShapeType="1" noTextEdit="1"/>
+          </p:cNvSpPr>
+          <p:nvPr>
+            <p:extLst>
+              <p:ext uri="{386F3935-93C4-4BCD-93E2-E3B085C9AB24}">
+                <p16:designElem xmlns:p16="http://schemas.microsoft.com/office/powerpoint/2015/main" val="1"/>
+              </p:ext>
+            </p:extLst>
+          </p:nvPr>
+        </p:nvSpPr>
+        <p:spPr>
+          <a:xfrm>
+            <a:off x="6096000" y="0"/>
+            <a:ext cx="6096000" cy="6858000"/>
+          </a:xfrm>
+          <a:prstGeom prst="rect">
+            <a:avLst/>
+          </a:prstGeom>
+          <a:solidFill>
+            <a:srgbClr val="82766A">
+              <a:alpha val="15000"/>
+            </a:srgbClr>
+          </a:solidFill>
+          <a:ln w="12700" cap="flat" cmpd="sng" algn="ctr">
+            <a:noFill/>
+            <a:prstDash val="solid"/>
+            <a:miter lim="800000"/>
+          </a:ln>
+          <a:effectLst/>
+        </p:spPr>
+        <p:style>
+          <a:lnRef idx="2">
+            <a:schemeClr val="accent1">
+              <a:shade val="50000"/>
+            </a:schemeClr>
+          </a:lnRef>
+          <a:fillRef idx="1">
+            <a:schemeClr val="accent1"/>
+          </a:fillRef>
+          <a:effectRef idx="0">
+            <a:schemeClr val="accent1"/>
+          </a:effectRef>
+          <a:fontRef idx="minor">
+            <a:schemeClr val="lt1"/>
+          </a:fontRef>
+        </p:style>
+        <p:txBody>
+          <a:bodyPr rtlCol="0" anchor="ctr"/>
+          <a:lstStyle/>
+          <a:p>
+            <a:pPr algn="ctr"/>
+            <a:endParaRPr lang="en-US"/>
+          </a:p>
+        </p:txBody>
+      </p:sp>
+      <p:sp>
+        <p:nvSpPr>
+          <p:cNvPr id="2" name="Title 1">
+            <a:extLst>
+              <a:ext uri="{FF2B5EF4-FFF2-40B4-BE49-F238E27FC236}">
+                <a16:creationId xmlns:a16="http://schemas.microsoft.com/office/drawing/2014/main" id="{F6BE85AE-A88E-9FB6-CA11-68DFB3AF2112}"/>
+              </a:ext>
+            </a:extLst>
+          </p:cNvPr>
+          <p:cNvSpPr>
+            <a:spLocks noGrp="1"/>
+          </p:cNvSpPr>
+          <p:nvPr>
+            <p:ph type="ctrTitle"/>
+          </p:nvPr>
+        </p:nvSpPr>
+        <p:spPr>
+          <a:xfrm>
+            <a:off x="7869036" y="87831"/>
+            <a:ext cx="3389515" cy="610260"/>
+          </a:xfrm>
+        </p:spPr>
+        <p:txBody>
+          <a:bodyPr anchor="b">
+            <a:normAutofit/>
+          </a:bodyPr>
+          <a:lstStyle/>
+          <a:p>
+            <a:r>
+              <a:rPr lang="en-GB" sz="3600" dirty="0">
+                <a:solidFill>
+                  <a:schemeClr val="tx1">
+                    <a:lumMod val="85000"/>
+                    <a:lumOff val="15000"/>
+                  </a:schemeClr>
+                </a:solidFill>
+              </a:rPr>
+              <a:t>Introduction</a:t>
+            </a:r>
+          </a:p>
+        </p:txBody>
+      </p:sp>
+      <p:sp>
+        <p:nvSpPr>
+          <p:cNvPr id="3" name="Subtitle 2">
+            <a:extLst>
+              <a:ext uri="{FF2B5EF4-FFF2-40B4-BE49-F238E27FC236}">
+                <a16:creationId xmlns:a16="http://schemas.microsoft.com/office/drawing/2014/main" id="{25C49F12-3CC8-DDFB-DA23-E297CAFDE212}"/>
+              </a:ext>
+            </a:extLst>
+          </p:cNvPr>
+          <p:cNvSpPr>
+            <a:spLocks noGrp="1"/>
+          </p:cNvSpPr>
+          <p:nvPr>
+            <p:ph type="subTitle" idx="1"/>
+          </p:nvPr>
+        </p:nvSpPr>
+        <p:spPr>
+          <a:xfrm>
+            <a:off x="8608757" y="6223886"/>
+            <a:ext cx="2895600" cy="471904"/>
+          </a:xfrm>
+        </p:spPr>
+        <p:txBody>
+          <a:bodyPr anchor="t">
+            <a:noAutofit/>
+          </a:bodyPr>
+          <a:lstStyle/>
+          <a:p>
+            <a:r>
+              <a:rPr lang="en-GB" sz="2800" dirty="0">
+                <a:solidFill>
+                  <a:schemeClr val="tx1">
+                    <a:lumMod val="85000"/>
+                    <a:lumOff val="15000"/>
+                  </a:schemeClr>
+                </a:solidFill>
+              </a:rPr>
+              <a:t>Lavanya</a:t>
+            </a:r>
+          </a:p>
+        </p:txBody>
+      </p:sp>
+      <p:pic>
+        <p:nvPicPr>
+          <p:cNvPr id="4" name="Picture 3">
+            <a:extLst>
+              <a:ext uri="{FF2B5EF4-FFF2-40B4-BE49-F238E27FC236}">
+                <a16:creationId xmlns:a16="http://schemas.microsoft.com/office/drawing/2014/main" id="{BFE212EB-26DC-4C57-1114-4A6F6164C534}"/>
+              </a:ext>
+            </a:extLst>
+          </p:cNvPr>
+          <p:cNvPicPr>
+            <a:picLocks noChangeAspect="1"/>
+          </p:cNvPicPr>
+          <p:nvPr/>
+        </p:nvPicPr>
+        <p:blipFill rotWithShape="1">
+          <a:blip r:embed="rId3"/>
+          <a:srcRect l="2005" r="469" b="-2"/>
+          <a:stretch/>
+        </p:blipFill>
+        <p:spPr>
+          <a:xfrm>
+            <a:off x="20" y="1"/>
+            <a:ext cx="7665573" cy="6857999"/>
+          </a:xfrm>
+          <a:custGeom>
+            <a:avLst/>
+            <a:gdLst/>
+            <a:ahLst/>
+            <a:cxnLst/>
+            <a:rect l="l" t="t" r="r" b="b"/>
+            <a:pathLst>
+              <a:path w="7665593" h="6857999">
+                <a:moveTo>
+                  <a:pt x="0" y="0"/>
+                </a:moveTo>
+                <a:lnTo>
+                  <a:pt x="7363783" y="0"/>
+                </a:lnTo>
+                <a:lnTo>
+                  <a:pt x="7372954" y="18152"/>
+                </a:lnTo>
+                <a:cubicBezTo>
+                  <a:pt x="7378508" y="27417"/>
+                  <a:pt x="7383821" y="35694"/>
+                  <a:pt x="7386404" y="41707"/>
+                </a:cubicBezTo>
+                <a:lnTo>
+                  <a:pt x="7389058" y="60832"/>
+                </a:lnTo>
+                <a:lnTo>
+                  <a:pt x="7394074" y="60137"/>
+                </a:lnTo>
+                <a:lnTo>
+                  <a:pt x="7394443" y="67241"/>
+                </a:lnTo>
+                <a:lnTo>
+                  <a:pt x="7394565" y="83099"/>
+                </a:lnTo>
+                <a:cubicBezTo>
+                  <a:pt x="7395324" y="92994"/>
+                  <a:pt x="7394122" y="120511"/>
+                  <a:pt x="7395957" y="130584"/>
+                </a:cubicBezTo>
+                <a:cubicBezTo>
+                  <a:pt x="7401306" y="133490"/>
+                  <a:pt x="7404223" y="137975"/>
+                  <a:pt x="7405574" y="143540"/>
+                </a:cubicBezTo>
+                <a:lnTo>
+                  <a:pt x="7405725" y="155795"/>
+                </a:lnTo>
+                <a:lnTo>
+                  <a:pt x="7418615" y="226869"/>
+                </a:lnTo>
+                <a:lnTo>
+                  <a:pt x="7419579" y="236641"/>
+                </a:lnTo>
+                <a:lnTo>
+                  <a:pt x="7423900" y="241933"/>
+                </a:lnTo>
+                <a:cubicBezTo>
+                  <a:pt x="7424763" y="245974"/>
+                  <a:pt x="7424206" y="257579"/>
+                  <a:pt x="7424760" y="260885"/>
+                </a:cubicBezTo>
+                <a:cubicBezTo>
+                  <a:pt x="7425580" y="261177"/>
+                  <a:pt x="7426400" y="261469"/>
+                  <a:pt x="7427220" y="261761"/>
+                </a:cubicBezTo>
+                <a:cubicBezTo>
+                  <a:pt x="7431152" y="272291"/>
+                  <a:pt x="7444241" y="311893"/>
+                  <a:pt x="7448344" y="324055"/>
+                </a:cubicBezTo>
+                <a:cubicBezTo>
+                  <a:pt x="7444563" y="326484"/>
+                  <a:pt x="7450535" y="331924"/>
+                  <a:pt x="7451833" y="334727"/>
+                </a:cubicBezTo>
+                <a:cubicBezTo>
+                  <a:pt x="7449286" y="335161"/>
+                  <a:pt x="7448510" y="341947"/>
+                  <a:pt x="7450776" y="343948"/>
+                </a:cubicBezTo>
+                <a:cubicBezTo>
+                  <a:pt x="7463202" y="391652"/>
+                  <a:pt x="7437523" y="367773"/>
+                  <a:pt x="7453791" y="395003"/>
+                </a:cubicBezTo>
+                <a:cubicBezTo>
+                  <a:pt x="7454869" y="399820"/>
+                  <a:pt x="7453841" y="403723"/>
+                  <a:pt x="7451939" y="407147"/>
+                </a:cubicBezTo>
+                <a:lnTo>
+                  <a:pt x="7448030" y="412254"/>
+                </a:lnTo>
+                <a:lnTo>
+                  <a:pt x="7455416" y="432021"/>
+                </a:lnTo>
+                <a:cubicBezTo>
+                  <a:pt x="7457991" y="441758"/>
+                  <a:pt x="7459699" y="452007"/>
+                  <a:pt x="7460479" y="462523"/>
+                </a:cubicBezTo>
+                <a:cubicBezTo>
+                  <a:pt x="7455275" y="464882"/>
+                  <a:pt x="7462669" y="473136"/>
+                  <a:pt x="7464133" y="477020"/>
+                </a:cubicBezTo>
+                <a:cubicBezTo>
+                  <a:pt x="7460734" y="477060"/>
+                  <a:pt x="7459104" y="485663"/>
+                  <a:pt x="7461914" y="488716"/>
+                </a:cubicBezTo>
+                <a:cubicBezTo>
+                  <a:pt x="7474065" y="552879"/>
+                  <a:pt x="7442314" y="516775"/>
+                  <a:pt x="7461353" y="555280"/>
+                </a:cubicBezTo>
+                <a:cubicBezTo>
+                  <a:pt x="7462345" y="561721"/>
+                  <a:pt x="7460642" y="566553"/>
+                  <a:pt x="7457829" y="570585"/>
+                </a:cubicBezTo>
+                <a:lnTo>
+                  <a:pt x="7450804" y="577839"/>
+                </a:lnTo>
+                <a:lnTo>
+                  <a:pt x="7453309" y="583524"/>
+                </a:lnTo>
+                <a:cubicBezTo>
+                  <a:pt x="7453505" y="604977"/>
+                  <a:pt x="7446306" y="611303"/>
+                  <a:pt x="7453558" y="623785"/>
+                </a:cubicBezTo>
+                <a:cubicBezTo>
+                  <a:pt x="7438483" y="642230"/>
+                  <a:pt x="7452055" y="636019"/>
+                  <a:pt x="7454362" y="650049"/>
+                </a:cubicBezTo>
+                <a:cubicBezTo>
+                  <a:pt x="7457368" y="661117"/>
+                  <a:pt x="7463152" y="640798"/>
+                  <a:pt x="7464006" y="651645"/>
+                </a:cubicBezTo>
+                <a:cubicBezTo>
+                  <a:pt x="7460114" y="663380"/>
+                  <a:pt x="7472201" y="662829"/>
+                  <a:pt x="7467442" y="675032"/>
+                </a:cubicBezTo>
+                <a:cubicBezTo>
+                  <a:pt x="7458335" y="672068"/>
+                  <a:pt x="7469207" y="699114"/>
+                  <a:pt x="7461251" y="699956"/>
+                </a:cubicBezTo>
+                <a:cubicBezTo>
+                  <a:pt x="7472628" y="710321"/>
+                  <a:pt x="7458614" y="715529"/>
+                  <a:pt x="7462119" y="729331"/>
+                </a:cubicBezTo>
+                <a:cubicBezTo>
+                  <a:pt x="7466423" y="735831"/>
+                  <a:pt x="7467162" y="740521"/>
+                  <a:pt x="7462533" y="746910"/>
+                </a:cubicBezTo>
+                <a:cubicBezTo>
+                  <a:pt x="7483486" y="776851"/>
+                  <a:pt x="7463470" y="765024"/>
+                  <a:pt x="7471529" y="793043"/>
+                </a:cubicBezTo>
+                <a:cubicBezTo>
+                  <a:pt x="7480002" y="817184"/>
+                  <a:pt x="7485500" y="844550"/>
+                  <a:pt x="7505730" y="867898"/>
+                </a:cubicBezTo>
+                <a:cubicBezTo>
+                  <a:pt x="7511461" y="872184"/>
+                  <a:pt x="7513630" y="882707"/>
+                  <a:pt x="7510576" y="891400"/>
+                </a:cubicBezTo>
+                <a:cubicBezTo>
+                  <a:pt x="7510049" y="892894"/>
+                  <a:pt x="7509385" y="894278"/>
+                  <a:pt x="7508604" y="895508"/>
+                </a:cubicBezTo>
+                <a:cubicBezTo>
+                  <a:pt x="7511698" y="915692"/>
+                  <a:pt x="7525520" y="989520"/>
+                  <a:pt x="7529143" y="1012510"/>
+                </a:cubicBezTo>
+                <a:cubicBezTo>
+                  <a:pt x="7521781" y="1014371"/>
+                  <a:pt x="7535067" y="1025997"/>
+                  <a:pt x="7530347" y="1033444"/>
+                </a:cubicBezTo>
+                <a:cubicBezTo>
+                  <a:pt x="7526204" y="1038777"/>
+                  <a:pt x="7529270" y="1043549"/>
+                  <a:pt x="7529596" y="1049120"/>
+                </a:cubicBezTo>
+                <a:cubicBezTo>
+                  <a:pt x="7526339" y="1056460"/>
+                  <a:pt x="7532220" y="1080398"/>
+                  <a:pt x="7536437" y="1086639"/>
+                </a:cubicBezTo>
+                <a:cubicBezTo>
+                  <a:pt x="7551094" y="1101553"/>
+                  <a:pt x="7540210" y="1135442"/>
+                  <a:pt x="7551438" y="1147834"/>
+                </a:cubicBezTo>
+                <a:cubicBezTo>
+                  <a:pt x="7553086" y="1152330"/>
+                  <a:pt x="7553752" y="1156729"/>
+                  <a:pt x="7553808" y="1161047"/>
+                </a:cubicBezTo>
+                <a:lnTo>
+                  <a:pt x="7552572" y="1173130"/>
+                </a:lnTo>
+                <a:lnTo>
+                  <a:pt x="7549434" y="1176566"/>
+                </a:lnTo>
+                <a:lnTo>
+                  <a:pt x="7550211" y="1183950"/>
+                </a:lnTo>
+                <a:lnTo>
+                  <a:pt x="7549733" y="1186066"/>
+                </a:lnTo>
+                <a:cubicBezTo>
+                  <a:pt x="7548807" y="1190108"/>
+                  <a:pt x="7548001" y="1194099"/>
+                  <a:pt x="7547683" y="1198047"/>
+                </a:cubicBezTo>
+                <a:cubicBezTo>
+                  <a:pt x="7563423" y="1192855"/>
+                  <a:pt x="7547566" y="1230782"/>
+                  <a:pt x="7560295" y="1219849"/>
+                </a:cubicBezTo>
+                <a:cubicBezTo>
+                  <a:pt x="7561281" y="1240644"/>
+                  <a:pt x="7573138" y="1224782"/>
+                  <a:pt x="7561835" y="1249779"/>
+                </a:cubicBezTo>
+                <a:cubicBezTo>
+                  <a:pt x="7574707" y="1282065"/>
+                  <a:pt x="7569916" y="1332957"/>
+                  <a:pt x="7589445" y="1358245"/>
+                </a:cubicBezTo>
+                <a:cubicBezTo>
+                  <a:pt x="7581989" y="1355103"/>
+                  <a:pt x="7576204" y="1368711"/>
+                  <a:pt x="7579904" y="1378136"/>
+                </a:cubicBezTo>
+                <a:cubicBezTo>
+                  <a:pt x="7550647" y="1367117"/>
+                  <a:pt x="7606267" y="1415404"/>
+                  <a:pt x="7586303" y="1423699"/>
+                </a:cubicBezTo>
+                <a:cubicBezTo>
+                  <a:pt x="7604838" y="1424108"/>
+                  <a:pt x="7636267" y="1466352"/>
+                  <a:pt x="7621059" y="1486236"/>
+                </a:cubicBezTo>
+                <a:cubicBezTo>
+                  <a:pt x="7624771" y="1516526"/>
+                  <a:pt x="7640092" y="1537976"/>
+                  <a:pt x="7633966" y="1569734"/>
+                </a:cubicBezTo>
+                <a:cubicBezTo>
+                  <a:pt x="7636447" y="1570719"/>
+                  <a:pt x="7638522" y="1572334"/>
+                  <a:pt x="7640304" y="1574384"/>
+                </a:cubicBezTo>
+                <a:lnTo>
+                  <a:pt x="7644628" y="1581242"/>
+                </a:lnTo>
+                <a:lnTo>
+                  <a:pt x="7644313" y="1582567"/>
+                </a:lnTo>
+                <a:cubicBezTo>
+                  <a:pt x="7644257" y="1587776"/>
+                  <a:pt x="7645302" y="1590443"/>
+                  <a:pt x="7646831" y="1591983"/>
+                </a:cubicBezTo>
+                <a:cubicBezTo>
+                  <a:pt x="7647577" y="1592347"/>
+                  <a:pt x="7648323" y="1592711"/>
+                  <a:pt x="7649069" y="1593074"/>
+                </a:cubicBezTo>
+                <a:lnTo>
+                  <a:pt x="7651326" y="1599230"/>
+                </a:lnTo>
+                <a:lnTo>
+                  <a:pt x="7657195" y="1610539"/>
+                </a:lnTo>
+                <a:lnTo>
+                  <a:pt x="7656957" y="1613422"/>
+                </a:lnTo>
+                <a:lnTo>
+                  <a:pt x="7663730" y="1631673"/>
+                </a:lnTo>
+                <a:lnTo>
+                  <a:pt x="7663189" y="1632289"/>
+                </a:lnTo>
+                <a:cubicBezTo>
+                  <a:pt x="7662131" y="1634085"/>
+                  <a:pt x="7661641" y="1636199"/>
+                  <a:pt x="7662326" y="1639024"/>
+                </a:cubicBezTo>
+                <a:cubicBezTo>
+                  <a:pt x="7651979" y="1640024"/>
+                  <a:pt x="7659188" y="1642819"/>
+                  <a:pt x="7662125" y="1651067"/>
+                </a:cubicBezTo>
+                <a:cubicBezTo>
+                  <a:pt x="7646711" y="1654462"/>
+                  <a:pt x="7660667" y="1674670"/>
+                  <a:pt x="7653812" y="1683345"/>
+                </a:cubicBezTo>
+                <a:cubicBezTo>
+                  <a:pt x="7656316" y="1689330"/>
+                  <a:pt x="7658683" y="1695719"/>
+                  <a:pt x="7660803" y="1702414"/>
+                </a:cubicBezTo>
+                <a:lnTo>
+                  <a:pt x="7661867" y="1756201"/>
+                </a:lnTo>
+                <a:lnTo>
+                  <a:pt x="7649453" y="1812530"/>
+                </a:lnTo>
+                <a:cubicBezTo>
+                  <a:pt x="7649183" y="1833366"/>
+                  <a:pt x="7644573" y="1851408"/>
+                  <a:pt x="7647823" y="1869041"/>
+                </a:cubicBezTo>
+                <a:cubicBezTo>
+                  <a:pt x="7644238" y="1876204"/>
+                  <a:pt x="7642789" y="1882956"/>
+                  <a:pt x="7648156" y="1889503"/>
+                </a:cubicBezTo>
+                <a:cubicBezTo>
+                  <a:pt x="7646365" y="1908946"/>
+                  <a:pt x="7638702" y="1913653"/>
+                  <a:pt x="7644679" y="1925974"/>
+                </a:cubicBezTo>
+                <a:cubicBezTo>
+                  <a:pt x="7632281" y="1936898"/>
+                  <a:pt x="7637013" y="1937545"/>
+                  <a:pt x="7640564" y="1942678"/>
+                </a:cubicBezTo>
+                <a:lnTo>
+                  <a:pt x="7640816" y="1943410"/>
+                </a:lnTo>
+                <a:lnTo>
+                  <a:pt x="7639044" y="1944904"/>
+                </a:lnTo>
+                <a:lnTo>
+                  <a:pt x="7638223" y="1947993"/>
+                </a:lnTo>
+                <a:lnTo>
+                  <a:pt x="7638752" y="1956430"/>
+                </a:lnTo>
+                <a:lnTo>
+                  <a:pt x="7639407" y="1959603"/>
+                </a:lnTo>
+                <a:cubicBezTo>
+                  <a:pt x="7639690" y="1961788"/>
+                  <a:pt x="7639658" y="1963239"/>
+                  <a:pt x="7639396" y="1964244"/>
+                </a:cubicBezTo>
+                <a:lnTo>
+                  <a:pt x="7639249" y="1964361"/>
+                </a:lnTo>
+                <a:lnTo>
+                  <a:pt x="7639521" y="1968708"/>
+                </a:lnTo>
+                <a:cubicBezTo>
+                  <a:pt x="7640315" y="1976045"/>
+                  <a:pt x="7641402" y="1983186"/>
+                  <a:pt x="7642694" y="1989983"/>
+                </a:cubicBezTo>
+                <a:cubicBezTo>
+                  <a:pt x="7634556" y="1995729"/>
+                  <a:pt x="7644169" y="2020842"/>
+                  <a:pt x="7628828" y="2018094"/>
+                </a:cubicBezTo>
+                <a:cubicBezTo>
+                  <a:pt x="7630116" y="2027262"/>
+                  <a:pt x="7636485" y="2032807"/>
+                  <a:pt x="7626423" y="2029720"/>
+                </a:cubicBezTo>
+                <a:cubicBezTo>
+                  <a:pt x="7626559" y="2032738"/>
+                  <a:pt x="7625703" y="2034598"/>
+                  <a:pt x="7624364" y="2035929"/>
+                </a:cubicBezTo>
+                <a:lnTo>
+                  <a:pt x="7623733" y="2036314"/>
+                </a:lnTo>
+                <a:lnTo>
+                  <a:pt x="7626847" y="2056711"/>
+                </a:lnTo>
+                <a:lnTo>
+                  <a:pt x="7626090" y="2059419"/>
+                </a:lnTo>
+                <a:lnTo>
+                  <a:pt x="7629618" y="2072712"/>
+                </a:lnTo>
+                <a:lnTo>
+                  <a:pt x="7630641" y="2079581"/>
+                </a:lnTo>
+                <a:lnTo>
+                  <a:pt x="7632577" y="2081522"/>
+                </a:lnTo>
+                <a:cubicBezTo>
+                  <a:pt x="7633753" y="2083617"/>
+                  <a:pt x="7634261" y="2086620"/>
+                  <a:pt x="7633251" y="2091658"/>
+                </a:cubicBezTo>
+                <a:lnTo>
+                  <a:pt x="7632707" y="2092825"/>
+                </a:lnTo>
+                <a:lnTo>
+                  <a:pt x="7635575" y="2101184"/>
+                </a:lnTo>
+                <a:cubicBezTo>
+                  <a:pt x="7636900" y="2103876"/>
+                  <a:pt x="7638586" y="2106260"/>
+                  <a:pt x="7640772" y="2108190"/>
+                </a:cubicBezTo>
+                <a:cubicBezTo>
+                  <a:pt x="7629093" y="2136655"/>
+                  <a:pt x="7639778" y="2163513"/>
+                  <a:pt x="7637758" y="2194409"/>
+                </a:cubicBezTo>
+                <a:cubicBezTo>
+                  <a:pt x="7619585" y="2207765"/>
+                  <a:pt x="7641835" y="2261154"/>
+                  <a:pt x="7659453" y="2268824"/>
+                </a:cubicBezTo>
+                <a:cubicBezTo>
+                  <a:pt x="7644015" y="2268997"/>
+                  <a:pt x="7665037" y="2307714"/>
+                  <a:pt x="7665583" y="2317700"/>
+                </a:cubicBezTo>
+                <a:cubicBezTo>
+                  <a:pt x="7665764" y="2321029"/>
+                  <a:pt x="7663671" y="2321166"/>
+                  <a:pt x="7657195" y="2315619"/>
+                </a:cubicBezTo>
+                <a:cubicBezTo>
+                  <a:pt x="7658997" y="2326231"/>
+                  <a:pt x="7650972" y="2337185"/>
+                  <a:pt x="7644431" y="2331209"/>
+                </a:cubicBezTo>
+                <a:cubicBezTo>
+                  <a:pt x="7658433" y="2363448"/>
+                  <a:pt x="7644510" y="2411031"/>
+                  <a:pt x="7650869" y="2447461"/>
+                </a:cubicBezTo>
+                <a:cubicBezTo>
+                  <a:pt x="7635485" y="2467322"/>
+                  <a:pt x="7649719" y="2456555"/>
+                  <a:pt x="7646841" y="2477156"/>
+                </a:cubicBezTo>
+                <a:cubicBezTo>
+                  <a:pt x="7661004" y="2471521"/>
+                  <a:pt x="7638896" y="2502164"/>
+                  <a:pt x="7654880" y="2503292"/>
+                </a:cubicBezTo>
+                <a:cubicBezTo>
+                  <a:pt x="7653849" y="2507005"/>
+                  <a:pt x="7652348" y="2510567"/>
+                  <a:pt x="7650720" y="2514131"/>
+                </a:cubicBezTo>
+                <a:lnTo>
+                  <a:pt x="7649876" y="2516003"/>
+                </a:lnTo>
+                <a:lnTo>
+                  <a:pt x="7649263" y="2523483"/>
+                </a:lnTo>
+                <a:lnTo>
+                  <a:pt x="7645633" y="2525592"/>
+                </a:lnTo>
+                <a:lnTo>
+                  <a:pt x="7642233" y="2536851"/>
+                </a:lnTo>
+                <a:cubicBezTo>
+                  <a:pt x="7641494" y="2541069"/>
+                  <a:pt x="7641323" y="2545607"/>
+                  <a:pt x="7642069" y="2550622"/>
+                </a:cubicBezTo>
+                <a:cubicBezTo>
+                  <a:pt x="7648404" y="2562959"/>
+                  <a:pt x="7640640" y="2582170"/>
+                  <a:pt x="7641110" y="2599544"/>
+                </a:cubicBezTo>
+                <a:lnTo>
+                  <a:pt x="7643071" y="2607523"/>
+                </a:lnTo>
+                <a:lnTo>
+                  <a:pt x="7639801" y="2633566"/>
+                </a:lnTo>
+                <a:cubicBezTo>
+                  <a:pt x="7639166" y="2640978"/>
+                  <a:pt x="7638833" y="2648672"/>
+                  <a:pt x="7639065" y="2656773"/>
+                </a:cubicBezTo>
+                <a:lnTo>
+                  <a:pt x="7640624" y="2671810"/>
+                </a:lnTo>
+                <a:lnTo>
+                  <a:pt x="7639332" y="2675751"/>
+                </a:lnTo>
+                <a:cubicBezTo>
+                  <a:pt x="7639476" y="2682617"/>
+                  <a:pt x="7644027" y="2691703"/>
+                  <a:pt x="7638498" y="2690893"/>
+                </a:cubicBezTo>
+                <a:lnTo>
+                  <a:pt x="7640415" y="2698606"/>
+                </a:lnTo>
+                <a:lnTo>
+                  <a:pt x="7636002" y="2706218"/>
+                </a:lnTo>
+                <a:cubicBezTo>
+                  <a:pt x="7634978" y="2707053"/>
+                  <a:pt x="7633887" y="2707679"/>
+                  <a:pt x="7632770" y="2708079"/>
+                </a:cubicBezTo>
+                <a:lnTo>
+                  <a:pt x="7634220" y="2718854"/>
+                </a:lnTo>
+                <a:lnTo>
+                  <a:pt x="7631061" y="2727688"/>
+                </a:lnTo>
+                <a:lnTo>
+                  <a:pt x="7633127" y="2735389"/>
+                </a:lnTo>
+                <a:lnTo>
+                  <a:pt x="7632661" y="2738584"/>
+                </a:lnTo>
+                <a:lnTo>
+                  <a:pt x="7631098" y="2746529"/>
+                </a:lnTo>
+                <a:cubicBezTo>
+                  <a:pt x="7630002" y="2750602"/>
+                  <a:pt x="7628681" y="2755160"/>
+                  <a:pt x="7627624" y="2760235"/>
+                </a:cubicBezTo>
+                <a:lnTo>
+                  <a:pt x="7627140" y="2764511"/>
+                </a:lnTo>
+                <a:lnTo>
+                  <a:pt x="7621827" y="2773820"/>
+                </a:lnTo>
+                <a:cubicBezTo>
+                  <a:pt x="7617811" y="2780593"/>
+                  <a:pt x="7615104" y="2785923"/>
+                  <a:pt x="7617284" y="2791840"/>
+                </a:cubicBezTo>
+                <a:cubicBezTo>
+                  <a:pt x="7612094" y="2801924"/>
+                  <a:pt x="7597550" y="2808970"/>
+                  <a:pt x="7601430" y="2823567"/>
+                </a:cubicBezTo>
+                <a:cubicBezTo>
+                  <a:pt x="7594841" y="2819137"/>
+                  <a:pt x="7600633" y="2839778"/>
+                  <a:pt x="7593865" y="2842217"/>
+                </a:cubicBezTo>
+                <a:cubicBezTo>
+                  <a:pt x="7588415" y="2843342"/>
+                  <a:pt x="7588901" y="2849866"/>
+                  <a:pt x="7586893" y="2854834"/>
+                </a:cubicBezTo>
+                <a:cubicBezTo>
+                  <a:pt x="7581327" y="2858374"/>
+                  <a:pt x="7576244" y="2883372"/>
+                  <a:pt x="7577046" y="2892075"/>
+                </a:cubicBezTo>
+                <a:cubicBezTo>
+                  <a:pt x="7582584" y="2916606"/>
+                  <a:pt x="7560175" y="2936338"/>
+                  <a:pt x="7564026" y="2955950"/>
+                </a:cubicBezTo>
+                <a:cubicBezTo>
+                  <a:pt x="7563501" y="2961086"/>
+                  <a:pt x="7562240" y="2965343"/>
+                  <a:pt x="7560529" y="2969031"/>
+                </a:cubicBezTo>
+                <a:lnTo>
+                  <a:pt x="7554631" y="2978222"/>
+                </a:lnTo>
+                <a:lnTo>
+                  <a:pt x="7550747" y="2978564"/>
+                </a:lnTo>
+                <a:lnTo>
+                  <a:pt x="7548359" y="2985429"/>
+                </a:lnTo>
+                <a:lnTo>
+                  <a:pt x="7547120" y="2986826"/>
+                </a:lnTo>
+                <a:cubicBezTo>
+                  <a:pt x="7544741" y="2989483"/>
+                  <a:pt x="7542480" y="2992194"/>
+                  <a:pt x="7540621" y="2995267"/>
+                </a:cubicBezTo>
+                <a:cubicBezTo>
+                  <a:pt x="7555200" y="3003715"/>
+                  <a:pt x="7527208" y="3022799"/>
+                  <a:pt x="7541739" y="3023946"/>
+                </a:cubicBezTo>
+                <a:cubicBezTo>
+                  <a:pt x="7534059" y="3042303"/>
+                  <a:pt x="7549904" y="3038579"/>
+                  <a:pt x="7530781" y="3050462"/>
+                </a:cubicBezTo>
+                <a:cubicBezTo>
+                  <a:pt x="7527838" y="3088204"/>
+                  <a:pt x="7503338" y="3127251"/>
+                  <a:pt x="7508515" y="3164510"/>
+                </a:cubicBezTo>
+                <a:cubicBezTo>
+                  <a:pt x="7503888" y="3155782"/>
+                  <a:pt x="7493770" y="3162549"/>
+                  <a:pt x="7492866" y="3173520"/>
+                </a:cubicBezTo>
+                <a:cubicBezTo>
+                  <a:pt x="7474179" y="3140376"/>
+                  <a:pt x="7498581" y="3226463"/>
+                  <a:pt x="7479395" y="3217191"/>
+                </a:cubicBezTo>
+                <a:cubicBezTo>
+                  <a:pt x="7493905" y="3232643"/>
+                  <a:pt x="7501608" y="3293915"/>
+                  <a:pt x="7481475" y="3298298"/>
+                </a:cubicBezTo>
+                <a:cubicBezTo>
+                  <a:pt x="7472089" y="3326890"/>
+                  <a:pt x="7475493" y="3357480"/>
+                  <a:pt x="7457722" y="3379292"/>
+                </a:cubicBezTo>
+                <a:cubicBezTo>
+                  <a:pt x="7459285" y="3382143"/>
+                  <a:pt x="7460273" y="3385199"/>
+                  <a:pt x="7460850" y="3388381"/>
+                </a:cubicBezTo>
+                <a:lnTo>
+                  <a:pt x="7461482" y="3397694"/>
+                </a:lnTo>
+                <a:lnTo>
+                  <a:pt x="7460695" y="3398556"/>
+                </a:lnTo>
+                <a:cubicBezTo>
+                  <a:pt x="7458532" y="3402904"/>
+                  <a:pt x="7458275" y="3406007"/>
+                  <a:pt x="7458858" y="3408553"/>
+                </a:cubicBezTo>
+                <a:lnTo>
+                  <a:pt x="7460185" y="3411299"/>
+                </a:lnTo>
+                <a:lnTo>
+                  <a:pt x="7459468" y="3418333"/>
+                </a:lnTo>
+                <a:lnTo>
+                  <a:pt x="7459515" y="3432662"/>
+                </a:lnTo>
+                <a:lnTo>
+                  <a:pt x="7458154" y="3434902"/>
+                </a:lnTo>
+                <a:lnTo>
+                  <a:pt x="7456091" y="3455825"/>
+                </a:lnTo>
+                <a:cubicBezTo>
+                  <a:pt x="7455865" y="3455850"/>
+                  <a:pt x="7455638" y="3455877"/>
+                  <a:pt x="7455413" y="3455903"/>
+                </a:cubicBezTo>
+                <a:cubicBezTo>
+                  <a:pt x="7453843" y="3456557"/>
+                  <a:pt x="7452596" y="3457940"/>
+                  <a:pt x="7451989" y="3460886"/>
+                </a:cubicBezTo>
+                <a:cubicBezTo>
+                  <a:pt x="7443388" y="3453296"/>
+                  <a:pt x="7447961" y="3461529"/>
+                  <a:pt x="7446929" y="3470886"/>
+                </a:cubicBezTo>
+                <a:cubicBezTo>
+                  <a:pt x="7433341" y="3461186"/>
+                  <a:pt x="7436171" y="3489615"/>
+                  <a:pt x="7427213" y="3491353"/>
+                </a:cubicBezTo>
+                <a:cubicBezTo>
+                  <a:pt x="7426761" y="3498443"/>
+                  <a:pt x="7426037" y="3505767"/>
+                  <a:pt x="7424990" y="3513143"/>
+                </a:cubicBezTo>
+                <a:lnTo>
+                  <a:pt x="7424186" y="3517424"/>
+                </a:lnTo>
+                <a:cubicBezTo>
+                  <a:pt x="7424132" y="3517438"/>
+                  <a:pt x="7424077" y="3517453"/>
+                  <a:pt x="7424024" y="3517467"/>
+                </a:cubicBezTo>
+                <a:cubicBezTo>
+                  <a:pt x="7423536" y="3518305"/>
+                  <a:pt x="7423153" y="3519678"/>
+                  <a:pt x="7422883" y="3521896"/>
+                </a:cubicBezTo>
+                <a:lnTo>
+                  <a:pt x="7422723" y="3525229"/>
+                </a:lnTo>
+                <a:lnTo>
+                  <a:pt x="7421163" y="3533534"/>
+                </a:lnTo>
+                <a:lnTo>
+                  <a:pt x="7419650" y="3536108"/>
+                </a:lnTo>
+                <a:lnTo>
+                  <a:pt x="7417640" y="3536718"/>
+                </a:lnTo>
+                <a:lnTo>
+                  <a:pt x="7417697" y="3537534"/>
+                </a:lnTo>
+                <a:cubicBezTo>
+                  <a:pt x="7419749" y="3544077"/>
+                  <a:pt x="7423989" y="3546875"/>
+                  <a:pt x="7409814" y="3551598"/>
+                </a:cubicBezTo>
+                <a:cubicBezTo>
+                  <a:pt x="7412376" y="3566128"/>
+                  <a:pt x="7404108" y="3567090"/>
+                  <a:pt x="7397719" y="3584844"/>
+                </a:cubicBezTo>
+                <a:cubicBezTo>
+                  <a:pt x="7401116" y="3593573"/>
+                  <a:pt x="7398130" y="3599358"/>
+                  <a:pt x="7393057" y="3604546"/>
+                </a:cubicBezTo>
+                <a:cubicBezTo>
+                  <a:pt x="7391792" y="3622895"/>
+                  <a:pt x="7383125" y="3638008"/>
+                  <a:pt x="7377811" y="3657793"/>
+                </a:cubicBezTo>
+                <a:cubicBezTo>
+                  <a:pt x="7379886" y="3680874"/>
+                  <a:pt x="7366255" y="3689531"/>
+                  <a:pt x="7360624" y="3710685"/>
+                </a:cubicBezTo>
+                <a:cubicBezTo>
+                  <a:pt x="7367950" y="3731637"/>
+                  <a:pt x="7347999" y="3723947"/>
+                  <a:pt x="7341489" y="3734006"/>
+                </a:cubicBezTo>
+                <a:lnTo>
+                  <a:pt x="7340478" y="3737028"/>
+                </a:lnTo>
+                <a:lnTo>
+                  <a:pt x="7340489" y="3745476"/>
+                </a:lnTo>
+                <a:lnTo>
+                  <a:pt x="7340950" y="3748687"/>
+                </a:lnTo>
+                <a:cubicBezTo>
+                  <a:pt x="7341098" y="3750887"/>
+                  <a:pt x="7340976" y="3752333"/>
+                  <a:pt x="7340653" y="3753314"/>
+                </a:cubicBezTo>
+                <a:lnTo>
+                  <a:pt x="7340500" y="3753419"/>
+                </a:lnTo>
+                <a:lnTo>
+                  <a:pt x="7340506" y="3757774"/>
+                </a:lnTo>
+                <a:cubicBezTo>
+                  <a:pt x="7340847" y="3765147"/>
+                  <a:pt x="7341495" y="3772345"/>
+                  <a:pt x="7342369" y="3779218"/>
+                </a:cubicBezTo>
+                <a:cubicBezTo>
+                  <a:pt x="7333890" y="3784348"/>
+                  <a:pt x="7341949" y="3810090"/>
+                  <a:pt x="7326800" y="3806225"/>
+                </a:cubicBezTo>
+                <a:cubicBezTo>
+                  <a:pt x="7327524" y="3815461"/>
+                  <a:pt x="7333545" y="3821456"/>
+                  <a:pt x="7323686" y="3817640"/>
+                </a:cubicBezTo>
+                <a:cubicBezTo>
+                  <a:pt x="7323637" y="3820659"/>
+                  <a:pt x="7322668" y="3822449"/>
+                  <a:pt x="7321247" y="3823678"/>
+                </a:cubicBezTo>
+                <a:lnTo>
+                  <a:pt x="7320595" y="3824018"/>
+                </a:lnTo>
+                <a:lnTo>
+                  <a:pt x="7322453" y="3844579"/>
+                </a:lnTo>
+                <a:lnTo>
+                  <a:pt x="7321532" y="3847225"/>
+                </a:lnTo>
+                <a:lnTo>
+                  <a:pt x="7324238" y="3860736"/>
+                </a:lnTo>
+                <a:lnTo>
+                  <a:pt x="7324840" y="3867658"/>
+                </a:lnTo>
+                <a:lnTo>
+                  <a:pt x="7326655" y="3869733"/>
+                </a:lnTo>
+                <a:cubicBezTo>
+                  <a:pt x="7327701" y="3871909"/>
+                  <a:pt x="7328023" y="3874942"/>
+                  <a:pt x="7326706" y="3879891"/>
+                </a:cubicBezTo>
+                <a:lnTo>
+                  <a:pt x="7326093" y="3881013"/>
+                </a:lnTo>
+                <a:lnTo>
+                  <a:pt x="7328442" y="3889558"/>
+                </a:lnTo>
+                <a:cubicBezTo>
+                  <a:pt x="7329602" y="3892339"/>
+                  <a:pt x="7331138" y="3894839"/>
+                  <a:pt x="7333203" y="3896924"/>
+                </a:cubicBezTo>
+                <a:cubicBezTo>
+                  <a:pt x="7319795" y="3924445"/>
+                  <a:pt x="7328820" y="3952004"/>
+                  <a:pt x="7324908" y="3982658"/>
+                </a:cubicBezTo>
+                <a:cubicBezTo>
+                  <a:pt x="7325522" y="4017325"/>
+                  <a:pt x="7327874" y="4041416"/>
+                  <a:pt x="7327588" y="4064228"/>
+                </a:cubicBezTo>
+                <a:cubicBezTo>
+                  <a:pt x="7328735" y="4074940"/>
+                  <a:pt x="7329351" y="4153102"/>
+                  <a:pt x="7323186" y="4146664"/>
+                </a:cubicBezTo>
+                <a:cubicBezTo>
+                  <a:pt x="7335189" y="4179829"/>
+                  <a:pt x="7318370" y="4199117"/>
+                  <a:pt x="7322488" y="4235901"/>
+                </a:cubicBezTo>
+                <a:cubicBezTo>
+                  <a:pt x="7305909" y="4254573"/>
+                  <a:pt x="7320783" y="4244884"/>
+                  <a:pt x="7316645" y="4265209"/>
+                </a:cubicBezTo>
+                <a:cubicBezTo>
+                  <a:pt x="7331133" y="4260631"/>
+                  <a:pt x="7307179" y="4289560"/>
+                  <a:pt x="7323069" y="4291857"/>
+                </a:cubicBezTo>
+                <a:cubicBezTo>
+                  <a:pt x="7321814" y="4295483"/>
+                  <a:pt x="7320095" y="4298923"/>
+                  <a:pt x="7318251" y="4302359"/>
+                </a:cubicBezTo>
+                <a:lnTo>
+                  <a:pt x="7317295" y="4304161"/>
+                </a:lnTo>
+                <a:lnTo>
+                  <a:pt x="7316223" y="4311573"/>
+                </a:lnTo>
+                <a:lnTo>
+                  <a:pt x="7312469" y="4313411"/>
+                </a:lnTo>
+                <a:lnTo>
+                  <a:pt x="7306447" y="4403491"/>
+                </a:lnTo>
+                <a:cubicBezTo>
+                  <a:pt x="7308849" y="4411399"/>
+                  <a:pt x="7308497" y="4436984"/>
+                  <a:pt x="7303688" y="4442497"/>
+                </a:cubicBezTo>
+                <a:cubicBezTo>
+                  <a:pt x="7302637" y="4447969"/>
+                  <a:pt x="7304327" y="4453942"/>
+                  <a:pt x="7299181" y="4457128"/>
+                </a:cubicBezTo>
+                <a:cubicBezTo>
+                  <a:pt x="7296154" y="4469016"/>
+                  <a:pt x="7289197" y="4496240"/>
+                  <a:pt x="7285530" y="4513823"/>
+                </a:cubicBezTo>
+                <a:cubicBezTo>
+                  <a:pt x="7288769" y="4518560"/>
+                  <a:pt x="7287100" y="4524649"/>
+                  <a:pt x="7284412" y="4532609"/>
+                </a:cubicBezTo>
+                <a:lnTo>
+                  <a:pt x="7282601" y="4540125"/>
+                </a:lnTo>
+                <a:lnTo>
+                  <a:pt x="7291785" y="4563650"/>
+                </a:lnTo>
+                <a:lnTo>
+                  <a:pt x="7284191" y="4636427"/>
+                </a:lnTo>
+                <a:lnTo>
+                  <a:pt x="7292797" y="4672055"/>
+                </a:lnTo>
+                <a:cubicBezTo>
+                  <a:pt x="7294304" y="4686552"/>
+                  <a:pt x="7294421" y="4700466"/>
+                  <a:pt x="7295425" y="4713953"/>
+                </a:cubicBezTo>
+                <a:cubicBezTo>
+                  <a:pt x="7296104" y="4744441"/>
+                  <a:pt x="7280378" y="4723911"/>
+                  <a:pt x="7292574" y="4762180"/>
+                </a:cubicBezTo>
+                <a:cubicBezTo>
+                  <a:pt x="7286719" y="4766152"/>
+                  <a:pt x="7286266" y="4770971"/>
+                  <a:pt x="7288689" y="4779168"/>
+                </a:cubicBezTo>
+                <a:cubicBezTo>
+                  <a:pt x="7288592" y="4793971"/>
+                  <a:pt x="7274303" y="4792486"/>
+                  <a:pt x="7282355" y="4807636"/>
+                </a:cubicBezTo>
+                <a:cubicBezTo>
+                  <a:pt x="7278556" y="4806204"/>
+                  <a:pt x="7277539" y="4813202"/>
+                  <a:pt x="7276505" y="4819678"/>
+                </a:cubicBezTo>
+                <a:lnTo>
+                  <a:pt x="7273752" y="4823797"/>
+                </a:lnTo>
+                <a:lnTo>
+                  <a:pt x="7283683" y="4847794"/>
+                </a:lnTo>
+                <a:cubicBezTo>
+                  <a:pt x="7296832" y="4890479"/>
+                  <a:pt x="7302379" y="4941877"/>
+                  <a:pt x="7311552" y="4978326"/>
+                </a:cubicBezTo>
+                <a:cubicBezTo>
+                  <a:pt x="7284161" y="4998846"/>
+                  <a:pt x="7309660" y="4989594"/>
+                  <a:pt x="7304880" y="5015024"/>
+                </a:cubicBezTo>
+                <a:cubicBezTo>
+                  <a:pt x="7330355" y="5012307"/>
+                  <a:pt x="7291032" y="5044485"/>
+                  <a:pt x="7319932" y="5050993"/>
+                </a:cubicBezTo>
+                <a:cubicBezTo>
+                  <a:pt x="7318148" y="5055414"/>
+                  <a:pt x="7315506" y="5059493"/>
+                  <a:pt x="7312641" y="5063537"/>
+                </a:cubicBezTo>
+                <a:lnTo>
+                  <a:pt x="7311153" y="5065661"/>
+                </a:lnTo>
+                <a:lnTo>
+                  <a:pt x="7310197" y="5075032"/>
+                </a:lnTo>
+                <a:lnTo>
+                  <a:pt x="7303683" y="5076576"/>
+                </a:lnTo>
+                <a:lnTo>
+                  <a:pt x="7297768" y="5089898"/>
+                </a:lnTo>
+                <a:cubicBezTo>
+                  <a:pt x="7296519" y="5095057"/>
+                  <a:pt x="7296302" y="5100805"/>
+                  <a:pt x="7297750" y="5107454"/>
+                </a:cubicBezTo>
+                <a:cubicBezTo>
+                  <a:pt x="7309447" y="5125240"/>
+                  <a:pt x="7295812" y="5147341"/>
+                  <a:pt x="7297014" y="5169708"/>
+                </a:cubicBezTo>
+                <a:lnTo>
+                  <a:pt x="7300719" y="5180532"/>
+                </a:lnTo>
+                <a:lnTo>
+                  <a:pt x="7295705" y="5210620"/>
+                </a:lnTo>
+                <a:lnTo>
+                  <a:pt x="7296901" y="5212749"/>
+                </a:lnTo>
+                <a:cubicBezTo>
+                  <a:pt x="7296704" y="5218058"/>
+                  <a:pt x="7294377" y="5228574"/>
+                  <a:pt x="7294523" y="5242477"/>
+                </a:cubicBezTo>
+                <a:lnTo>
+                  <a:pt x="7297776" y="5296160"/>
+                </a:lnTo>
+                <a:lnTo>
+                  <a:pt x="7289955" y="5304499"/>
+                </a:lnTo>
+                <a:lnTo>
+                  <a:pt x="7286210" y="5305374"/>
+                </a:lnTo>
+                <a:lnTo>
+                  <a:pt x="7286995" y="5320092"/>
+                </a:lnTo>
+                <a:lnTo>
+                  <a:pt x="7281550" y="5330613"/>
+                </a:lnTo>
+                <a:lnTo>
+                  <a:pt x="7285354" y="5340890"/>
+                </a:lnTo>
+                <a:lnTo>
+                  <a:pt x="7281914" y="5354491"/>
+                </a:lnTo>
+                <a:cubicBezTo>
+                  <a:pt x="7280017" y="5359352"/>
+                  <a:pt x="7277725" y="5364763"/>
+                  <a:pt x="7275918" y="5370917"/>
+                </a:cubicBezTo>
+                <a:lnTo>
+                  <a:pt x="7267655" y="5384350"/>
+                </a:lnTo>
+                <a:lnTo>
+                  <a:pt x="7263791" y="5406610"/>
+                </a:lnTo>
+                <a:cubicBezTo>
+                  <a:pt x="7260956" y="5423841"/>
+                  <a:pt x="7257650" y="5440271"/>
+                  <a:pt x="7251522" y="5456222"/>
+                </a:cubicBezTo>
+                <a:cubicBezTo>
+                  <a:pt x="7253699" y="5469913"/>
+                  <a:pt x="7252931" y="5482529"/>
+                  <a:pt x="7242311" y="5493751"/>
+                </a:cubicBezTo>
+                <a:cubicBezTo>
+                  <a:pt x="7236636" y="5529727"/>
+                  <a:pt x="7245809" y="5539513"/>
+                  <a:pt x="7231835" y="5561252"/>
+                </a:cubicBezTo>
+                <a:cubicBezTo>
+                  <a:pt x="7236311" y="5568555"/>
+                  <a:pt x="7238499" y="5573475"/>
+                  <a:pt x="7239152" y="5577121"/>
+                </a:cubicBezTo>
+                <a:cubicBezTo>
+                  <a:pt x="7241111" y="5588065"/>
+                  <a:pt x="7229268" y="5587525"/>
+                  <a:pt x="7224043" y="5605355"/>
+                </a:cubicBezTo>
+                <a:cubicBezTo>
+                  <a:pt x="7216774" y="5624244"/>
+                  <a:pt x="7213225" y="5590845"/>
+                  <a:pt x="7209229" y="5609118"/>
+                </a:cubicBezTo>
+                <a:cubicBezTo>
+                  <a:pt x="7212098" y="5628346"/>
+                  <a:pt x="7194168" y="5628785"/>
+                  <a:pt x="7198222" y="5648700"/>
+                </a:cubicBezTo>
+                <a:cubicBezTo>
+                  <a:pt x="7212577" y="5642705"/>
+                  <a:pt x="7189541" y="5689259"/>
+                  <a:pt x="7201221" y="5689771"/>
+                </a:cubicBezTo>
+                <a:cubicBezTo>
+                  <a:pt x="7181618" y="5708428"/>
+                  <a:pt x="7201258" y="5715573"/>
+                  <a:pt x="7192555" y="5739098"/>
+                </a:cubicBezTo>
+                <a:cubicBezTo>
+                  <a:pt x="7184486" y="5750478"/>
+                  <a:pt x="7182208" y="5758416"/>
+                  <a:pt x="7187522" y="5768603"/>
+                </a:cubicBezTo>
+                <a:cubicBezTo>
+                  <a:pt x="7148692" y="5821144"/>
+                  <a:pt x="7181577" y="5799065"/>
+                  <a:pt x="7162500" y="5846928"/>
+                </a:cubicBezTo>
+                <a:lnTo>
+                  <a:pt x="7160827" y="5850799"/>
+                </a:lnTo>
+                <a:lnTo>
+                  <a:pt x="7163312" y="5866636"/>
+                </a:lnTo>
+                <a:cubicBezTo>
+                  <a:pt x="7163884" y="5867070"/>
+                  <a:pt x="7164455" y="5867505"/>
+                  <a:pt x="7165029" y="5867939"/>
+                </a:cubicBezTo>
+                <a:lnTo>
+                  <a:pt x="7142501" y="5914339"/>
+                </a:lnTo>
+                <a:lnTo>
+                  <a:pt x="7143151" y="5921221"/>
+                </a:lnTo>
+                <a:lnTo>
+                  <a:pt x="7123808" y="5950546"/>
+                </a:lnTo>
+                <a:lnTo>
+                  <a:pt x="7116299" y="5966186"/>
+                </a:lnTo>
+                <a:lnTo>
+                  <a:pt x="7106117" y="5983669"/>
+                </a:lnTo>
+                <a:lnTo>
+                  <a:pt x="7109622" y="5995569"/>
+                </a:lnTo>
+                <a:cubicBezTo>
+                  <a:pt x="7114727" y="6023526"/>
+                  <a:pt x="7092983" y="6067450"/>
+                  <a:pt x="7116605" y="6077139"/>
+                </a:cubicBezTo>
+                <a:cubicBezTo>
+                  <a:pt x="7102148" y="6089933"/>
+                  <a:pt x="7125501" y="6101908"/>
+                  <a:pt x="7127573" y="6115892"/>
+                </a:cubicBezTo>
+                <a:cubicBezTo>
+                  <a:pt x="7118381" y="6127056"/>
+                  <a:pt x="7126331" y="6132595"/>
+                  <a:pt x="7128098" y="6142737"/>
+                </a:cubicBezTo>
+                <a:cubicBezTo>
+                  <a:pt x="7122429" y="6147329"/>
+                  <a:pt x="7122724" y="6155912"/>
+                  <a:pt x="7129375" y="6158833"/>
+                </a:cubicBezTo>
+                <a:cubicBezTo>
+                  <a:pt x="7144709" y="6154689"/>
+                  <a:pt x="7137060" y="6184499"/>
+                  <a:pt x="7147635" y="6186714"/>
+                </a:cubicBezTo>
+                <a:cubicBezTo>
+                  <a:pt x="7149842" y="6204016"/>
+                  <a:pt x="7136414" y="6279145"/>
+                  <a:pt x="7153343" y="6291871"/>
+                </a:cubicBezTo>
+                <a:cubicBezTo>
+                  <a:pt x="7161381" y="6326852"/>
+                  <a:pt x="7134450" y="6377408"/>
+                  <a:pt x="7134923" y="6392273"/>
+                </a:cubicBezTo>
+                <a:cubicBezTo>
+                  <a:pt x="7103997" y="6407024"/>
+                  <a:pt x="7185503" y="6478818"/>
+                  <a:pt x="7187236" y="6541940"/>
+                </a:cubicBezTo>
+                <a:cubicBezTo>
+                  <a:pt x="7184250" y="6550446"/>
+                  <a:pt x="7184290" y="6554993"/>
+                  <a:pt x="7191340" y="6557275"/>
+                </a:cubicBezTo>
+                <a:cubicBezTo>
+                  <a:pt x="7195412" y="6573685"/>
+                  <a:pt x="7202070" y="6606060"/>
+                  <a:pt x="7211670" y="6640404"/>
+                </a:cubicBezTo>
+                <a:cubicBezTo>
+                  <a:pt x="7219591" y="6666216"/>
+                  <a:pt x="7212698" y="6793331"/>
+                  <a:pt x="7221085" y="6827708"/>
+                </a:cubicBezTo>
+                <a:lnTo>
+                  <a:pt x="7227698" y="6857999"/>
+                </a:lnTo>
+                <a:lnTo>
+                  <a:pt x="0" y="6857999"/>
+                </a:lnTo>
+                <a:close/>
+              </a:path>
+            </a:pathLst>
+          </a:custGeom>
+        </p:spPr>
+      </p:pic>
+      <p:sp>
+        <p:nvSpPr>
+          <p:cNvPr id="5" name="TextBox 4">
+            <a:extLst>
+              <a:ext uri="{FF2B5EF4-FFF2-40B4-BE49-F238E27FC236}">
+                <a16:creationId xmlns:a16="http://schemas.microsoft.com/office/drawing/2014/main" id="{C32862D5-9255-6BCF-42B6-9296ADD6E826}"/>
+              </a:ext>
+            </a:extLst>
+          </p:cNvPr>
+          <p:cNvSpPr txBox="1"/>
+          <p:nvPr/>
+        </p:nvSpPr>
+        <p:spPr>
+          <a:xfrm>
+            <a:off x="8168822" y="1080618"/>
+            <a:ext cx="3519949" cy="2031325"/>
+          </a:xfrm>
+          <a:prstGeom prst="rect">
+            <a:avLst/>
+          </a:prstGeom>
+          <a:noFill/>
+        </p:spPr>
+        <p:txBody>
+          <a:bodyPr wrap="square" rtlCol="0">
+            <a:spAutoFit/>
+          </a:bodyPr>
+          <a:lstStyle/>
+          <a:p>
+            <a:r>
+              <a:rPr lang="en-CA" dirty="0"/>
+              <a:t>There are 4 analysts deciphering data</a:t>
+            </a:r>
+          </a:p>
+          <a:p>
+            <a:endParaRPr lang="en-CA" dirty="0"/>
+          </a:p>
+          <a:p>
+            <a:r>
+              <a:rPr lang="en-GB" b="1" i="0" dirty="0">
+                <a:solidFill>
+                  <a:srgbClr val="1D1C1D"/>
+                </a:solidFill>
+                <a:effectLst/>
+                <a:highlight>
+                  <a:srgbClr val="FFFFFF"/>
+                </a:highlight>
+                <a:latin typeface="Slack-Lato"/>
+              </a:rPr>
+              <a:t>Lavanya </a:t>
+            </a:r>
+            <a:r>
+              <a:rPr lang="en-GB" b="1" dirty="0" err="1">
+                <a:solidFill>
+                  <a:srgbClr val="1D1C1D"/>
+                </a:solidFill>
+                <a:highlight>
+                  <a:srgbClr val="FFFFFF"/>
+                </a:highlight>
+                <a:latin typeface="Slack-Lato"/>
+              </a:rPr>
+              <a:t>B</a:t>
+            </a:r>
+            <a:r>
+              <a:rPr lang="en-GB" b="1" i="0" dirty="0" err="1">
+                <a:solidFill>
+                  <a:srgbClr val="1D1C1D"/>
+                </a:solidFill>
+                <a:effectLst/>
+                <a:highlight>
+                  <a:srgbClr val="FFFFFF"/>
+                </a:highlight>
+                <a:latin typeface="Slack-Lato"/>
+              </a:rPr>
+              <a:t>hanot</a:t>
+            </a:r>
+            <a:endParaRPr lang="en-GB" b="1" i="0" dirty="0">
+              <a:solidFill>
+                <a:srgbClr val="1D1C1D"/>
+              </a:solidFill>
+              <a:effectLst/>
+              <a:highlight>
+                <a:srgbClr val="FFFFFF"/>
+              </a:highlight>
+              <a:latin typeface="Slack-Lato"/>
+            </a:endParaRPr>
+          </a:p>
+          <a:p>
+            <a:r>
+              <a:rPr lang="en-GB" b="1" i="0" dirty="0" err="1">
+                <a:solidFill>
+                  <a:srgbClr val="1D1C1D"/>
+                </a:solidFill>
+                <a:effectLst/>
+                <a:highlight>
+                  <a:srgbClr val="FFFFFF"/>
+                </a:highlight>
+                <a:latin typeface="Slack-Lato"/>
+              </a:rPr>
+              <a:t>Deogratius</a:t>
+            </a:r>
+            <a:r>
+              <a:rPr lang="en-GB" b="1" i="0" dirty="0">
+                <a:solidFill>
+                  <a:srgbClr val="1D1C1D"/>
+                </a:solidFill>
+                <a:effectLst/>
+                <a:highlight>
+                  <a:srgbClr val="FFFFFF"/>
+                </a:highlight>
+                <a:latin typeface="Slack-Lato"/>
+              </a:rPr>
+              <a:t> </a:t>
+            </a:r>
+            <a:r>
+              <a:rPr lang="en-GB" b="1" i="0" dirty="0" err="1">
+                <a:solidFill>
+                  <a:srgbClr val="1D1C1D"/>
+                </a:solidFill>
+                <a:effectLst/>
+                <a:highlight>
+                  <a:srgbClr val="FFFFFF"/>
+                </a:highlight>
+                <a:latin typeface="Slack-Lato"/>
+              </a:rPr>
+              <a:t>Nteza</a:t>
+            </a:r>
+            <a:endParaRPr lang="en-GB" b="1" i="0" dirty="0">
+              <a:solidFill>
+                <a:srgbClr val="1D1C1D"/>
+              </a:solidFill>
+              <a:effectLst/>
+              <a:highlight>
+                <a:srgbClr val="FFFFFF"/>
+              </a:highlight>
+              <a:latin typeface="Slack-Lato"/>
+            </a:endParaRPr>
+          </a:p>
+          <a:p>
+            <a:r>
+              <a:rPr lang="en-GB" b="1" i="0" dirty="0">
+                <a:solidFill>
+                  <a:srgbClr val="1D1C1D"/>
+                </a:solidFill>
+                <a:effectLst/>
+                <a:highlight>
+                  <a:srgbClr val="FFFFFF"/>
+                </a:highlight>
+                <a:latin typeface="Slack-Lato"/>
+              </a:rPr>
+              <a:t>Xuan (Sam) Chen</a:t>
+            </a:r>
+          </a:p>
+          <a:p>
+            <a:r>
+              <a:rPr lang="en-GB" b="1" dirty="0">
+                <a:solidFill>
+                  <a:srgbClr val="1D1C1D"/>
+                </a:solidFill>
+                <a:highlight>
+                  <a:srgbClr val="FFFFFF"/>
+                </a:highlight>
+                <a:latin typeface="Slack-Lato"/>
+              </a:rPr>
+              <a:t>Judy Pin</a:t>
+            </a:r>
+            <a:endParaRPr lang="en-GB" dirty="0"/>
+          </a:p>
+        </p:txBody>
+      </p:sp>
+    </p:spTree>
+    <p:extLst>
+      <p:ext uri="{BB962C8B-B14F-4D97-AF65-F5344CB8AC3E}">
+        <p14:creationId xmlns:p14="http://schemas.microsoft.com/office/powerpoint/2010/main" val="4250330208"/>
+      </p:ext>
+    </p:extLst>
+  </p:cSld>
+  <p:clrMapOvr>
+    <a:masterClrMapping/>
+  </p:clrMapOvr>
+  <p:timing>
+    <p:tnLst>
+      <p:par>
+        <p:cTn id="1" dur="indefinite" restart="never" nodeType="tmRoot">
+          <p:childTnLst>
+            <p:seq concurrent="1" nextAc="seek">
+              <p:cTn id="2" dur="indefinite" nodeType="mainSeq">
+                <p:childTnLst>
+                  <p:par>
+                    <p:cTn id="3" fill="hold">
+                      <p:stCondLst>
+                        <p:cond delay="indefinite"/>
+                        <p:cond evt="onBegin" delay="0">
+                          <p:tn val="2"/>
+                        </p:cond>
+                      </p:stCondLst>
+                      <p:childTnLst>
+                        <p:par>
+                          <p:cTn id="4" fill="hold">
+                            <p:stCondLst>
+                              <p:cond delay="0"/>
+                            </p:stCondLst>
+                            <p:childTnLst>
+                              <p:par>
+                                <p:cTn id="5" presetID="10" presetClass="entr" presetSubtype="0" fill="hold" grpId="0" nodeType="withEffect">
+                                  <p:stCondLst>
+                                    <p:cond delay="1500"/>
+                                  </p:stCondLst>
+                                  <p:iterate>
+                                    <p:tmPct val="10000"/>
+                                  </p:iterate>
+                                  <p:childTnLst>
+                                    <p:set>
+                                      <p:cBhvr>
+                                        <p:cTn id="6" dur="1" fill="hold">
+                                          <p:stCondLst>
+                                            <p:cond delay="0"/>
+                                          </p:stCondLst>
+                                        </p:cTn>
+                                        <p:tgtEl>
+                                          <p:spTgt spid="3">
+                                            <p:txEl>
+                                              <p:pRg st="0" end="0"/>
+                                            </p:txEl>
+                                          </p:spTgt>
+                                        </p:tgtEl>
+                                        <p:attrNameLst>
+                                          <p:attrName>style.visibility</p:attrName>
+                                        </p:attrNameLst>
+                                      </p:cBhvr>
+                                      <p:to>
+                                        <p:strVal val="visible"/>
+                                      </p:to>
+                                    </p:set>
+                                    <p:animEffect transition="in" filter="fade">
+                                      <p:cBhvr>
+                                        <p:cTn id="7" dur="700"/>
+                                        <p:tgtEl>
+                                          <p:spTgt spid="3">
+                                            <p:txEl>
+                                              <p:pRg st="0" end="0"/>
+                                            </p:txEl>
+                                          </p:spTgt>
+                                        </p:tgtEl>
+                                      </p:cBhvr>
+                                    </p:animEffect>
+                                  </p:childTnLst>
+                                </p:cTn>
+                              </p:par>
+                              <p:par>
+                                <p:cTn id="8" presetID="10" presetClass="entr" presetSubtype="0" fill="hold" grpId="0" nodeType="withEffect">
+                                  <p:stCondLst>
+                                    <p:cond delay="1000"/>
+                                  </p:stCondLst>
+                                  <p:iterate>
+                                    <p:tmPct val="10000"/>
+                                  </p:iterate>
+                                  <p:childTnLst>
+                                    <p:set>
+                                      <p:cBhvr>
+                                        <p:cTn id="9" dur="1" fill="hold">
+                                          <p:stCondLst>
+                                            <p:cond delay="0"/>
+                                          </p:stCondLst>
+                                        </p:cTn>
+                                        <p:tgtEl>
+                                          <p:spTgt spid="2"/>
+                                        </p:tgtEl>
+                                        <p:attrNameLst>
+                                          <p:attrName>style.visibility</p:attrName>
+                                        </p:attrNameLst>
+                                      </p:cBhvr>
+                                      <p:to>
+                                        <p:strVal val="visible"/>
+                                      </p:to>
+                                    </p:set>
+                                    <p:animEffect transition="in" filter="fade">
+                                      <p:cBhvr>
+                                        <p:cTn id="10" dur="700"/>
+                                        <p:tgtEl>
+                                          <p:spTgt spid="2"/>
+                                        </p:tgtEl>
+                                      </p:cBhvr>
+                                    </p:animEffect>
+                                  </p:childTnLst>
+                                </p:cTn>
+                              </p:par>
+                            </p:childTnLst>
+                          </p:cTn>
+                        </p:par>
+                      </p:childTnLst>
+                    </p:cTn>
+                  </p:par>
+                </p:childTnLst>
+              </p:cTn>
+              <p:prevCondLst>
+                <p:cond evt="onPrev" delay="0">
+                  <p:tgtEl>
+                    <p:sldTgt/>
+                  </p:tgtEl>
+                </p:cond>
+              </p:prevCondLst>
+              <p:nextCondLst>
+                <p:cond evt="onNext" delay="0">
+                  <p:tgtEl>
+                    <p:sldTgt/>
+                  </p:tgtEl>
+                </p:cond>
+              </p:nextCondLst>
+            </p:seq>
+          </p:childTnLst>
+        </p:cTn>
+      </p:par>
+    </p:tnLst>
+    <p:bldLst>
+      <p:bldP spid="2" grpId="0"/>
+      <p:bldP spid="3" grpId="0" build="p"/>
+    </p:bldLst>
+  </p:timing>
+</p:sld>
+</file>
+
 <file path=ppt/slides/slide3.xml><?xml version="1.0" encoding="utf-8"?>
 <p:sld xmlns:a="http://schemas.openxmlformats.org/drawingml/2006/main" xmlns:r="http://schemas.openxmlformats.org/officeDocument/2006/relationships" xmlns:p="http://schemas.openxmlformats.org/presentationml/2006/main">
   <p:cSld>
@@ -13742,7 +12917,7 @@
                 <a16:creationId xmlns:a16="http://schemas.microsoft.com/office/drawing/2014/main" id="{7DA3C418-758E-4180-A5D0-8655D6804587}"/>
               </a:ext>
               <a:ext uri="{C183D7F6-B498-43B3-948B-1728B52AA6E4}">
-                <adec:decorative xmlns:adec="http://schemas.microsoft.com/office/drawing/2017/decorative" xmlns="" val="1"/>
+                <adec:decorative xmlns:adec="http://schemas.microsoft.com/office/drawing/2017/decorative" val="1"/>
               </a:ext>
             </a:extLst>
           </p:cNvPr>
@@ -13818,7 +12993,7 @@
                 <a16:creationId xmlns:a16="http://schemas.microsoft.com/office/drawing/2014/main" id="{28C8EF06-5EC3-4883-AFAF-D74FF46550FB}"/>
               </a:ext>
               <a:ext uri="{C183D7F6-B498-43B3-948B-1728B52AA6E4}">
-                <adec:decorative xmlns:adec="http://schemas.microsoft.com/office/drawing/2017/decorative" xmlns="" val="1"/>
+                <adec:decorative xmlns:adec="http://schemas.microsoft.com/office/drawing/2017/decorative" val="1"/>
               </a:ext>
             </a:extLst>
           </p:cNvPr>
@@ -14502,7 +13677,7 @@
                 <a16:creationId xmlns:a16="http://schemas.microsoft.com/office/drawing/2014/main" id="{3C54F4CE-85F0-46ED-80DA-9518C9251AD1}"/>
               </a:ext>
               <a:ext uri="{C183D7F6-B498-43B3-948B-1728B52AA6E4}">
-                <adec:decorative xmlns:adec="http://schemas.microsoft.com/office/drawing/2017/decorative" xmlns="" val="1"/>
+                <adec:decorative xmlns:adec="http://schemas.microsoft.com/office/drawing/2017/decorative" val="1"/>
               </a:ext>
             </a:extLst>
           </p:cNvPr>
@@ -14578,7 +13753,7 @@
                 <a16:creationId xmlns:a16="http://schemas.microsoft.com/office/drawing/2014/main" id="{DADD1FCA-8ACB-4958-81DD-4CDD6D3E1921}"/>
               </a:ext>
               <a:ext uri="{C183D7F6-B498-43B3-948B-1728B52AA6E4}">
-                <adec:decorative xmlns:adec="http://schemas.microsoft.com/office/drawing/2017/decorative" xmlns="" val="1"/>
+                <adec:decorative xmlns:adec="http://schemas.microsoft.com/office/drawing/2017/decorative" val="1"/>
               </a:ext>
             </a:extLst>
           </p:cNvPr>
@@ -17149,17 +16324,6 @@
                 <a:cs typeface="+mj-cs"/>
               </a:rPr>
             </a:br>
-            <a:r>
-              <a:rPr lang="en-US" kern="1200" dirty="0">
-                <a:solidFill>
-                  <a:schemeClr val="tx1"/>
-                </a:solidFill>
-                <a:latin typeface="+mj-lt"/>
-                <a:ea typeface="+mj-ea"/>
-                <a:cs typeface="+mj-cs"/>
-              </a:rPr>
-              <a:t/>
-            </a:r>
             <a:br>
               <a:rPr lang="en-US" kern="1200" dirty="0">
                 <a:solidFill>
@@ -17170,17 +16334,6 @@
                 <a:cs typeface="+mj-cs"/>
               </a:rPr>
             </a:br>
-            <a:r>
-              <a:rPr lang="en-US" kern="1200" dirty="0">
-                <a:solidFill>
-                  <a:schemeClr val="tx1"/>
-                </a:solidFill>
-                <a:latin typeface="+mj-lt"/>
-                <a:ea typeface="+mj-ea"/>
-                <a:cs typeface="+mj-cs"/>
-              </a:rPr>
-              <a:t/>
-            </a:r>
             <a:br>
               <a:rPr lang="en-US" kern="1200" dirty="0">
                 <a:solidFill>
@@ -17281,7 +16434,7 @@
                 <a16:creationId xmlns:a16="http://schemas.microsoft.com/office/drawing/2014/main" id="{7DA3C418-758E-4180-A5D0-8655D6804587}"/>
               </a:ext>
               <a:ext uri="{C183D7F6-B498-43B3-948B-1728B52AA6E4}">
-                <adec:decorative xmlns:adec="http://schemas.microsoft.com/office/drawing/2017/decorative" xmlns="" val="1"/>
+                <adec:decorative xmlns:adec="http://schemas.microsoft.com/office/drawing/2017/decorative" val="1"/>
               </a:ext>
             </a:extLst>
           </p:cNvPr>
@@ -17357,7 +16510,7 @@
                 <a16:creationId xmlns:a16="http://schemas.microsoft.com/office/drawing/2014/main" id="{28C8EF06-5EC3-4883-AFAF-D74FF46550FB}"/>
               </a:ext>
               <a:ext uri="{C183D7F6-B498-43B3-948B-1728B52AA6E4}">
-                <adec:decorative xmlns:adec="http://schemas.microsoft.com/office/drawing/2017/decorative" xmlns="" val="1"/>
+                <adec:decorative xmlns:adec="http://schemas.microsoft.com/office/drawing/2017/decorative" val="1"/>
               </a:ext>
             </a:extLst>
           </p:cNvPr>
@@ -17969,17 +17122,6 @@
                 </a:solidFill>
               </a:rPr>
             </a:br>
-            <a:r>
-              <a:rPr lang="en-US" sz="3100">
-                <a:solidFill>
-                  <a:schemeClr val="tx1">
-                    <a:lumMod val="85000"/>
-                    <a:lumOff val="15000"/>
-                  </a:schemeClr>
-                </a:solidFill>
-              </a:rPr>
-              <a:t/>
-            </a:r>
             <a:br>
               <a:rPr lang="en-US" sz="3100">
                 <a:solidFill>
@@ -17990,17 +17132,6 @@
                 </a:solidFill>
               </a:rPr>
             </a:br>
-            <a:r>
-              <a:rPr lang="en-US" sz="3100">
-                <a:solidFill>
-                  <a:schemeClr val="tx1">
-                    <a:lumMod val="85000"/>
-                    <a:lumOff val="15000"/>
-                  </a:schemeClr>
-                </a:solidFill>
-              </a:rPr>
-              <a:t/>
-            </a:r>
             <a:br>
               <a:rPr lang="en-US" sz="3100">
                 <a:solidFill>

--- a/DRAFT Project1-Hotel_Booking.pptx
+++ b/DRAFT Project1-Hotel_Booking.pptx
@@ -5,7 +5,7 @@
     <p:sldMasterId id="2147483696" r:id="rId1"/>
   </p:sldMasterIdLst>
   <p:notesMasterIdLst>
-    <p:notesMasterId r:id="rId14"/>
+    <p:notesMasterId r:id="rId26"/>
   </p:notesMasterIdLst>
   <p:sldIdLst>
     <p:sldId id="256" r:id="rId2"/>
@@ -18,8 +18,20 @@
     <p:sldId id="268" r:id="rId9"/>
     <p:sldId id="265" r:id="rId10"/>
     <p:sldId id="263" r:id="rId11"/>
-    <p:sldId id="260" r:id="rId12"/>
-    <p:sldId id="264" r:id="rId13"/>
+    <p:sldId id="269" r:id="rId12"/>
+    <p:sldId id="270" r:id="rId13"/>
+    <p:sldId id="271" r:id="rId14"/>
+    <p:sldId id="272" r:id="rId15"/>
+    <p:sldId id="273" r:id="rId16"/>
+    <p:sldId id="274" r:id="rId17"/>
+    <p:sldId id="275" r:id="rId18"/>
+    <p:sldId id="276" r:id="rId19"/>
+    <p:sldId id="277" r:id="rId20"/>
+    <p:sldId id="278" r:id="rId21"/>
+    <p:sldId id="279" r:id="rId22"/>
+    <p:sldId id="280" r:id="rId23"/>
+    <p:sldId id="260" r:id="rId24"/>
+    <p:sldId id="264" r:id="rId25"/>
   </p:sldIdLst>
   <p:sldSz cx="12192000" cy="6858000"/>
   <p:notesSz cx="6858000" cy="9144000"/>
@@ -208,7 +220,7 @@
           <a:p>
             <a:fld id="{516EF974-E6BB-452F-B13B-D48F9662FC46}" type="datetimeFigureOut">
               <a:rPr lang="en-GB" smtClean="0"/>
-              <a:t>18/06/2024</a:t>
+              <a:t>20/06/2024</a:t>
             </a:fld>
             <a:endParaRPr lang="en-GB"/>
           </a:p>
@@ -814,7 +826,7 @@
           <a:p>
             <a:fld id="{63787753-DB0A-4FEF-A5D0-22798A4D1E74}" type="slidenum">
               <a:rPr lang="en-GB" smtClean="0"/>
-              <a:t>12</a:t>
+              <a:t>24</a:t>
             </a:fld>
             <a:endParaRPr lang="en-GB"/>
           </a:p>
@@ -964,7 +976,7 @@
           <a:p>
             <a:fld id="{B2CBCA21-FF79-4CB6-8764-5C706F516107}" type="datetimeFigureOut">
               <a:rPr lang="en-GB" smtClean="0"/>
-              <a:t>18/06/2024</a:t>
+              <a:t>20/06/2024</a:t>
             </a:fld>
             <a:endParaRPr lang="en-GB"/>
           </a:p>
@@ -1134,7 +1146,7 @@
           <a:p>
             <a:fld id="{B2CBCA21-FF79-4CB6-8764-5C706F516107}" type="datetimeFigureOut">
               <a:rPr lang="en-GB" smtClean="0"/>
-              <a:t>18/06/2024</a:t>
+              <a:t>20/06/2024</a:t>
             </a:fld>
             <a:endParaRPr lang="en-GB"/>
           </a:p>
@@ -1314,7 +1326,7 @@
           <a:p>
             <a:fld id="{B2CBCA21-FF79-4CB6-8764-5C706F516107}" type="datetimeFigureOut">
               <a:rPr lang="en-GB" smtClean="0"/>
-              <a:t>18/06/2024</a:t>
+              <a:t>20/06/2024</a:t>
             </a:fld>
             <a:endParaRPr lang="en-GB"/>
           </a:p>
@@ -1484,7 +1496,7 @@
           <a:p>
             <a:fld id="{B2CBCA21-FF79-4CB6-8764-5C706F516107}" type="datetimeFigureOut">
               <a:rPr lang="en-GB" smtClean="0"/>
-              <a:t>18/06/2024</a:t>
+              <a:t>20/06/2024</a:t>
             </a:fld>
             <a:endParaRPr lang="en-GB"/>
           </a:p>
@@ -1730,7 +1742,7 @@
           <a:p>
             <a:fld id="{B2CBCA21-FF79-4CB6-8764-5C706F516107}" type="datetimeFigureOut">
               <a:rPr lang="en-GB" smtClean="0"/>
-              <a:t>18/06/2024</a:t>
+              <a:t>20/06/2024</a:t>
             </a:fld>
             <a:endParaRPr lang="en-GB"/>
           </a:p>
@@ -1962,7 +1974,7 @@
           <a:p>
             <a:fld id="{B2CBCA21-FF79-4CB6-8764-5C706F516107}" type="datetimeFigureOut">
               <a:rPr lang="en-GB" smtClean="0"/>
-              <a:t>18/06/2024</a:t>
+              <a:t>20/06/2024</a:t>
             </a:fld>
             <a:endParaRPr lang="en-GB"/>
           </a:p>
@@ -2329,7 +2341,7 @@
           <a:p>
             <a:fld id="{B2CBCA21-FF79-4CB6-8764-5C706F516107}" type="datetimeFigureOut">
               <a:rPr lang="en-GB" smtClean="0"/>
-              <a:t>18/06/2024</a:t>
+              <a:t>20/06/2024</a:t>
             </a:fld>
             <a:endParaRPr lang="en-GB"/>
           </a:p>
@@ -2447,7 +2459,7 @@
           <a:p>
             <a:fld id="{B2CBCA21-FF79-4CB6-8764-5C706F516107}" type="datetimeFigureOut">
               <a:rPr lang="en-GB" smtClean="0"/>
-              <a:t>18/06/2024</a:t>
+              <a:t>20/06/2024</a:t>
             </a:fld>
             <a:endParaRPr lang="en-GB"/>
           </a:p>
@@ -2542,7 +2554,7 @@
           <a:p>
             <a:fld id="{B2CBCA21-FF79-4CB6-8764-5C706F516107}" type="datetimeFigureOut">
               <a:rPr lang="en-GB" smtClean="0"/>
-              <a:t>18/06/2024</a:t>
+              <a:t>20/06/2024</a:t>
             </a:fld>
             <a:endParaRPr lang="en-GB"/>
           </a:p>
@@ -2819,7 +2831,7 @@
           <a:p>
             <a:fld id="{B2CBCA21-FF79-4CB6-8764-5C706F516107}" type="datetimeFigureOut">
               <a:rPr lang="en-GB" smtClean="0"/>
-              <a:t>18/06/2024</a:t>
+              <a:t>20/06/2024</a:t>
             </a:fld>
             <a:endParaRPr lang="en-GB"/>
           </a:p>
@@ -3076,7 +3088,7 @@
           <a:p>
             <a:fld id="{B2CBCA21-FF79-4CB6-8764-5C706F516107}" type="datetimeFigureOut">
               <a:rPr lang="en-GB" smtClean="0"/>
-              <a:t>18/06/2024</a:t>
+              <a:t>20/06/2024</a:t>
             </a:fld>
             <a:endParaRPr lang="en-GB"/>
           </a:p>
@@ -3289,7 +3301,7 @@
           <a:p>
             <a:fld id="{B2CBCA21-FF79-4CB6-8764-5C706F516107}" type="datetimeFigureOut">
               <a:rPr lang="en-GB" smtClean="0"/>
-              <a:t>18/06/2024</a:t>
+              <a:t>20/06/2024</a:t>
             </a:fld>
             <a:endParaRPr lang="en-GB"/>
           </a:p>
@@ -3386,7 +3398,7 @@
           <p:nvPr userDrawn="1">
             <p:extLst>
               <p:ext uri="{1162E1C5-73C7-4A58-AE30-91384D911F3F}">
-                <p184:classification xmlns:p184="http://schemas.microsoft.com/office/powerpoint/2018/4/main" val="hdr"/>
+                <p184:classification xmlns="" xmlns:p184="http://schemas.microsoft.com/office/powerpoint/2018/4/main" val="hdr"/>
               </p:ext>
             </p:extLst>
           </p:nvPr>
@@ -3758,7 +3770,7 @@
                 <a16:creationId xmlns:a16="http://schemas.microsoft.com/office/drawing/2014/main" id="{9089EED9-F54D-4F20-A2C6-949DE4176959}"/>
               </a:ext>
               <a:ext uri="{C183D7F6-B498-43B3-948B-1728B52AA6E4}">
-                <adec:decorative xmlns:adec="http://schemas.microsoft.com/office/drawing/2017/decorative" val="1"/>
+                <adec:decorative xmlns="" xmlns:adec="http://schemas.microsoft.com/office/drawing/2017/decorative" val="1"/>
               </a:ext>
             </a:extLst>
           </p:cNvPr>
@@ -3834,7 +3846,7 @@
                 <a16:creationId xmlns:a16="http://schemas.microsoft.com/office/drawing/2014/main" id="{7E46F721-3785-414D-8697-16AF490E6806}"/>
               </a:ext>
               <a:ext uri="{C183D7F6-B498-43B3-948B-1728B52AA6E4}">
-                <adec:decorative xmlns:adec="http://schemas.microsoft.com/office/drawing/2017/decorative" val="1"/>
+                <adec:decorative xmlns="" xmlns:adec="http://schemas.microsoft.com/office/drawing/2017/decorative" val="1"/>
               </a:ext>
             </a:extLst>
           </p:cNvPr>
@@ -5364,7 +5376,7 @@
                 <a16:creationId xmlns:a16="http://schemas.microsoft.com/office/drawing/2014/main" id="{9089EED9-F54D-4F20-A2C6-949DE4176959}"/>
               </a:ext>
               <a:ext uri="{C183D7F6-B498-43B3-948B-1728B52AA6E4}">
-                <adec:decorative xmlns:adec="http://schemas.microsoft.com/office/drawing/2017/decorative" val="1"/>
+                <adec:decorative xmlns="" xmlns:adec="http://schemas.microsoft.com/office/drawing/2017/decorative" val="1"/>
               </a:ext>
             </a:extLst>
           </p:cNvPr>
@@ -5440,7 +5452,7 @@
                 <a16:creationId xmlns:a16="http://schemas.microsoft.com/office/drawing/2014/main" id="{7E46F721-3785-414D-8697-16AF490E6806}"/>
               </a:ext>
               <a:ext uri="{C183D7F6-B498-43B3-948B-1728B52AA6E4}">
-                <adec:decorative xmlns:adec="http://schemas.microsoft.com/office/drawing/2017/decorative" val="1"/>
+                <adec:decorative xmlns="" xmlns:adec="http://schemas.microsoft.com/office/drawing/2017/decorative" val="1"/>
               </a:ext>
             </a:extLst>
           </p:cNvPr>
@@ -5524,11 +5536,22 @@
         </p:spPr>
         <p:txBody>
           <a:bodyPr vert="horz" lIns="91440" tIns="45720" rIns="91440" bIns="45720" rtlCol="0" anchor="b">
-            <a:normAutofit/>
+            <a:normAutofit fontScale="90000"/>
           </a:bodyPr>
           <a:lstStyle/>
           <a:p>
             <a:pPr algn="ctr"/>
+            <a:r>
+              <a:rPr lang="en-US" sz="3600" dirty="0" smtClean="0">
+                <a:solidFill>
+                  <a:schemeClr val="tx1">
+                    <a:lumMod val="85000"/>
+                    <a:lumOff val="15000"/>
+                  </a:schemeClr>
+                </a:solidFill>
+              </a:rPr>
+              <a:t>Room Types, Revenue and Cancellations</a:t>
+            </a:r>
             <a:r>
               <a:rPr lang="en-US" sz="3600" dirty="0">
                 <a:solidFill>
@@ -5538,7 +5561,7 @@
                   </a:schemeClr>
                 </a:solidFill>
               </a:rPr>
-              <a:t>TBD Title</a:t>
+              <a:t/>
             </a:r>
             <a:br>
               <a:rPr lang="en-US" sz="3600" dirty="0">
@@ -5550,6 +5573,17 @@
                 </a:solidFill>
               </a:rPr>
             </a:br>
+            <a:r>
+              <a:rPr lang="en-US" sz="3600" dirty="0">
+                <a:solidFill>
+                  <a:schemeClr val="tx1">
+                    <a:lumMod val="85000"/>
+                    <a:lumOff val="15000"/>
+                  </a:schemeClr>
+                </a:solidFill>
+              </a:rPr>
+              <a:t/>
+            </a:r>
             <a:br>
               <a:rPr lang="en-US" sz="3600" dirty="0">
                 <a:solidFill>
@@ -5560,6 +5594,17 @@
                 </a:solidFill>
               </a:rPr>
             </a:br>
+            <a:r>
+              <a:rPr lang="en-US" sz="3600" dirty="0">
+                <a:solidFill>
+                  <a:schemeClr val="tx1">
+                    <a:lumMod val="85000"/>
+                    <a:lumOff val="15000"/>
+                  </a:schemeClr>
+                </a:solidFill>
+              </a:rPr>
+              <a:t/>
+            </a:r>
             <a:br>
               <a:rPr lang="en-US" sz="3600" dirty="0">
                 <a:solidFill>
@@ -6801,6 +6846,2550 @@
 <file path=ppt/slides/slide11.xml><?xml version="1.0" encoding="utf-8"?>
 <p:sld xmlns:a="http://schemas.openxmlformats.org/drawingml/2006/main" xmlns:r="http://schemas.openxmlformats.org/officeDocument/2006/relationships" xmlns:p="http://schemas.openxmlformats.org/presentationml/2006/main">
   <p:cSld>
+    <p:spTree>
+      <p:nvGrpSpPr>
+        <p:cNvPr id="1" name=""/>
+        <p:cNvGrpSpPr/>
+        <p:nvPr/>
+      </p:nvGrpSpPr>
+      <p:grpSpPr>
+        <a:xfrm>
+          <a:off x="0" y="0"/>
+          <a:ext cx="0" cy="0"/>
+          <a:chOff x="0" y="0"/>
+          <a:chExt cx="0" cy="0"/>
+        </a:xfrm>
+      </p:grpSpPr>
+      <p:pic>
+        <p:nvPicPr>
+          <p:cNvPr id="2" name="Picture 1"/>
+          <p:cNvPicPr>
+            <a:picLocks noChangeAspect="1"/>
+          </p:cNvPicPr>
+          <p:nvPr/>
+        </p:nvPicPr>
+        <p:blipFill>
+          <a:blip r:embed="rId2"/>
+          <a:stretch>
+            <a:fillRect/>
+          </a:stretch>
+        </p:blipFill>
+        <p:spPr>
+          <a:xfrm>
+            <a:off x="1390650" y="833437"/>
+            <a:ext cx="9410700" cy="5191125"/>
+          </a:xfrm>
+          <a:prstGeom prst="rect">
+            <a:avLst/>
+          </a:prstGeom>
+        </p:spPr>
+      </p:pic>
+    </p:spTree>
+    <p:extLst>
+      <p:ext uri="{BB962C8B-B14F-4D97-AF65-F5344CB8AC3E}">
+        <p14:creationId xmlns:p14="http://schemas.microsoft.com/office/powerpoint/2010/main" val="402588089"/>
+      </p:ext>
+    </p:extLst>
+  </p:cSld>
+  <p:clrMapOvr>
+    <a:masterClrMapping/>
+  </p:clrMapOvr>
+</p:sld>
+</file>
+
+<file path=ppt/slides/slide12.xml><?xml version="1.0" encoding="utf-8"?>
+<p:sld xmlns:a="http://schemas.openxmlformats.org/drawingml/2006/main" xmlns:r="http://schemas.openxmlformats.org/officeDocument/2006/relationships" xmlns:p="http://schemas.openxmlformats.org/presentationml/2006/main">
+  <p:cSld>
+    <p:spTree>
+      <p:nvGrpSpPr>
+        <p:cNvPr id="1" name=""/>
+        <p:cNvGrpSpPr/>
+        <p:nvPr/>
+      </p:nvGrpSpPr>
+      <p:grpSpPr>
+        <a:xfrm>
+          <a:off x="0" y="0"/>
+          <a:ext cx="0" cy="0"/>
+          <a:chOff x="0" y="0"/>
+          <a:chExt cx="0" cy="0"/>
+        </a:xfrm>
+      </p:grpSpPr>
+      <p:pic>
+        <p:nvPicPr>
+          <p:cNvPr id="3" name="Picture 2"/>
+          <p:cNvPicPr>
+            <a:picLocks noChangeAspect="1"/>
+          </p:cNvPicPr>
+          <p:nvPr/>
+        </p:nvPicPr>
+        <p:blipFill>
+          <a:blip r:embed="rId2"/>
+          <a:stretch>
+            <a:fillRect/>
+          </a:stretch>
+        </p:blipFill>
+        <p:spPr>
+          <a:xfrm>
+            <a:off x="1390650" y="833437"/>
+            <a:ext cx="9410700" cy="5191125"/>
+          </a:xfrm>
+          <a:prstGeom prst="rect">
+            <a:avLst/>
+          </a:prstGeom>
+        </p:spPr>
+      </p:pic>
+    </p:spTree>
+    <p:extLst>
+      <p:ext uri="{BB962C8B-B14F-4D97-AF65-F5344CB8AC3E}">
+        <p14:creationId xmlns:p14="http://schemas.microsoft.com/office/powerpoint/2010/main" val="2636049287"/>
+      </p:ext>
+    </p:extLst>
+  </p:cSld>
+  <p:clrMapOvr>
+    <a:masterClrMapping/>
+  </p:clrMapOvr>
+</p:sld>
+</file>
+
+<file path=ppt/slides/slide13.xml><?xml version="1.0" encoding="utf-8"?>
+<p:sld xmlns:a="http://schemas.openxmlformats.org/drawingml/2006/main" xmlns:r="http://schemas.openxmlformats.org/officeDocument/2006/relationships" xmlns:p="http://schemas.openxmlformats.org/presentationml/2006/main">
+  <p:cSld>
+    <p:spTree>
+      <p:nvGrpSpPr>
+        <p:cNvPr id="1" name=""/>
+        <p:cNvGrpSpPr/>
+        <p:nvPr/>
+      </p:nvGrpSpPr>
+      <p:grpSpPr>
+        <a:xfrm>
+          <a:off x="0" y="0"/>
+          <a:ext cx="0" cy="0"/>
+          <a:chOff x="0" y="0"/>
+          <a:chExt cx="0" cy="0"/>
+        </a:xfrm>
+      </p:grpSpPr>
+      <p:pic>
+        <p:nvPicPr>
+          <p:cNvPr id="2" name="Picture 1"/>
+          <p:cNvPicPr>
+            <a:picLocks noChangeAspect="1"/>
+          </p:cNvPicPr>
+          <p:nvPr/>
+        </p:nvPicPr>
+        <p:blipFill>
+          <a:blip r:embed="rId2"/>
+          <a:stretch>
+            <a:fillRect/>
+          </a:stretch>
+        </p:blipFill>
+        <p:spPr>
+          <a:xfrm>
+            <a:off x="1328737" y="833437"/>
+            <a:ext cx="9534525" cy="5191125"/>
+          </a:xfrm>
+          <a:prstGeom prst="rect">
+            <a:avLst/>
+          </a:prstGeom>
+        </p:spPr>
+      </p:pic>
+    </p:spTree>
+    <p:extLst>
+      <p:ext uri="{BB962C8B-B14F-4D97-AF65-F5344CB8AC3E}">
+        <p14:creationId xmlns:p14="http://schemas.microsoft.com/office/powerpoint/2010/main" val="4250279464"/>
+      </p:ext>
+    </p:extLst>
+  </p:cSld>
+  <p:clrMapOvr>
+    <a:masterClrMapping/>
+  </p:clrMapOvr>
+</p:sld>
+</file>
+
+<file path=ppt/slides/slide14.xml><?xml version="1.0" encoding="utf-8"?>
+<p:sld xmlns:a="http://schemas.openxmlformats.org/drawingml/2006/main" xmlns:r="http://schemas.openxmlformats.org/officeDocument/2006/relationships" xmlns:p="http://schemas.openxmlformats.org/presentationml/2006/main">
+  <p:cSld>
+    <p:spTree>
+      <p:nvGrpSpPr>
+        <p:cNvPr id="1" name=""/>
+        <p:cNvGrpSpPr/>
+        <p:nvPr/>
+      </p:nvGrpSpPr>
+      <p:grpSpPr>
+        <a:xfrm>
+          <a:off x="0" y="0"/>
+          <a:ext cx="0" cy="0"/>
+          <a:chOff x="0" y="0"/>
+          <a:chExt cx="0" cy="0"/>
+        </a:xfrm>
+      </p:grpSpPr>
+      <p:sp>
+        <p:nvSpPr>
+          <p:cNvPr id="2" name="Rectangle 1"/>
+          <p:cNvSpPr/>
+          <p:nvPr/>
+        </p:nvSpPr>
+        <p:spPr>
+          <a:xfrm>
+            <a:off x="7170058" y="2364379"/>
+            <a:ext cx="4891313" cy="1200329"/>
+          </a:xfrm>
+          <a:prstGeom prst="rect">
+            <a:avLst/>
+          </a:prstGeom>
+        </p:spPr>
+        <p:txBody>
+          <a:bodyPr wrap="square">
+            <a:spAutoFit/>
+          </a:bodyPr>
+          <a:lstStyle/>
+          <a:p>
+            <a:r>
+              <a:rPr lang="en-US" dirty="0">
+                <a:solidFill>
+                  <a:srgbClr val="000000"/>
+                </a:solidFill>
+                <a:latin typeface="Consolas" panose="020B0609020204030204" pitchFamily="49" charset="0"/>
+              </a:rPr>
+              <a:t>Total Canceled Bookings: </a:t>
+            </a:r>
+            <a:r>
+              <a:rPr lang="en-US" dirty="0" smtClean="0">
+                <a:solidFill>
+                  <a:srgbClr val="000000"/>
+                </a:solidFill>
+                <a:latin typeface="Consolas" panose="020B0609020204030204" pitchFamily="49" charset="0"/>
+              </a:rPr>
+              <a:t>44224</a:t>
+            </a:r>
+          </a:p>
+          <a:p>
+            <a:r>
+              <a:rPr lang="en-US" dirty="0" smtClean="0">
+                <a:solidFill>
+                  <a:srgbClr val="000000"/>
+                </a:solidFill>
+                <a:latin typeface="Consolas" panose="020B0609020204030204" pitchFamily="49" charset="0"/>
+              </a:rPr>
+              <a:t>Refundable </a:t>
+            </a:r>
+            <a:r>
+              <a:rPr lang="en-US" dirty="0">
+                <a:solidFill>
+                  <a:srgbClr val="000000"/>
+                </a:solidFill>
+                <a:latin typeface="Consolas" panose="020B0609020204030204" pitchFamily="49" charset="0"/>
+              </a:rPr>
+              <a:t>Canceled Bookings: 0.08</a:t>
+            </a:r>
+            <a:r>
+              <a:rPr lang="en-US" dirty="0" smtClean="0">
+                <a:solidFill>
+                  <a:srgbClr val="000000"/>
+                </a:solidFill>
+                <a:latin typeface="Consolas" panose="020B0609020204030204" pitchFamily="49" charset="0"/>
+              </a:rPr>
+              <a:t>%</a:t>
+            </a:r>
+          </a:p>
+          <a:p>
+            <a:r>
+              <a:rPr lang="en-US" dirty="0" smtClean="0">
+                <a:solidFill>
+                  <a:srgbClr val="000000"/>
+                </a:solidFill>
+                <a:latin typeface="Consolas" panose="020B0609020204030204" pitchFamily="49" charset="0"/>
+              </a:rPr>
+              <a:t>No </a:t>
+            </a:r>
+            <a:r>
+              <a:rPr lang="en-US" dirty="0">
+                <a:solidFill>
+                  <a:srgbClr val="000000"/>
+                </a:solidFill>
+                <a:latin typeface="Consolas" panose="020B0609020204030204" pitchFamily="49" charset="0"/>
+              </a:rPr>
+              <a:t>Deposit Canceled Bookings: 67.14</a:t>
+            </a:r>
+            <a:r>
+              <a:rPr lang="en-US" dirty="0" smtClean="0">
+                <a:solidFill>
+                  <a:srgbClr val="000000"/>
+                </a:solidFill>
+                <a:latin typeface="Consolas" panose="020B0609020204030204" pitchFamily="49" charset="0"/>
+              </a:rPr>
+              <a:t>%</a:t>
+            </a:r>
+          </a:p>
+          <a:p>
+            <a:r>
+              <a:rPr lang="en-US" dirty="0" smtClean="0">
+                <a:solidFill>
+                  <a:srgbClr val="000000"/>
+                </a:solidFill>
+                <a:latin typeface="Consolas" panose="020B0609020204030204" pitchFamily="49" charset="0"/>
+              </a:rPr>
+              <a:t>Non </a:t>
+            </a:r>
+            <a:r>
+              <a:rPr lang="en-US" dirty="0">
+                <a:solidFill>
+                  <a:srgbClr val="000000"/>
+                </a:solidFill>
+                <a:latin typeface="Consolas" panose="020B0609020204030204" pitchFamily="49" charset="0"/>
+              </a:rPr>
+              <a:t>Refund Canceled Bookings: 32.77%</a:t>
+            </a:r>
+            <a:endParaRPr lang="en-US" dirty="0"/>
+          </a:p>
+        </p:txBody>
+      </p:sp>
+      <p:pic>
+        <p:nvPicPr>
+          <p:cNvPr id="3" name="Picture 2"/>
+          <p:cNvPicPr>
+            <a:picLocks noChangeAspect="1"/>
+          </p:cNvPicPr>
+          <p:nvPr/>
+        </p:nvPicPr>
+        <p:blipFill>
+          <a:blip r:embed="rId2"/>
+          <a:stretch>
+            <a:fillRect/>
+          </a:stretch>
+        </p:blipFill>
+        <p:spPr>
+          <a:xfrm>
+            <a:off x="217714" y="581144"/>
+            <a:ext cx="6778172" cy="4766797"/>
+          </a:xfrm>
+          <a:prstGeom prst="rect">
+            <a:avLst/>
+          </a:prstGeom>
+        </p:spPr>
+      </p:pic>
+    </p:spTree>
+    <p:extLst>
+      <p:ext uri="{BB962C8B-B14F-4D97-AF65-F5344CB8AC3E}">
+        <p14:creationId xmlns:p14="http://schemas.microsoft.com/office/powerpoint/2010/main" val="3099948710"/>
+      </p:ext>
+    </p:extLst>
+  </p:cSld>
+  <p:clrMapOvr>
+    <a:masterClrMapping/>
+  </p:clrMapOvr>
+</p:sld>
+</file>
+
+<file path=ppt/slides/slide15.xml><?xml version="1.0" encoding="utf-8"?>
+<p:sld xmlns:a="http://schemas.openxmlformats.org/drawingml/2006/main" xmlns:r="http://schemas.openxmlformats.org/officeDocument/2006/relationships" xmlns:p="http://schemas.openxmlformats.org/presentationml/2006/main">
+  <p:cSld>
+    <p:spTree>
+      <p:nvGrpSpPr>
+        <p:cNvPr id="1" name=""/>
+        <p:cNvGrpSpPr/>
+        <p:nvPr/>
+      </p:nvGrpSpPr>
+      <p:grpSpPr>
+        <a:xfrm>
+          <a:off x="0" y="0"/>
+          <a:ext cx="0" cy="0"/>
+          <a:chOff x="0" y="0"/>
+          <a:chExt cx="0" cy="0"/>
+        </a:xfrm>
+      </p:grpSpPr>
+      <p:pic>
+        <p:nvPicPr>
+          <p:cNvPr id="3" name="Picture 2"/>
+          <p:cNvPicPr>
+            <a:picLocks noChangeAspect="1"/>
+          </p:cNvPicPr>
+          <p:nvPr/>
+        </p:nvPicPr>
+        <p:blipFill>
+          <a:blip r:embed="rId2"/>
+          <a:stretch>
+            <a:fillRect/>
+          </a:stretch>
+        </p:blipFill>
+        <p:spPr>
+          <a:xfrm>
+            <a:off x="0" y="116114"/>
+            <a:ext cx="12192000" cy="6641873"/>
+          </a:xfrm>
+          <a:prstGeom prst="rect">
+            <a:avLst/>
+          </a:prstGeom>
+        </p:spPr>
+      </p:pic>
+    </p:spTree>
+    <p:extLst>
+      <p:ext uri="{BB962C8B-B14F-4D97-AF65-F5344CB8AC3E}">
+        <p14:creationId xmlns:p14="http://schemas.microsoft.com/office/powerpoint/2010/main" val="1555554280"/>
+      </p:ext>
+    </p:extLst>
+  </p:cSld>
+  <p:clrMapOvr>
+    <a:masterClrMapping/>
+  </p:clrMapOvr>
+</p:sld>
+</file>
+
+<file path=ppt/slides/slide16.xml><?xml version="1.0" encoding="utf-8"?>
+<p:sld xmlns:a="http://schemas.openxmlformats.org/drawingml/2006/main" xmlns:r="http://schemas.openxmlformats.org/officeDocument/2006/relationships" xmlns:p="http://schemas.openxmlformats.org/presentationml/2006/main">
+  <p:cSld>
+    <p:spTree>
+      <p:nvGrpSpPr>
+        <p:cNvPr id="1" name=""/>
+        <p:cNvGrpSpPr/>
+        <p:nvPr/>
+      </p:nvGrpSpPr>
+      <p:grpSpPr>
+        <a:xfrm>
+          <a:off x="0" y="0"/>
+          <a:ext cx="0" cy="0"/>
+          <a:chOff x="0" y="0"/>
+          <a:chExt cx="0" cy="0"/>
+        </a:xfrm>
+      </p:grpSpPr>
+      <p:pic>
+        <p:nvPicPr>
+          <p:cNvPr id="2" name="Picture 1"/>
+          <p:cNvPicPr>
+            <a:picLocks noChangeAspect="1"/>
+          </p:cNvPicPr>
+          <p:nvPr/>
+        </p:nvPicPr>
+        <p:blipFill>
+          <a:blip r:embed="rId2"/>
+          <a:stretch>
+            <a:fillRect/>
+          </a:stretch>
+        </p:blipFill>
+        <p:spPr>
+          <a:xfrm>
+            <a:off x="217714" y="100012"/>
+            <a:ext cx="11974285" cy="6657975"/>
+          </a:xfrm>
+          <a:prstGeom prst="rect">
+            <a:avLst/>
+          </a:prstGeom>
+        </p:spPr>
+      </p:pic>
+    </p:spTree>
+    <p:extLst>
+      <p:ext uri="{BB962C8B-B14F-4D97-AF65-F5344CB8AC3E}">
+        <p14:creationId xmlns:p14="http://schemas.microsoft.com/office/powerpoint/2010/main" val="1547061356"/>
+      </p:ext>
+    </p:extLst>
+  </p:cSld>
+  <p:clrMapOvr>
+    <a:masterClrMapping/>
+  </p:clrMapOvr>
+</p:sld>
+</file>
+
+<file path=ppt/slides/slide17.xml><?xml version="1.0" encoding="utf-8"?>
+<p:sld xmlns:a="http://schemas.openxmlformats.org/drawingml/2006/main" xmlns:r="http://schemas.openxmlformats.org/officeDocument/2006/relationships" xmlns:p="http://schemas.openxmlformats.org/presentationml/2006/main">
+  <p:cSld>
+    <p:spTree>
+      <p:nvGrpSpPr>
+        <p:cNvPr id="1" name=""/>
+        <p:cNvGrpSpPr/>
+        <p:nvPr/>
+      </p:nvGrpSpPr>
+      <p:grpSpPr>
+        <a:xfrm>
+          <a:off x="0" y="0"/>
+          <a:ext cx="0" cy="0"/>
+          <a:chOff x="0" y="0"/>
+          <a:chExt cx="0" cy="0"/>
+        </a:xfrm>
+      </p:grpSpPr>
+      <p:pic>
+        <p:nvPicPr>
+          <p:cNvPr id="2" name="Picture 1"/>
+          <p:cNvPicPr>
+            <a:picLocks noChangeAspect="1"/>
+          </p:cNvPicPr>
+          <p:nvPr/>
+        </p:nvPicPr>
+        <p:blipFill>
+          <a:blip r:embed="rId2"/>
+          <a:stretch>
+            <a:fillRect/>
+          </a:stretch>
+        </p:blipFill>
+        <p:spPr>
+          <a:xfrm>
+            <a:off x="304800" y="130630"/>
+            <a:ext cx="11756571" cy="6458856"/>
+          </a:xfrm>
+          <a:prstGeom prst="rect">
+            <a:avLst/>
+          </a:prstGeom>
+        </p:spPr>
+      </p:pic>
+    </p:spTree>
+    <p:extLst>
+      <p:ext uri="{BB962C8B-B14F-4D97-AF65-F5344CB8AC3E}">
+        <p14:creationId xmlns:p14="http://schemas.microsoft.com/office/powerpoint/2010/main" val="700977356"/>
+      </p:ext>
+    </p:extLst>
+  </p:cSld>
+  <p:clrMapOvr>
+    <a:masterClrMapping/>
+  </p:clrMapOvr>
+</p:sld>
+</file>
+
+<file path=ppt/slides/slide18.xml><?xml version="1.0" encoding="utf-8"?>
+<p:sld xmlns:a="http://schemas.openxmlformats.org/drawingml/2006/main" xmlns:r="http://schemas.openxmlformats.org/officeDocument/2006/relationships" xmlns:p="http://schemas.openxmlformats.org/presentationml/2006/main">
+  <p:cSld>
+    <p:spTree>
+      <p:nvGrpSpPr>
+        <p:cNvPr id="1" name=""/>
+        <p:cNvGrpSpPr/>
+        <p:nvPr/>
+      </p:nvGrpSpPr>
+      <p:grpSpPr>
+        <a:xfrm>
+          <a:off x="0" y="0"/>
+          <a:ext cx="0" cy="0"/>
+          <a:chOff x="0" y="0"/>
+          <a:chExt cx="0" cy="0"/>
+        </a:xfrm>
+      </p:grpSpPr>
+      <p:pic>
+        <p:nvPicPr>
+          <p:cNvPr id="2" name="Picture 1"/>
+          <p:cNvPicPr>
+            <a:picLocks noChangeAspect="1"/>
+          </p:cNvPicPr>
+          <p:nvPr/>
+        </p:nvPicPr>
+        <p:blipFill>
+          <a:blip r:embed="rId2"/>
+          <a:stretch>
+            <a:fillRect/>
+          </a:stretch>
+        </p:blipFill>
+        <p:spPr>
+          <a:xfrm>
+            <a:off x="0" y="101600"/>
+            <a:ext cx="12192000" cy="6756400"/>
+          </a:xfrm>
+          <a:prstGeom prst="rect">
+            <a:avLst/>
+          </a:prstGeom>
+        </p:spPr>
+      </p:pic>
+    </p:spTree>
+    <p:extLst>
+      <p:ext uri="{BB962C8B-B14F-4D97-AF65-F5344CB8AC3E}">
+        <p14:creationId xmlns:p14="http://schemas.microsoft.com/office/powerpoint/2010/main" val="3391350016"/>
+      </p:ext>
+    </p:extLst>
+  </p:cSld>
+  <p:clrMapOvr>
+    <a:masterClrMapping/>
+  </p:clrMapOvr>
+</p:sld>
+</file>
+
+<file path=ppt/slides/slide19.xml><?xml version="1.0" encoding="utf-8"?>
+<p:sld xmlns:a="http://schemas.openxmlformats.org/drawingml/2006/main" xmlns:r="http://schemas.openxmlformats.org/officeDocument/2006/relationships" xmlns:p="http://schemas.openxmlformats.org/presentationml/2006/main">
+  <p:cSld>
+    <p:spTree>
+      <p:nvGrpSpPr>
+        <p:cNvPr id="1" name=""/>
+        <p:cNvGrpSpPr/>
+        <p:nvPr/>
+      </p:nvGrpSpPr>
+      <p:grpSpPr>
+        <a:xfrm>
+          <a:off x="0" y="0"/>
+          <a:ext cx="0" cy="0"/>
+          <a:chOff x="0" y="0"/>
+          <a:chExt cx="0" cy="0"/>
+        </a:xfrm>
+      </p:grpSpPr>
+      <p:pic>
+        <p:nvPicPr>
+          <p:cNvPr id="2" name="Picture 1"/>
+          <p:cNvPicPr>
+            <a:picLocks noChangeAspect="1"/>
+          </p:cNvPicPr>
+          <p:nvPr/>
+        </p:nvPicPr>
+        <p:blipFill>
+          <a:blip r:embed="rId2"/>
+          <a:stretch>
+            <a:fillRect/>
+          </a:stretch>
+        </p:blipFill>
+        <p:spPr>
+          <a:xfrm>
+            <a:off x="116115" y="100012"/>
+            <a:ext cx="11625942" cy="6657975"/>
+          </a:xfrm>
+          <a:prstGeom prst="rect">
+            <a:avLst/>
+          </a:prstGeom>
+        </p:spPr>
+      </p:pic>
+    </p:spTree>
+    <p:extLst>
+      <p:ext uri="{BB962C8B-B14F-4D97-AF65-F5344CB8AC3E}">
+        <p14:creationId xmlns:p14="http://schemas.microsoft.com/office/powerpoint/2010/main" val="2498356833"/>
+      </p:ext>
+    </p:extLst>
+  </p:cSld>
+  <p:clrMapOvr>
+    <a:masterClrMapping/>
+  </p:clrMapOvr>
+</p:sld>
+</file>
+
+<file path=ppt/slides/slide2.xml><?xml version="1.0" encoding="utf-8"?>
+<p:sld xmlns:a="http://schemas.openxmlformats.org/drawingml/2006/main" xmlns:r="http://schemas.openxmlformats.org/officeDocument/2006/relationships" xmlns:p="http://schemas.openxmlformats.org/presentationml/2006/main">
+  <p:cSld>
+    <p:bg>
+      <p:bgPr>
+        <a:solidFill>
+          <a:schemeClr val="bg1"/>
+        </a:solidFill>
+        <a:effectLst/>
+      </p:bgPr>
+    </p:bg>
+    <p:spTree>
+      <p:nvGrpSpPr>
+        <p:cNvPr id="1" name=""/>
+        <p:cNvGrpSpPr/>
+        <p:nvPr/>
+      </p:nvGrpSpPr>
+      <p:grpSpPr>
+        <a:xfrm>
+          <a:off x="0" y="0"/>
+          <a:ext cx="0" cy="0"/>
+          <a:chOff x="0" y="0"/>
+          <a:chExt cx="0" cy="0"/>
+        </a:xfrm>
+      </p:grpSpPr>
+      <p:sp useBgFill="1">
+        <p:nvSpPr>
+          <p:cNvPr id="14" name="Rectangle 13">
+            <a:extLst>
+              <a:ext uri="{FF2B5EF4-FFF2-40B4-BE49-F238E27FC236}">
+                <a16:creationId xmlns:a16="http://schemas.microsoft.com/office/drawing/2014/main" id="{9089EED9-F54D-4F20-A2C6-949DE4176959}"/>
+              </a:ext>
+              <a:ext uri="{C183D7F6-B498-43B3-948B-1728B52AA6E4}">
+                <adec:decorative xmlns="" xmlns:adec="http://schemas.microsoft.com/office/drawing/2017/decorative" val="1"/>
+              </a:ext>
+            </a:extLst>
+          </p:cNvPr>
+          <p:cNvSpPr>
+            <a:spLocks noGrp="1" noRot="1" noChangeAspect="1" noMove="1" noResize="1" noEditPoints="1" noAdjustHandles="1" noChangeArrowheads="1" noChangeShapeType="1" noTextEdit="1"/>
+          </p:cNvSpPr>
+          <p:nvPr>
+            <p:extLst>
+              <p:ext uri="{386F3935-93C4-4BCD-93E2-E3B085C9AB24}">
+                <p16:designElem xmlns:p16="http://schemas.microsoft.com/office/powerpoint/2015/main" val="1"/>
+              </p:ext>
+            </p:extLst>
+          </p:nvPr>
+        </p:nvSpPr>
+        <p:spPr>
+          <a:xfrm>
+            <a:off x="0" y="0"/>
+            <a:ext cx="12192000" cy="6858000"/>
+          </a:xfrm>
+          <a:prstGeom prst="rect">
+            <a:avLst/>
+          </a:prstGeom>
+          <a:ln w="12700" cap="flat" cmpd="sng" algn="ctr">
+            <a:noFill/>
+            <a:prstDash val="solid"/>
+            <a:miter lim="800000"/>
+          </a:ln>
+          <a:effectLst/>
+          <a:extLst>
+            <a:ext uri="{91240B29-F687-4F45-9708-019B960494DF}">
+              <a14:hiddenLine xmlns:a14="http://schemas.microsoft.com/office/drawing/2010/main" w="12700" cap="flat" cmpd="sng" algn="ctr">
+                <a:solidFill>
+                  <a:schemeClr val="accent1">
+                    <a:shade val="50000"/>
+                  </a:schemeClr>
+                </a:solidFill>
+                <a:prstDash val="solid"/>
+                <a:miter lim="800000"/>
+              </a14:hiddenLine>
+            </a:ext>
+          </a:extLst>
+        </p:spPr>
+        <p:style>
+          <a:lnRef idx="2">
+            <a:schemeClr val="accent1">
+              <a:shade val="50000"/>
+            </a:schemeClr>
+          </a:lnRef>
+          <a:fillRef idx="1">
+            <a:schemeClr val="accent1"/>
+          </a:fillRef>
+          <a:effectRef idx="0">
+            <a:schemeClr val="accent1"/>
+          </a:effectRef>
+          <a:fontRef idx="minor">
+            <a:schemeClr val="lt1"/>
+          </a:fontRef>
+        </p:style>
+        <p:txBody>
+          <a:bodyPr rtlCol="0" anchor="ctr"/>
+          <a:lstStyle/>
+          <a:p>
+            <a:pPr algn="ctr"/>
+            <a:endParaRPr lang="en-US"/>
+          </a:p>
+        </p:txBody>
+      </p:sp>
+      <p:sp>
+        <p:nvSpPr>
+          <p:cNvPr id="16" name="Rectangle 15">
+            <a:extLst>
+              <a:ext uri="{FF2B5EF4-FFF2-40B4-BE49-F238E27FC236}">
+                <a16:creationId xmlns:a16="http://schemas.microsoft.com/office/drawing/2014/main" id="{7E46F721-3785-414D-8697-16AF490E6806}"/>
+              </a:ext>
+              <a:ext uri="{C183D7F6-B498-43B3-948B-1728B52AA6E4}">
+                <adec:decorative xmlns="" xmlns:adec="http://schemas.microsoft.com/office/drawing/2017/decorative" val="1"/>
+              </a:ext>
+            </a:extLst>
+          </p:cNvPr>
+          <p:cNvSpPr>
+            <a:spLocks noGrp="1" noRot="1" noChangeAspect="1" noMove="1" noResize="1" noEditPoints="1" noAdjustHandles="1" noChangeArrowheads="1" noChangeShapeType="1" noTextEdit="1"/>
+          </p:cNvSpPr>
+          <p:nvPr>
+            <p:extLst>
+              <p:ext uri="{386F3935-93C4-4BCD-93E2-E3B085C9AB24}">
+                <p16:designElem xmlns:p16="http://schemas.microsoft.com/office/powerpoint/2015/main" val="1"/>
+              </p:ext>
+            </p:extLst>
+          </p:nvPr>
+        </p:nvSpPr>
+        <p:spPr>
+          <a:xfrm>
+            <a:off x="6096000" y="0"/>
+            <a:ext cx="6096000" cy="6858000"/>
+          </a:xfrm>
+          <a:prstGeom prst="rect">
+            <a:avLst/>
+          </a:prstGeom>
+          <a:solidFill>
+            <a:srgbClr val="82766A">
+              <a:alpha val="15000"/>
+            </a:srgbClr>
+          </a:solidFill>
+          <a:ln w="12700" cap="flat" cmpd="sng" algn="ctr">
+            <a:noFill/>
+            <a:prstDash val="solid"/>
+            <a:miter lim="800000"/>
+          </a:ln>
+          <a:effectLst/>
+        </p:spPr>
+        <p:style>
+          <a:lnRef idx="2">
+            <a:schemeClr val="accent1">
+              <a:shade val="50000"/>
+            </a:schemeClr>
+          </a:lnRef>
+          <a:fillRef idx="1">
+            <a:schemeClr val="accent1"/>
+          </a:fillRef>
+          <a:effectRef idx="0">
+            <a:schemeClr val="accent1"/>
+          </a:effectRef>
+          <a:fontRef idx="minor">
+            <a:schemeClr val="lt1"/>
+          </a:fontRef>
+        </p:style>
+        <p:txBody>
+          <a:bodyPr rtlCol="0" anchor="ctr"/>
+          <a:lstStyle/>
+          <a:p>
+            <a:pPr algn="ctr"/>
+            <a:endParaRPr lang="en-US"/>
+          </a:p>
+        </p:txBody>
+      </p:sp>
+      <p:sp>
+        <p:nvSpPr>
+          <p:cNvPr id="2" name="Title 1">
+            <a:extLst>
+              <a:ext uri="{FF2B5EF4-FFF2-40B4-BE49-F238E27FC236}">
+                <a16:creationId xmlns:a16="http://schemas.microsoft.com/office/drawing/2014/main" id="{F6BE85AE-A88E-9FB6-CA11-68DFB3AF2112}"/>
+              </a:ext>
+            </a:extLst>
+          </p:cNvPr>
+          <p:cNvSpPr>
+            <a:spLocks noGrp="1"/>
+          </p:cNvSpPr>
+          <p:nvPr>
+            <p:ph type="ctrTitle"/>
+          </p:nvPr>
+        </p:nvSpPr>
+        <p:spPr>
+          <a:xfrm>
+            <a:off x="7869036" y="87831"/>
+            <a:ext cx="3389515" cy="610260"/>
+          </a:xfrm>
+        </p:spPr>
+        <p:txBody>
+          <a:bodyPr anchor="b">
+            <a:normAutofit/>
+          </a:bodyPr>
+          <a:lstStyle/>
+          <a:p>
+            <a:r>
+              <a:rPr lang="en-GB" sz="3600" dirty="0">
+                <a:solidFill>
+                  <a:schemeClr val="tx1">
+                    <a:lumMod val="85000"/>
+                    <a:lumOff val="15000"/>
+                  </a:schemeClr>
+                </a:solidFill>
+              </a:rPr>
+              <a:t>Introduction</a:t>
+            </a:r>
+          </a:p>
+        </p:txBody>
+      </p:sp>
+      <p:sp>
+        <p:nvSpPr>
+          <p:cNvPr id="3" name="Subtitle 2">
+            <a:extLst>
+              <a:ext uri="{FF2B5EF4-FFF2-40B4-BE49-F238E27FC236}">
+                <a16:creationId xmlns:a16="http://schemas.microsoft.com/office/drawing/2014/main" id="{25C49F12-3CC8-DDFB-DA23-E297CAFDE212}"/>
+              </a:ext>
+            </a:extLst>
+          </p:cNvPr>
+          <p:cNvSpPr>
+            <a:spLocks noGrp="1"/>
+          </p:cNvSpPr>
+          <p:nvPr>
+            <p:ph type="subTitle" idx="1"/>
+          </p:nvPr>
+        </p:nvSpPr>
+        <p:spPr>
+          <a:xfrm>
+            <a:off x="8608757" y="6223886"/>
+            <a:ext cx="2895600" cy="471904"/>
+          </a:xfrm>
+        </p:spPr>
+        <p:txBody>
+          <a:bodyPr anchor="t">
+            <a:noAutofit/>
+          </a:bodyPr>
+          <a:lstStyle/>
+          <a:p>
+            <a:r>
+              <a:rPr lang="en-GB" sz="2800" dirty="0">
+                <a:solidFill>
+                  <a:schemeClr val="tx1">
+                    <a:lumMod val="85000"/>
+                    <a:lumOff val="15000"/>
+                  </a:schemeClr>
+                </a:solidFill>
+              </a:rPr>
+              <a:t>Lavanya</a:t>
+            </a:r>
+          </a:p>
+        </p:txBody>
+      </p:sp>
+      <p:pic>
+        <p:nvPicPr>
+          <p:cNvPr id="4" name="Picture 3">
+            <a:extLst>
+              <a:ext uri="{FF2B5EF4-FFF2-40B4-BE49-F238E27FC236}">
+                <a16:creationId xmlns:a16="http://schemas.microsoft.com/office/drawing/2014/main" id="{BFE212EB-26DC-4C57-1114-4A6F6164C534}"/>
+              </a:ext>
+            </a:extLst>
+          </p:cNvPr>
+          <p:cNvPicPr>
+            <a:picLocks noChangeAspect="1"/>
+          </p:cNvPicPr>
+          <p:nvPr/>
+        </p:nvPicPr>
+        <p:blipFill rotWithShape="1">
+          <a:blip r:embed="rId3"/>
+          <a:srcRect l="2005" r="469" b="-2"/>
+          <a:stretch/>
+        </p:blipFill>
+        <p:spPr>
+          <a:xfrm>
+            <a:off x="20" y="1"/>
+            <a:ext cx="7665573" cy="6857999"/>
+          </a:xfrm>
+          <a:custGeom>
+            <a:avLst/>
+            <a:gdLst/>
+            <a:ahLst/>
+            <a:cxnLst/>
+            <a:rect l="l" t="t" r="r" b="b"/>
+            <a:pathLst>
+              <a:path w="7665593" h="6857999">
+                <a:moveTo>
+                  <a:pt x="0" y="0"/>
+                </a:moveTo>
+                <a:lnTo>
+                  <a:pt x="7363783" y="0"/>
+                </a:lnTo>
+                <a:lnTo>
+                  <a:pt x="7372954" y="18152"/>
+                </a:lnTo>
+                <a:cubicBezTo>
+                  <a:pt x="7378508" y="27417"/>
+                  <a:pt x="7383821" y="35694"/>
+                  <a:pt x="7386404" y="41707"/>
+                </a:cubicBezTo>
+                <a:lnTo>
+                  <a:pt x="7389058" y="60832"/>
+                </a:lnTo>
+                <a:lnTo>
+                  <a:pt x="7394074" y="60137"/>
+                </a:lnTo>
+                <a:lnTo>
+                  <a:pt x="7394443" y="67241"/>
+                </a:lnTo>
+                <a:lnTo>
+                  <a:pt x="7394565" y="83099"/>
+                </a:lnTo>
+                <a:cubicBezTo>
+                  <a:pt x="7395324" y="92994"/>
+                  <a:pt x="7394122" y="120511"/>
+                  <a:pt x="7395957" y="130584"/>
+                </a:cubicBezTo>
+                <a:cubicBezTo>
+                  <a:pt x="7401306" y="133490"/>
+                  <a:pt x="7404223" y="137975"/>
+                  <a:pt x="7405574" y="143540"/>
+                </a:cubicBezTo>
+                <a:lnTo>
+                  <a:pt x="7405725" y="155795"/>
+                </a:lnTo>
+                <a:lnTo>
+                  <a:pt x="7418615" y="226869"/>
+                </a:lnTo>
+                <a:lnTo>
+                  <a:pt x="7419579" y="236641"/>
+                </a:lnTo>
+                <a:lnTo>
+                  <a:pt x="7423900" y="241933"/>
+                </a:lnTo>
+                <a:cubicBezTo>
+                  <a:pt x="7424763" y="245974"/>
+                  <a:pt x="7424206" y="257579"/>
+                  <a:pt x="7424760" y="260885"/>
+                </a:cubicBezTo>
+                <a:cubicBezTo>
+                  <a:pt x="7425580" y="261177"/>
+                  <a:pt x="7426400" y="261469"/>
+                  <a:pt x="7427220" y="261761"/>
+                </a:cubicBezTo>
+                <a:cubicBezTo>
+                  <a:pt x="7431152" y="272291"/>
+                  <a:pt x="7444241" y="311893"/>
+                  <a:pt x="7448344" y="324055"/>
+                </a:cubicBezTo>
+                <a:cubicBezTo>
+                  <a:pt x="7444563" y="326484"/>
+                  <a:pt x="7450535" y="331924"/>
+                  <a:pt x="7451833" y="334727"/>
+                </a:cubicBezTo>
+                <a:cubicBezTo>
+                  <a:pt x="7449286" y="335161"/>
+                  <a:pt x="7448510" y="341947"/>
+                  <a:pt x="7450776" y="343948"/>
+                </a:cubicBezTo>
+                <a:cubicBezTo>
+                  <a:pt x="7463202" y="391652"/>
+                  <a:pt x="7437523" y="367773"/>
+                  <a:pt x="7453791" y="395003"/>
+                </a:cubicBezTo>
+                <a:cubicBezTo>
+                  <a:pt x="7454869" y="399820"/>
+                  <a:pt x="7453841" y="403723"/>
+                  <a:pt x="7451939" y="407147"/>
+                </a:cubicBezTo>
+                <a:lnTo>
+                  <a:pt x="7448030" y="412254"/>
+                </a:lnTo>
+                <a:lnTo>
+                  <a:pt x="7455416" y="432021"/>
+                </a:lnTo>
+                <a:cubicBezTo>
+                  <a:pt x="7457991" y="441758"/>
+                  <a:pt x="7459699" y="452007"/>
+                  <a:pt x="7460479" y="462523"/>
+                </a:cubicBezTo>
+                <a:cubicBezTo>
+                  <a:pt x="7455275" y="464882"/>
+                  <a:pt x="7462669" y="473136"/>
+                  <a:pt x="7464133" y="477020"/>
+                </a:cubicBezTo>
+                <a:cubicBezTo>
+                  <a:pt x="7460734" y="477060"/>
+                  <a:pt x="7459104" y="485663"/>
+                  <a:pt x="7461914" y="488716"/>
+                </a:cubicBezTo>
+                <a:cubicBezTo>
+                  <a:pt x="7474065" y="552879"/>
+                  <a:pt x="7442314" y="516775"/>
+                  <a:pt x="7461353" y="555280"/>
+                </a:cubicBezTo>
+                <a:cubicBezTo>
+                  <a:pt x="7462345" y="561721"/>
+                  <a:pt x="7460642" y="566553"/>
+                  <a:pt x="7457829" y="570585"/>
+                </a:cubicBezTo>
+                <a:lnTo>
+                  <a:pt x="7450804" y="577839"/>
+                </a:lnTo>
+                <a:lnTo>
+                  <a:pt x="7453309" y="583524"/>
+                </a:lnTo>
+                <a:cubicBezTo>
+                  <a:pt x="7453505" y="604977"/>
+                  <a:pt x="7446306" y="611303"/>
+                  <a:pt x="7453558" y="623785"/>
+                </a:cubicBezTo>
+                <a:cubicBezTo>
+                  <a:pt x="7438483" y="642230"/>
+                  <a:pt x="7452055" y="636019"/>
+                  <a:pt x="7454362" y="650049"/>
+                </a:cubicBezTo>
+                <a:cubicBezTo>
+                  <a:pt x="7457368" y="661117"/>
+                  <a:pt x="7463152" y="640798"/>
+                  <a:pt x="7464006" y="651645"/>
+                </a:cubicBezTo>
+                <a:cubicBezTo>
+                  <a:pt x="7460114" y="663380"/>
+                  <a:pt x="7472201" y="662829"/>
+                  <a:pt x="7467442" y="675032"/>
+                </a:cubicBezTo>
+                <a:cubicBezTo>
+                  <a:pt x="7458335" y="672068"/>
+                  <a:pt x="7469207" y="699114"/>
+                  <a:pt x="7461251" y="699956"/>
+                </a:cubicBezTo>
+                <a:cubicBezTo>
+                  <a:pt x="7472628" y="710321"/>
+                  <a:pt x="7458614" y="715529"/>
+                  <a:pt x="7462119" y="729331"/>
+                </a:cubicBezTo>
+                <a:cubicBezTo>
+                  <a:pt x="7466423" y="735831"/>
+                  <a:pt x="7467162" y="740521"/>
+                  <a:pt x="7462533" y="746910"/>
+                </a:cubicBezTo>
+                <a:cubicBezTo>
+                  <a:pt x="7483486" y="776851"/>
+                  <a:pt x="7463470" y="765024"/>
+                  <a:pt x="7471529" y="793043"/>
+                </a:cubicBezTo>
+                <a:cubicBezTo>
+                  <a:pt x="7480002" y="817184"/>
+                  <a:pt x="7485500" y="844550"/>
+                  <a:pt x="7505730" y="867898"/>
+                </a:cubicBezTo>
+                <a:cubicBezTo>
+                  <a:pt x="7511461" y="872184"/>
+                  <a:pt x="7513630" y="882707"/>
+                  <a:pt x="7510576" y="891400"/>
+                </a:cubicBezTo>
+                <a:cubicBezTo>
+                  <a:pt x="7510049" y="892894"/>
+                  <a:pt x="7509385" y="894278"/>
+                  <a:pt x="7508604" y="895508"/>
+                </a:cubicBezTo>
+                <a:cubicBezTo>
+                  <a:pt x="7511698" y="915692"/>
+                  <a:pt x="7525520" y="989520"/>
+                  <a:pt x="7529143" y="1012510"/>
+                </a:cubicBezTo>
+                <a:cubicBezTo>
+                  <a:pt x="7521781" y="1014371"/>
+                  <a:pt x="7535067" y="1025997"/>
+                  <a:pt x="7530347" y="1033444"/>
+                </a:cubicBezTo>
+                <a:cubicBezTo>
+                  <a:pt x="7526204" y="1038777"/>
+                  <a:pt x="7529270" y="1043549"/>
+                  <a:pt x="7529596" y="1049120"/>
+                </a:cubicBezTo>
+                <a:cubicBezTo>
+                  <a:pt x="7526339" y="1056460"/>
+                  <a:pt x="7532220" y="1080398"/>
+                  <a:pt x="7536437" y="1086639"/>
+                </a:cubicBezTo>
+                <a:cubicBezTo>
+                  <a:pt x="7551094" y="1101553"/>
+                  <a:pt x="7540210" y="1135442"/>
+                  <a:pt x="7551438" y="1147834"/>
+                </a:cubicBezTo>
+                <a:cubicBezTo>
+                  <a:pt x="7553086" y="1152330"/>
+                  <a:pt x="7553752" y="1156729"/>
+                  <a:pt x="7553808" y="1161047"/>
+                </a:cubicBezTo>
+                <a:lnTo>
+                  <a:pt x="7552572" y="1173130"/>
+                </a:lnTo>
+                <a:lnTo>
+                  <a:pt x="7549434" y="1176566"/>
+                </a:lnTo>
+                <a:lnTo>
+                  <a:pt x="7550211" y="1183950"/>
+                </a:lnTo>
+                <a:lnTo>
+                  <a:pt x="7549733" y="1186066"/>
+                </a:lnTo>
+                <a:cubicBezTo>
+                  <a:pt x="7548807" y="1190108"/>
+                  <a:pt x="7548001" y="1194099"/>
+                  <a:pt x="7547683" y="1198047"/>
+                </a:cubicBezTo>
+                <a:cubicBezTo>
+                  <a:pt x="7563423" y="1192855"/>
+                  <a:pt x="7547566" y="1230782"/>
+                  <a:pt x="7560295" y="1219849"/>
+                </a:cubicBezTo>
+                <a:cubicBezTo>
+                  <a:pt x="7561281" y="1240644"/>
+                  <a:pt x="7573138" y="1224782"/>
+                  <a:pt x="7561835" y="1249779"/>
+                </a:cubicBezTo>
+                <a:cubicBezTo>
+                  <a:pt x="7574707" y="1282065"/>
+                  <a:pt x="7569916" y="1332957"/>
+                  <a:pt x="7589445" y="1358245"/>
+                </a:cubicBezTo>
+                <a:cubicBezTo>
+                  <a:pt x="7581989" y="1355103"/>
+                  <a:pt x="7576204" y="1368711"/>
+                  <a:pt x="7579904" y="1378136"/>
+                </a:cubicBezTo>
+                <a:cubicBezTo>
+                  <a:pt x="7550647" y="1367117"/>
+                  <a:pt x="7606267" y="1415404"/>
+                  <a:pt x="7586303" y="1423699"/>
+                </a:cubicBezTo>
+                <a:cubicBezTo>
+                  <a:pt x="7604838" y="1424108"/>
+                  <a:pt x="7636267" y="1466352"/>
+                  <a:pt x="7621059" y="1486236"/>
+                </a:cubicBezTo>
+                <a:cubicBezTo>
+                  <a:pt x="7624771" y="1516526"/>
+                  <a:pt x="7640092" y="1537976"/>
+                  <a:pt x="7633966" y="1569734"/>
+                </a:cubicBezTo>
+                <a:cubicBezTo>
+                  <a:pt x="7636447" y="1570719"/>
+                  <a:pt x="7638522" y="1572334"/>
+                  <a:pt x="7640304" y="1574384"/>
+                </a:cubicBezTo>
+                <a:lnTo>
+                  <a:pt x="7644628" y="1581242"/>
+                </a:lnTo>
+                <a:lnTo>
+                  <a:pt x="7644313" y="1582567"/>
+                </a:lnTo>
+                <a:cubicBezTo>
+                  <a:pt x="7644257" y="1587776"/>
+                  <a:pt x="7645302" y="1590443"/>
+                  <a:pt x="7646831" y="1591983"/>
+                </a:cubicBezTo>
+                <a:cubicBezTo>
+                  <a:pt x="7647577" y="1592347"/>
+                  <a:pt x="7648323" y="1592711"/>
+                  <a:pt x="7649069" y="1593074"/>
+                </a:cubicBezTo>
+                <a:lnTo>
+                  <a:pt x="7651326" y="1599230"/>
+                </a:lnTo>
+                <a:lnTo>
+                  <a:pt x="7657195" y="1610539"/>
+                </a:lnTo>
+                <a:lnTo>
+                  <a:pt x="7656957" y="1613422"/>
+                </a:lnTo>
+                <a:lnTo>
+                  <a:pt x="7663730" y="1631673"/>
+                </a:lnTo>
+                <a:lnTo>
+                  <a:pt x="7663189" y="1632289"/>
+                </a:lnTo>
+                <a:cubicBezTo>
+                  <a:pt x="7662131" y="1634085"/>
+                  <a:pt x="7661641" y="1636199"/>
+                  <a:pt x="7662326" y="1639024"/>
+                </a:cubicBezTo>
+                <a:cubicBezTo>
+                  <a:pt x="7651979" y="1640024"/>
+                  <a:pt x="7659188" y="1642819"/>
+                  <a:pt x="7662125" y="1651067"/>
+                </a:cubicBezTo>
+                <a:cubicBezTo>
+                  <a:pt x="7646711" y="1654462"/>
+                  <a:pt x="7660667" y="1674670"/>
+                  <a:pt x="7653812" y="1683345"/>
+                </a:cubicBezTo>
+                <a:cubicBezTo>
+                  <a:pt x="7656316" y="1689330"/>
+                  <a:pt x="7658683" y="1695719"/>
+                  <a:pt x="7660803" y="1702414"/>
+                </a:cubicBezTo>
+                <a:lnTo>
+                  <a:pt x="7661867" y="1756201"/>
+                </a:lnTo>
+                <a:lnTo>
+                  <a:pt x="7649453" y="1812530"/>
+                </a:lnTo>
+                <a:cubicBezTo>
+                  <a:pt x="7649183" y="1833366"/>
+                  <a:pt x="7644573" y="1851408"/>
+                  <a:pt x="7647823" y="1869041"/>
+                </a:cubicBezTo>
+                <a:cubicBezTo>
+                  <a:pt x="7644238" y="1876204"/>
+                  <a:pt x="7642789" y="1882956"/>
+                  <a:pt x="7648156" y="1889503"/>
+                </a:cubicBezTo>
+                <a:cubicBezTo>
+                  <a:pt x="7646365" y="1908946"/>
+                  <a:pt x="7638702" y="1913653"/>
+                  <a:pt x="7644679" y="1925974"/>
+                </a:cubicBezTo>
+                <a:cubicBezTo>
+                  <a:pt x="7632281" y="1936898"/>
+                  <a:pt x="7637013" y="1937545"/>
+                  <a:pt x="7640564" y="1942678"/>
+                </a:cubicBezTo>
+                <a:lnTo>
+                  <a:pt x="7640816" y="1943410"/>
+                </a:lnTo>
+                <a:lnTo>
+                  <a:pt x="7639044" y="1944904"/>
+                </a:lnTo>
+                <a:lnTo>
+                  <a:pt x="7638223" y="1947993"/>
+                </a:lnTo>
+                <a:lnTo>
+                  <a:pt x="7638752" y="1956430"/>
+                </a:lnTo>
+                <a:lnTo>
+                  <a:pt x="7639407" y="1959603"/>
+                </a:lnTo>
+                <a:cubicBezTo>
+                  <a:pt x="7639690" y="1961788"/>
+                  <a:pt x="7639658" y="1963239"/>
+                  <a:pt x="7639396" y="1964244"/>
+                </a:cubicBezTo>
+                <a:lnTo>
+                  <a:pt x="7639249" y="1964361"/>
+                </a:lnTo>
+                <a:lnTo>
+                  <a:pt x="7639521" y="1968708"/>
+                </a:lnTo>
+                <a:cubicBezTo>
+                  <a:pt x="7640315" y="1976045"/>
+                  <a:pt x="7641402" y="1983186"/>
+                  <a:pt x="7642694" y="1989983"/>
+                </a:cubicBezTo>
+                <a:cubicBezTo>
+                  <a:pt x="7634556" y="1995729"/>
+                  <a:pt x="7644169" y="2020842"/>
+                  <a:pt x="7628828" y="2018094"/>
+                </a:cubicBezTo>
+                <a:cubicBezTo>
+                  <a:pt x="7630116" y="2027262"/>
+                  <a:pt x="7636485" y="2032807"/>
+                  <a:pt x="7626423" y="2029720"/>
+                </a:cubicBezTo>
+                <a:cubicBezTo>
+                  <a:pt x="7626559" y="2032738"/>
+                  <a:pt x="7625703" y="2034598"/>
+                  <a:pt x="7624364" y="2035929"/>
+                </a:cubicBezTo>
+                <a:lnTo>
+                  <a:pt x="7623733" y="2036314"/>
+                </a:lnTo>
+                <a:lnTo>
+                  <a:pt x="7626847" y="2056711"/>
+                </a:lnTo>
+                <a:lnTo>
+                  <a:pt x="7626090" y="2059419"/>
+                </a:lnTo>
+                <a:lnTo>
+                  <a:pt x="7629618" y="2072712"/>
+                </a:lnTo>
+                <a:lnTo>
+                  <a:pt x="7630641" y="2079581"/>
+                </a:lnTo>
+                <a:lnTo>
+                  <a:pt x="7632577" y="2081522"/>
+                </a:lnTo>
+                <a:cubicBezTo>
+                  <a:pt x="7633753" y="2083617"/>
+                  <a:pt x="7634261" y="2086620"/>
+                  <a:pt x="7633251" y="2091658"/>
+                </a:cubicBezTo>
+                <a:lnTo>
+                  <a:pt x="7632707" y="2092825"/>
+                </a:lnTo>
+                <a:lnTo>
+                  <a:pt x="7635575" y="2101184"/>
+                </a:lnTo>
+                <a:cubicBezTo>
+                  <a:pt x="7636900" y="2103876"/>
+                  <a:pt x="7638586" y="2106260"/>
+                  <a:pt x="7640772" y="2108190"/>
+                </a:cubicBezTo>
+                <a:cubicBezTo>
+                  <a:pt x="7629093" y="2136655"/>
+                  <a:pt x="7639778" y="2163513"/>
+                  <a:pt x="7637758" y="2194409"/>
+                </a:cubicBezTo>
+                <a:cubicBezTo>
+                  <a:pt x="7619585" y="2207765"/>
+                  <a:pt x="7641835" y="2261154"/>
+                  <a:pt x="7659453" y="2268824"/>
+                </a:cubicBezTo>
+                <a:cubicBezTo>
+                  <a:pt x="7644015" y="2268997"/>
+                  <a:pt x="7665037" y="2307714"/>
+                  <a:pt x="7665583" y="2317700"/>
+                </a:cubicBezTo>
+                <a:cubicBezTo>
+                  <a:pt x="7665764" y="2321029"/>
+                  <a:pt x="7663671" y="2321166"/>
+                  <a:pt x="7657195" y="2315619"/>
+                </a:cubicBezTo>
+                <a:cubicBezTo>
+                  <a:pt x="7658997" y="2326231"/>
+                  <a:pt x="7650972" y="2337185"/>
+                  <a:pt x="7644431" y="2331209"/>
+                </a:cubicBezTo>
+                <a:cubicBezTo>
+                  <a:pt x="7658433" y="2363448"/>
+                  <a:pt x="7644510" y="2411031"/>
+                  <a:pt x="7650869" y="2447461"/>
+                </a:cubicBezTo>
+                <a:cubicBezTo>
+                  <a:pt x="7635485" y="2467322"/>
+                  <a:pt x="7649719" y="2456555"/>
+                  <a:pt x="7646841" y="2477156"/>
+                </a:cubicBezTo>
+                <a:cubicBezTo>
+                  <a:pt x="7661004" y="2471521"/>
+                  <a:pt x="7638896" y="2502164"/>
+                  <a:pt x="7654880" y="2503292"/>
+                </a:cubicBezTo>
+                <a:cubicBezTo>
+                  <a:pt x="7653849" y="2507005"/>
+                  <a:pt x="7652348" y="2510567"/>
+                  <a:pt x="7650720" y="2514131"/>
+                </a:cubicBezTo>
+                <a:lnTo>
+                  <a:pt x="7649876" y="2516003"/>
+                </a:lnTo>
+                <a:lnTo>
+                  <a:pt x="7649263" y="2523483"/>
+                </a:lnTo>
+                <a:lnTo>
+                  <a:pt x="7645633" y="2525592"/>
+                </a:lnTo>
+                <a:lnTo>
+                  <a:pt x="7642233" y="2536851"/>
+                </a:lnTo>
+                <a:cubicBezTo>
+                  <a:pt x="7641494" y="2541069"/>
+                  <a:pt x="7641323" y="2545607"/>
+                  <a:pt x="7642069" y="2550622"/>
+                </a:cubicBezTo>
+                <a:cubicBezTo>
+                  <a:pt x="7648404" y="2562959"/>
+                  <a:pt x="7640640" y="2582170"/>
+                  <a:pt x="7641110" y="2599544"/>
+                </a:cubicBezTo>
+                <a:lnTo>
+                  <a:pt x="7643071" y="2607523"/>
+                </a:lnTo>
+                <a:lnTo>
+                  <a:pt x="7639801" y="2633566"/>
+                </a:lnTo>
+                <a:cubicBezTo>
+                  <a:pt x="7639166" y="2640978"/>
+                  <a:pt x="7638833" y="2648672"/>
+                  <a:pt x="7639065" y="2656773"/>
+                </a:cubicBezTo>
+                <a:lnTo>
+                  <a:pt x="7640624" y="2671810"/>
+                </a:lnTo>
+                <a:lnTo>
+                  <a:pt x="7639332" y="2675751"/>
+                </a:lnTo>
+                <a:cubicBezTo>
+                  <a:pt x="7639476" y="2682617"/>
+                  <a:pt x="7644027" y="2691703"/>
+                  <a:pt x="7638498" y="2690893"/>
+                </a:cubicBezTo>
+                <a:lnTo>
+                  <a:pt x="7640415" y="2698606"/>
+                </a:lnTo>
+                <a:lnTo>
+                  <a:pt x="7636002" y="2706218"/>
+                </a:lnTo>
+                <a:cubicBezTo>
+                  <a:pt x="7634978" y="2707053"/>
+                  <a:pt x="7633887" y="2707679"/>
+                  <a:pt x="7632770" y="2708079"/>
+                </a:cubicBezTo>
+                <a:lnTo>
+                  <a:pt x="7634220" y="2718854"/>
+                </a:lnTo>
+                <a:lnTo>
+                  <a:pt x="7631061" y="2727688"/>
+                </a:lnTo>
+                <a:lnTo>
+                  <a:pt x="7633127" y="2735389"/>
+                </a:lnTo>
+                <a:lnTo>
+                  <a:pt x="7632661" y="2738584"/>
+                </a:lnTo>
+                <a:lnTo>
+                  <a:pt x="7631098" y="2746529"/>
+                </a:lnTo>
+                <a:cubicBezTo>
+                  <a:pt x="7630002" y="2750602"/>
+                  <a:pt x="7628681" y="2755160"/>
+                  <a:pt x="7627624" y="2760235"/>
+                </a:cubicBezTo>
+                <a:lnTo>
+                  <a:pt x="7627140" y="2764511"/>
+                </a:lnTo>
+                <a:lnTo>
+                  <a:pt x="7621827" y="2773820"/>
+                </a:lnTo>
+                <a:cubicBezTo>
+                  <a:pt x="7617811" y="2780593"/>
+                  <a:pt x="7615104" y="2785923"/>
+                  <a:pt x="7617284" y="2791840"/>
+                </a:cubicBezTo>
+                <a:cubicBezTo>
+                  <a:pt x="7612094" y="2801924"/>
+                  <a:pt x="7597550" y="2808970"/>
+                  <a:pt x="7601430" y="2823567"/>
+                </a:cubicBezTo>
+                <a:cubicBezTo>
+                  <a:pt x="7594841" y="2819137"/>
+                  <a:pt x="7600633" y="2839778"/>
+                  <a:pt x="7593865" y="2842217"/>
+                </a:cubicBezTo>
+                <a:cubicBezTo>
+                  <a:pt x="7588415" y="2843342"/>
+                  <a:pt x="7588901" y="2849866"/>
+                  <a:pt x="7586893" y="2854834"/>
+                </a:cubicBezTo>
+                <a:cubicBezTo>
+                  <a:pt x="7581327" y="2858374"/>
+                  <a:pt x="7576244" y="2883372"/>
+                  <a:pt x="7577046" y="2892075"/>
+                </a:cubicBezTo>
+                <a:cubicBezTo>
+                  <a:pt x="7582584" y="2916606"/>
+                  <a:pt x="7560175" y="2936338"/>
+                  <a:pt x="7564026" y="2955950"/>
+                </a:cubicBezTo>
+                <a:cubicBezTo>
+                  <a:pt x="7563501" y="2961086"/>
+                  <a:pt x="7562240" y="2965343"/>
+                  <a:pt x="7560529" y="2969031"/>
+                </a:cubicBezTo>
+                <a:lnTo>
+                  <a:pt x="7554631" y="2978222"/>
+                </a:lnTo>
+                <a:lnTo>
+                  <a:pt x="7550747" y="2978564"/>
+                </a:lnTo>
+                <a:lnTo>
+                  <a:pt x="7548359" y="2985429"/>
+                </a:lnTo>
+                <a:lnTo>
+                  <a:pt x="7547120" y="2986826"/>
+                </a:lnTo>
+                <a:cubicBezTo>
+                  <a:pt x="7544741" y="2989483"/>
+                  <a:pt x="7542480" y="2992194"/>
+                  <a:pt x="7540621" y="2995267"/>
+                </a:cubicBezTo>
+                <a:cubicBezTo>
+                  <a:pt x="7555200" y="3003715"/>
+                  <a:pt x="7527208" y="3022799"/>
+                  <a:pt x="7541739" y="3023946"/>
+                </a:cubicBezTo>
+                <a:cubicBezTo>
+                  <a:pt x="7534059" y="3042303"/>
+                  <a:pt x="7549904" y="3038579"/>
+                  <a:pt x="7530781" y="3050462"/>
+                </a:cubicBezTo>
+                <a:cubicBezTo>
+                  <a:pt x="7527838" y="3088204"/>
+                  <a:pt x="7503338" y="3127251"/>
+                  <a:pt x="7508515" y="3164510"/>
+                </a:cubicBezTo>
+                <a:cubicBezTo>
+                  <a:pt x="7503888" y="3155782"/>
+                  <a:pt x="7493770" y="3162549"/>
+                  <a:pt x="7492866" y="3173520"/>
+                </a:cubicBezTo>
+                <a:cubicBezTo>
+                  <a:pt x="7474179" y="3140376"/>
+                  <a:pt x="7498581" y="3226463"/>
+                  <a:pt x="7479395" y="3217191"/>
+                </a:cubicBezTo>
+                <a:cubicBezTo>
+                  <a:pt x="7493905" y="3232643"/>
+                  <a:pt x="7501608" y="3293915"/>
+                  <a:pt x="7481475" y="3298298"/>
+                </a:cubicBezTo>
+                <a:cubicBezTo>
+                  <a:pt x="7472089" y="3326890"/>
+                  <a:pt x="7475493" y="3357480"/>
+                  <a:pt x="7457722" y="3379292"/>
+                </a:cubicBezTo>
+                <a:cubicBezTo>
+                  <a:pt x="7459285" y="3382143"/>
+                  <a:pt x="7460273" y="3385199"/>
+                  <a:pt x="7460850" y="3388381"/>
+                </a:cubicBezTo>
+                <a:lnTo>
+                  <a:pt x="7461482" y="3397694"/>
+                </a:lnTo>
+                <a:lnTo>
+                  <a:pt x="7460695" y="3398556"/>
+                </a:lnTo>
+                <a:cubicBezTo>
+                  <a:pt x="7458532" y="3402904"/>
+                  <a:pt x="7458275" y="3406007"/>
+                  <a:pt x="7458858" y="3408553"/>
+                </a:cubicBezTo>
+                <a:lnTo>
+                  <a:pt x="7460185" y="3411299"/>
+                </a:lnTo>
+                <a:lnTo>
+                  <a:pt x="7459468" y="3418333"/>
+                </a:lnTo>
+                <a:lnTo>
+                  <a:pt x="7459515" y="3432662"/>
+                </a:lnTo>
+                <a:lnTo>
+                  <a:pt x="7458154" y="3434902"/>
+                </a:lnTo>
+                <a:lnTo>
+                  <a:pt x="7456091" y="3455825"/>
+                </a:lnTo>
+                <a:cubicBezTo>
+                  <a:pt x="7455865" y="3455850"/>
+                  <a:pt x="7455638" y="3455877"/>
+                  <a:pt x="7455413" y="3455903"/>
+                </a:cubicBezTo>
+                <a:cubicBezTo>
+                  <a:pt x="7453843" y="3456557"/>
+                  <a:pt x="7452596" y="3457940"/>
+                  <a:pt x="7451989" y="3460886"/>
+                </a:cubicBezTo>
+                <a:cubicBezTo>
+                  <a:pt x="7443388" y="3453296"/>
+                  <a:pt x="7447961" y="3461529"/>
+                  <a:pt x="7446929" y="3470886"/>
+                </a:cubicBezTo>
+                <a:cubicBezTo>
+                  <a:pt x="7433341" y="3461186"/>
+                  <a:pt x="7436171" y="3489615"/>
+                  <a:pt x="7427213" y="3491353"/>
+                </a:cubicBezTo>
+                <a:cubicBezTo>
+                  <a:pt x="7426761" y="3498443"/>
+                  <a:pt x="7426037" y="3505767"/>
+                  <a:pt x="7424990" y="3513143"/>
+                </a:cubicBezTo>
+                <a:lnTo>
+                  <a:pt x="7424186" y="3517424"/>
+                </a:lnTo>
+                <a:cubicBezTo>
+                  <a:pt x="7424132" y="3517438"/>
+                  <a:pt x="7424077" y="3517453"/>
+                  <a:pt x="7424024" y="3517467"/>
+                </a:cubicBezTo>
+                <a:cubicBezTo>
+                  <a:pt x="7423536" y="3518305"/>
+                  <a:pt x="7423153" y="3519678"/>
+                  <a:pt x="7422883" y="3521896"/>
+                </a:cubicBezTo>
+                <a:lnTo>
+                  <a:pt x="7422723" y="3525229"/>
+                </a:lnTo>
+                <a:lnTo>
+                  <a:pt x="7421163" y="3533534"/>
+                </a:lnTo>
+                <a:lnTo>
+                  <a:pt x="7419650" y="3536108"/>
+                </a:lnTo>
+                <a:lnTo>
+                  <a:pt x="7417640" y="3536718"/>
+                </a:lnTo>
+                <a:lnTo>
+                  <a:pt x="7417697" y="3537534"/>
+                </a:lnTo>
+                <a:cubicBezTo>
+                  <a:pt x="7419749" y="3544077"/>
+                  <a:pt x="7423989" y="3546875"/>
+                  <a:pt x="7409814" y="3551598"/>
+                </a:cubicBezTo>
+                <a:cubicBezTo>
+                  <a:pt x="7412376" y="3566128"/>
+                  <a:pt x="7404108" y="3567090"/>
+                  <a:pt x="7397719" y="3584844"/>
+                </a:cubicBezTo>
+                <a:cubicBezTo>
+                  <a:pt x="7401116" y="3593573"/>
+                  <a:pt x="7398130" y="3599358"/>
+                  <a:pt x="7393057" y="3604546"/>
+                </a:cubicBezTo>
+                <a:cubicBezTo>
+                  <a:pt x="7391792" y="3622895"/>
+                  <a:pt x="7383125" y="3638008"/>
+                  <a:pt x="7377811" y="3657793"/>
+                </a:cubicBezTo>
+                <a:cubicBezTo>
+                  <a:pt x="7379886" y="3680874"/>
+                  <a:pt x="7366255" y="3689531"/>
+                  <a:pt x="7360624" y="3710685"/>
+                </a:cubicBezTo>
+                <a:cubicBezTo>
+                  <a:pt x="7367950" y="3731637"/>
+                  <a:pt x="7347999" y="3723947"/>
+                  <a:pt x="7341489" y="3734006"/>
+                </a:cubicBezTo>
+                <a:lnTo>
+                  <a:pt x="7340478" y="3737028"/>
+                </a:lnTo>
+                <a:lnTo>
+                  <a:pt x="7340489" y="3745476"/>
+                </a:lnTo>
+                <a:lnTo>
+                  <a:pt x="7340950" y="3748687"/>
+                </a:lnTo>
+                <a:cubicBezTo>
+                  <a:pt x="7341098" y="3750887"/>
+                  <a:pt x="7340976" y="3752333"/>
+                  <a:pt x="7340653" y="3753314"/>
+                </a:cubicBezTo>
+                <a:lnTo>
+                  <a:pt x="7340500" y="3753419"/>
+                </a:lnTo>
+                <a:lnTo>
+                  <a:pt x="7340506" y="3757774"/>
+                </a:lnTo>
+                <a:cubicBezTo>
+                  <a:pt x="7340847" y="3765147"/>
+                  <a:pt x="7341495" y="3772345"/>
+                  <a:pt x="7342369" y="3779218"/>
+                </a:cubicBezTo>
+                <a:cubicBezTo>
+                  <a:pt x="7333890" y="3784348"/>
+                  <a:pt x="7341949" y="3810090"/>
+                  <a:pt x="7326800" y="3806225"/>
+                </a:cubicBezTo>
+                <a:cubicBezTo>
+                  <a:pt x="7327524" y="3815461"/>
+                  <a:pt x="7333545" y="3821456"/>
+                  <a:pt x="7323686" y="3817640"/>
+                </a:cubicBezTo>
+                <a:cubicBezTo>
+                  <a:pt x="7323637" y="3820659"/>
+                  <a:pt x="7322668" y="3822449"/>
+                  <a:pt x="7321247" y="3823678"/>
+                </a:cubicBezTo>
+                <a:lnTo>
+                  <a:pt x="7320595" y="3824018"/>
+                </a:lnTo>
+                <a:lnTo>
+                  <a:pt x="7322453" y="3844579"/>
+                </a:lnTo>
+                <a:lnTo>
+                  <a:pt x="7321532" y="3847225"/>
+                </a:lnTo>
+                <a:lnTo>
+                  <a:pt x="7324238" y="3860736"/>
+                </a:lnTo>
+                <a:lnTo>
+                  <a:pt x="7324840" y="3867658"/>
+                </a:lnTo>
+                <a:lnTo>
+                  <a:pt x="7326655" y="3869733"/>
+                </a:lnTo>
+                <a:cubicBezTo>
+                  <a:pt x="7327701" y="3871909"/>
+                  <a:pt x="7328023" y="3874942"/>
+                  <a:pt x="7326706" y="3879891"/>
+                </a:cubicBezTo>
+                <a:lnTo>
+                  <a:pt x="7326093" y="3881013"/>
+                </a:lnTo>
+                <a:lnTo>
+                  <a:pt x="7328442" y="3889558"/>
+                </a:lnTo>
+                <a:cubicBezTo>
+                  <a:pt x="7329602" y="3892339"/>
+                  <a:pt x="7331138" y="3894839"/>
+                  <a:pt x="7333203" y="3896924"/>
+                </a:cubicBezTo>
+                <a:cubicBezTo>
+                  <a:pt x="7319795" y="3924445"/>
+                  <a:pt x="7328820" y="3952004"/>
+                  <a:pt x="7324908" y="3982658"/>
+                </a:cubicBezTo>
+                <a:cubicBezTo>
+                  <a:pt x="7325522" y="4017325"/>
+                  <a:pt x="7327874" y="4041416"/>
+                  <a:pt x="7327588" y="4064228"/>
+                </a:cubicBezTo>
+                <a:cubicBezTo>
+                  <a:pt x="7328735" y="4074940"/>
+                  <a:pt x="7329351" y="4153102"/>
+                  <a:pt x="7323186" y="4146664"/>
+                </a:cubicBezTo>
+                <a:cubicBezTo>
+                  <a:pt x="7335189" y="4179829"/>
+                  <a:pt x="7318370" y="4199117"/>
+                  <a:pt x="7322488" y="4235901"/>
+                </a:cubicBezTo>
+                <a:cubicBezTo>
+                  <a:pt x="7305909" y="4254573"/>
+                  <a:pt x="7320783" y="4244884"/>
+                  <a:pt x="7316645" y="4265209"/>
+                </a:cubicBezTo>
+                <a:cubicBezTo>
+                  <a:pt x="7331133" y="4260631"/>
+                  <a:pt x="7307179" y="4289560"/>
+                  <a:pt x="7323069" y="4291857"/>
+                </a:cubicBezTo>
+                <a:cubicBezTo>
+                  <a:pt x="7321814" y="4295483"/>
+                  <a:pt x="7320095" y="4298923"/>
+                  <a:pt x="7318251" y="4302359"/>
+                </a:cubicBezTo>
+                <a:lnTo>
+                  <a:pt x="7317295" y="4304161"/>
+                </a:lnTo>
+                <a:lnTo>
+                  <a:pt x="7316223" y="4311573"/>
+                </a:lnTo>
+                <a:lnTo>
+                  <a:pt x="7312469" y="4313411"/>
+                </a:lnTo>
+                <a:lnTo>
+                  <a:pt x="7306447" y="4403491"/>
+                </a:lnTo>
+                <a:cubicBezTo>
+                  <a:pt x="7308849" y="4411399"/>
+                  <a:pt x="7308497" y="4436984"/>
+                  <a:pt x="7303688" y="4442497"/>
+                </a:cubicBezTo>
+                <a:cubicBezTo>
+                  <a:pt x="7302637" y="4447969"/>
+                  <a:pt x="7304327" y="4453942"/>
+                  <a:pt x="7299181" y="4457128"/>
+                </a:cubicBezTo>
+                <a:cubicBezTo>
+                  <a:pt x="7296154" y="4469016"/>
+                  <a:pt x="7289197" y="4496240"/>
+                  <a:pt x="7285530" y="4513823"/>
+                </a:cubicBezTo>
+                <a:cubicBezTo>
+                  <a:pt x="7288769" y="4518560"/>
+                  <a:pt x="7287100" y="4524649"/>
+                  <a:pt x="7284412" y="4532609"/>
+                </a:cubicBezTo>
+                <a:lnTo>
+                  <a:pt x="7282601" y="4540125"/>
+                </a:lnTo>
+                <a:lnTo>
+                  <a:pt x="7291785" y="4563650"/>
+                </a:lnTo>
+                <a:lnTo>
+                  <a:pt x="7284191" y="4636427"/>
+                </a:lnTo>
+                <a:lnTo>
+                  <a:pt x="7292797" y="4672055"/>
+                </a:lnTo>
+                <a:cubicBezTo>
+                  <a:pt x="7294304" y="4686552"/>
+                  <a:pt x="7294421" y="4700466"/>
+                  <a:pt x="7295425" y="4713953"/>
+                </a:cubicBezTo>
+                <a:cubicBezTo>
+                  <a:pt x="7296104" y="4744441"/>
+                  <a:pt x="7280378" y="4723911"/>
+                  <a:pt x="7292574" y="4762180"/>
+                </a:cubicBezTo>
+                <a:cubicBezTo>
+                  <a:pt x="7286719" y="4766152"/>
+                  <a:pt x="7286266" y="4770971"/>
+                  <a:pt x="7288689" y="4779168"/>
+                </a:cubicBezTo>
+                <a:cubicBezTo>
+                  <a:pt x="7288592" y="4793971"/>
+                  <a:pt x="7274303" y="4792486"/>
+                  <a:pt x="7282355" y="4807636"/>
+                </a:cubicBezTo>
+                <a:cubicBezTo>
+                  <a:pt x="7278556" y="4806204"/>
+                  <a:pt x="7277539" y="4813202"/>
+                  <a:pt x="7276505" y="4819678"/>
+                </a:cubicBezTo>
+                <a:lnTo>
+                  <a:pt x="7273752" y="4823797"/>
+                </a:lnTo>
+                <a:lnTo>
+                  <a:pt x="7283683" y="4847794"/>
+                </a:lnTo>
+                <a:cubicBezTo>
+                  <a:pt x="7296832" y="4890479"/>
+                  <a:pt x="7302379" y="4941877"/>
+                  <a:pt x="7311552" y="4978326"/>
+                </a:cubicBezTo>
+                <a:cubicBezTo>
+                  <a:pt x="7284161" y="4998846"/>
+                  <a:pt x="7309660" y="4989594"/>
+                  <a:pt x="7304880" y="5015024"/>
+                </a:cubicBezTo>
+                <a:cubicBezTo>
+                  <a:pt x="7330355" y="5012307"/>
+                  <a:pt x="7291032" y="5044485"/>
+                  <a:pt x="7319932" y="5050993"/>
+                </a:cubicBezTo>
+                <a:cubicBezTo>
+                  <a:pt x="7318148" y="5055414"/>
+                  <a:pt x="7315506" y="5059493"/>
+                  <a:pt x="7312641" y="5063537"/>
+                </a:cubicBezTo>
+                <a:lnTo>
+                  <a:pt x="7311153" y="5065661"/>
+                </a:lnTo>
+                <a:lnTo>
+                  <a:pt x="7310197" y="5075032"/>
+                </a:lnTo>
+                <a:lnTo>
+                  <a:pt x="7303683" y="5076576"/>
+                </a:lnTo>
+                <a:lnTo>
+                  <a:pt x="7297768" y="5089898"/>
+                </a:lnTo>
+                <a:cubicBezTo>
+                  <a:pt x="7296519" y="5095057"/>
+                  <a:pt x="7296302" y="5100805"/>
+                  <a:pt x="7297750" y="5107454"/>
+                </a:cubicBezTo>
+                <a:cubicBezTo>
+                  <a:pt x="7309447" y="5125240"/>
+                  <a:pt x="7295812" y="5147341"/>
+                  <a:pt x="7297014" y="5169708"/>
+                </a:cubicBezTo>
+                <a:lnTo>
+                  <a:pt x="7300719" y="5180532"/>
+                </a:lnTo>
+                <a:lnTo>
+                  <a:pt x="7295705" y="5210620"/>
+                </a:lnTo>
+                <a:lnTo>
+                  <a:pt x="7296901" y="5212749"/>
+                </a:lnTo>
+                <a:cubicBezTo>
+                  <a:pt x="7296704" y="5218058"/>
+                  <a:pt x="7294377" y="5228574"/>
+                  <a:pt x="7294523" y="5242477"/>
+                </a:cubicBezTo>
+                <a:lnTo>
+                  <a:pt x="7297776" y="5296160"/>
+                </a:lnTo>
+                <a:lnTo>
+                  <a:pt x="7289955" y="5304499"/>
+                </a:lnTo>
+                <a:lnTo>
+                  <a:pt x="7286210" y="5305374"/>
+                </a:lnTo>
+                <a:lnTo>
+                  <a:pt x="7286995" y="5320092"/>
+                </a:lnTo>
+                <a:lnTo>
+                  <a:pt x="7281550" y="5330613"/>
+                </a:lnTo>
+                <a:lnTo>
+                  <a:pt x="7285354" y="5340890"/>
+                </a:lnTo>
+                <a:lnTo>
+                  <a:pt x="7281914" y="5354491"/>
+                </a:lnTo>
+                <a:cubicBezTo>
+                  <a:pt x="7280017" y="5359352"/>
+                  <a:pt x="7277725" y="5364763"/>
+                  <a:pt x="7275918" y="5370917"/>
+                </a:cubicBezTo>
+                <a:lnTo>
+                  <a:pt x="7267655" y="5384350"/>
+                </a:lnTo>
+                <a:lnTo>
+                  <a:pt x="7263791" y="5406610"/>
+                </a:lnTo>
+                <a:cubicBezTo>
+                  <a:pt x="7260956" y="5423841"/>
+                  <a:pt x="7257650" y="5440271"/>
+                  <a:pt x="7251522" y="5456222"/>
+                </a:cubicBezTo>
+                <a:cubicBezTo>
+                  <a:pt x="7253699" y="5469913"/>
+                  <a:pt x="7252931" y="5482529"/>
+                  <a:pt x="7242311" y="5493751"/>
+                </a:cubicBezTo>
+                <a:cubicBezTo>
+                  <a:pt x="7236636" y="5529727"/>
+                  <a:pt x="7245809" y="5539513"/>
+                  <a:pt x="7231835" y="5561252"/>
+                </a:cubicBezTo>
+                <a:cubicBezTo>
+                  <a:pt x="7236311" y="5568555"/>
+                  <a:pt x="7238499" y="5573475"/>
+                  <a:pt x="7239152" y="5577121"/>
+                </a:cubicBezTo>
+                <a:cubicBezTo>
+                  <a:pt x="7241111" y="5588065"/>
+                  <a:pt x="7229268" y="5587525"/>
+                  <a:pt x="7224043" y="5605355"/>
+                </a:cubicBezTo>
+                <a:cubicBezTo>
+                  <a:pt x="7216774" y="5624244"/>
+                  <a:pt x="7213225" y="5590845"/>
+                  <a:pt x="7209229" y="5609118"/>
+                </a:cubicBezTo>
+                <a:cubicBezTo>
+                  <a:pt x="7212098" y="5628346"/>
+                  <a:pt x="7194168" y="5628785"/>
+                  <a:pt x="7198222" y="5648700"/>
+                </a:cubicBezTo>
+                <a:cubicBezTo>
+                  <a:pt x="7212577" y="5642705"/>
+                  <a:pt x="7189541" y="5689259"/>
+                  <a:pt x="7201221" y="5689771"/>
+                </a:cubicBezTo>
+                <a:cubicBezTo>
+                  <a:pt x="7181618" y="5708428"/>
+                  <a:pt x="7201258" y="5715573"/>
+                  <a:pt x="7192555" y="5739098"/>
+                </a:cubicBezTo>
+                <a:cubicBezTo>
+                  <a:pt x="7184486" y="5750478"/>
+                  <a:pt x="7182208" y="5758416"/>
+                  <a:pt x="7187522" y="5768603"/>
+                </a:cubicBezTo>
+                <a:cubicBezTo>
+                  <a:pt x="7148692" y="5821144"/>
+                  <a:pt x="7181577" y="5799065"/>
+                  <a:pt x="7162500" y="5846928"/>
+                </a:cubicBezTo>
+                <a:lnTo>
+                  <a:pt x="7160827" y="5850799"/>
+                </a:lnTo>
+                <a:lnTo>
+                  <a:pt x="7163312" y="5866636"/>
+                </a:lnTo>
+                <a:cubicBezTo>
+                  <a:pt x="7163884" y="5867070"/>
+                  <a:pt x="7164455" y="5867505"/>
+                  <a:pt x="7165029" y="5867939"/>
+                </a:cubicBezTo>
+                <a:lnTo>
+                  <a:pt x="7142501" y="5914339"/>
+                </a:lnTo>
+                <a:lnTo>
+                  <a:pt x="7143151" y="5921221"/>
+                </a:lnTo>
+                <a:lnTo>
+                  <a:pt x="7123808" y="5950546"/>
+                </a:lnTo>
+                <a:lnTo>
+                  <a:pt x="7116299" y="5966186"/>
+                </a:lnTo>
+                <a:lnTo>
+                  <a:pt x="7106117" y="5983669"/>
+                </a:lnTo>
+                <a:lnTo>
+                  <a:pt x="7109622" y="5995569"/>
+                </a:lnTo>
+                <a:cubicBezTo>
+                  <a:pt x="7114727" y="6023526"/>
+                  <a:pt x="7092983" y="6067450"/>
+                  <a:pt x="7116605" y="6077139"/>
+                </a:cubicBezTo>
+                <a:cubicBezTo>
+                  <a:pt x="7102148" y="6089933"/>
+                  <a:pt x="7125501" y="6101908"/>
+                  <a:pt x="7127573" y="6115892"/>
+                </a:cubicBezTo>
+                <a:cubicBezTo>
+                  <a:pt x="7118381" y="6127056"/>
+                  <a:pt x="7126331" y="6132595"/>
+                  <a:pt x="7128098" y="6142737"/>
+                </a:cubicBezTo>
+                <a:cubicBezTo>
+                  <a:pt x="7122429" y="6147329"/>
+                  <a:pt x="7122724" y="6155912"/>
+                  <a:pt x="7129375" y="6158833"/>
+                </a:cubicBezTo>
+                <a:cubicBezTo>
+                  <a:pt x="7144709" y="6154689"/>
+                  <a:pt x="7137060" y="6184499"/>
+                  <a:pt x="7147635" y="6186714"/>
+                </a:cubicBezTo>
+                <a:cubicBezTo>
+                  <a:pt x="7149842" y="6204016"/>
+                  <a:pt x="7136414" y="6279145"/>
+                  <a:pt x="7153343" y="6291871"/>
+                </a:cubicBezTo>
+                <a:cubicBezTo>
+                  <a:pt x="7161381" y="6326852"/>
+                  <a:pt x="7134450" y="6377408"/>
+                  <a:pt x="7134923" y="6392273"/>
+                </a:cubicBezTo>
+                <a:cubicBezTo>
+                  <a:pt x="7103997" y="6407024"/>
+                  <a:pt x="7185503" y="6478818"/>
+                  <a:pt x="7187236" y="6541940"/>
+                </a:cubicBezTo>
+                <a:cubicBezTo>
+                  <a:pt x="7184250" y="6550446"/>
+                  <a:pt x="7184290" y="6554993"/>
+                  <a:pt x="7191340" y="6557275"/>
+                </a:cubicBezTo>
+                <a:cubicBezTo>
+                  <a:pt x="7195412" y="6573685"/>
+                  <a:pt x="7202070" y="6606060"/>
+                  <a:pt x="7211670" y="6640404"/>
+                </a:cubicBezTo>
+                <a:cubicBezTo>
+                  <a:pt x="7219591" y="6666216"/>
+                  <a:pt x="7212698" y="6793331"/>
+                  <a:pt x="7221085" y="6827708"/>
+                </a:cubicBezTo>
+                <a:lnTo>
+                  <a:pt x="7227698" y="6857999"/>
+                </a:lnTo>
+                <a:lnTo>
+                  <a:pt x="0" y="6857999"/>
+                </a:lnTo>
+                <a:close/>
+              </a:path>
+            </a:pathLst>
+          </a:custGeom>
+        </p:spPr>
+      </p:pic>
+      <p:sp>
+        <p:nvSpPr>
+          <p:cNvPr id="5" name="TextBox 4">
+            <a:extLst>
+              <a:ext uri="{FF2B5EF4-FFF2-40B4-BE49-F238E27FC236}">
+                <a16:creationId xmlns:a16="http://schemas.microsoft.com/office/drawing/2014/main" id="{C32862D5-9255-6BCF-42B6-9296ADD6E826}"/>
+              </a:ext>
+            </a:extLst>
+          </p:cNvPr>
+          <p:cNvSpPr txBox="1"/>
+          <p:nvPr/>
+        </p:nvSpPr>
+        <p:spPr>
+          <a:xfrm>
+            <a:off x="8168822" y="1080618"/>
+            <a:ext cx="3519949" cy="2031325"/>
+          </a:xfrm>
+          <a:prstGeom prst="rect">
+            <a:avLst/>
+          </a:prstGeom>
+          <a:noFill/>
+        </p:spPr>
+        <p:txBody>
+          <a:bodyPr wrap="square" rtlCol="0">
+            <a:spAutoFit/>
+          </a:bodyPr>
+          <a:lstStyle/>
+          <a:p>
+            <a:r>
+              <a:rPr lang="en-CA" dirty="0"/>
+              <a:t>There are 4 analysts deciphering data</a:t>
+            </a:r>
+          </a:p>
+          <a:p>
+            <a:endParaRPr lang="en-CA" dirty="0"/>
+          </a:p>
+          <a:p>
+            <a:r>
+              <a:rPr lang="en-GB" b="1" i="0" dirty="0">
+                <a:solidFill>
+                  <a:srgbClr val="1D1C1D"/>
+                </a:solidFill>
+                <a:effectLst/>
+                <a:highlight>
+                  <a:srgbClr val="FFFFFF"/>
+                </a:highlight>
+                <a:latin typeface="Slack-Lato"/>
+              </a:rPr>
+              <a:t>Lavanya </a:t>
+            </a:r>
+            <a:r>
+              <a:rPr lang="en-GB" b="1" dirty="0" err="1">
+                <a:solidFill>
+                  <a:srgbClr val="1D1C1D"/>
+                </a:solidFill>
+                <a:highlight>
+                  <a:srgbClr val="FFFFFF"/>
+                </a:highlight>
+                <a:latin typeface="Slack-Lato"/>
+              </a:rPr>
+              <a:t>B</a:t>
+            </a:r>
+            <a:r>
+              <a:rPr lang="en-GB" b="1" i="0" dirty="0" err="1">
+                <a:solidFill>
+                  <a:srgbClr val="1D1C1D"/>
+                </a:solidFill>
+                <a:effectLst/>
+                <a:highlight>
+                  <a:srgbClr val="FFFFFF"/>
+                </a:highlight>
+                <a:latin typeface="Slack-Lato"/>
+              </a:rPr>
+              <a:t>hanot</a:t>
+            </a:r>
+            <a:endParaRPr lang="en-GB" b="1" i="0" dirty="0">
+              <a:solidFill>
+                <a:srgbClr val="1D1C1D"/>
+              </a:solidFill>
+              <a:effectLst/>
+              <a:highlight>
+                <a:srgbClr val="FFFFFF"/>
+              </a:highlight>
+              <a:latin typeface="Slack-Lato"/>
+            </a:endParaRPr>
+          </a:p>
+          <a:p>
+            <a:r>
+              <a:rPr lang="en-GB" b="1" i="0" dirty="0" err="1">
+                <a:solidFill>
+                  <a:srgbClr val="1D1C1D"/>
+                </a:solidFill>
+                <a:effectLst/>
+                <a:highlight>
+                  <a:srgbClr val="FFFFFF"/>
+                </a:highlight>
+                <a:latin typeface="Slack-Lato"/>
+              </a:rPr>
+              <a:t>Deogratius</a:t>
+            </a:r>
+            <a:r>
+              <a:rPr lang="en-GB" b="1" i="0" dirty="0">
+                <a:solidFill>
+                  <a:srgbClr val="1D1C1D"/>
+                </a:solidFill>
+                <a:effectLst/>
+                <a:highlight>
+                  <a:srgbClr val="FFFFFF"/>
+                </a:highlight>
+                <a:latin typeface="Slack-Lato"/>
+              </a:rPr>
+              <a:t> </a:t>
+            </a:r>
+            <a:r>
+              <a:rPr lang="en-GB" b="1" i="0" dirty="0" err="1">
+                <a:solidFill>
+                  <a:srgbClr val="1D1C1D"/>
+                </a:solidFill>
+                <a:effectLst/>
+                <a:highlight>
+                  <a:srgbClr val="FFFFFF"/>
+                </a:highlight>
+                <a:latin typeface="Slack-Lato"/>
+              </a:rPr>
+              <a:t>Nteza</a:t>
+            </a:r>
+            <a:endParaRPr lang="en-GB" b="1" i="0" dirty="0">
+              <a:solidFill>
+                <a:srgbClr val="1D1C1D"/>
+              </a:solidFill>
+              <a:effectLst/>
+              <a:highlight>
+                <a:srgbClr val="FFFFFF"/>
+              </a:highlight>
+              <a:latin typeface="Slack-Lato"/>
+            </a:endParaRPr>
+          </a:p>
+          <a:p>
+            <a:r>
+              <a:rPr lang="en-GB" b="1" i="0" dirty="0">
+                <a:solidFill>
+                  <a:srgbClr val="1D1C1D"/>
+                </a:solidFill>
+                <a:effectLst/>
+                <a:highlight>
+                  <a:srgbClr val="FFFFFF"/>
+                </a:highlight>
+                <a:latin typeface="Slack-Lato"/>
+              </a:rPr>
+              <a:t>Xuan (Sam) Chen</a:t>
+            </a:r>
+          </a:p>
+          <a:p>
+            <a:r>
+              <a:rPr lang="en-GB" b="1" dirty="0">
+                <a:solidFill>
+                  <a:srgbClr val="1D1C1D"/>
+                </a:solidFill>
+                <a:highlight>
+                  <a:srgbClr val="FFFFFF"/>
+                </a:highlight>
+                <a:latin typeface="Slack-Lato"/>
+              </a:rPr>
+              <a:t>Judy Pin</a:t>
+            </a:r>
+            <a:endParaRPr lang="en-GB" dirty="0"/>
+          </a:p>
+        </p:txBody>
+      </p:sp>
+    </p:spTree>
+    <p:extLst>
+      <p:ext uri="{BB962C8B-B14F-4D97-AF65-F5344CB8AC3E}">
+        <p14:creationId xmlns:p14="http://schemas.microsoft.com/office/powerpoint/2010/main" val="4250330208"/>
+      </p:ext>
+    </p:extLst>
+  </p:cSld>
+  <p:clrMapOvr>
+    <a:masterClrMapping/>
+  </p:clrMapOvr>
+  <p:timing>
+    <p:tnLst>
+      <p:par>
+        <p:cTn id="1" dur="indefinite" restart="never" nodeType="tmRoot">
+          <p:childTnLst>
+            <p:seq concurrent="1" nextAc="seek">
+              <p:cTn id="2" dur="indefinite" nodeType="mainSeq">
+                <p:childTnLst>
+                  <p:par>
+                    <p:cTn id="3" fill="hold">
+                      <p:stCondLst>
+                        <p:cond delay="indefinite"/>
+                        <p:cond evt="onBegin" delay="0">
+                          <p:tn val="2"/>
+                        </p:cond>
+                      </p:stCondLst>
+                      <p:childTnLst>
+                        <p:par>
+                          <p:cTn id="4" fill="hold">
+                            <p:stCondLst>
+                              <p:cond delay="0"/>
+                            </p:stCondLst>
+                            <p:childTnLst>
+                              <p:par>
+                                <p:cTn id="5" presetID="10" presetClass="entr" presetSubtype="0" fill="hold" grpId="0" nodeType="withEffect">
+                                  <p:stCondLst>
+                                    <p:cond delay="1500"/>
+                                  </p:stCondLst>
+                                  <p:iterate>
+                                    <p:tmPct val="10000"/>
+                                  </p:iterate>
+                                  <p:childTnLst>
+                                    <p:set>
+                                      <p:cBhvr>
+                                        <p:cTn id="6" dur="1" fill="hold">
+                                          <p:stCondLst>
+                                            <p:cond delay="0"/>
+                                          </p:stCondLst>
+                                        </p:cTn>
+                                        <p:tgtEl>
+                                          <p:spTgt spid="3">
+                                            <p:txEl>
+                                              <p:pRg st="0" end="0"/>
+                                            </p:txEl>
+                                          </p:spTgt>
+                                        </p:tgtEl>
+                                        <p:attrNameLst>
+                                          <p:attrName>style.visibility</p:attrName>
+                                        </p:attrNameLst>
+                                      </p:cBhvr>
+                                      <p:to>
+                                        <p:strVal val="visible"/>
+                                      </p:to>
+                                    </p:set>
+                                    <p:animEffect transition="in" filter="fade">
+                                      <p:cBhvr>
+                                        <p:cTn id="7" dur="700"/>
+                                        <p:tgtEl>
+                                          <p:spTgt spid="3">
+                                            <p:txEl>
+                                              <p:pRg st="0" end="0"/>
+                                            </p:txEl>
+                                          </p:spTgt>
+                                        </p:tgtEl>
+                                      </p:cBhvr>
+                                    </p:animEffect>
+                                  </p:childTnLst>
+                                </p:cTn>
+                              </p:par>
+                              <p:par>
+                                <p:cTn id="8" presetID="10" presetClass="entr" presetSubtype="0" fill="hold" grpId="0" nodeType="withEffect">
+                                  <p:stCondLst>
+                                    <p:cond delay="1000"/>
+                                  </p:stCondLst>
+                                  <p:iterate>
+                                    <p:tmPct val="10000"/>
+                                  </p:iterate>
+                                  <p:childTnLst>
+                                    <p:set>
+                                      <p:cBhvr>
+                                        <p:cTn id="9" dur="1" fill="hold">
+                                          <p:stCondLst>
+                                            <p:cond delay="0"/>
+                                          </p:stCondLst>
+                                        </p:cTn>
+                                        <p:tgtEl>
+                                          <p:spTgt spid="2"/>
+                                        </p:tgtEl>
+                                        <p:attrNameLst>
+                                          <p:attrName>style.visibility</p:attrName>
+                                        </p:attrNameLst>
+                                      </p:cBhvr>
+                                      <p:to>
+                                        <p:strVal val="visible"/>
+                                      </p:to>
+                                    </p:set>
+                                    <p:animEffect transition="in" filter="fade">
+                                      <p:cBhvr>
+                                        <p:cTn id="10" dur="700"/>
+                                        <p:tgtEl>
+                                          <p:spTgt spid="2"/>
+                                        </p:tgtEl>
+                                      </p:cBhvr>
+                                    </p:animEffect>
+                                  </p:childTnLst>
+                                </p:cTn>
+                              </p:par>
+                            </p:childTnLst>
+                          </p:cTn>
+                        </p:par>
+                      </p:childTnLst>
+                    </p:cTn>
+                  </p:par>
+                </p:childTnLst>
+              </p:cTn>
+              <p:prevCondLst>
+                <p:cond evt="onPrev" delay="0">
+                  <p:tgtEl>
+                    <p:sldTgt/>
+                  </p:tgtEl>
+                </p:cond>
+              </p:prevCondLst>
+              <p:nextCondLst>
+                <p:cond evt="onNext" delay="0">
+                  <p:tgtEl>
+                    <p:sldTgt/>
+                  </p:tgtEl>
+                </p:cond>
+              </p:nextCondLst>
+            </p:seq>
+          </p:childTnLst>
+        </p:cTn>
+      </p:par>
+    </p:tnLst>
+    <p:bldLst>
+      <p:bldP spid="2" grpId="0"/>
+      <p:bldP spid="3" grpId="0" build="p"/>
+    </p:bldLst>
+  </p:timing>
+</p:sld>
+</file>
+
+<file path=ppt/slides/slide20.xml><?xml version="1.0" encoding="utf-8"?>
+<p:sld xmlns:a="http://schemas.openxmlformats.org/drawingml/2006/main" xmlns:r="http://schemas.openxmlformats.org/officeDocument/2006/relationships" xmlns:p="http://schemas.openxmlformats.org/presentationml/2006/main">
+  <p:cSld>
+    <p:spTree>
+      <p:nvGrpSpPr>
+        <p:cNvPr id="1" name=""/>
+        <p:cNvGrpSpPr/>
+        <p:nvPr/>
+      </p:nvGrpSpPr>
+      <p:grpSpPr>
+        <a:xfrm>
+          <a:off x="0" y="0"/>
+          <a:ext cx="0" cy="0"/>
+          <a:chOff x="0" y="0"/>
+          <a:chExt cx="0" cy="0"/>
+        </a:xfrm>
+      </p:grpSpPr>
+      <p:pic>
+        <p:nvPicPr>
+          <p:cNvPr id="2" name="Picture 1"/>
+          <p:cNvPicPr>
+            <a:picLocks noChangeAspect="1"/>
+          </p:cNvPicPr>
+          <p:nvPr/>
+        </p:nvPicPr>
+        <p:blipFill>
+          <a:blip r:embed="rId2"/>
+          <a:stretch>
+            <a:fillRect/>
+          </a:stretch>
+        </p:blipFill>
+        <p:spPr>
+          <a:xfrm>
+            <a:off x="145143" y="100012"/>
+            <a:ext cx="12046857" cy="6657975"/>
+          </a:xfrm>
+          <a:prstGeom prst="rect">
+            <a:avLst/>
+          </a:prstGeom>
+        </p:spPr>
+      </p:pic>
+    </p:spTree>
+    <p:extLst>
+      <p:ext uri="{BB962C8B-B14F-4D97-AF65-F5344CB8AC3E}">
+        <p14:creationId xmlns:p14="http://schemas.microsoft.com/office/powerpoint/2010/main" val="2258715119"/>
+      </p:ext>
+    </p:extLst>
+  </p:cSld>
+  <p:clrMapOvr>
+    <a:masterClrMapping/>
+  </p:clrMapOvr>
+</p:sld>
+</file>
+
+<file path=ppt/slides/slide21.xml><?xml version="1.0" encoding="utf-8"?>
+<p:sld xmlns:a="http://schemas.openxmlformats.org/drawingml/2006/main" xmlns:r="http://schemas.openxmlformats.org/officeDocument/2006/relationships" xmlns:p="http://schemas.openxmlformats.org/presentationml/2006/main">
+  <p:cSld>
+    <p:spTree>
+      <p:nvGrpSpPr>
+        <p:cNvPr id="1" name=""/>
+        <p:cNvGrpSpPr/>
+        <p:nvPr/>
+      </p:nvGrpSpPr>
+      <p:grpSpPr>
+        <a:xfrm>
+          <a:off x="0" y="0"/>
+          <a:ext cx="0" cy="0"/>
+          <a:chOff x="0" y="0"/>
+          <a:chExt cx="0" cy="0"/>
+        </a:xfrm>
+      </p:grpSpPr>
+      <p:pic>
+        <p:nvPicPr>
+          <p:cNvPr id="3" name="Picture 2"/>
+          <p:cNvPicPr>
+            <a:picLocks noChangeAspect="1"/>
+          </p:cNvPicPr>
+          <p:nvPr/>
+        </p:nvPicPr>
+        <p:blipFill>
+          <a:blip r:embed="rId2"/>
+          <a:stretch>
+            <a:fillRect/>
+          </a:stretch>
+        </p:blipFill>
+        <p:spPr>
+          <a:xfrm>
+            <a:off x="145143" y="0"/>
+            <a:ext cx="12177486" cy="6757987"/>
+          </a:xfrm>
+          <a:prstGeom prst="rect">
+            <a:avLst/>
+          </a:prstGeom>
+        </p:spPr>
+      </p:pic>
+    </p:spTree>
+    <p:extLst>
+      <p:ext uri="{BB962C8B-B14F-4D97-AF65-F5344CB8AC3E}">
+        <p14:creationId xmlns:p14="http://schemas.microsoft.com/office/powerpoint/2010/main" val="762947549"/>
+      </p:ext>
+    </p:extLst>
+  </p:cSld>
+  <p:clrMapOvr>
+    <a:masterClrMapping/>
+  </p:clrMapOvr>
+</p:sld>
+</file>
+
+<file path=ppt/slides/slide22.xml><?xml version="1.0" encoding="utf-8"?>
+<p:sld xmlns:a="http://schemas.openxmlformats.org/drawingml/2006/main" xmlns:r="http://schemas.openxmlformats.org/officeDocument/2006/relationships" xmlns:p="http://schemas.openxmlformats.org/presentationml/2006/main">
+  <p:cSld>
+    <p:spTree>
+      <p:nvGrpSpPr>
+        <p:cNvPr id="1" name=""/>
+        <p:cNvGrpSpPr/>
+        <p:nvPr/>
+      </p:nvGrpSpPr>
+      <p:grpSpPr>
+        <a:xfrm>
+          <a:off x="0" y="0"/>
+          <a:ext cx="0" cy="0"/>
+          <a:chOff x="0" y="0"/>
+          <a:chExt cx="0" cy="0"/>
+        </a:xfrm>
+      </p:grpSpPr>
+      <p:pic>
+        <p:nvPicPr>
+          <p:cNvPr id="2" name="Picture 1"/>
+          <p:cNvPicPr>
+            <a:picLocks noChangeAspect="1"/>
+          </p:cNvPicPr>
+          <p:nvPr/>
+        </p:nvPicPr>
+        <p:blipFill>
+          <a:blip r:embed="rId2"/>
+          <a:stretch>
+            <a:fillRect/>
+          </a:stretch>
+        </p:blipFill>
+        <p:spPr>
+          <a:xfrm>
+            <a:off x="145143" y="70984"/>
+            <a:ext cx="12046857" cy="6657975"/>
+          </a:xfrm>
+          <a:prstGeom prst="rect">
+            <a:avLst/>
+          </a:prstGeom>
+        </p:spPr>
+      </p:pic>
+    </p:spTree>
+    <p:extLst>
+      <p:ext uri="{BB962C8B-B14F-4D97-AF65-F5344CB8AC3E}">
+        <p14:creationId xmlns:p14="http://schemas.microsoft.com/office/powerpoint/2010/main" val="2637963"/>
+      </p:ext>
+    </p:extLst>
+  </p:cSld>
+  <p:clrMapOvr>
+    <a:masterClrMapping/>
+  </p:clrMapOvr>
+</p:sld>
+</file>
+
+<file path=ppt/slides/slide23.xml><?xml version="1.0" encoding="utf-8"?>
+<p:sld xmlns:a="http://schemas.openxmlformats.org/drawingml/2006/main" xmlns:r="http://schemas.openxmlformats.org/officeDocument/2006/relationships" xmlns:p="http://schemas.openxmlformats.org/presentationml/2006/main">
+  <p:cSld>
     <p:bg>
       <p:bgPr>
         <a:solidFill>
@@ -6831,7 +9420,7 @@
                 <a16:creationId xmlns:a16="http://schemas.microsoft.com/office/drawing/2014/main" id="{3C54F4CE-85F0-46ED-80DA-9518C9251AD1}"/>
               </a:ext>
               <a:ext uri="{C183D7F6-B498-43B3-948B-1728B52AA6E4}">
-                <adec:decorative xmlns:adec="http://schemas.microsoft.com/office/drawing/2017/decorative" val="1"/>
+                <adec:decorative xmlns="" xmlns:adec="http://schemas.microsoft.com/office/drawing/2017/decorative" val="1"/>
               </a:ext>
             </a:extLst>
           </p:cNvPr>
@@ -6907,7 +9496,7 @@
                 <a16:creationId xmlns:a16="http://schemas.microsoft.com/office/drawing/2014/main" id="{DADD1FCA-8ACB-4958-81DD-4CDD6D3E1921}"/>
               </a:ext>
               <a:ext uri="{C183D7F6-B498-43B3-948B-1728B52AA6E4}">
-                <adec:decorative xmlns:adec="http://schemas.microsoft.com/office/drawing/2017/decorative" val="1"/>
+                <adec:decorative xmlns="" xmlns:adec="http://schemas.microsoft.com/office/drawing/2017/decorative" val="1"/>
               </a:ext>
             </a:extLst>
           </p:cNvPr>
@@ -9478,6 +12067,17 @@
                 <a:cs typeface="+mj-cs"/>
               </a:rPr>
             </a:br>
+            <a:r>
+              <a:rPr lang="en-US" kern="1200" dirty="0">
+                <a:solidFill>
+                  <a:schemeClr val="tx1"/>
+                </a:solidFill>
+                <a:latin typeface="+mj-lt"/>
+                <a:ea typeface="+mj-ea"/>
+                <a:cs typeface="+mj-cs"/>
+              </a:rPr>
+              <a:t/>
+            </a:r>
             <a:br>
               <a:rPr lang="en-US" kern="1200" dirty="0">
                 <a:solidFill>
@@ -9488,6 +12088,17 @@
                 <a:cs typeface="+mj-cs"/>
               </a:rPr>
             </a:br>
+            <a:r>
+              <a:rPr lang="en-US" kern="1200" dirty="0">
+                <a:solidFill>
+                  <a:schemeClr val="tx1"/>
+                </a:solidFill>
+                <a:latin typeface="+mj-lt"/>
+                <a:ea typeface="+mj-ea"/>
+                <a:cs typeface="+mj-cs"/>
+              </a:rPr>
+              <a:t/>
+            </a:r>
             <a:br>
               <a:rPr lang="en-US" kern="1200" dirty="0">
                 <a:solidFill>
@@ -9555,7 +12166,7 @@
 </p:sld>
 </file>
 
-<file path=ppt/slides/slide12.xml><?xml version="1.0" encoding="utf-8"?>
+<file path=ppt/slides/slide24.xml><?xml version="1.0" encoding="utf-8"?>
 <p:sld xmlns:a="http://schemas.openxmlformats.org/drawingml/2006/main" xmlns:r="http://schemas.openxmlformats.org/officeDocument/2006/relationships" xmlns:p="http://schemas.openxmlformats.org/presentationml/2006/main">
   <p:cSld>
     <p:bg>
@@ -9588,7 +12199,7 @@
                 <a16:creationId xmlns:a16="http://schemas.microsoft.com/office/drawing/2014/main" id="{9089EED9-F54D-4F20-A2C6-949DE4176959}"/>
               </a:ext>
               <a:ext uri="{C183D7F6-B498-43B3-948B-1728B52AA6E4}">
-                <adec:decorative xmlns:adec="http://schemas.microsoft.com/office/drawing/2017/decorative" val="1"/>
+                <adec:decorative xmlns="" xmlns:adec="http://schemas.microsoft.com/office/drawing/2017/decorative" val="1"/>
               </a:ext>
             </a:extLst>
           </p:cNvPr>
@@ -9664,7 +12275,7 @@
                 <a16:creationId xmlns:a16="http://schemas.microsoft.com/office/drawing/2014/main" id="{7E46F721-3785-414D-8697-16AF490E6806}"/>
               </a:ext>
               <a:ext uri="{C183D7F6-B498-43B3-948B-1728B52AA6E4}">
-                <adec:decorative xmlns:adec="http://schemas.microsoft.com/office/drawing/2017/decorative" val="1"/>
+                <adec:decorative xmlns="" xmlns:adec="http://schemas.microsoft.com/office/drawing/2017/decorative" val="1"/>
               </a:ext>
             </a:extLst>
           </p:cNvPr>
@@ -11109,1781 +13720,6 @@
 </p:sld>
 </file>
 
-<file path=ppt/slides/slide2.xml><?xml version="1.0" encoding="utf-8"?>
-<p:sld xmlns:a="http://schemas.openxmlformats.org/drawingml/2006/main" xmlns:r="http://schemas.openxmlformats.org/officeDocument/2006/relationships" xmlns:p="http://schemas.openxmlformats.org/presentationml/2006/main">
-  <p:cSld>
-    <p:bg>
-      <p:bgPr>
-        <a:solidFill>
-          <a:schemeClr val="bg1"/>
-        </a:solidFill>
-        <a:effectLst/>
-      </p:bgPr>
-    </p:bg>
-    <p:spTree>
-      <p:nvGrpSpPr>
-        <p:cNvPr id="1" name=""/>
-        <p:cNvGrpSpPr/>
-        <p:nvPr/>
-      </p:nvGrpSpPr>
-      <p:grpSpPr>
-        <a:xfrm>
-          <a:off x="0" y="0"/>
-          <a:ext cx="0" cy="0"/>
-          <a:chOff x="0" y="0"/>
-          <a:chExt cx="0" cy="0"/>
-        </a:xfrm>
-      </p:grpSpPr>
-      <p:sp useBgFill="1">
-        <p:nvSpPr>
-          <p:cNvPr id="14" name="Rectangle 13">
-            <a:extLst>
-              <a:ext uri="{FF2B5EF4-FFF2-40B4-BE49-F238E27FC236}">
-                <a16:creationId xmlns:a16="http://schemas.microsoft.com/office/drawing/2014/main" id="{9089EED9-F54D-4F20-A2C6-949DE4176959}"/>
-              </a:ext>
-              <a:ext uri="{C183D7F6-B498-43B3-948B-1728B52AA6E4}">
-                <adec:decorative xmlns:adec="http://schemas.microsoft.com/office/drawing/2017/decorative" val="1"/>
-              </a:ext>
-            </a:extLst>
-          </p:cNvPr>
-          <p:cNvSpPr>
-            <a:spLocks noGrp="1" noRot="1" noChangeAspect="1" noMove="1" noResize="1" noEditPoints="1" noAdjustHandles="1" noChangeArrowheads="1" noChangeShapeType="1" noTextEdit="1"/>
-          </p:cNvSpPr>
-          <p:nvPr>
-            <p:extLst>
-              <p:ext uri="{386F3935-93C4-4BCD-93E2-E3B085C9AB24}">
-                <p16:designElem xmlns:p16="http://schemas.microsoft.com/office/powerpoint/2015/main" val="1"/>
-              </p:ext>
-            </p:extLst>
-          </p:nvPr>
-        </p:nvSpPr>
-        <p:spPr>
-          <a:xfrm>
-            <a:off x="0" y="0"/>
-            <a:ext cx="12192000" cy="6858000"/>
-          </a:xfrm>
-          <a:prstGeom prst="rect">
-            <a:avLst/>
-          </a:prstGeom>
-          <a:ln w="12700" cap="flat" cmpd="sng" algn="ctr">
-            <a:noFill/>
-            <a:prstDash val="solid"/>
-            <a:miter lim="800000"/>
-          </a:ln>
-          <a:effectLst/>
-          <a:extLst>
-            <a:ext uri="{91240B29-F687-4F45-9708-019B960494DF}">
-              <a14:hiddenLine xmlns:a14="http://schemas.microsoft.com/office/drawing/2010/main" w="12700" cap="flat" cmpd="sng" algn="ctr">
-                <a:solidFill>
-                  <a:schemeClr val="accent1">
-                    <a:shade val="50000"/>
-                  </a:schemeClr>
-                </a:solidFill>
-                <a:prstDash val="solid"/>
-                <a:miter lim="800000"/>
-              </a14:hiddenLine>
-            </a:ext>
-          </a:extLst>
-        </p:spPr>
-        <p:style>
-          <a:lnRef idx="2">
-            <a:schemeClr val="accent1">
-              <a:shade val="50000"/>
-            </a:schemeClr>
-          </a:lnRef>
-          <a:fillRef idx="1">
-            <a:schemeClr val="accent1"/>
-          </a:fillRef>
-          <a:effectRef idx="0">
-            <a:schemeClr val="accent1"/>
-          </a:effectRef>
-          <a:fontRef idx="minor">
-            <a:schemeClr val="lt1"/>
-          </a:fontRef>
-        </p:style>
-        <p:txBody>
-          <a:bodyPr rtlCol="0" anchor="ctr"/>
-          <a:lstStyle/>
-          <a:p>
-            <a:pPr algn="ctr"/>
-            <a:endParaRPr lang="en-US"/>
-          </a:p>
-        </p:txBody>
-      </p:sp>
-      <p:sp>
-        <p:nvSpPr>
-          <p:cNvPr id="16" name="Rectangle 15">
-            <a:extLst>
-              <a:ext uri="{FF2B5EF4-FFF2-40B4-BE49-F238E27FC236}">
-                <a16:creationId xmlns:a16="http://schemas.microsoft.com/office/drawing/2014/main" id="{7E46F721-3785-414D-8697-16AF490E6806}"/>
-              </a:ext>
-              <a:ext uri="{C183D7F6-B498-43B3-948B-1728B52AA6E4}">
-                <adec:decorative xmlns:adec="http://schemas.microsoft.com/office/drawing/2017/decorative" val="1"/>
-              </a:ext>
-            </a:extLst>
-          </p:cNvPr>
-          <p:cNvSpPr>
-            <a:spLocks noGrp="1" noRot="1" noChangeAspect="1" noMove="1" noResize="1" noEditPoints="1" noAdjustHandles="1" noChangeArrowheads="1" noChangeShapeType="1" noTextEdit="1"/>
-          </p:cNvSpPr>
-          <p:nvPr>
-            <p:extLst>
-              <p:ext uri="{386F3935-93C4-4BCD-93E2-E3B085C9AB24}">
-                <p16:designElem xmlns:p16="http://schemas.microsoft.com/office/powerpoint/2015/main" val="1"/>
-              </p:ext>
-            </p:extLst>
-          </p:nvPr>
-        </p:nvSpPr>
-        <p:spPr>
-          <a:xfrm>
-            <a:off x="6096000" y="0"/>
-            <a:ext cx="6096000" cy="6858000"/>
-          </a:xfrm>
-          <a:prstGeom prst="rect">
-            <a:avLst/>
-          </a:prstGeom>
-          <a:solidFill>
-            <a:srgbClr val="82766A">
-              <a:alpha val="15000"/>
-            </a:srgbClr>
-          </a:solidFill>
-          <a:ln w="12700" cap="flat" cmpd="sng" algn="ctr">
-            <a:noFill/>
-            <a:prstDash val="solid"/>
-            <a:miter lim="800000"/>
-          </a:ln>
-          <a:effectLst/>
-        </p:spPr>
-        <p:style>
-          <a:lnRef idx="2">
-            <a:schemeClr val="accent1">
-              <a:shade val="50000"/>
-            </a:schemeClr>
-          </a:lnRef>
-          <a:fillRef idx="1">
-            <a:schemeClr val="accent1"/>
-          </a:fillRef>
-          <a:effectRef idx="0">
-            <a:schemeClr val="accent1"/>
-          </a:effectRef>
-          <a:fontRef idx="minor">
-            <a:schemeClr val="lt1"/>
-          </a:fontRef>
-        </p:style>
-        <p:txBody>
-          <a:bodyPr rtlCol="0" anchor="ctr"/>
-          <a:lstStyle/>
-          <a:p>
-            <a:pPr algn="ctr"/>
-            <a:endParaRPr lang="en-US"/>
-          </a:p>
-        </p:txBody>
-      </p:sp>
-      <p:sp>
-        <p:nvSpPr>
-          <p:cNvPr id="2" name="Title 1">
-            <a:extLst>
-              <a:ext uri="{FF2B5EF4-FFF2-40B4-BE49-F238E27FC236}">
-                <a16:creationId xmlns:a16="http://schemas.microsoft.com/office/drawing/2014/main" id="{F6BE85AE-A88E-9FB6-CA11-68DFB3AF2112}"/>
-              </a:ext>
-            </a:extLst>
-          </p:cNvPr>
-          <p:cNvSpPr>
-            <a:spLocks noGrp="1"/>
-          </p:cNvSpPr>
-          <p:nvPr>
-            <p:ph type="ctrTitle"/>
-          </p:nvPr>
-        </p:nvSpPr>
-        <p:spPr>
-          <a:xfrm>
-            <a:off x="7869036" y="87831"/>
-            <a:ext cx="3389515" cy="610260"/>
-          </a:xfrm>
-        </p:spPr>
-        <p:txBody>
-          <a:bodyPr anchor="b">
-            <a:normAutofit/>
-          </a:bodyPr>
-          <a:lstStyle/>
-          <a:p>
-            <a:r>
-              <a:rPr lang="en-GB" sz="3600" dirty="0">
-                <a:solidFill>
-                  <a:schemeClr val="tx1">
-                    <a:lumMod val="85000"/>
-                    <a:lumOff val="15000"/>
-                  </a:schemeClr>
-                </a:solidFill>
-              </a:rPr>
-              <a:t>Introduction</a:t>
-            </a:r>
-          </a:p>
-        </p:txBody>
-      </p:sp>
-      <p:sp>
-        <p:nvSpPr>
-          <p:cNvPr id="3" name="Subtitle 2">
-            <a:extLst>
-              <a:ext uri="{FF2B5EF4-FFF2-40B4-BE49-F238E27FC236}">
-                <a16:creationId xmlns:a16="http://schemas.microsoft.com/office/drawing/2014/main" id="{25C49F12-3CC8-DDFB-DA23-E297CAFDE212}"/>
-              </a:ext>
-            </a:extLst>
-          </p:cNvPr>
-          <p:cNvSpPr>
-            <a:spLocks noGrp="1"/>
-          </p:cNvSpPr>
-          <p:nvPr>
-            <p:ph type="subTitle" idx="1"/>
-          </p:nvPr>
-        </p:nvSpPr>
-        <p:spPr>
-          <a:xfrm>
-            <a:off x="8608757" y="6223886"/>
-            <a:ext cx="2895600" cy="471904"/>
-          </a:xfrm>
-        </p:spPr>
-        <p:txBody>
-          <a:bodyPr anchor="t">
-            <a:noAutofit/>
-          </a:bodyPr>
-          <a:lstStyle/>
-          <a:p>
-            <a:r>
-              <a:rPr lang="en-GB" sz="2800" dirty="0">
-                <a:solidFill>
-                  <a:schemeClr val="tx1">
-                    <a:lumMod val="85000"/>
-                    <a:lumOff val="15000"/>
-                  </a:schemeClr>
-                </a:solidFill>
-              </a:rPr>
-              <a:t>Lavanya</a:t>
-            </a:r>
-          </a:p>
-        </p:txBody>
-      </p:sp>
-      <p:pic>
-        <p:nvPicPr>
-          <p:cNvPr id="4" name="Picture 3">
-            <a:extLst>
-              <a:ext uri="{FF2B5EF4-FFF2-40B4-BE49-F238E27FC236}">
-                <a16:creationId xmlns:a16="http://schemas.microsoft.com/office/drawing/2014/main" id="{BFE212EB-26DC-4C57-1114-4A6F6164C534}"/>
-              </a:ext>
-            </a:extLst>
-          </p:cNvPr>
-          <p:cNvPicPr>
-            <a:picLocks noChangeAspect="1"/>
-          </p:cNvPicPr>
-          <p:nvPr/>
-        </p:nvPicPr>
-        <p:blipFill rotWithShape="1">
-          <a:blip r:embed="rId3"/>
-          <a:srcRect l="2005" r="469" b="-2"/>
-          <a:stretch/>
-        </p:blipFill>
-        <p:spPr>
-          <a:xfrm>
-            <a:off x="20" y="1"/>
-            <a:ext cx="7665573" cy="6857999"/>
-          </a:xfrm>
-          <a:custGeom>
-            <a:avLst/>
-            <a:gdLst/>
-            <a:ahLst/>
-            <a:cxnLst/>
-            <a:rect l="l" t="t" r="r" b="b"/>
-            <a:pathLst>
-              <a:path w="7665593" h="6857999">
-                <a:moveTo>
-                  <a:pt x="0" y="0"/>
-                </a:moveTo>
-                <a:lnTo>
-                  <a:pt x="7363783" y="0"/>
-                </a:lnTo>
-                <a:lnTo>
-                  <a:pt x="7372954" y="18152"/>
-                </a:lnTo>
-                <a:cubicBezTo>
-                  <a:pt x="7378508" y="27417"/>
-                  <a:pt x="7383821" y="35694"/>
-                  <a:pt x="7386404" y="41707"/>
-                </a:cubicBezTo>
-                <a:lnTo>
-                  <a:pt x="7389058" y="60832"/>
-                </a:lnTo>
-                <a:lnTo>
-                  <a:pt x="7394074" y="60137"/>
-                </a:lnTo>
-                <a:lnTo>
-                  <a:pt x="7394443" y="67241"/>
-                </a:lnTo>
-                <a:lnTo>
-                  <a:pt x="7394565" y="83099"/>
-                </a:lnTo>
-                <a:cubicBezTo>
-                  <a:pt x="7395324" y="92994"/>
-                  <a:pt x="7394122" y="120511"/>
-                  <a:pt x="7395957" y="130584"/>
-                </a:cubicBezTo>
-                <a:cubicBezTo>
-                  <a:pt x="7401306" y="133490"/>
-                  <a:pt x="7404223" y="137975"/>
-                  <a:pt x="7405574" y="143540"/>
-                </a:cubicBezTo>
-                <a:lnTo>
-                  <a:pt x="7405725" y="155795"/>
-                </a:lnTo>
-                <a:lnTo>
-                  <a:pt x="7418615" y="226869"/>
-                </a:lnTo>
-                <a:lnTo>
-                  <a:pt x="7419579" y="236641"/>
-                </a:lnTo>
-                <a:lnTo>
-                  <a:pt x="7423900" y="241933"/>
-                </a:lnTo>
-                <a:cubicBezTo>
-                  <a:pt x="7424763" y="245974"/>
-                  <a:pt x="7424206" y="257579"/>
-                  <a:pt x="7424760" y="260885"/>
-                </a:cubicBezTo>
-                <a:cubicBezTo>
-                  <a:pt x="7425580" y="261177"/>
-                  <a:pt x="7426400" y="261469"/>
-                  <a:pt x="7427220" y="261761"/>
-                </a:cubicBezTo>
-                <a:cubicBezTo>
-                  <a:pt x="7431152" y="272291"/>
-                  <a:pt x="7444241" y="311893"/>
-                  <a:pt x="7448344" y="324055"/>
-                </a:cubicBezTo>
-                <a:cubicBezTo>
-                  <a:pt x="7444563" y="326484"/>
-                  <a:pt x="7450535" y="331924"/>
-                  <a:pt x="7451833" y="334727"/>
-                </a:cubicBezTo>
-                <a:cubicBezTo>
-                  <a:pt x="7449286" y="335161"/>
-                  <a:pt x="7448510" y="341947"/>
-                  <a:pt x="7450776" y="343948"/>
-                </a:cubicBezTo>
-                <a:cubicBezTo>
-                  <a:pt x="7463202" y="391652"/>
-                  <a:pt x="7437523" y="367773"/>
-                  <a:pt x="7453791" y="395003"/>
-                </a:cubicBezTo>
-                <a:cubicBezTo>
-                  <a:pt x="7454869" y="399820"/>
-                  <a:pt x="7453841" y="403723"/>
-                  <a:pt x="7451939" y="407147"/>
-                </a:cubicBezTo>
-                <a:lnTo>
-                  <a:pt x="7448030" y="412254"/>
-                </a:lnTo>
-                <a:lnTo>
-                  <a:pt x="7455416" y="432021"/>
-                </a:lnTo>
-                <a:cubicBezTo>
-                  <a:pt x="7457991" y="441758"/>
-                  <a:pt x="7459699" y="452007"/>
-                  <a:pt x="7460479" y="462523"/>
-                </a:cubicBezTo>
-                <a:cubicBezTo>
-                  <a:pt x="7455275" y="464882"/>
-                  <a:pt x="7462669" y="473136"/>
-                  <a:pt x="7464133" y="477020"/>
-                </a:cubicBezTo>
-                <a:cubicBezTo>
-                  <a:pt x="7460734" y="477060"/>
-                  <a:pt x="7459104" y="485663"/>
-                  <a:pt x="7461914" y="488716"/>
-                </a:cubicBezTo>
-                <a:cubicBezTo>
-                  <a:pt x="7474065" y="552879"/>
-                  <a:pt x="7442314" y="516775"/>
-                  <a:pt x="7461353" y="555280"/>
-                </a:cubicBezTo>
-                <a:cubicBezTo>
-                  <a:pt x="7462345" y="561721"/>
-                  <a:pt x="7460642" y="566553"/>
-                  <a:pt x="7457829" y="570585"/>
-                </a:cubicBezTo>
-                <a:lnTo>
-                  <a:pt x="7450804" y="577839"/>
-                </a:lnTo>
-                <a:lnTo>
-                  <a:pt x="7453309" y="583524"/>
-                </a:lnTo>
-                <a:cubicBezTo>
-                  <a:pt x="7453505" y="604977"/>
-                  <a:pt x="7446306" y="611303"/>
-                  <a:pt x="7453558" y="623785"/>
-                </a:cubicBezTo>
-                <a:cubicBezTo>
-                  <a:pt x="7438483" y="642230"/>
-                  <a:pt x="7452055" y="636019"/>
-                  <a:pt x="7454362" y="650049"/>
-                </a:cubicBezTo>
-                <a:cubicBezTo>
-                  <a:pt x="7457368" y="661117"/>
-                  <a:pt x="7463152" y="640798"/>
-                  <a:pt x="7464006" y="651645"/>
-                </a:cubicBezTo>
-                <a:cubicBezTo>
-                  <a:pt x="7460114" y="663380"/>
-                  <a:pt x="7472201" y="662829"/>
-                  <a:pt x="7467442" y="675032"/>
-                </a:cubicBezTo>
-                <a:cubicBezTo>
-                  <a:pt x="7458335" y="672068"/>
-                  <a:pt x="7469207" y="699114"/>
-                  <a:pt x="7461251" y="699956"/>
-                </a:cubicBezTo>
-                <a:cubicBezTo>
-                  <a:pt x="7472628" y="710321"/>
-                  <a:pt x="7458614" y="715529"/>
-                  <a:pt x="7462119" y="729331"/>
-                </a:cubicBezTo>
-                <a:cubicBezTo>
-                  <a:pt x="7466423" y="735831"/>
-                  <a:pt x="7467162" y="740521"/>
-                  <a:pt x="7462533" y="746910"/>
-                </a:cubicBezTo>
-                <a:cubicBezTo>
-                  <a:pt x="7483486" y="776851"/>
-                  <a:pt x="7463470" y="765024"/>
-                  <a:pt x="7471529" y="793043"/>
-                </a:cubicBezTo>
-                <a:cubicBezTo>
-                  <a:pt x="7480002" y="817184"/>
-                  <a:pt x="7485500" y="844550"/>
-                  <a:pt x="7505730" y="867898"/>
-                </a:cubicBezTo>
-                <a:cubicBezTo>
-                  <a:pt x="7511461" y="872184"/>
-                  <a:pt x="7513630" y="882707"/>
-                  <a:pt x="7510576" y="891400"/>
-                </a:cubicBezTo>
-                <a:cubicBezTo>
-                  <a:pt x="7510049" y="892894"/>
-                  <a:pt x="7509385" y="894278"/>
-                  <a:pt x="7508604" y="895508"/>
-                </a:cubicBezTo>
-                <a:cubicBezTo>
-                  <a:pt x="7511698" y="915692"/>
-                  <a:pt x="7525520" y="989520"/>
-                  <a:pt x="7529143" y="1012510"/>
-                </a:cubicBezTo>
-                <a:cubicBezTo>
-                  <a:pt x="7521781" y="1014371"/>
-                  <a:pt x="7535067" y="1025997"/>
-                  <a:pt x="7530347" y="1033444"/>
-                </a:cubicBezTo>
-                <a:cubicBezTo>
-                  <a:pt x="7526204" y="1038777"/>
-                  <a:pt x="7529270" y="1043549"/>
-                  <a:pt x="7529596" y="1049120"/>
-                </a:cubicBezTo>
-                <a:cubicBezTo>
-                  <a:pt x="7526339" y="1056460"/>
-                  <a:pt x="7532220" y="1080398"/>
-                  <a:pt x="7536437" y="1086639"/>
-                </a:cubicBezTo>
-                <a:cubicBezTo>
-                  <a:pt x="7551094" y="1101553"/>
-                  <a:pt x="7540210" y="1135442"/>
-                  <a:pt x="7551438" y="1147834"/>
-                </a:cubicBezTo>
-                <a:cubicBezTo>
-                  <a:pt x="7553086" y="1152330"/>
-                  <a:pt x="7553752" y="1156729"/>
-                  <a:pt x="7553808" y="1161047"/>
-                </a:cubicBezTo>
-                <a:lnTo>
-                  <a:pt x="7552572" y="1173130"/>
-                </a:lnTo>
-                <a:lnTo>
-                  <a:pt x="7549434" y="1176566"/>
-                </a:lnTo>
-                <a:lnTo>
-                  <a:pt x="7550211" y="1183950"/>
-                </a:lnTo>
-                <a:lnTo>
-                  <a:pt x="7549733" y="1186066"/>
-                </a:lnTo>
-                <a:cubicBezTo>
-                  <a:pt x="7548807" y="1190108"/>
-                  <a:pt x="7548001" y="1194099"/>
-                  <a:pt x="7547683" y="1198047"/>
-                </a:cubicBezTo>
-                <a:cubicBezTo>
-                  <a:pt x="7563423" y="1192855"/>
-                  <a:pt x="7547566" y="1230782"/>
-                  <a:pt x="7560295" y="1219849"/>
-                </a:cubicBezTo>
-                <a:cubicBezTo>
-                  <a:pt x="7561281" y="1240644"/>
-                  <a:pt x="7573138" y="1224782"/>
-                  <a:pt x="7561835" y="1249779"/>
-                </a:cubicBezTo>
-                <a:cubicBezTo>
-                  <a:pt x="7574707" y="1282065"/>
-                  <a:pt x="7569916" y="1332957"/>
-                  <a:pt x="7589445" y="1358245"/>
-                </a:cubicBezTo>
-                <a:cubicBezTo>
-                  <a:pt x="7581989" y="1355103"/>
-                  <a:pt x="7576204" y="1368711"/>
-                  <a:pt x="7579904" y="1378136"/>
-                </a:cubicBezTo>
-                <a:cubicBezTo>
-                  <a:pt x="7550647" y="1367117"/>
-                  <a:pt x="7606267" y="1415404"/>
-                  <a:pt x="7586303" y="1423699"/>
-                </a:cubicBezTo>
-                <a:cubicBezTo>
-                  <a:pt x="7604838" y="1424108"/>
-                  <a:pt x="7636267" y="1466352"/>
-                  <a:pt x="7621059" y="1486236"/>
-                </a:cubicBezTo>
-                <a:cubicBezTo>
-                  <a:pt x="7624771" y="1516526"/>
-                  <a:pt x="7640092" y="1537976"/>
-                  <a:pt x="7633966" y="1569734"/>
-                </a:cubicBezTo>
-                <a:cubicBezTo>
-                  <a:pt x="7636447" y="1570719"/>
-                  <a:pt x="7638522" y="1572334"/>
-                  <a:pt x="7640304" y="1574384"/>
-                </a:cubicBezTo>
-                <a:lnTo>
-                  <a:pt x="7644628" y="1581242"/>
-                </a:lnTo>
-                <a:lnTo>
-                  <a:pt x="7644313" y="1582567"/>
-                </a:lnTo>
-                <a:cubicBezTo>
-                  <a:pt x="7644257" y="1587776"/>
-                  <a:pt x="7645302" y="1590443"/>
-                  <a:pt x="7646831" y="1591983"/>
-                </a:cubicBezTo>
-                <a:cubicBezTo>
-                  <a:pt x="7647577" y="1592347"/>
-                  <a:pt x="7648323" y="1592711"/>
-                  <a:pt x="7649069" y="1593074"/>
-                </a:cubicBezTo>
-                <a:lnTo>
-                  <a:pt x="7651326" y="1599230"/>
-                </a:lnTo>
-                <a:lnTo>
-                  <a:pt x="7657195" y="1610539"/>
-                </a:lnTo>
-                <a:lnTo>
-                  <a:pt x="7656957" y="1613422"/>
-                </a:lnTo>
-                <a:lnTo>
-                  <a:pt x="7663730" y="1631673"/>
-                </a:lnTo>
-                <a:lnTo>
-                  <a:pt x="7663189" y="1632289"/>
-                </a:lnTo>
-                <a:cubicBezTo>
-                  <a:pt x="7662131" y="1634085"/>
-                  <a:pt x="7661641" y="1636199"/>
-                  <a:pt x="7662326" y="1639024"/>
-                </a:cubicBezTo>
-                <a:cubicBezTo>
-                  <a:pt x="7651979" y="1640024"/>
-                  <a:pt x="7659188" y="1642819"/>
-                  <a:pt x="7662125" y="1651067"/>
-                </a:cubicBezTo>
-                <a:cubicBezTo>
-                  <a:pt x="7646711" y="1654462"/>
-                  <a:pt x="7660667" y="1674670"/>
-                  <a:pt x="7653812" y="1683345"/>
-                </a:cubicBezTo>
-                <a:cubicBezTo>
-                  <a:pt x="7656316" y="1689330"/>
-                  <a:pt x="7658683" y="1695719"/>
-                  <a:pt x="7660803" y="1702414"/>
-                </a:cubicBezTo>
-                <a:lnTo>
-                  <a:pt x="7661867" y="1756201"/>
-                </a:lnTo>
-                <a:lnTo>
-                  <a:pt x="7649453" y="1812530"/>
-                </a:lnTo>
-                <a:cubicBezTo>
-                  <a:pt x="7649183" y="1833366"/>
-                  <a:pt x="7644573" y="1851408"/>
-                  <a:pt x="7647823" y="1869041"/>
-                </a:cubicBezTo>
-                <a:cubicBezTo>
-                  <a:pt x="7644238" y="1876204"/>
-                  <a:pt x="7642789" y="1882956"/>
-                  <a:pt x="7648156" y="1889503"/>
-                </a:cubicBezTo>
-                <a:cubicBezTo>
-                  <a:pt x="7646365" y="1908946"/>
-                  <a:pt x="7638702" y="1913653"/>
-                  <a:pt x="7644679" y="1925974"/>
-                </a:cubicBezTo>
-                <a:cubicBezTo>
-                  <a:pt x="7632281" y="1936898"/>
-                  <a:pt x="7637013" y="1937545"/>
-                  <a:pt x="7640564" y="1942678"/>
-                </a:cubicBezTo>
-                <a:lnTo>
-                  <a:pt x="7640816" y="1943410"/>
-                </a:lnTo>
-                <a:lnTo>
-                  <a:pt x="7639044" y="1944904"/>
-                </a:lnTo>
-                <a:lnTo>
-                  <a:pt x="7638223" y="1947993"/>
-                </a:lnTo>
-                <a:lnTo>
-                  <a:pt x="7638752" y="1956430"/>
-                </a:lnTo>
-                <a:lnTo>
-                  <a:pt x="7639407" y="1959603"/>
-                </a:lnTo>
-                <a:cubicBezTo>
-                  <a:pt x="7639690" y="1961788"/>
-                  <a:pt x="7639658" y="1963239"/>
-                  <a:pt x="7639396" y="1964244"/>
-                </a:cubicBezTo>
-                <a:lnTo>
-                  <a:pt x="7639249" y="1964361"/>
-                </a:lnTo>
-                <a:lnTo>
-                  <a:pt x="7639521" y="1968708"/>
-                </a:lnTo>
-                <a:cubicBezTo>
-                  <a:pt x="7640315" y="1976045"/>
-                  <a:pt x="7641402" y="1983186"/>
-                  <a:pt x="7642694" y="1989983"/>
-                </a:cubicBezTo>
-                <a:cubicBezTo>
-                  <a:pt x="7634556" y="1995729"/>
-                  <a:pt x="7644169" y="2020842"/>
-                  <a:pt x="7628828" y="2018094"/>
-                </a:cubicBezTo>
-                <a:cubicBezTo>
-                  <a:pt x="7630116" y="2027262"/>
-                  <a:pt x="7636485" y="2032807"/>
-                  <a:pt x="7626423" y="2029720"/>
-                </a:cubicBezTo>
-                <a:cubicBezTo>
-                  <a:pt x="7626559" y="2032738"/>
-                  <a:pt x="7625703" y="2034598"/>
-                  <a:pt x="7624364" y="2035929"/>
-                </a:cubicBezTo>
-                <a:lnTo>
-                  <a:pt x="7623733" y="2036314"/>
-                </a:lnTo>
-                <a:lnTo>
-                  <a:pt x="7626847" y="2056711"/>
-                </a:lnTo>
-                <a:lnTo>
-                  <a:pt x="7626090" y="2059419"/>
-                </a:lnTo>
-                <a:lnTo>
-                  <a:pt x="7629618" y="2072712"/>
-                </a:lnTo>
-                <a:lnTo>
-                  <a:pt x="7630641" y="2079581"/>
-                </a:lnTo>
-                <a:lnTo>
-                  <a:pt x="7632577" y="2081522"/>
-                </a:lnTo>
-                <a:cubicBezTo>
-                  <a:pt x="7633753" y="2083617"/>
-                  <a:pt x="7634261" y="2086620"/>
-                  <a:pt x="7633251" y="2091658"/>
-                </a:cubicBezTo>
-                <a:lnTo>
-                  <a:pt x="7632707" y="2092825"/>
-                </a:lnTo>
-                <a:lnTo>
-                  <a:pt x="7635575" y="2101184"/>
-                </a:lnTo>
-                <a:cubicBezTo>
-                  <a:pt x="7636900" y="2103876"/>
-                  <a:pt x="7638586" y="2106260"/>
-                  <a:pt x="7640772" y="2108190"/>
-                </a:cubicBezTo>
-                <a:cubicBezTo>
-                  <a:pt x="7629093" y="2136655"/>
-                  <a:pt x="7639778" y="2163513"/>
-                  <a:pt x="7637758" y="2194409"/>
-                </a:cubicBezTo>
-                <a:cubicBezTo>
-                  <a:pt x="7619585" y="2207765"/>
-                  <a:pt x="7641835" y="2261154"/>
-                  <a:pt x="7659453" y="2268824"/>
-                </a:cubicBezTo>
-                <a:cubicBezTo>
-                  <a:pt x="7644015" y="2268997"/>
-                  <a:pt x="7665037" y="2307714"/>
-                  <a:pt x="7665583" y="2317700"/>
-                </a:cubicBezTo>
-                <a:cubicBezTo>
-                  <a:pt x="7665764" y="2321029"/>
-                  <a:pt x="7663671" y="2321166"/>
-                  <a:pt x="7657195" y="2315619"/>
-                </a:cubicBezTo>
-                <a:cubicBezTo>
-                  <a:pt x="7658997" y="2326231"/>
-                  <a:pt x="7650972" y="2337185"/>
-                  <a:pt x="7644431" y="2331209"/>
-                </a:cubicBezTo>
-                <a:cubicBezTo>
-                  <a:pt x="7658433" y="2363448"/>
-                  <a:pt x="7644510" y="2411031"/>
-                  <a:pt x="7650869" y="2447461"/>
-                </a:cubicBezTo>
-                <a:cubicBezTo>
-                  <a:pt x="7635485" y="2467322"/>
-                  <a:pt x="7649719" y="2456555"/>
-                  <a:pt x="7646841" y="2477156"/>
-                </a:cubicBezTo>
-                <a:cubicBezTo>
-                  <a:pt x="7661004" y="2471521"/>
-                  <a:pt x="7638896" y="2502164"/>
-                  <a:pt x="7654880" y="2503292"/>
-                </a:cubicBezTo>
-                <a:cubicBezTo>
-                  <a:pt x="7653849" y="2507005"/>
-                  <a:pt x="7652348" y="2510567"/>
-                  <a:pt x="7650720" y="2514131"/>
-                </a:cubicBezTo>
-                <a:lnTo>
-                  <a:pt x="7649876" y="2516003"/>
-                </a:lnTo>
-                <a:lnTo>
-                  <a:pt x="7649263" y="2523483"/>
-                </a:lnTo>
-                <a:lnTo>
-                  <a:pt x="7645633" y="2525592"/>
-                </a:lnTo>
-                <a:lnTo>
-                  <a:pt x="7642233" y="2536851"/>
-                </a:lnTo>
-                <a:cubicBezTo>
-                  <a:pt x="7641494" y="2541069"/>
-                  <a:pt x="7641323" y="2545607"/>
-                  <a:pt x="7642069" y="2550622"/>
-                </a:cubicBezTo>
-                <a:cubicBezTo>
-                  <a:pt x="7648404" y="2562959"/>
-                  <a:pt x="7640640" y="2582170"/>
-                  <a:pt x="7641110" y="2599544"/>
-                </a:cubicBezTo>
-                <a:lnTo>
-                  <a:pt x="7643071" y="2607523"/>
-                </a:lnTo>
-                <a:lnTo>
-                  <a:pt x="7639801" y="2633566"/>
-                </a:lnTo>
-                <a:cubicBezTo>
-                  <a:pt x="7639166" y="2640978"/>
-                  <a:pt x="7638833" y="2648672"/>
-                  <a:pt x="7639065" y="2656773"/>
-                </a:cubicBezTo>
-                <a:lnTo>
-                  <a:pt x="7640624" y="2671810"/>
-                </a:lnTo>
-                <a:lnTo>
-                  <a:pt x="7639332" y="2675751"/>
-                </a:lnTo>
-                <a:cubicBezTo>
-                  <a:pt x="7639476" y="2682617"/>
-                  <a:pt x="7644027" y="2691703"/>
-                  <a:pt x="7638498" y="2690893"/>
-                </a:cubicBezTo>
-                <a:lnTo>
-                  <a:pt x="7640415" y="2698606"/>
-                </a:lnTo>
-                <a:lnTo>
-                  <a:pt x="7636002" y="2706218"/>
-                </a:lnTo>
-                <a:cubicBezTo>
-                  <a:pt x="7634978" y="2707053"/>
-                  <a:pt x="7633887" y="2707679"/>
-                  <a:pt x="7632770" y="2708079"/>
-                </a:cubicBezTo>
-                <a:lnTo>
-                  <a:pt x="7634220" y="2718854"/>
-                </a:lnTo>
-                <a:lnTo>
-                  <a:pt x="7631061" y="2727688"/>
-                </a:lnTo>
-                <a:lnTo>
-                  <a:pt x="7633127" y="2735389"/>
-                </a:lnTo>
-                <a:lnTo>
-                  <a:pt x="7632661" y="2738584"/>
-                </a:lnTo>
-                <a:lnTo>
-                  <a:pt x="7631098" y="2746529"/>
-                </a:lnTo>
-                <a:cubicBezTo>
-                  <a:pt x="7630002" y="2750602"/>
-                  <a:pt x="7628681" y="2755160"/>
-                  <a:pt x="7627624" y="2760235"/>
-                </a:cubicBezTo>
-                <a:lnTo>
-                  <a:pt x="7627140" y="2764511"/>
-                </a:lnTo>
-                <a:lnTo>
-                  <a:pt x="7621827" y="2773820"/>
-                </a:lnTo>
-                <a:cubicBezTo>
-                  <a:pt x="7617811" y="2780593"/>
-                  <a:pt x="7615104" y="2785923"/>
-                  <a:pt x="7617284" y="2791840"/>
-                </a:cubicBezTo>
-                <a:cubicBezTo>
-                  <a:pt x="7612094" y="2801924"/>
-                  <a:pt x="7597550" y="2808970"/>
-                  <a:pt x="7601430" y="2823567"/>
-                </a:cubicBezTo>
-                <a:cubicBezTo>
-                  <a:pt x="7594841" y="2819137"/>
-                  <a:pt x="7600633" y="2839778"/>
-                  <a:pt x="7593865" y="2842217"/>
-                </a:cubicBezTo>
-                <a:cubicBezTo>
-                  <a:pt x="7588415" y="2843342"/>
-                  <a:pt x="7588901" y="2849866"/>
-                  <a:pt x="7586893" y="2854834"/>
-                </a:cubicBezTo>
-                <a:cubicBezTo>
-                  <a:pt x="7581327" y="2858374"/>
-                  <a:pt x="7576244" y="2883372"/>
-                  <a:pt x="7577046" y="2892075"/>
-                </a:cubicBezTo>
-                <a:cubicBezTo>
-                  <a:pt x="7582584" y="2916606"/>
-                  <a:pt x="7560175" y="2936338"/>
-                  <a:pt x="7564026" y="2955950"/>
-                </a:cubicBezTo>
-                <a:cubicBezTo>
-                  <a:pt x="7563501" y="2961086"/>
-                  <a:pt x="7562240" y="2965343"/>
-                  <a:pt x="7560529" y="2969031"/>
-                </a:cubicBezTo>
-                <a:lnTo>
-                  <a:pt x="7554631" y="2978222"/>
-                </a:lnTo>
-                <a:lnTo>
-                  <a:pt x="7550747" y="2978564"/>
-                </a:lnTo>
-                <a:lnTo>
-                  <a:pt x="7548359" y="2985429"/>
-                </a:lnTo>
-                <a:lnTo>
-                  <a:pt x="7547120" y="2986826"/>
-                </a:lnTo>
-                <a:cubicBezTo>
-                  <a:pt x="7544741" y="2989483"/>
-                  <a:pt x="7542480" y="2992194"/>
-                  <a:pt x="7540621" y="2995267"/>
-                </a:cubicBezTo>
-                <a:cubicBezTo>
-                  <a:pt x="7555200" y="3003715"/>
-                  <a:pt x="7527208" y="3022799"/>
-                  <a:pt x="7541739" y="3023946"/>
-                </a:cubicBezTo>
-                <a:cubicBezTo>
-                  <a:pt x="7534059" y="3042303"/>
-                  <a:pt x="7549904" y="3038579"/>
-                  <a:pt x="7530781" y="3050462"/>
-                </a:cubicBezTo>
-                <a:cubicBezTo>
-                  <a:pt x="7527838" y="3088204"/>
-                  <a:pt x="7503338" y="3127251"/>
-                  <a:pt x="7508515" y="3164510"/>
-                </a:cubicBezTo>
-                <a:cubicBezTo>
-                  <a:pt x="7503888" y="3155782"/>
-                  <a:pt x="7493770" y="3162549"/>
-                  <a:pt x="7492866" y="3173520"/>
-                </a:cubicBezTo>
-                <a:cubicBezTo>
-                  <a:pt x="7474179" y="3140376"/>
-                  <a:pt x="7498581" y="3226463"/>
-                  <a:pt x="7479395" y="3217191"/>
-                </a:cubicBezTo>
-                <a:cubicBezTo>
-                  <a:pt x="7493905" y="3232643"/>
-                  <a:pt x="7501608" y="3293915"/>
-                  <a:pt x="7481475" y="3298298"/>
-                </a:cubicBezTo>
-                <a:cubicBezTo>
-                  <a:pt x="7472089" y="3326890"/>
-                  <a:pt x="7475493" y="3357480"/>
-                  <a:pt x="7457722" y="3379292"/>
-                </a:cubicBezTo>
-                <a:cubicBezTo>
-                  <a:pt x="7459285" y="3382143"/>
-                  <a:pt x="7460273" y="3385199"/>
-                  <a:pt x="7460850" y="3388381"/>
-                </a:cubicBezTo>
-                <a:lnTo>
-                  <a:pt x="7461482" y="3397694"/>
-                </a:lnTo>
-                <a:lnTo>
-                  <a:pt x="7460695" y="3398556"/>
-                </a:lnTo>
-                <a:cubicBezTo>
-                  <a:pt x="7458532" y="3402904"/>
-                  <a:pt x="7458275" y="3406007"/>
-                  <a:pt x="7458858" y="3408553"/>
-                </a:cubicBezTo>
-                <a:lnTo>
-                  <a:pt x="7460185" y="3411299"/>
-                </a:lnTo>
-                <a:lnTo>
-                  <a:pt x="7459468" y="3418333"/>
-                </a:lnTo>
-                <a:lnTo>
-                  <a:pt x="7459515" y="3432662"/>
-                </a:lnTo>
-                <a:lnTo>
-                  <a:pt x="7458154" y="3434902"/>
-                </a:lnTo>
-                <a:lnTo>
-                  <a:pt x="7456091" y="3455825"/>
-                </a:lnTo>
-                <a:cubicBezTo>
-                  <a:pt x="7455865" y="3455850"/>
-                  <a:pt x="7455638" y="3455877"/>
-                  <a:pt x="7455413" y="3455903"/>
-                </a:cubicBezTo>
-                <a:cubicBezTo>
-                  <a:pt x="7453843" y="3456557"/>
-                  <a:pt x="7452596" y="3457940"/>
-                  <a:pt x="7451989" y="3460886"/>
-                </a:cubicBezTo>
-                <a:cubicBezTo>
-                  <a:pt x="7443388" y="3453296"/>
-                  <a:pt x="7447961" y="3461529"/>
-                  <a:pt x="7446929" y="3470886"/>
-                </a:cubicBezTo>
-                <a:cubicBezTo>
-                  <a:pt x="7433341" y="3461186"/>
-                  <a:pt x="7436171" y="3489615"/>
-                  <a:pt x="7427213" y="3491353"/>
-                </a:cubicBezTo>
-                <a:cubicBezTo>
-                  <a:pt x="7426761" y="3498443"/>
-                  <a:pt x="7426037" y="3505767"/>
-                  <a:pt x="7424990" y="3513143"/>
-                </a:cubicBezTo>
-                <a:lnTo>
-                  <a:pt x="7424186" y="3517424"/>
-                </a:lnTo>
-                <a:cubicBezTo>
-                  <a:pt x="7424132" y="3517438"/>
-                  <a:pt x="7424077" y="3517453"/>
-                  <a:pt x="7424024" y="3517467"/>
-                </a:cubicBezTo>
-                <a:cubicBezTo>
-                  <a:pt x="7423536" y="3518305"/>
-                  <a:pt x="7423153" y="3519678"/>
-                  <a:pt x="7422883" y="3521896"/>
-                </a:cubicBezTo>
-                <a:lnTo>
-                  <a:pt x="7422723" y="3525229"/>
-                </a:lnTo>
-                <a:lnTo>
-                  <a:pt x="7421163" y="3533534"/>
-                </a:lnTo>
-                <a:lnTo>
-                  <a:pt x="7419650" y="3536108"/>
-                </a:lnTo>
-                <a:lnTo>
-                  <a:pt x="7417640" y="3536718"/>
-                </a:lnTo>
-                <a:lnTo>
-                  <a:pt x="7417697" y="3537534"/>
-                </a:lnTo>
-                <a:cubicBezTo>
-                  <a:pt x="7419749" y="3544077"/>
-                  <a:pt x="7423989" y="3546875"/>
-                  <a:pt x="7409814" y="3551598"/>
-                </a:cubicBezTo>
-                <a:cubicBezTo>
-                  <a:pt x="7412376" y="3566128"/>
-                  <a:pt x="7404108" y="3567090"/>
-                  <a:pt x="7397719" y="3584844"/>
-                </a:cubicBezTo>
-                <a:cubicBezTo>
-                  <a:pt x="7401116" y="3593573"/>
-                  <a:pt x="7398130" y="3599358"/>
-                  <a:pt x="7393057" y="3604546"/>
-                </a:cubicBezTo>
-                <a:cubicBezTo>
-                  <a:pt x="7391792" y="3622895"/>
-                  <a:pt x="7383125" y="3638008"/>
-                  <a:pt x="7377811" y="3657793"/>
-                </a:cubicBezTo>
-                <a:cubicBezTo>
-                  <a:pt x="7379886" y="3680874"/>
-                  <a:pt x="7366255" y="3689531"/>
-                  <a:pt x="7360624" y="3710685"/>
-                </a:cubicBezTo>
-                <a:cubicBezTo>
-                  <a:pt x="7367950" y="3731637"/>
-                  <a:pt x="7347999" y="3723947"/>
-                  <a:pt x="7341489" y="3734006"/>
-                </a:cubicBezTo>
-                <a:lnTo>
-                  <a:pt x="7340478" y="3737028"/>
-                </a:lnTo>
-                <a:lnTo>
-                  <a:pt x="7340489" y="3745476"/>
-                </a:lnTo>
-                <a:lnTo>
-                  <a:pt x="7340950" y="3748687"/>
-                </a:lnTo>
-                <a:cubicBezTo>
-                  <a:pt x="7341098" y="3750887"/>
-                  <a:pt x="7340976" y="3752333"/>
-                  <a:pt x="7340653" y="3753314"/>
-                </a:cubicBezTo>
-                <a:lnTo>
-                  <a:pt x="7340500" y="3753419"/>
-                </a:lnTo>
-                <a:lnTo>
-                  <a:pt x="7340506" y="3757774"/>
-                </a:lnTo>
-                <a:cubicBezTo>
-                  <a:pt x="7340847" y="3765147"/>
-                  <a:pt x="7341495" y="3772345"/>
-                  <a:pt x="7342369" y="3779218"/>
-                </a:cubicBezTo>
-                <a:cubicBezTo>
-                  <a:pt x="7333890" y="3784348"/>
-                  <a:pt x="7341949" y="3810090"/>
-                  <a:pt x="7326800" y="3806225"/>
-                </a:cubicBezTo>
-                <a:cubicBezTo>
-                  <a:pt x="7327524" y="3815461"/>
-                  <a:pt x="7333545" y="3821456"/>
-                  <a:pt x="7323686" y="3817640"/>
-                </a:cubicBezTo>
-                <a:cubicBezTo>
-                  <a:pt x="7323637" y="3820659"/>
-                  <a:pt x="7322668" y="3822449"/>
-                  <a:pt x="7321247" y="3823678"/>
-                </a:cubicBezTo>
-                <a:lnTo>
-                  <a:pt x="7320595" y="3824018"/>
-                </a:lnTo>
-                <a:lnTo>
-                  <a:pt x="7322453" y="3844579"/>
-                </a:lnTo>
-                <a:lnTo>
-                  <a:pt x="7321532" y="3847225"/>
-                </a:lnTo>
-                <a:lnTo>
-                  <a:pt x="7324238" y="3860736"/>
-                </a:lnTo>
-                <a:lnTo>
-                  <a:pt x="7324840" y="3867658"/>
-                </a:lnTo>
-                <a:lnTo>
-                  <a:pt x="7326655" y="3869733"/>
-                </a:lnTo>
-                <a:cubicBezTo>
-                  <a:pt x="7327701" y="3871909"/>
-                  <a:pt x="7328023" y="3874942"/>
-                  <a:pt x="7326706" y="3879891"/>
-                </a:cubicBezTo>
-                <a:lnTo>
-                  <a:pt x="7326093" y="3881013"/>
-                </a:lnTo>
-                <a:lnTo>
-                  <a:pt x="7328442" y="3889558"/>
-                </a:lnTo>
-                <a:cubicBezTo>
-                  <a:pt x="7329602" y="3892339"/>
-                  <a:pt x="7331138" y="3894839"/>
-                  <a:pt x="7333203" y="3896924"/>
-                </a:cubicBezTo>
-                <a:cubicBezTo>
-                  <a:pt x="7319795" y="3924445"/>
-                  <a:pt x="7328820" y="3952004"/>
-                  <a:pt x="7324908" y="3982658"/>
-                </a:cubicBezTo>
-                <a:cubicBezTo>
-                  <a:pt x="7325522" y="4017325"/>
-                  <a:pt x="7327874" y="4041416"/>
-                  <a:pt x="7327588" y="4064228"/>
-                </a:cubicBezTo>
-                <a:cubicBezTo>
-                  <a:pt x="7328735" y="4074940"/>
-                  <a:pt x="7329351" y="4153102"/>
-                  <a:pt x="7323186" y="4146664"/>
-                </a:cubicBezTo>
-                <a:cubicBezTo>
-                  <a:pt x="7335189" y="4179829"/>
-                  <a:pt x="7318370" y="4199117"/>
-                  <a:pt x="7322488" y="4235901"/>
-                </a:cubicBezTo>
-                <a:cubicBezTo>
-                  <a:pt x="7305909" y="4254573"/>
-                  <a:pt x="7320783" y="4244884"/>
-                  <a:pt x="7316645" y="4265209"/>
-                </a:cubicBezTo>
-                <a:cubicBezTo>
-                  <a:pt x="7331133" y="4260631"/>
-                  <a:pt x="7307179" y="4289560"/>
-                  <a:pt x="7323069" y="4291857"/>
-                </a:cubicBezTo>
-                <a:cubicBezTo>
-                  <a:pt x="7321814" y="4295483"/>
-                  <a:pt x="7320095" y="4298923"/>
-                  <a:pt x="7318251" y="4302359"/>
-                </a:cubicBezTo>
-                <a:lnTo>
-                  <a:pt x="7317295" y="4304161"/>
-                </a:lnTo>
-                <a:lnTo>
-                  <a:pt x="7316223" y="4311573"/>
-                </a:lnTo>
-                <a:lnTo>
-                  <a:pt x="7312469" y="4313411"/>
-                </a:lnTo>
-                <a:lnTo>
-                  <a:pt x="7306447" y="4403491"/>
-                </a:lnTo>
-                <a:cubicBezTo>
-                  <a:pt x="7308849" y="4411399"/>
-                  <a:pt x="7308497" y="4436984"/>
-                  <a:pt x="7303688" y="4442497"/>
-                </a:cubicBezTo>
-                <a:cubicBezTo>
-                  <a:pt x="7302637" y="4447969"/>
-                  <a:pt x="7304327" y="4453942"/>
-                  <a:pt x="7299181" y="4457128"/>
-                </a:cubicBezTo>
-                <a:cubicBezTo>
-                  <a:pt x="7296154" y="4469016"/>
-                  <a:pt x="7289197" y="4496240"/>
-                  <a:pt x="7285530" y="4513823"/>
-                </a:cubicBezTo>
-                <a:cubicBezTo>
-                  <a:pt x="7288769" y="4518560"/>
-                  <a:pt x="7287100" y="4524649"/>
-                  <a:pt x="7284412" y="4532609"/>
-                </a:cubicBezTo>
-                <a:lnTo>
-                  <a:pt x="7282601" y="4540125"/>
-                </a:lnTo>
-                <a:lnTo>
-                  <a:pt x="7291785" y="4563650"/>
-                </a:lnTo>
-                <a:lnTo>
-                  <a:pt x="7284191" y="4636427"/>
-                </a:lnTo>
-                <a:lnTo>
-                  <a:pt x="7292797" y="4672055"/>
-                </a:lnTo>
-                <a:cubicBezTo>
-                  <a:pt x="7294304" y="4686552"/>
-                  <a:pt x="7294421" y="4700466"/>
-                  <a:pt x="7295425" y="4713953"/>
-                </a:cubicBezTo>
-                <a:cubicBezTo>
-                  <a:pt x="7296104" y="4744441"/>
-                  <a:pt x="7280378" y="4723911"/>
-                  <a:pt x="7292574" y="4762180"/>
-                </a:cubicBezTo>
-                <a:cubicBezTo>
-                  <a:pt x="7286719" y="4766152"/>
-                  <a:pt x="7286266" y="4770971"/>
-                  <a:pt x="7288689" y="4779168"/>
-                </a:cubicBezTo>
-                <a:cubicBezTo>
-                  <a:pt x="7288592" y="4793971"/>
-                  <a:pt x="7274303" y="4792486"/>
-                  <a:pt x="7282355" y="4807636"/>
-                </a:cubicBezTo>
-                <a:cubicBezTo>
-                  <a:pt x="7278556" y="4806204"/>
-                  <a:pt x="7277539" y="4813202"/>
-                  <a:pt x="7276505" y="4819678"/>
-                </a:cubicBezTo>
-                <a:lnTo>
-                  <a:pt x="7273752" y="4823797"/>
-                </a:lnTo>
-                <a:lnTo>
-                  <a:pt x="7283683" y="4847794"/>
-                </a:lnTo>
-                <a:cubicBezTo>
-                  <a:pt x="7296832" y="4890479"/>
-                  <a:pt x="7302379" y="4941877"/>
-                  <a:pt x="7311552" y="4978326"/>
-                </a:cubicBezTo>
-                <a:cubicBezTo>
-                  <a:pt x="7284161" y="4998846"/>
-                  <a:pt x="7309660" y="4989594"/>
-                  <a:pt x="7304880" y="5015024"/>
-                </a:cubicBezTo>
-                <a:cubicBezTo>
-                  <a:pt x="7330355" y="5012307"/>
-                  <a:pt x="7291032" y="5044485"/>
-                  <a:pt x="7319932" y="5050993"/>
-                </a:cubicBezTo>
-                <a:cubicBezTo>
-                  <a:pt x="7318148" y="5055414"/>
-                  <a:pt x="7315506" y="5059493"/>
-                  <a:pt x="7312641" y="5063537"/>
-                </a:cubicBezTo>
-                <a:lnTo>
-                  <a:pt x="7311153" y="5065661"/>
-                </a:lnTo>
-                <a:lnTo>
-                  <a:pt x="7310197" y="5075032"/>
-                </a:lnTo>
-                <a:lnTo>
-                  <a:pt x="7303683" y="5076576"/>
-                </a:lnTo>
-                <a:lnTo>
-                  <a:pt x="7297768" y="5089898"/>
-                </a:lnTo>
-                <a:cubicBezTo>
-                  <a:pt x="7296519" y="5095057"/>
-                  <a:pt x="7296302" y="5100805"/>
-                  <a:pt x="7297750" y="5107454"/>
-                </a:cubicBezTo>
-                <a:cubicBezTo>
-                  <a:pt x="7309447" y="5125240"/>
-                  <a:pt x="7295812" y="5147341"/>
-                  <a:pt x="7297014" y="5169708"/>
-                </a:cubicBezTo>
-                <a:lnTo>
-                  <a:pt x="7300719" y="5180532"/>
-                </a:lnTo>
-                <a:lnTo>
-                  <a:pt x="7295705" y="5210620"/>
-                </a:lnTo>
-                <a:lnTo>
-                  <a:pt x="7296901" y="5212749"/>
-                </a:lnTo>
-                <a:cubicBezTo>
-                  <a:pt x="7296704" y="5218058"/>
-                  <a:pt x="7294377" y="5228574"/>
-                  <a:pt x="7294523" y="5242477"/>
-                </a:cubicBezTo>
-                <a:lnTo>
-                  <a:pt x="7297776" y="5296160"/>
-                </a:lnTo>
-                <a:lnTo>
-                  <a:pt x="7289955" y="5304499"/>
-                </a:lnTo>
-                <a:lnTo>
-                  <a:pt x="7286210" y="5305374"/>
-                </a:lnTo>
-                <a:lnTo>
-                  <a:pt x="7286995" y="5320092"/>
-                </a:lnTo>
-                <a:lnTo>
-                  <a:pt x="7281550" y="5330613"/>
-                </a:lnTo>
-                <a:lnTo>
-                  <a:pt x="7285354" y="5340890"/>
-                </a:lnTo>
-                <a:lnTo>
-                  <a:pt x="7281914" y="5354491"/>
-                </a:lnTo>
-                <a:cubicBezTo>
-                  <a:pt x="7280017" y="5359352"/>
-                  <a:pt x="7277725" y="5364763"/>
-                  <a:pt x="7275918" y="5370917"/>
-                </a:cubicBezTo>
-                <a:lnTo>
-                  <a:pt x="7267655" y="5384350"/>
-                </a:lnTo>
-                <a:lnTo>
-                  <a:pt x="7263791" y="5406610"/>
-                </a:lnTo>
-                <a:cubicBezTo>
-                  <a:pt x="7260956" y="5423841"/>
-                  <a:pt x="7257650" y="5440271"/>
-                  <a:pt x="7251522" y="5456222"/>
-                </a:cubicBezTo>
-                <a:cubicBezTo>
-                  <a:pt x="7253699" y="5469913"/>
-                  <a:pt x="7252931" y="5482529"/>
-                  <a:pt x="7242311" y="5493751"/>
-                </a:cubicBezTo>
-                <a:cubicBezTo>
-                  <a:pt x="7236636" y="5529727"/>
-                  <a:pt x="7245809" y="5539513"/>
-                  <a:pt x="7231835" y="5561252"/>
-                </a:cubicBezTo>
-                <a:cubicBezTo>
-                  <a:pt x="7236311" y="5568555"/>
-                  <a:pt x="7238499" y="5573475"/>
-                  <a:pt x="7239152" y="5577121"/>
-                </a:cubicBezTo>
-                <a:cubicBezTo>
-                  <a:pt x="7241111" y="5588065"/>
-                  <a:pt x="7229268" y="5587525"/>
-                  <a:pt x="7224043" y="5605355"/>
-                </a:cubicBezTo>
-                <a:cubicBezTo>
-                  <a:pt x="7216774" y="5624244"/>
-                  <a:pt x="7213225" y="5590845"/>
-                  <a:pt x="7209229" y="5609118"/>
-                </a:cubicBezTo>
-                <a:cubicBezTo>
-                  <a:pt x="7212098" y="5628346"/>
-                  <a:pt x="7194168" y="5628785"/>
-                  <a:pt x="7198222" y="5648700"/>
-                </a:cubicBezTo>
-                <a:cubicBezTo>
-                  <a:pt x="7212577" y="5642705"/>
-                  <a:pt x="7189541" y="5689259"/>
-                  <a:pt x="7201221" y="5689771"/>
-                </a:cubicBezTo>
-                <a:cubicBezTo>
-                  <a:pt x="7181618" y="5708428"/>
-                  <a:pt x="7201258" y="5715573"/>
-                  <a:pt x="7192555" y="5739098"/>
-                </a:cubicBezTo>
-                <a:cubicBezTo>
-                  <a:pt x="7184486" y="5750478"/>
-                  <a:pt x="7182208" y="5758416"/>
-                  <a:pt x="7187522" y="5768603"/>
-                </a:cubicBezTo>
-                <a:cubicBezTo>
-                  <a:pt x="7148692" y="5821144"/>
-                  <a:pt x="7181577" y="5799065"/>
-                  <a:pt x="7162500" y="5846928"/>
-                </a:cubicBezTo>
-                <a:lnTo>
-                  <a:pt x="7160827" y="5850799"/>
-                </a:lnTo>
-                <a:lnTo>
-                  <a:pt x="7163312" y="5866636"/>
-                </a:lnTo>
-                <a:cubicBezTo>
-                  <a:pt x="7163884" y="5867070"/>
-                  <a:pt x="7164455" y="5867505"/>
-                  <a:pt x="7165029" y="5867939"/>
-                </a:cubicBezTo>
-                <a:lnTo>
-                  <a:pt x="7142501" y="5914339"/>
-                </a:lnTo>
-                <a:lnTo>
-                  <a:pt x="7143151" y="5921221"/>
-                </a:lnTo>
-                <a:lnTo>
-                  <a:pt x="7123808" y="5950546"/>
-                </a:lnTo>
-                <a:lnTo>
-                  <a:pt x="7116299" y="5966186"/>
-                </a:lnTo>
-                <a:lnTo>
-                  <a:pt x="7106117" y="5983669"/>
-                </a:lnTo>
-                <a:lnTo>
-                  <a:pt x="7109622" y="5995569"/>
-                </a:lnTo>
-                <a:cubicBezTo>
-                  <a:pt x="7114727" y="6023526"/>
-                  <a:pt x="7092983" y="6067450"/>
-                  <a:pt x="7116605" y="6077139"/>
-                </a:cubicBezTo>
-                <a:cubicBezTo>
-                  <a:pt x="7102148" y="6089933"/>
-                  <a:pt x="7125501" y="6101908"/>
-                  <a:pt x="7127573" y="6115892"/>
-                </a:cubicBezTo>
-                <a:cubicBezTo>
-                  <a:pt x="7118381" y="6127056"/>
-                  <a:pt x="7126331" y="6132595"/>
-                  <a:pt x="7128098" y="6142737"/>
-                </a:cubicBezTo>
-                <a:cubicBezTo>
-                  <a:pt x="7122429" y="6147329"/>
-                  <a:pt x="7122724" y="6155912"/>
-                  <a:pt x="7129375" y="6158833"/>
-                </a:cubicBezTo>
-                <a:cubicBezTo>
-                  <a:pt x="7144709" y="6154689"/>
-                  <a:pt x="7137060" y="6184499"/>
-                  <a:pt x="7147635" y="6186714"/>
-                </a:cubicBezTo>
-                <a:cubicBezTo>
-                  <a:pt x="7149842" y="6204016"/>
-                  <a:pt x="7136414" y="6279145"/>
-                  <a:pt x="7153343" y="6291871"/>
-                </a:cubicBezTo>
-                <a:cubicBezTo>
-                  <a:pt x="7161381" y="6326852"/>
-                  <a:pt x="7134450" y="6377408"/>
-                  <a:pt x="7134923" y="6392273"/>
-                </a:cubicBezTo>
-                <a:cubicBezTo>
-                  <a:pt x="7103997" y="6407024"/>
-                  <a:pt x="7185503" y="6478818"/>
-                  <a:pt x="7187236" y="6541940"/>
-                </a:cubicBezTo>
-                <a:cubicBezTo>
-                  <a:pt x="7184250" y="6550446"/>
-                  <a:pt x="7184290" y="6554993"/>
-                  <a:pt x="7191340" y="6557275"/>
-                </a:cubicBezTo>
-                <a:cubicBezTo>
-                  <a:pt x="7195412" y="6573685"/>
-                  <a:pt x="7202070" y="6606060"/>
-                  <a:pt x="7211670" y="6640404"/>
-                </a:cubicBezTo>
-                <a:cubicBezTo>
-                  <a:pt x="7219591" y="6666216"/>
-                  <a:pt x="7212698" y="6793331"/>
-                  <a:pt x="7221085" y="6827708"/>
-                </a:cubicBezTo>
-                <a:lnTo>
-                  <a:pt x="7227698" y="6857999"/>
-                </a:lnTo>
-                <a:lnTo>
-                  <a:pt x="0" y="6857999"/>
-                </a:lnTo>
-                <a:close/>
-              </a:path>
-            </a:pathLst>
-          </a:custGeom>
-        </p:spPr>
-      </p:pic>
-      <p:sp>
-        <p:nvSpPr>
-          <p:cNvPr id="5" name="TextBox 4">
-            <a:extLst>
-              <a:ext uri="{FF2B5EF4-FFF2-40B4-BE49-F238E27FC236}">
-                <a16:creationId xmlns:a16="http://schemas.microsoft.com/office/drawing/2014/main" id="{C32862D5-9255-6BCF-42B6-9296ADD6E826}"/>
-              </a:ext>
-            </a:extLst>
-          </p:cNvPr>
-          <p:cNvSpPr txBox="1"/>
-          <p:nvPr/>
-        </p:nvSpPr>
-        <p:spPr>
-          <a:xfrm>
-            <a:off x="8168822" y="1080618"/>
-            <a:ext cx="3519949" cy="2031325"/>
-          </a:xfrm>
-          <a:prstGeom prst="rect">
-            <a:avLst/>
-          </a:prstGeom>
-          <a:noFill/>
-        </p:spPr>
-        <p:txBody>
-          <a:bodyPr wrap="square" rtlCol="0">
-            <a:spAutoFit/>
-          </a:bodyPr>
-          <a:lstStyle/>
-          <a:p>
-            <a:r>
-              <a:rPr lang="en-CA" dirty="0"/>
-              <a:t>There are 4 analysts deciphering data</a:t>
-            </a:r>
-          </a:p>
-          <a:p>
-            <a:endParaRPr lang="en-CA" dirty="0"/>
-          </a:p>
-          <a:p>
-            <a:r>
-              <a:rPr lang="en-GB" b="1" i="0" dirty="0">
-                <a:solidFill>
-                  <a:srgbClr val="1D1C1D"/>
-                </a:solidFill>
-                <a:effectLst/>
-                <a:highlight>
-                  <a:srgbClr val="FFFFFF"/>
-                </a:highlight>
-                <a:latin typeface="Slack-Lato"/>
-              </a:rPr>
-              <a:t>Lavanya </a:t>
-            </a:r>
-            <a:r>
-              <a:rPr lang="en-GB" b="1" dirty="0" err="1">
-                <a:solidFill>
-                  <a:srgbClr val="1D1C1D"/>
-                </a:solidFill>
-                <a:highlight>
-                  <a:srgbClr val="FFFFFF"/>
-                </a:highlight>
-                <a:latin typeface="Slack-Lato"/>
-              </a:rPr>
-              <a:t>B</a:t>
-            </a:r>
-            <a:r>
-              <a:rPr lang="en-GB" b="1" i="0" dirty="0" err="1">
-                <a:solidFill>
-                  <a:srgbClr val="1D1C1D"/>
-                </a:solidFill>
-                <a:effectLst/>
-                <a:highlight>
-                  <a:srgbClr val="FFFFFF"/>
-                </a:highlight>
-                <a:latin typeface="Slack-Lato"/>
-              </a:rPr>
-              <a:t>hanot</a:t>
-            </a:r>
-            <a:endParaRPr lang="en-GB" b="1" i="0" dirty="0">
-              <a:solidFill>
-                <a:srgbClr val="1D1C1D"/>
-              </a:solidFill>
-              <a:effectLst/>
-              <a:highlight>
-                <a:srgbClr val="FFFFFF"/>
-              </a:highlight>
-              <a:latin typeface="Slack-Lato"/>
-            </a:endParaRPr>
-          </a:p>
-          <a:p>
-            <a:r>
-              <a:rPr lang="en-GB" b="1" i="0" dirty="0" err="1">
-                <a:solidFill>
-                  <a:srgbClr val="1D1C1D"/>
-                </a:solidFill>
-                <a:effectLst/>
-                <a:highlight>
-                  <a:srgbClr val="FFFFFF"/>
-                </a:highlight>
-                <a:latin typeface="Slack-Lato"/>
-              </a:rPr>
-              <a:t>Deogratius</a:t>
-            </a:r>
-            <a:r>
-              <a:rPr lang="en-GB" b="1" i="0" dirty="0">
-                <a:solidFill>
-                  <a:srgbClr val="1D1C1D"/>
-                </a:solidFill>
-                <a:effectLst/>
-                <a:highlight>
-                  <a:srgbClr val="FFFFFF"/>
-                </a:highlight>
-                <a:latin typeface="Slack-Lato"/>
-              </a:rPr>
-              <a:t> </a:t>
-            </a:r>
-            <a:r>
-              <a:rPr lang="en-GB" b="1" i="0" dirty="0" err="1">
-                <a:solidFill>
-                  <a:srgbClr val="1D1C1D"/>
-                </a:solidFill>
-                <a:effectLst/>
-                <a:highlight>
-                  <a:srgbClr val="FFFFFF"/>
-                </a:highlight>
-                <a:latin typeface="Slack-Lato"/>
-              </a:rPr>
-              <a:t>Nteza</a:t>
-            </a:r>
-            <a:endParaRPr lang="en-GB" b="1" i="0" dirty="0">
-              <a:solidFill>
-                <a:srgbClr val="1D1C1D"/>
-              </a:solidFill>
-              <a:effectLst/>
-              <a:highlight>
-                <a:srgbClr val="FFFFFF"/>
-              </a:highlight>
-              <a:latin typeface="Slack-Lato"/>
-            </a:endParaRPr>
-          </a:p>
-          <a:p>
-            <a:r>
-              <a:rPr lang="en-GB" b="1" i="0" dirty="0">
-                <a:solidFill>
-                  <a:srgbClr val="1D1C1D"/>
-                </a:solidFill>
-                <a:effectLst/>
-                <a:highlight>
-                  <a:srgbClr val="FFFFFF"/>
-                </a:highlight>
-                <a:latin typeface="Slack-Lato"/>
-              </a:rPr>
-              <a:t>Xuan (Sam) Chen</a:t>
-            </a:r>
-          </a:p>
-          <a:p>
-            <a:r>
-              <a:rPr lang="en-GB" b="1" dirty="0">
-                <a:solidFill>
-                  <a:srgbClr val="1D1C1D"/>
-                </a:solidFill>
-                <a:highlight>
-                  <a:srgbClr val="FFFFFF"/>
-                </a:highlight>
-                <a:latin typeface="Slack-Lato"/>
-              </a:rPr>
-              <a:t>Judy Pin</a:t>
-            </a:r>
-            <a:endParaRPr lang="en-GB" dirty="0"/>
-          </a:p>
-        </p:txBody>
-      </p:sp>
-    </p:spTree>
-    <p:extLst>
-      <p:ext uri="{BB962C8B-B14F-4D97-AF65-F5344CB8AC3E}">
-        <p14:creationId xmlns:p14="http://schemas.microsoft.com/office/powerpoint/2010/main" val="4250330208"/>
-      </p:ext>
-    </p:extLst>
-  </p:cSld>
-  <p:clrMapOvr>
-    <a:masterClrMapping/>
-  </p:clrMapOvr>
-  <p:timing>
-    <p:tnLst>
-      <p:par>
-        <p:cTn id="1" dur="indefinite" restart="never" nodeType="tmRoot">
-          <p:childTnLst>
-            <p:seq concurrent="1" nextAc="seek">
-              <p:cTn id="2" dur="indefinite" nodeType="mainSeq">
-                <p:childTnLst>
-                  <p:par>
-                    <p:cTn id="3" fill="hold">
-                      <p:stCondLst>
-                        <p:cond delay="indefinite"/>
-                        <p:cond evt="onBegin" delay="0">
-                          <p:tn val="2"/>
-                        </p:cond>
-                      </p:stCondLst>
-                      <p:childTnLst>
-                        <p:par>
-                          <p:cTn id="4" fill="hold">
-                            <p:stCondLst>
-                              <p:cond delay="0"/>
-                            </p:stCondLst>
-                            <p:childTnLst>
-                              <p:par>
-                                <p:cTn id="5" presetID="10" presetClass="entr" presetSubtype="0" fill="hold" grpId="0" nodeType="withEffect">
-                                  <p:stCondLst>
-                                    <p:cond delay="1500"/>
-                                  </p:stCondLst>
-                                  <p:iterate>
-                                    <p:tmPct val="10000"/>
-                                  </p:iterate>
-                                  <p:childTnLst>
-                                    <p:set>
-                                      <p:cBhvr>
-                                        <p:cTn id="6" dur="1" fill="hold">
-                                          <p:stCondLst>
-                                            <p:cond delay="0"/>
-                                          </p:stCondLst>
-                                        </p:cTn>
-                                        <p:tgtEl>
-                                          <p:spTgt spid="3">
-                                            <p:txEl>
-                                              <p:pRg st="0" end="0"/>
-                                            </p:txEl>
-                                          </p:spTgt>
-                                        </p:tgtEl>
-                                        <p:attrNameLst>
-                                          <p:attrName>style.visibility</p:attrName>
-                                        </p:attrNameLst>
-                                      </p:cBhvr>
-                                      <p:to>
-                                        <p:strVal val="visible"/>
-                                      </p:to>
-                                    </p:set>
-                                    <p:animEffect transition="in" filter="fade">
-                                      <p:cBhvr>
-                                        <p:cTn id="7" dur="700"/>
-                                        <p:tgtEl>
-                                          <p:spTgt spid="3">
-                                            <p:txEl>
-                                              <p:pRg st="0" end="0"/>
-                                            </p:txEl>
-                                          </p:spTgt>
-                                        </p:tgtEl>
-                                      </p:cBhvr>
-                                    </p:animEffect>
-                                  </p:childTnLst>
-                                </p:cTn>
-                              </p:par>
-                              <p:par>
-                                <p:cTn id="8" presetID="10" presetClass="entr" presetSubtype="0" fill="hold" grpId="0" nodeType="withEffect">
-                                  <p:stCondLst>
-                                    <p:cond delay="1000"/>
-                                  </p:stCondLst>
-                                  <p:iterate>
-                                    <p:tmPct val="10000"/>
-                                  </p:iterate>
-                                  <p:childTnLst>
-                                    <p:set>
-                                      <p:cBhvr>
-                                        <p:cTn id="9" dur="1" fill="hold">
-                                          <p:stCondLst>
-                                            <p:cond delay="0"/>
-                                          </p:stCondLst>
-                                        </p:cTn>
-                                        <p:tgtEl>
-                                          <p:spTgt spid="2"/>
-                                        </p:tgtEl>
-                                        <p:attrNameLst>
-                                          <p:attrName>style.visibility</p:attrName>
-                                        </p:attrNameLst>
-                                      </p:cBhvr>
-                                      <p:to>
-                                        <p:strVal val="visible"/>
-                                      </p:to>
-                                    </p:set>
-                                    <p:animEffect transition="in" filter="fade">
-                                      <p:cBhvr>
-                                        <p:cTn id="10" dur="700"/>
-                                        <p:tgtEl>
-                                          <p:spTgt spid="2"/>
-                                        </p:tgtEl>
-                                      </p:cBhvr>
-                                    </p:animEffect>
-                                  </p:childTnLst>
-                                </p:cTn>
-                              </p:par>
-                            </p:childTnLst>
-                          </p:cTn>
-                        </p:par>
-                      </p:childTnLst>
-                    </p:cTn>
-                  </p:par>
-                </p:childTnLst>
-              </p:cTn>
-              <p:prevCondLst>
-                <p:cond evt="onPrev" delay="0">
-                  <p:tgtEl>
-                    <p:sldTgt/>
-                  </p:tgtEl>
-                </p:cond>
-              </p:prevCondLst>
-              <p:nextCondLst>
-                <p:cond evt="onNext" delay="0">
-                  <p:tgtEl>
-                    <p:sldTgt/>
-                  </p:tgtEl>
-                </p:cond>
-              </p:nextCondLst>
-            </p:seq>
-          </p:childTnLst>
-        </p:cTn>
-      </p:par>
-    </p:tnLst>
-    <p:bldLst>
-      <p:bldP spid="2" grpId="0"/>
-      <p:bldP spid="3" grpId="0" build="p"/>
-    </p:bldLst>
-  </p:timing>
-</p:sld>
-</file>
-
 <file path=ppt/slides/slide3.xml><?xml version="1.0" encoding="utf-8"?>
 <p:sld xmlns:a="http://schemas.openxmlformats.org/drawingml/2006/main" xmlns:r="http://schemas.openxmlformats.org/officeDocument/2006/relationships" xmlns:p="http://schemas.openxmlformats.org/presentationml/2006/main">
   <p:cSld>
@@ -12917,7 +13753,7 @@
                 <a16:creationId xmlns:a16="http://schemas.microsoft.com/office/drawing/2014/main" id="{7DA3C418-758E-4180-A5D0-8655D6804587}"/>
               </a:ext>
               <a:ext uri="{C183D7F6-B498-43B3-948B-1728B52AA6E4}">
-                <adec:decorative xmlns:adec="http://schemas.microsoft.com/office/drawing/2017/decorative" val="1"/>
+                <adec:decorative xmlns="" xmlns:adec="http://schemas.microsoft.com/office/drawing/2017/decorative" val="1"/>
               </a:ext>
             </a:extLst>
           </p:cNvPr>
@@ -12993,7 +13829,7 @@
                 <a16:creationId xmlns:a16="http://schemas.microsoft.com/office/drawing/2014/main" id="{28C8EF06-5EC3-4883-AFAF-D74FF46550FB}"/>
               </a:ext>
               <a:ext uri="{C183D7F6-B498-43B3-948B-1728B52AA6E4}">
-                <adec:decorative xmlns:adec="http://schemas.microsoft.com/office/drawing/2017/decorative" val="1"/>
+                <adec:decorative xmlns="" xmlns:adec="http://schemas.microsoft.com/office/drawing/2017/decorative" val="1"/>
               </a:ext>
             </a:extLst>
           </p:cNvPr>
@@ -13677,7 +14513,7 @@
                 <a16:creationId xmlns:a16="http://schemas.microsoft.com/office/drawing/2014/main" id="{3C54F4CE-85F0-46ED-80DA-9518C9251AD1}"/>
               </a:ext>
               <a:ext uri="{C183D7F6-B498-43B3-948B-1728B52AA6E4}">
-                <adec:decorative xmlns:adec="http://schemas.microsoft.com/office/drawing/2017/decorative" val="1"/>
+                <adec:decorative xmlns="" xmlns:adec="http://schemas.microsoft.com/office/drawing/2017/decorative" val="1"/>
               </a:ext>
             </a:extLst>
           </p:cNvPr>
@@ -13753,7 +14589,7 @@
                 <a16:creationId xmlns:a16="http://schemas.microsoft.com/office/drawing/2014/main" id="{DADD1FCA-8ACB-4958-81DD-4CDD6D3E1921}"/>
               </a:ext>
               <a:ext uri="{C183D7F6-B498-43B3-948B-1728B52AA6E4}">
-                <adec:decorative xmlns:adec="http://schemas.microsoft.com/office/drawing/2017/decorative" val="1"/>
+                <adec:decorative xmlns="" xmlns:adec="http://schemas.microsoft.com/office/drawing/2017/decorative" val="1"/>
               </a:ext>
             </a:extLst>
           </p:cNvPr>
@@ -16324,6 +17160,17 @@
                 <a:cs typeface="+mj-cs"/>
               </a:rPr>
             </a:br>
+            <a:r>
+              <a:rPr lang="en-US" kern="1200" dirty="0">
+                <a:solidFill>
+                  <a:schemeClr val="tx1"/>
+                </a:solidFill>
+                <a:latin typeface="+mj-lt"/>
+                <a:ea typeface="+mj-ea"/>
+                <a:cs typeface="+mj-cs"/>
+              </a:rPr>
+              <a:t/>
+            </a:r>
             <a:br>
               <a:rPr lang="en-US" kern="1200" dirty="0">
                 <a:solidFill>
@@ -16334,6 +17181,17 @@
                 <a:cs typeface="+mj-cs"/>
               </a:rPr>
             </a:br>
+            <a:r>
+              <a:rPr lang="en-US" kern="1200" dirty="0">
+                <a:solidFill>
+                  <a:schemeClr val="tx1"/>
+                </a:solidFill>
+                <a:latin typeface="+mj-lt"/>
+                <a:ea typeface="+mj-ea"/>
+                <a:cs typeface="+mj-cs"/>
+              </a:rPr>
+              <a:t/>
+            </a:r>
             <a:br>
               <a:rPr lang="en-US" kern="1200" dirty="0">
                 <a:solidFill>
@@ -16434,7 +17292,7 @@
                 <a16:creationId xmlns:a16="http://schemas.microsoft.com/office/drawing/2014/main" id="{7DA3C418-758E-4180-A5D0-8655D6804587}"/>
               </a:ext>
               <a:ext uri="{C183D7F6-B498-43B3-948B-1728B52AA6E4}">
-                <adec:decorative xmlns:adec="http://schemas.microsoft.com/office/drawing/2017/decorative" val="1"/>
+                <adec:decorative xmlns="" xmlns:adec="http://schemas.microsoft.com/office/drawing/2017/decorative" val="1"/>
               </a:ext>
             </a:extLst>
           </p:cNvPr>
@@ -16510,7 +17368,7 @@
                 <a16:creationId xmlns:a16="http://schemas.microsoft.com/office/drawing/2014/main" id="{28C8EF06-5EC3-4883-AFAF-D74FF46550FB}"/>
               </a:ext>
               <a:ext uri="{C183D7F6-B498-43B3-948B-1728B52AA6E4}">
-                <adec:decorative xmlns:adec="http://schemas.microsoft.com/office/drawing/2017/decorative" val="1"/>
+                <adec:decorative xmlns="" xmlns:adec="http://schemas.microsoft.com/office/drawing/2017/decorative" val="1"/>
               </a:ext>
             </a:extLst>
           </p:cNvPr>
@@ -17122,6 +17980,17 @@
                 </a:solidFill>
               </a:rPr>
             </a:br>
+            <a:r>
+              <a:rPr lang="en-US" sz="3100">
+                <a:solidFill>
+                  <a:schemeClr val="tx1">
+                    <a:lumMod val="85000"/>
+                    <a:lumOff val="15000"/>
+                  </a:schemeClr>
+                </a:solidFill>
+              </a:rPr>
+              <a:t/>
+            </a:r>
             <a:br>
               <a:rPr lang="en-US" sz="3100">
                 <a:solidFill>
@@ -17132,6 +18001,17 @@
                 </a:solidFill>
               </a:rPr>
             </a:br>
+            <a:r>
+              <a:rPr lang="en-US" sz="3100">
+                <a:solidFill>
+                  <a:schemeClr val="tx1">
+                    <a:lumMod val="85000"/>
+                    <a:lumOff val="15000"/>
+                  </a:schemeClr>
+                </a:solidFill>
+              </a:rPr>
+              <a:t/>
+            </a:r>
             <a:br>
               <a:rPr lang="en-US" sz="3100">
                 <a:solidFill>

--- a/DRAFT Project1-Hotel_Booking.pptx
+++ b/DRAFT Project1-Hotel_Booking.pptx
@@ -5,33 +5,37 @@
     <p:sldMasterId id="2147483696" r:id="rId1"/>
   </p:sldMasterIdLst>
   <p:notesMasterIdLst>
-    <p:notesMasterId r:id="rId26"/>
+    <p:notesMasterId r:id="rId30"/>
   </p:notesMasterIdLst>
   <p:sldIdLst>
     <p:sldId id="256" r:id="rId2"/>
     <p:sldId id="259" r:id="rId3"/>
     <p:sldId id="257" r:id="rId4"/>
     <p:sldId id="261" r:id="rId5"/>
-    <p:sldId id="262" r:id="rId6"/>
-    <p:sldId id="266" r:id="rId7"/>
-    <p:sldId id="267" r:id="rId8"/>
-    <p:sldId id="268" r:id="rId9"/>
-    <p:sldId id="265" r:id="rId10"/>
-    <p:sldId id="263" r:id="rId11"/>
-    <p:sldId id="269" r:id="rId12"/>
-    <p:sldId id="270" r:id="rId13"/>
-    <p:sldId id="271" r:id="rId14"/>
-    <p:sldId id="272" r:id="rId15"/>
-    <p:sldId id="273" r:id="rId16"/>
-    <p:sldId id="274" r:id="rId17"/>
-    <p:sldId id="275" r:id="rId18"/>
-    <p:sldId id="276" r:id="rId19"/>
-    <p:sldId id="277" r:id="rId20"/>
-    <p:sldId id="278" r:id="rId21"/>
-    <p:sldId id="279" r:id="rId22"/>
-    <p:sldId id="280" r:id="rId23"/>
-    <p:sldId id="260" r:id="rId24"/>
-    <p:sldId id="264" r:id="rId25"/>
+    <p:sldId id="283" r:id="rId6"/>
+    <p:sldId id="284" r:id="rId7"/>
+    <p:sldId id="282" r:id="rId8"/>
+    <p:sldId id="281" r:id="rId9"/>
+    <p:sldId id="262" r:id="rId10"/>
+    <p:sldId id="266" r:id="rId11"/>
+    <p:sldId id="267" r:id="rId12"/>
+    <p:sldId id="268" r:id="rId13"/>
+    <p:sldId id="265" r:id="rId14"/>
+    <p:sldId id="263" r:id="rId15"/>
+    <p:sldId id="269" r:id="rId16"/>
+    <p:sldId id="270" r:id="rId17"/>
+    <p:sldId id="271" r:id="rId18"/>
+    <p:sldId id="272" r:id="rId19"/>
+    <p:sldId id="273" r:id="rId20"/>
+    <p:sldId id="274" r:id="rId21"/>
+    <p:sldId id="275" r:id="rId22"/>
+    <p:sldId id="276" r:id="rId23"/>
+    <p:sldId id="277" r:id="rId24"/>
+    <p:sldId id="278" r:id="rId25"/>
+    <p:sldId id="279" r:id="rId26"/>
+    <p:sldId id="280" r:id="rId27"/>
+    <p:sldId id="260" r:id="rId28"/>
+    <p:sldId id="264" r:id="rId29"/>
   </p:sldIdLst>
   <p:sldSz cx="12192000" cy="6858000"/>
   <p:notesSz cx="6858000" cy="9144000"/>
@@ -738,7 +742,7 @@
           <a:p>
             <a:fld id="{63787753-DB0A-4FEF-A5D0-22798A4D1E74}" type="slidenum">
               <a:rPr lang="en-GB" smtClean="0"/>
-              <a:t>7</a:t>
+              <a:t>11</a:t>
             </a:fld>
             <a:endParaRPr lang="en-GB"/>
           </a:p>
@@ -826,7 +830,7 @@
           <a:p>
             <a:fld id="{63787753-DB0A-4FEF-A5D0-22798A4D1E74}" type="slidenum">
               <a:rPr lang="en-GB" smtClean="0"/>
-              <a:t>24</a:t>
+              <a:t>28</a:t>
             </a:fld>
             <a:endParaRPr lang="en-GB"/>
           </a:p>
@@ -3398,7 +3402,7 @@
           <p:nvPr userDrawn="1">
             <p:extLst>
               <p:ext uri="{1162E1C5-73C7-4A58-AE30-91384D911F3F}">
-                <p184:classification xmlns="" xmlns:p184="http://schemas.microsoft.com/office/powerpoint/2018/4/main" val="hdr"/>
+                <p184:classification xmlns:p184="http://schemas.microsoft.com/office/powerpoint/2018/4/main" val="hdr"/>
               </p:ext>
             </p:extLst>
           </p:nvPr>
@@ -3770,7 +3774,7 @@
                 <a16:creationId xmlns:a16="http://schemas.microsoft.com/office/drawing/2014/main" id="{9089EED9-F54D-4F20-A2C6-949DE4176959}"/>
               </a:ext>
               <a:ext uri="{C183D7F6-B498-43B3-948B-1728B52AA6E4}">
-                <adec:decorative xmlns="" xmlns:adec="http://schemas.microsoft.com/office/drawing/2017/decorative" val="1"/>
+                <adec:decorative xmlns:adec="http://schemas.microsoft.com/office/drawing/2017/decorative" val="1"/>
               </a:ext>
             </a:extLst>
           </p:cNvPr>
@@ -3846,7 +3850,7 @@
                 <a16:creationId xmlns:a16="http://schemas.microsoft.com/office/drawing/2014/main" id="{7E46F721-3785-414D-8697-16AF490E6806}"/>
               </a:ext>
               <a:ext uri="{C183D7F6-B498-43B3-948B-1728B52AA6E4}">
-                <adec:decorative xmlns="" xmlns:adec="http://schemas.microsoft.com/office/drawing/2017/decorative" val="1"/>
+                <adec:decorative xmlns:adec="http://schemas.microsoft.com/office/drawing/2017/decorative" val="1"/>
               </a:ext>
             </a:extLst>
           </p:cNvPr>
@@ -5346,6 +5350,270 @@
 <file path=ppt/slides/slide10.xml><?xml version="1.0" encoding="utf-8"?>
 <p:sld xmlns:a="http://schemas.openxmlformats.org/drawingml/2006/main" xmlns:r="http://schemas.openxmlformats.org/officeDocument/2006/relationships" xmlns:p="http://schemas.openxmlformats.org/presentationml/2006/main">
   <p:cSld>
+    <p:spTree>
+      <p:nvGrpSpPr>
+        <p:cNvPr id="1" name=""/>
+        <p:cNvGrpSpPr/>
+        <p:nvPr/>
+      </p:nvGrpSpPr>
+      <p:grpSpPr>
+        <a:xfrm>
+          <a:off x="0" y="0"/>
+          <a:ext cx="0" cy="0"/>
+          <a:chOff x="0" y="0"/>
+          <a:chExt cx="0" cy="0"/>
+        </a:xfrm>
+      </p:grpSpPr>
+      <p:pic>
+        <p:nvPicPr>
+          <p:cNvPr id="3" name="Picture 2" descr="A graph with lines and numbers&#10;&#10;Description automatically generated">
+            <a:extLst>
+              <a:ext uri="{FF2B5EF4-FFF2-40B4-BE49-F238E27FC236}">
+                <a16:creationId xmlns:a16="http://schemas.microsoft.com/office/drawing/2014/main" id="{71E5196A-92CC-86BB-E2DF-C7CD40128F19}"/>
+              </a:ext>
+            </a:extLst>
+          </p:cNvPr>
+          <p:cNvPicPr>
+            <a:picLocks noChangeAspect="1"/>
+          </p:cNvPicPr>
+          <p:nvPr/>
+        </p:nvPicPr>
+        <p:blipFill>
+          <a:blip r:embed="rId2">
+            <a:extLst>
+              <a:ext uri="{28A0092B-C50C-407E-A947-70E740481C1C}">
+                <a14:useLocalDpi xmlns:a14="http://schemas.microsoft.com/office/drawing/2010/main" val="0"/>
+              </a:ext>
+            </a:extLst>
+          </a:blip>
+          <a:stretch>
+            <a:fillRect/>
+          </a:stretch>
+        </p:blipFill>
+        <p:spPr>
+          <a:xfrm>
+            <a:off x="1501131" y="937255"/>
+            <a:ext cx="9189738" cy="4983490"/>
+          </a:xfrm>
+          <a:prstGeom prst="rect">
+            <a:avLst/>
+          </a:prstGeom>
+        </p:spPr>
+      </p:pic>
+    </p:spTree>
+    <p:extLst>
+      <p:ext uri="{BB962C8B-B14F-4D97-AF65-F5344CB8AC3E}">
+        <p14:creationId xmlns:p14="http://schemas.microsoft.com/office/powerpoint/2010/main" val="2433314983"/>
+      </p:ext>
+    </p:extLst>
+  </p:cSld>
+  <p:clrMapOvr>
+    <a:masterClrMapping/>
+  </p:clrMapOvr>
+</p:sld>
+</file>
+
+<file path=ppt/slides/slide11.xml><?xml version="1.0" encoding="utf-8"?>
+<p:sld xmlns:a="http://schemas.openxmlformats.org/drawingml/2006/main" xmlns:r="http://schemas.openxmlformats.org/officeDocument/2006/relationships" xmlns:p="http://schemas.openxmlformats.org/presentationml/2006/main">
+  <p:cSld>
+    <p:spTree>
+      <p:nvGrpSpPr>
+        <p:cNvPr id="1" name=""/>
+        <p:cNvGrpSpPr/>
+        <p:nvPr/>
+      </p:nvGrpSpPr>
+      <p:grpSpPr>
+        <a:xfrm>
+          <a:off x="0" y="0"/>
+          <a:ext cx="0" cy="0"/>
+          <a:chOff x="0" y="0"/>
+          <a:chExt cx="0" cy="0"/>
+        </a:xfrm>
+      </p:grpSpPr>
+      <p:pic>
+        <p:nvPicPr>
+          <p:cNvPr id="3" name="Picture 2" descr="A graph with red and blue bars&#10;&#10;Description automatically generated">
+            <a:extLst>
+              <a:ext uri="{FF2B5EF4-FFF2-40B4-BE49-F238E27FC236}">
+                <a16:creationId xmlns:a16="http://schemas.microsoft.com/office/drawing/2014/main" id="{3BDA2209-99BF-092C-9FFF-465CA6A4FE24}"/>
+              </a:ext>
+            </a:extLst>
+          </p:cNvPr>
+          <p:cNvPicPr>
+            <a:picLocks noChangeAspect="1"/>
+          </p:cNvPicPr>
+          <p:nvPr/>
+        </p:nvPicPr>
+        <p:blipFill>
+          <a:blip r:embed="rId3">
+            <a:extLst>
+              <a:ext uri="{28A0092B-C50C-407E-A947-70E740481C1C}">
+                <a14:useLocalDpi xmlns:a14="http://schemas.microsoft.com/office/drawing/2010/main" val="0"/>
+              </a:ext>
+            </a:extLst>
+          </a:blip>
+          <a:stretch>
+            <a:fillRect/>
+          </a:stretch>
+        </p:blipFill>
+        <p:spPr>
+          <a:xfrm>
+            <a:off x="1973572" y="0"/>
+            <a:ext cx="8244856" cy="6858000"/>
+          </a:xfrm>
+          <a:prstGeom prst="rect">
+            <a:avLst/>
+          </a:prstGeom>
+        </p:spPr>
+      </p:pic>
+    </p:spTree>
+    <p:extLst>
+      <p:ext uri="{BB962C8B-B14F-4D97-AF65-F5344CB8AC3E}">
+        <p14:creationId xmlns:p14="http://schemas.microsoft.com/office/powerpoint/2010/main" val="86311721"/>
+      </p:ext>
+    </p:extLst>
+  </p:cSld>
+  <p:clrMapOvr>
+    <a:masterClrMapping/>
+  </p:clrMapOvr>
+</p:sld>
+</file>
+
+<file path=ppt/slides/slide12.xml><?xml version="1.0" encoding="utf-8"?>
+<p:sld xmlns:a="http://schemas.openxmlformats.org/drawingml/2006/main" xmlns:r="http://schemas.openxmlformats.org/officeDocument/2006/relationships" xmlns:p="http://schemas.openxmlformats.org/presentationml/2006/main">
+  <p:cSld>
+    <p:spTree>
+      <p:nvGrpSpPr>
+        <p:cNvPr id="1" name=""/>
+        <p:cNvGrpSpPr/>
+        <p:nvPr/>
+      </p:nvGrpSpPr>
+      <p:grpSpPr>
+        <a:xfrm>
+          <a:off x="0" y="0"/>
+          <a:ext cx="0" cy="0"/>
+          <a:chOff x="0" y="0"/>
+          <a:chExt cx="0" cy="0"/>
+        </a:xfrm>
+      </p:grpSpPr>
+      <p:pic>
+        <p:nvPicPr>
+          <p:cNvPr id="3" name="Picture 2" descr="A graph of bar graph&#10;&#10;Description automatically generated">
+            <a:extLst>
+              <a:ext uri="{FF2B5EF4-FFF2-40B4-BE49-F238E27FC236}">
+                <a16:creationId xmlns:a16="http://schemas.microsoft.com/office/drawing/2014/main" id="{0A125457-A7C2-7AFD-D6CE-C512C145CD61}"/>
+              </a:ext>
+            </a:extLst>
+          </p:cNvPr>
+          <p:cNvPicPr>
+            <a:picLocks noChangeAspect="1"/>
+          </p:cNvPicPr>
+          <p:nvPr/>
+        </p:nvPicPr>
+        <p:blipFill>
+          <a:blip r:embed="rId2">
+            <a:extLst>
+              <a:ext uri="{28A0092B-C50C-407E-A947-70E740481C1C}">
+                <a14:useLocalDpi xmlns:a14="http://schemas.microsoft.com/office/drawing/2010/main" val="0"/>
+              </a:ext>
+            </a:extLst>
+          </a:blip>
+          <a:stretch>
+            <a:fillRect/>
+          </a:stretch>
+        </p:blipFill>
+        <p:spPr>
+          <a:xfrm>
+            <a:off x="705601" y="1188715"/>
+            <a:ext cx="10780797" cy="4480569"/>
+          </a:xfrm>
+          <a:prstGeom prst="rect">
+            <a:avLst/>
+          </a:prstGeom>
+        </p:spPr>
+      </p:pic>
+    </p:spTree>
+    <p:extLst>
+      <p:ext uri="{BB962C8B-B14F-4D97-AF65-F5344CB8AC3E}">
+        <p14:creationId xmlns:p14="http://schemas.microsoft.com/office/powerpoint/2010/main" val="2239312587"/>
+      </p:ext>
+    </p:extLst>
+  </p:cSld>
+  <p:clrMapOvr>
+    <a:masterClrMapping/>
+  </p:clrMapOvr>
+</p:sld>
+</file>
+
+<file path=ppt/slides/slide13.xml><?xml version="1.0" encoding="utf-8"?>
+<p:sld xmlns:a="http://schemas.openxmlformats.org/drawingml/2006/main" xmlns:r="http://schemas.openxmlformats.org/officeDocument/2006/relationships" xmlns:p="http://schemas.openxmlformats.org/presentationml/2006/main">
+  <p:cSld>
+    <p:spTree>
+      <p:nvGrpSpPr>
+        <p:cNvPr id="1" name=""/>
+        <p:cNvGrpSpPr/>
+        <p:nvPr/>
+      </p:nvGrpSpPr>
+      <p:grpSpPr>
+        <a:xfrm>
+          <a:off x="0" y="0"/>
+          <a:ext cx="0" cy="0"/>
+          <a:chOff x="0" y="0"/>
+          <a:chExt cx="0" cy="0"/>
+        </a:xfrm>
+      </p:grpSpPr>
+      <p:pic>
+        <p:nvPicPr>
+          <p:cNvPr id="5" name="Picture 4" descr="A graph of different colored bars&#10;&#10;Description automatically generated">
+            <a:extLst>
+              <a:ext uri="{FF2B5EF4-FFF2-40B4-BE49-F238E27FC236}">
+                <a16:creationId xmlns:a16="http://schemas.microsoft.com/office/drawing/2014/main" id="{23085075-BAC4-B623-9907-E808522F3FBF}"/>
+              </a:ext>
+            </a:extLst>
+          </p:cNvPr>
+          <p:cNvPicPr>
+            <a:picLocks noChangeAspect="1"/>
+          </p:cNvPicPr>
+          <p:nvPr/>
+        </p:nvPicPr>
+        <p:blipFill>
+          <a:blip r:embed="rId2">
+            <a:extLst>
+              <a:ext uri="{28A0092B-C50C-407E-A947-70E740481C1C}">
+                <a14:useLocalDpi xmlns:a14="http://schemas.microsoft.com/office/drawing/2010/main" val="0"/>
+              </a:ext>
+            </a:extLst>
+          </a:blip>
+          <a:stretch>
+            <a:fillRect/>
+          </a:stretch>
+        </p:blipFill>
+        <p:spPr>
+          <a:xfrm>
+            <a:off x="3503671" y="1357880"/>
+            <a:ext cx="5184658" cy="4142240"/>
+          </a:xfrm>
+          <a:prstGeom prst="rect">
+            <a:avLst/>
+          </a:prstGeom>
+        </p:spPr>
+      </p:pic>
+    </p:spTree>
+    <p:extLst>
+      <p:ext uri="{BB962C8B-B14F-4D97-AF65-F5344CB8AC3E}">
+        <p14:creationId xmlns:p14="http://schemas.microsoft.com/office/powerpoint/2010/main" val="4087700314"/>
+      </p:ext>
+    </p:extLst>
+  </p:cSld>
+  <p:clrMapOvr>
+    <a:masterClrMapping/>
+  </p:clrMapOvr>
+</p:sld>
+</file>
+
+<file path=ppt/slides/slide14.xml><?xml version="1.0" encoding="utf-8"?>
+<p:sld xmlns:a="http://schemas.openxmlformats.org/drawingml/2006/main" xmlns:r="http://schemas.openxmlformats.org/officeDocument/2006/relationships" xmlns:p="http://schemas.openxmlformats.org/presentationml/2006/main">
+  <p:cSld>
     <p:bg>
       <p:bgPr>
         <a:solidFill>
@@ -5376,7 +5644,7 @@
                 <a16:creationId xmlns:a16="http://schemas.microsoft.com/office/drawing/2014/main" id="{9089EED9-F54D-4F20-A2C6-949DE4176959}"/>
               </a:ext>
               <a:ext uri="{C183D7F6-B498-43B3-948B-1728B52AA6E4}">
-                <adec:decorative xmlns="" xmlns:adec="http://schemas.microsoft.com/office/drawing/2017/decorative" val="1"/>
+                <adec:decorative xmlns:adec="http://schemas.microsoft.com/office/drawing/2017/decorative" val="1"/>
               </a:ext>
             </a:extLst>
           </p:cNvPr>
@@ -5452,7 +5720,7 @@
                 <a16:creationId xmlns:a16="http://schemas.microsoft.com/office/drawing/2014/main" id="{7E46F721-3785-414D-8697-16AF490E6806}"/>
               </a:ext>
               <a:ext uri="{C183D7F6-B498-43B3-948B-1728B52AA6E4}">
-                <adec:decorative xmlns="" xmlns:adec="http://schemas.microsoft.com/office/drawing/2017/decorative" val="1"/>
+                <adec:decorative xmlns:adec="http://schemas.microsoft.com/office/drawing/2017/decorative" val="1"/>
               </a:ext>
             </a:extLst>
           </p:cNvPr>
@@ -5542,7 +5810,7 @@
           <a:p>
             <a:pPr algn="ctr"/>
             <a:r>
-              <a:rPr lang="en-US" sz="3600" dirty="0" smtClean="0">
+              <a:rPr lang="en-US" sz="3600" dirty="0">
                 <a:solidFill>
                   <a:schemeClr val="tx1">
                     <a:lumMod val="85000"/>
@@ -5551,17 +5819,6 @@
                 </a:solidFill>
               </a:rPr>
               <a:t>Room Types, Revenue and Cancellations</a:t>
-            </a:r>
-            <a:r>
-              <a:rPr lang="en-US" sz="3600" dirty="0">
-                <a:solidFill>
-                  <a:schemeClr val="tx1">
-                    <a:lumMod val="85000"/>
-                    <a:lumOff val="15000"/>
-                  </a:schemeClr>
-                </a:solidFill>
-              </a:rPr>
-              <a:t/>
             </a:r>
             <a:br>
               <a:rPr lang="en-US" sz="3600" dirty="0">
@@ -5573,17 +5830,6 @@
                 </a:solidFill>
               </a:rPr>
             </a:br>
-            <a:r>
-              <a:rPr lang="en-US" sz="3600" dirty="0">
-                <a:solidFill>
-                  <a:schemeClr val="tx1">
-                    <a:lumMod val="85000"/>
-                    <a:lumOff val="15000"/>
-                  </a:schemeClr>
-                </a:solidFill>
-              </a:rPr>
-              <a:t/>
-            </a:r>
             <a:br>
               <a:rPr lang="en-US" sz="3600" dirty="0">
                 <a:solidFill>
@@ -5594,17 +5840,6 @@
                 </a:solidFill>
               </a:rPr>
             </a:br>
-            <a:r>
-              <a:rPr lang="en-US" sz="3600" dirty="0">
-                <a:solidFill>
-                  <a:schemeClr val="tx1">
-                    <a:lumMod val="85000"/>
-                    <a:lumOff val="15000"/>
-                  </a:schemeClr>
-                </a:solidFill>
-              </a:rPr>
-              <a:t/>
-            </a:r>
             <a:br>
               <a:rPr lang="en-US" sz="3600" dirty="0">
                 <a:solidFill>
@@ -6843,7 +7078,7 @@
 </p:sld>
 </file>
 
-<file path=ppt/slides/slide11.xml><?xml version="1.0" encoding="utf-8"?>
+<file path=ppt/slides/slide15.xml><?xml version="1.0" encoding="utf-8"?>
 <p:sld xmlns:a="http://schemas.openxmlformats.org/drawingml/2006/main" xmlns:r="http://schemas.openxmlformats.org/officeDocument/2006/relationships" xmlns:p="http://schemas.openxmlformats.org/presentationml/2006/main">
   <p:cSld>
     <p:spTree>
@@ -6897,7 +7132,7 @@
 </p:sld>
 </file>
 
-<file path=ppt/slides/slide12.xml><?xml version="1.0" encoding="utf-8"?>
+<file path=ppt/slides/slide16.xml><?xml version="1.0" encoding="utf-8"?>
 <p:sld xmlns:a="http://schemas.openxmlformats.org/drawingml/2006/main" xmlns:r="http://schemas.openxmlformats.org/officeDocument/2006/relationships" xmlns:p="http://schemas.openxmlformats.org/presentationml/2006/main">
   <p:cSld>
     <p:spTree>
@@ -6951,7 +7186,7 @@
 </p:sld>
 </file>
 
-<file path=ppt/slides/slide13.xml><?xml version="1.0" encoding="utf-8"?>
+<file path=ppt/slides/slide17.xml><?xml version="1.0" encoding="utf-8"?>
 <p:sld xmlns:a="http://schemas.openxmlformats.org/drawingml/2006/main" xmlns:r="http://schemas.openxmlformats.org/officeDocument/2006/relationships" xmlns:p="http://schemas.openxmlformats.org/presentationml/2006/main">
   <p:cSld>
     <p:spTree>
@@ -7005,7 +7240,7 @@
 </p:sld>
 </file>
 
-<file path=ppt/slides/slide14.xml><?xml version="1.0" encoding="utf-8"?>
+<file path=ppt/slides/slide18.xml><?xml version="1.0" encoding="utf-8"?>
 <p:sld xmlns:a="http://schemas.openxmlformats.org/drawingml/2006/main" xmlns:r="http://schemas.openxmlformats.org/officeDocument/2006/relationships" xmlns:p="http://schemas.openxmlformats.org/presentationml/2006/main">
   <p:cSld>
     <p:spTree>
@@ -7050,28 +7285,10 @@
                 </a:solidFill>
                 <a:latin typeface="Consolas" panose="020B0609020204030204" pitchFamily="49" charset="0"/>
               </a:rPr>
-              <a:t>Total Canceled Bookings: </a:t>
-            </a:r>
-            <a:r>
-              <a:rPr lang="en-US" dirty="0" smtClean="0">
-                <a:solidFill>
-                  <a:srgbClr val="000000"/>
-                </a:solidFill>
-                <a:latin typeface="Consolas" panose="020B0609020204030204" pitchFamily="49" charset="0"/>
-              </a:rPr>
-              <a:t>44224</a:t>
+              <a:t>Total Canceled Bookings: 44224</a:t>
             </a:r>
           </a:p>
           <a:p>
-            <a:r>
-              <a:rPr lang="en-US" dirty="0" smtClean="0">
-                <a:solidFill>
-                  <a:srgbClr val="000000"/>
-                </a:solidFill>
-                <a:latin typeface="Consolas" panose="020B0609020204030204" pitchFamily="49" charset="0"/>
-              </a:rPr>
-              <a:t>Refundable </a:t>
-            </a:r>
             <a:r>
               <a:rPr lang="en-US" dirty="0">
                 <a:solidFill>
@@ -7079,28 +7296,10 @@
                 </a:solidFill>
                 <a:latin typeface="Consolas" panose="020B0609020204030204" pitchFamily="49" charset="0"/>
               </a:rPr>
-              <a:t>Canceled Bookings: 0.08</a:t>
-            </a:r>
-            <a:r>
-              <a:rPr lang="en-US" dirty="0" smtClean="0">
-                <a:solidFill>
-                  <a:srgbClr val="000000"/>
-                </a:solidFill>
-                <a:latin typeface="Consolas" panose="020B0609020204030204" pitchFamily="49" charset="0"/>
-              </a:rPr>
-              <a:t>%</a:t>
+              <a:t>Refundable Canceled Bookings: 0.08%</a:t>
             </a:r>
           </a:p>
           <a:p>
-            <a:r>
-              <a:rPr lang="en-US" dirty="0" smtClean="0">
-                <a:solidFill>
-                  <a:srgbClr val="000000"/>
-                </a:solidFill>
-                <a:latin typeface="Consolas" panose="020B0609020204030204" pitchFamily="49" charset="0"/>
-              </a:rPr>
-              <a:t>No </a:t>
-            </a:r>
             <a:r>
               <a:rPr lang="en-US" dirty="0">
                 <a:solidFill>
@@ -7108,28 +7307,10 @@
                 </a:solidFill>
                 <a:latin typeface="Consolas" panose="020B0609020204030204" pitchFamily="49" charset="0"/>
               </a:rPr>
-              <a:t>Deposit Canceled Bookings: 67.14</a:t>
-            </a:r>
-            <a:r>
-              <a:rPr lang="en-US" dirty="0" smtClean="0">
-                <a:solidFill>
-                  <a:srgbClr val="000000"/>
-                </a:solidFill>
-                <a:latin typeface="Consolas" panose="020B0609020204030204" pitchFamily="49" charset="0"/>
-              </a:rPr>
-              <a:t>%</a:t>
+              <a:t>No Deposit Canceled Bookings: 67.14%</a:t>
             </a:r>
           </a:p>
           <a:p>
-            <a:r>
-              <a:rPr lang="en-US" dirty="0" smtClean="0">
-                <a:solidFill>
-                  <a:srgbClr val="000000"/>
-                </a:solidFill>
-                <a:latin typeface="Consolas" panose="020B0609020204030204" pitchFamily="49" charset="0"/>
-              </a:rPr>
-              <a:t>Non </a:t>
-            </a:r>
             <a:r>
               <a:rPr lang="en-US" dirty="0">
                 <a:solidFill>
@@ -7137,7 +7318,7 @@
                 </a:solidFill>
                 <a:latin typeface="Consolas" panose="020B0609020204030204" pitchFamily="49" charset="0"/>
               </a:rPr>
-              <a:t>Refund Canceled Bookings: 32.77%</a:t>
+              <a:t>Non Refund Canceled Bookings: 32.77%</a:t>
             </a:r>
             <a:endParaRPr lang="en-US" dirty="0"/>
           </a:p>
@@ -7180,7 +7361,7 @@
 </p:sld>
 </file>
 
-<file path=ppt/slides/slide15.xml><?xml version="1.0" encoding="utf-8"?>
+<file path=ppt/slides/slide19.xml><?xml version="1.0" encoding="utf-8"?>
 <p:sld xmlns:a="http://schemas.openxmlformats.org/drawingml/2006/main" xmlns:r="http://schemas.openxmlformats.org/officeDocument/2006/relationships" xmlns:p="http://schemas.openxmlformats.org/presentationml/2006/main">
   <p:cSld>
     <p:spTree>
@@ -7234,222 +7415,6 @@
 </p:sld>
 </file>
 
-<file path=ppt/slides/slide16.xml><?xml version="1.0" encoding="utf-8"?>
-<p:sld xmlns:a="http://schemas.openxmlformats.org/drawingml/2006/main" xmlns:r="http://schemas.openxmlformats.org/officeDocument/2006/relationships" xmlns:p="http://schemas.openxmlformats.org/presentationml/2006/main">
-  <p:cSld>
-    <p:spTree>
-      <p:nvGrpSpPr>
-        <p:cNvPr id="1" name=""/>
-        <p:cNvGrpSpPr/>
-        <p:nvPr/>
-      </p:nvGrpSpPr>
-      <p:grpSpPr>
-        <a:xfrm>
-          <a:off x="0" y="0"/>
-          <a:ext cx="0" cy="0"/>
-          <a:chOff x="0" y="0"/>
-          <a:chExt cx="0" cy="0"/>
-        </a:xfrm>
-      </p:grpSpPr>
-      <p:pic>
-        <p:nvPicPr>
-          <p:cNvPr id="2" name="Picture 1"/>
-          <p:cNvPicPr>
-            <a:picLocks noChangeAspect="1"/>
-          </p:cNvPicPr>
-          <p:nvPr/>
-        </p:nvPicPr>
-        <p:blipFill>
-          <a:blip r:embed="rId2"/>
-          <a:stretch>
-            <a:fillRect/>
-          </a:stretch>
-        </p:blipFill>
-        <p:spPr>
-          <a:xfrm>
-            <a:off x="217714" y="100012"/>
-            <a:ext cx="11974285" cy="6657975"/>
-          </a:xfrm>
-          <a:prstGeom prst="rect">
-            <a:avLst/>
-          </a:prstGeom>
-        </p:spPr>
-      </p:pic>
-    </p:spTree>
-    <p:extLst>
-      <p:ext uri="{BB962C8B-B14F-4D97-AF65-F5344CB8AC3E}">
-        <p14:creationId xmlns:p14="http://schemas.microsoft.com/office/powerpoint/2010/main" val="1547061356"/>
-      </p:ext>
-    </p:extLst>
-  </p:cSld>
-  <p:clrMapOvr>
-    <a:masterClrMapping/>
-  </p:clrMapOvr>
-</p:sld>
-</file>
-
-<file path=ppt/slides/slide17.xml><?xml version="1.0" encoding="utf-8"?>
-<p:sld xmlns:a="http://schemas.openxmlformats.org/drawingml/2006/main" xmlns:r="http://schemas.openxmlformats.org/officeDocument/2006/relationships" xmlns:p="http://schemas.openxmlformats.org/presentationml/2006/main">
-  <p:cSld>
-    <p:spTree>
-      <p:nvGrpSpPr>
-        <p:cNvPr id="1" name=""/>
-        <p:cNvGrpSpPr/>
-        <p:nvPr/>
-      </p:nvGrpSpPr>
-      <p:grpSpPr>
-        <a:xfrm>
-          <a:off x="0" y="0"/>
-          <a:ext cx="0" cy="0"/>
-          <a:chOff x="0" y="0"/>
-          <a:chExt cx="0" cy="0"/>
-        </a:xfrm>
-      </p:grpSpPr>
-      <p:pic>
-        <p:nvPicPr>
-          <p:cNvPr id="2" name="Picture 1"/>
-          <p:cNvPicPr>
-            <a:picLocks noChangeAspect="1"/>
-          </p:cNvPicPr>
-          <p:nvPr/>
-        </p:nvPicPr>
-        <p:blipFill>
-          <a:blip r:embed="rId2"/>
-          <a:stretch>
-            <a:fillRect/>
-          </a:stretch>
-        </p:blipFill>
-        <p:spPr>
-          <a:xfrm>
-            <a:off x="304800" y="130630"/>
-            <a:ext cx="11756571" cy="6458856"/>
-          </a:xfrm>
-          <a:prstGeom prst="rect">
-            <a:avLst/>
-          </a:prstGeom>
-        </p:spPr>
-      </p:pic>
-    </p:spTree>
-    <p:extLst>
-      <p:ext uri="{BB962C8B-B14F-4D97-AF65-F5344CB8AC3E}">
-        <p14:creationId xmlns:p14="http://schemas.microsoft.com/office/powerpoint/2010/main" val="700977356"/>
-      </p:ext>
-    </p:extLst>
-  </p:cSld>
-  <p:clrMapOvr>
-    <a:masterClrMapping/>
-  </p:clrMapOvr>
-</p:sld>
-</file>
-
-<file path=ppt/slides/slide18.xml><?xml version="1.0" encoding="utf-8"?>
-<p:sld xmlns:a="http://schemas.openxmlformats.org/drawingml/2006/main" xmlns:r="http://schemas.openxmlformats.org/officeDocument/2006/relationships" xmlns:p="http://schemas.openxmlformats.org/presentationml/2006/main">
-  <p:cSld>
-    <p:spTree>
-      <p:nvGrpSpPr>
-        <p:cNvPr id="1" name=""/>
-        <p:cNvGrpSpPr/>
-        <p:nvPr/>
-      </p:nvGrpSpPr>
-      <p:grpSpPr>
-        <a:xfrm>
-          <a:off x="0" y="0"/>
-          <a:ext cx="0" cy="0"/>
-          <a:chOff x="0" y="0"/>
-          <a:chExt cx="0" cy="0"/>
-        </a:xfrm>
-      </p:grpSpPr>
-      <p:pic>
-        <p:nvPicPr>
-          <p:cNvPr id="2" name="Picture 1"/>
-          <p:cNvPicPr>
-            <a:picLocks noChangeAspect="1"/>
-          </p:cNvPicPr>
-          <p:nvPr/>
-        </p:nvPicPr>
-        <p:blipFill>
-          <a:blip r:embed="rId2"/>
-          <a:stretch>
-            <a:fillRect/>
-          </a:stretch>
-        </p:blipFill>
-        <p:spPr>
-          <a:xfrm>
-            <a:off x="0" y="101600"/>
-            <a:ext cx="12192000" cy="6756400"/>
-          </a:xfrm>
-          <a:prstGeom prst="rect">
-            <a:avLst/>
-          </a:prstGeom>
-        </p:spPr>
-      </p:pic>
-    </p:spTree>
-    <p:extLst>
-      <p:ext uri="{BB962C8B-B14F-4D97-AF65-F5344CB8AC3E}">
-        <p14:creationId xmlns:p14="http://schemas.microsoft.com/office/powerpoint/2010/main" val="3391350016"/>
-      </p:ext>
-    </p:extLst>
-  </p:cSld>
-  <p:clrMapOvr>
-    <a:masterClrMapping/>
-  </p:clrMapOvr>
-</p:sld>
-</file>
-
-<file path=ppt/slides/slide19.xml><?xml version="1.0" encoding="utf-8"?>
-<p:sld xmlns:a="http://schemas.openxmlformats.org/drawingml/2006/main" xmlns:r="http://schemas.openxmlformats.org/officeDocument/2006/relationships" xmlns:p="http://schemas.openxmlformats.org/presentationml/2006/main">
-  <p:cSld>
-    <p:spTree>
-      <p:nvGrpSpPr>
-        <p:cNvPr id="1" name=""/>
-        <p:cNvGrpSpPr/>
-        <p:nvPr/>
-      </p:nvGrpSpPr>
-      <p:grpSpPr>
-        <a:xfrm>
-          <a:off x="0" y="0"/>
-          <a:ext cx="0" cy="0"/>
-          <a:chOff x="0" y="0"/>
-          <a:chExt cx="0" cy="0"/>
-        </a:xfrm>
-      </p:grpSpPr>
-      <p:pic>
-        <p:nvPicPr>
-          <p:cNvPr id="2" name="Picture 1"/>
-          <p:cNvPicPr>
-            <a:picLocks noChangeAspect="1"/>
-          </p:cNvPicPr>
-          <p:nvPr/>
-        </p:nvPicPr>
-        <p:blipFill>
-          <a:blip r:embed="rId2"/>
-          <a:stretch>
-            <a:fillRect/>
-          </a:stretch>
-        </p:blipFill>
-        <p:spPr>
-          <a:xfrm>
-            <a:off x="116115" y="100012"/>
-            <a:ext cx="11625942" cy="6657975"/>
-          </a:xfrm>
-          <a:prstGeom prst="rect">
-            <a:avLst/>
-          </a:prstGeom>
-        </p:spPr>
-      </p:pic>
-    </p:spTree>
-    <p:extLst>
-      <p:ext uri="{BB962C8B-B14F-4D97-AF65-F5344CB8AC3E}">
-        <p14:creationId xmlns:p14="http://schemas.microsoft.com/office/powerpoint/2010/main" val="2498356833"/>
-      </p:ext>
-    </p:extLst>
-  </p:cSld>
-  <p:clrMapOvr>
-    <a:masterClrMapping/>
-  </p:clrMapOvr>
-</p:sld>
-</file>
-
 <file path=ppt/slides/slide2.xml><?xml version="1.0" encoding="utf-8"?>
 <p:sld xmlns:a="http://schemas.openxmlformats.org/drawingml/2006/main" xmlns:r="http://schemas.openxmlformats.org/officeDocument/2006/relationships" xmlns:p="http://schemas.openxmlformats.org/presentationml/2006/main">
   <p:cSld>
@@ -7483,7 +7448,7 @@
                 <a16:creationId xmlns:a16="http://schemas.microsoft.com/office/drawing/2014/main" id="{9089EED9-F54D-4F20-A2C6-949DE4176959}"/>
               </a:ext>
               <a:ext uri="{C183D7F6-B498-43B3-948B-1728B52AA6E4}">
-                <adec:decorative xmlns="" xmlns:adec="http://schemas.microsoft.com/office/drawing/2017/decorative" val="1"/>
+                <adec:decorative xmlns:adec="http://schemas.microsoft.com/office/drawing/2017/decorative" val="1"/>
               </a:ext>
             </a:extLst>
           </p:cNvPr>
@@ -7559,7 +7524,7 @@
                 <a16:creationId xmlns:a16="http://schemas.microsoft.com/office/drawing/2014/main" id="{7E46F721-3785-414D-8697-16AF490E6806}"/>
               </a:ext>
               <a:ext uri="{C183D7F6-B498-43B3-948B-1728B52AA6E4}">
-                <adec:decorative xmlns="" xmlns:adec="http://schemas.microsoft.com/office/drawing/2017/decorative" val="1"/>
+                <adec:decorative xmlns:adec="http://schemas.microsoft.com/office/drawing/2017/decorative" val="1"/>
               </a:ext>
             </a:extLst>
           </p:cNvPr>
@@ -9258,6 +9223,222 @@
         </p:blipFill>
         <p:spPr>
           <a:xfrm>
+            <a:off x="217714" y="100012"/>
+            <a:ext cx="11974285" cy="6657975"/>
+          </a:xfrm>
+          <a:prstGeom prst="rect">
+            <a:avLst/>
+          </a:prstGeom>
+        </p:spPr>
+      </p:pic>
+    </p:spTree>
+    <p:extLst>
+      <p:ext uri="{BB962C8B-B14F-4D97-AF65-F5344CB8AC3E}">
+        <p14:creationId xmlns:p14="http://schemas.microsoft.com/office/powerpoint/2010/main" val="1547061356"/>
+      </p:ext>
+    </p:extLst>
+  </p:cSld>
+  <p:clrMapOvr>
+    <a:masterClrMapping/>
+  </p:clrMapOvr>
+</p:sld>
+</file>
+
+<file path=ppt/slides/slide21.xml><?xml version="1.0" encoding="utf-8"?>
+<p:sld xmlns:a="http://schemas.openxmlformats.org/drawingml/2006/main" xmlns:r="http://schemas.openxmlformats.org/officeDocument/2006/relationships" xmlns:p="http://schemas.openxmlformats.org/presentationml/2006/main">
+  <p:cSld>
+    <p:spTree>
+      <p:nvGrpSpPr>
+        <p:cNvPr id="1" name=""/>
+        <p:cNvGrpSpPr/>
+        <p:nvPr/>
+      </p:nvGrpSpPr>
+      <p:grpSpPr>
+        <a:xfrm>
+          <a:off x="0" y="0"/>
+          <a:ext cx="0" cy="0"/>
+          <a:chOff x="0" y="0"/>
+          <a:chExt cx="0" cy="0"/>
+        </a:xfrm>
+      </p:grpSpPr>
+      <p:pic>
+        <p:nvPicPr>
+          <p:cNvPr id="2" name="Picture 1"/>
+          <p:cNvPicPr>
+            <a:picLocks noChangeAspect="1"/>
+          </p:cNvPicPr>
+          <p:nvPr/>
+        </p:nvPicPr>
+        <p:blipFill>
+          <a:blip r:embed="rId2"/>
+          <a:stretch>
+            <a:fillRect/>
+          </a:stretch>
+        </p:blipFill>
+        <p:spPr>
+          <a:xfrm>
+            <a:off x="304800" y="130630"/>
+            <a:ext cx="11756571" cy="6458856"/>
+          </a:xfrm>
+          <a:prstGeom prst="rect">
+            <a:avLst/>
+          </a:prstGeom>
+        </p:spPr>
+      </p:pic>
+    </p:spTree>
+    <p:extLst>
+      <p:ext uri="{BB962C8B-B14F-4D97-AF65-F5344CB8AC3E}">
+        <p14:creationId xmlns:p14="http://schemas.microsoft.com/office/powerpoint/2010/main" val="700977356"/>
+      </p:ext>
+    </p:extLst>
+  </p:cSld>
+  <p:clrMapOvr>
+    <a:masterClrMapping/>
+  </p:clrMapOvr>
+</p:sld>
+</file>
+
+<file path=ppt/slides/slide22.xml><?xml version="1.0" encoding="utf-8"?>
+<p:sld xmlns:a="http://schemas.openxmlformats.org/drawingml/2006/main" xmlns:r="http://schemas.openxmlformats.org/officeDocument/2006/relationships" xmlns:p="http://schemas.openxmlformats.org/presentationml/2006/main">
+  <p:cSld>
+    <p:spTree>
+      <p:nvGrpSpPr>
+        <p:cNvPr id="1" name=""/>
+        <p:cNvGrpSpPr/>
+        <p:nvPr/>
+      </p:nvGrpSpPr>
+      <p:grpSpPr>
+        <a:xfrm>
+          <a:off x="0" y="0"/>
+          <a:ext cx="0" cy="0"/>
+          <a:chOff x="0" y="0"/>
+          <a:chExt cx="0" cy="0"/>
+        </a:xfrm>
+      </p:grpSpPr>
+      <p:pic>
+        <p:nvPicPr>
+          <p:cNvPr id="2" name="Picture 1"/>
+          <p:cNvPicPr>
+            <a:picLocks noChangeAspect="1"/>
+          </p:cNvPicPr>
+          <p:nvPr/>
+        </p:nvPicPr>
+        <p:blipFill>
+          <a:blip r:embed="rId2"/>
+          <a:stretch>
+            <a:fillRect/>
+          </a:stretch>
+        </p:blipFill>
+        <p:spPr>
+          <a:xfrm>
+            <a:off x="0" y="101600"/>
+            <a:ext cx="12192000" cy="6756400"/>
+          </a:xfrm>
+          <a:prstGeom prst="rect">
+            <a:avLst/>
+          </a:prstGeom>
+        </p:spPr>
+      </p:pic>
+    </p:spTree>
+    <p:extLst>
+      <p:ext uri="{BB962C8B-B14F-4D97-AF65-F5344CB8AC3E}">
+        <p14:creationId xmlns:p14="http://schemas.microsoft.com/office/powerpoint/2010/main" val="3391350016"/>
+      </p:ext>
+    </p:extLst>
+  </p:cSld>
+  <p:clrMapOvr>
+    <a:masterClrMapping/>
+  </p:clrMapOvr>
+</p:sld>
+</file>
+
+<file path=ppt/slides/slide23.xml><?xml version="1.0" encoding="utf-8"?>
+<p:sld xmlns:a="http://schemas.openxmlformats.org/drawingml/2006/main" xmlns:r="http://schemas.openxmlformats.org/officeDocument/2006/relationships" xmlns:p="http://schemas.openxmlformats.org/presentationml/2006/main">
+  <p:cSld>
+    <p:spTree>
+      <p:nvGrpSpPr>
+        <p:cNvPr id="1" name=""/>
+        <p:cNvGrpSpPr/>
+        <p:nvPr/>
+      </p:nvGrpSpPr>
+      <p:grpSpPr>
+        <a:xfrm>
+          <a:off x="0" y="0"/>
+          <a:ext cx="0" cy="0"/>
+          <a:chOff x="0" y="0"/>
+          <a:chExt cx="0" cy="0"/>
+        </a:xfrm>
+      </p:grpSpPr>
+      <p:pic>
+        <p:nvPicPr>
+          <p:cNvPr id="2" name="Picture 1"/>
+          <p:cNvPicPr>
+            <a:picLocks noChangeAspect="1"/>
+          </p:cNvPicPr>
+          <p:nvPr/>
+        </p:nvPicPr>
+        <p:blipFill>
+          <a:blip r:embed="rId2"/>
+          <a:stretch>
+            <a:fillRect/>
+          </a:stretch>
+        </p:blipFill>
+        <p:spPr>
+          <a:xfrm>
+            <a:off x="116115" y="100012"/>
+            <a:ext cx="11625942" cy="6657975"/>
+          </a:xfrm>
+          <a:prstGeom prst="rect">
+            <a:avLst/>
+          </a:prstGeom>
+        </p:spPr>
+      </p:pic>
+    </p:spTree>
+    <p:extLst>
+      <p:ext uri="{BB962C8B-B14F-4D97-AF65-F5344CB8AC3E}">
+        <p14:creationId xmlns:p14="http://schemas.microsoft.com/office/powerpoint/2010/main" val="2498356833"/>
+      </p:ext>
+    </p:extLst>
+  </p:cSld>
+  <p:clrMapOvr>
+    <a:masterClrMapping/>
+  </p:clrMapOvr>
+</p:sld>
+</file>
+
+<file path=ppt/slides/slide24.xml><?xml version="1.0" encoding="utf-8"?>
+<p:sld xmlns:a="http://schemas.openxmlformats.org/drawingml/2006/main" xmlns:r="http://schemas.openxmlformats.org/officeDocument/2006/relationships" xmlns:p="http://schemas.openxmlformats.org/presentationml/2006/main">
+  <p:cSld>
+    <p:spTree>
+      <p:nvGrpSpPr>
+        <p:cNvPr id="1" name=""/>
+        <p:cNvGrpSpPr/>
+        <p:nvPr/>
+      </p:nvGrpSpPr>
+      <p:grpSpPr>
+        <a:xfrm>
+          <a:off x="0" y="0"/>
+          <a:ext cx="0" cy="0"/>
+          <a:chOff x="0" y="0"/>
+          <a:chExt cx="0" cy="0"/>
+        </a:xfrm>
+      </p:grpSpPr>
+      <p:pic>
+        <p:nvPicPr>
+          <p:cNvPr id="2" name="Picture 1"/>
+          <p:cNvPicPr>
+            <a:picLocks noChangeAspect="1"/>
+          </p:cNvPicPr>
+          <p:nvPr/>
+        </p:nvPicPr>
+        <p:blipFill>
+          <a:blip r:embed="rId2"/>
+          <a:stretch>
+            <a:fillRect/>
+          </a:stretch>
+        </p:blipFill>
+        <p:spPr>
+          <a:xfrm>
             <a:off x="145143" y="100012"/>
             <a:ext cx="12046857" cy="6657975"/>
           </a:xfrm>
@@ -9279,7 +9460,7 @@
 </p:sld>
 </file>
 
-<file path=ppt/slides/slide21.xml><?xml version="1.0" encoding="utf-8"?>
+<file path=ppt/slides/slide25.xml><?xml version="1.0" encoding="utf-8"?>
 <p:sld xmlns:a="http://schemas.openxmlformats.org/drawingml/2006/main" xmlns:r="http://schemas.openxmlformats.org/officeDocument/2006/relationships" xmlns:p="http://schemas.openxmlformats.org/presentationml/2006/main">
   <p:cSld>
     <p:spTree>
@@ -9333,7 +9514,7 @@
 </p:sld>
 </file>
 
-<file path=ppt/slides/slide22.xml><?xml version="1.0" encoding="utf-8"?>
+<file path=ppt/slides/slide26.xml><?xml version="1.0" encoding="utf-8"?>
 <p:sld xmlns:a="http://schemas.openxmlformats.org/drawingml/2006/main" xmlns:r="http://schemas.openxmlformats.org/officeDocument/2006/relationships" xmlns:p="http://schemas.openxmlformats.org/presentationml/2006/main">
   <p:cSld>
     <p:spTree>
@@ -9387,7 +9568,7 @@
 </p:sld>
 </file>
 
-<file path=ppt/slides/slide23.xml><?xml version="1.0" encoding="utf-8"?>
+<file path=ppt/slides/slide27.xml><?xml version="1.0" encoding="utf-8"?>
 <p:sld xmlns:a="http://schemas.openxmlformats.org/drawingml/2006/main" xmlns:r="http://schemas.openxmlformats.org/officeDocument/2006/relationships" xmlns:p="http://schemas.openxmlformats.org/presentationml/2006/main">
   <p:cSld>
     <p:bg>
@@ -9420,7 +9601,7 @@
                 <a16:creationId xmlns:a16="http://schemas.microsoft.com/office/drawing/2014/main" id="{3C54F4CE-85F0-46ED-80DA-9518C9251AD1}"/>
               </a:ext>
               <a:ext uri="{C183D7F6-B498-43B3-948B-1728B52AA6E4}">
-                <adec:decorative xmlns="" xmlns:adec="http://schemas.microsoft.com/office/drawing/2017/decorative" val="1"/>
+                <adec:decorative xmlns:adec="http://schemas.microsoft.com/office/drawing/2017/decorative" val="1"/>
               </a:ext>
             </a:extLst>
           </p:cNvPr>
@@ -9496,7 +9677,7 @@
                 <a16:creationId xmlns:a16="http://schemas.microsoft.com/office/drawing/2014/main" id="{DADD1FCA-8ACB-4958-81DD-4CDD6D3E1921}"/>
               </a:ext>
               <a:ext uri="{C183D7F6-B498-43B3-948B-1728B52AA6E4}">
-                <adec:decorative xmlns="" xmlns:adec="http://schemas.microsoft.com/office/drawing/2017/decorative" val="1"/>
+                <adec:decorative xmlns:adec="http://schemas.microsoft.com/office/drawing/2017/decorative" val="1"/>
               </a:ext>
             </a:extLst>
           </p:cNvPr>
@@ -12067,17 +12248,6 @@
                 <a:cs typeface="+mj-cs"/>
               </a:rPr>
             </a:br>
-            <a:r>
-              <a:rPr lang="en-US" kern="1200" dirty="0">
-                <a:solidFill>
-                  <a:schemeClr val="tx1"/>
-                </a:solidFill>
-                <a:latin typeface="+mj-lt"/>
-                <a:ea typeface="+mj-ea"/>
-                <a:cs typeface="+mj-cs"/>
-              </a:rPr>
-              <a:t/>
-            </a:r>
             <a:br>
               <a:rPr lang="en-US" kern="1200" dirty="0">
                 <a:solidFill>
@@ -12088,17 +12258,6 @@
                 <a:cs typeface="+mj-cs"/>
               </a:rPr>
             </a:br>
-            <a:r>
-              <a:rPr lang="en-US" kern="1200" dirty="0">
-                <a:solidFill>
-                  <a:schemeClr val="tx1"/>
-                </a:solidFill>
-                <a:latin typeface="+mj-lt"/>
-                <a:ea typeface="+mj-ea"/>
-                <a:cs typeface="+mj-cs"/>
-              </a:rPr>
-              <a:t/>
-            </a:r>
             <a:br>
               <a:rPr lang="en-US" kern="1200" dirty="0">
                 <a:solidFill>
@@ -12166,7 +12325,7 @@
 </p:sld>
 </file>
 
-<file path=ppt/slides/slide24.xml><?xml version="1.0" encoding="utf-8"?>
+<file path=ppt/slides/slide28.xml><?xml version="1.0" encoding="utf-8"?>
 <p:sld xmlns:a="http://schemas.openxmlformats.org/drawingml/2006/main" xmlns:r="http://schemas.openxmlformats.org/officeDocument/2006/relationships" xmlns:p="http://schemas.openxmlformats.org/presentationml/2006/main">
   <p:cSld>
     <p:bg>
@@ -12199,7 +12358,7 @@
                 <a16:creationId xmlns:a16="http://schemas.microsoft.com/office/drawing/2014/main" id="{9089EED9-F54D-4F20-A2C6-949DE4176959}"/>
               </a:ext>
               <a:ext uri="{C183D7F6-B498-43B3-948B-1728B52AA6E4}">
-                <adec:decorative xmlns="" xmlns:adec="http://schemas.microsoft.com/office/drawing/2017/decorative" val="1"/>
+                <adec:decorative xmlns:adec="http://schemas.microsoft.com/office/drawing/2017/decorative" val="1"/>
               </a:ext>
             </a:extLst>
           </p:cNvPr>
@@ -12275,7 +12434,7 @@
                 <a16:creationId xmlns:a16="http://schemas.microsoft.com/office/drawing/2014/main" id="{7E46F721-3785-414D-8697-16AF490E6806}"/>
               </a:ext>
               <a:ext uri="{C183D7F6-B498-43B3-948B-1728B52AA6E4}">
-                <adec:decorative xmlns="" xmlns:adec="http://schemas.microsoft.com/office/drawing/2017/decorative" val="1"/>
+                <adec:decorative xmlns:adec="http://schemas.microsoft.com/office/drawing/2017/decorative" val="1"/>
               </a:ext>
             </a:extLst>
           </p:cNvPr>
@@ -13753,7 +13912,7 @@
                 <a16:creationId xmlns:a16="http://schemas.microsoft.com/office/drawing/2014/main" id="{7DA3C418-758E-4180-A5D0-8655D6804587}"/>
               </a:ext>
               <a:ext uri="{C183D7F6-B498-43B3-948B-1728B52AA6E4}">
-                <adec:decorative xmlns="" xmlns:adec="http://schemas.microsoft.com/office/drawing/2017/decorative" val="1"/>
+                <adec:decorative xmlns:adec="http://schemas.microsoft.com/office/drawing/2017/decorative" val="1"/>
               </a:ext>
             </a:extLst>
           </p:cNvPr>
@@ -13829,7 +13988,7 @@
                 <a16:creationId xmlns:a16="http://schemas.microsoft.com/office/drawing/2014/main" id="{28C8EF06-5EC3-4883-AFAF-D74FF46550FB}"/>
               </a:ext>
               <a:ext uri="{C183D7F6-B498-43B3-948B-1728B52AA6E4}">
-                <adec:decorative xmlns="" xmlns:adec="http://schemas.microsoft.com/office/drawing/2017/decorative" val="1"/>
+                <adec:decorative xmlns:adec="http://schemas.microsoft.com/office/drawing/2017/decorative" val="1"/>
               </a:ext>
             </a:extLst>
           </p:cNvPr>
@@ -14513,7 +14672,7 @@
                 <a16:creationId xmlns:a16="http://schemas.microsoft.com/office/drawing/2014/main" id="{3C54F4CE-85F0-46ED-80DA-9518C9251AD1}"/>
               </a:ext>
               <a:ext uri="{C183D7F6-B498-43B3-948B-1728B52AA6E4}">
-                <adec:decorative xmlns="" xmlns:adec="http://schemas.microsoft.com/office/drawing/2017/decorative" val="1"/>
+                <adec:decorative xmlns:adec="http://schemas.microsoft.com/office/drawing/2017/decorative" val="1"/>
               </a:ext>
             </a:extLst>
           </p:cNvPr>
@@ -14589,7 +14748,7 @@
                 <a16:creationId xmlns:a16="http://schemas.microsoft.com/office/drawing/2014/main" id="{DADD1FCA-8ACB-4958-81DD-4CDD6D3E1921}"/>
               </a:ext>
               <a:ext uri="{C183D7F6-B498-43B3-948B-1728B52AA6E4}">
-                <adec:decorative xmlns="" xmlns:adec="http://schemas.microsoft.com/office/drawing/2017/decorative" val="1"/>
+                <adec:decorative xmlns:adec="http://schemas.microsoft.com/office/drawing/2017/decorative" val="1"/>
               </a:ext>
             </a:extLst>
           </p:cNvPr>
@@ -17148,7 +17307,7 @@
                 <a:ea typeface="+mj-ea"/>
                 <a:cs typeface="+mj-cs"/>
               </a:rPr>
-              <a:t>TBD Title</a:t>
+              <a:t>Agents</a:t>
             </a:r>
             <a:br>
               <a:rPr lang="en-US" kern="1200" dirty="0">
@@ -17160,17 +17319,6 @@
                 <a:cs typeface="+mj-cs"/>
               </a:rPr>
             </a:br>
-            <a:r>
-              <a:rPr lang="en-US" kern="1200" dirty="0">
-                <a:solidFill>
-                  <a:schemeClr val="tx1"/>
-                </a:solidFill>
-                <a:latin typeface="+mj-lt"/>
-                <a:ea typeface="+mj-ea"/>
-                <a:cs typeface="+mj-cs"/>
-              </a:rPr>
-              <a:t/>
-            </a:r>
             <a:br>
               <a:rPr lang="en-US" kern="1200" dirty="0">
                 <a:solidFill>
@@ -17181,17 +17329,6 @@
                 <a:cs typeface="+mj-cs"/>
               </a:rPr>
             </a:br>
-            <a:r>
-              <a:rPr lang="en-US" kern="1200" dirty="0">
-                <a:solidFill>
-                  <a:schemeClr val="tx1"/>
-                </a:solidFill>
-                <a:latin typeface="+mj-lt"/>
-                <a:ea typeface="+mj-ea"/>
-                <a:cs typeface="+mj-cs"/>
-              </a:rPr>
-              <a:t/>
-            </a:r>
             <a:br>
               <a:rPr lang="en-US" kern="1200" dirty="0">
                 <a:solidFill>
@@ -17262,6 +17399,270 @@
 <file path=ppt/slides/slide5.xml><?xml version="1.0" encoding="utf-8"?>
 <p:sld xmlns:a="http://schemas.openxmlformats.org/drawingml/2006/main" xmlns:r="http://schemas.openxmlformats.org/officeDocument/2006/relationships" xmlns:p="http://schemas.openxmlformats.org/presentationml/2006/main">
   <p:cSld>
+    <p:spTree>
+      <p:nvGrpSpPr>
+        <p:cNvPr id="1" name=""/>
+        <p:cNvGrpSpPr/>
+        <p:nvPr/>
+      </p:nvGrpSpPr>
+      <p:grpSpPr>
+        <a:xfrm>
+          <a:off x="0" y="0"/>
+          <a:ext cx="0" cy="0"/>
+          <a:chOff x="0" y="0"/>
+          <a:chExt cx="0" cy="0"/>
+        </a:xfrm>
+      </p:grpSpPr>
+      <p:pic>
+        <p:nvPicPr>
+          <p:cNvPr id="6" name="Picture 5" descr="A blue circle with orange and green circles&#10;&#10;Description automatically generated">
+            <a:extLst>
+              <a:ext uri="{FF2B5EF4-FFF2-40B4-BE49-F238E27FC236}">
+                <a16:creationId xmlns:a16="http://schemas.microsoft.com/office/drawing/2014/main" id="{C4BAAE04-5EF7-88ED-6550-46CF33BAB5EC}"/>
+              </a:ext>
+            </a:extLst>
+          </p:cNvPr>
+          <p:cNvPicPr>
+            <a:picLocks noChangeAspect="1"/>
+          </p:cNvPicPr>
+          <p:nvPr/>
+        </p:nvPicPr>
+        <p:blipFill>
+          <a:blip r:embed="rId2">
+            <a:extLst>
+              <a:ext uri="{28A0092B-C50C-407E-A947-70E740481C1C}">
+                <a14:useLocalDpi xmlns:a14="http://schemas.microsoft.com/office/drawing/2010/main" val="0"/>
+              </a:ext>
+            </a:extLst>
+          </a:blip>
+          <a:stretch>
+            <a:fillRect/>
+          </a:stretch>
+        </p:blipFill>
+        <p:spPr>
+          <a:xfrm>
+            <a:off x="1830593" y="229945"/>
+            <a:ext cx="8530814" cy="6398110"/>
+          </a:xfrm>
+          <a:prstGeom prst="rect">
+            <a:avLst/>
+          </a:prstGeom>
+        </p:spPr>
+      </p:pic>
+    </p:spTree>
+    <p:extLst>
+      <p:ext uri="{BB962C8B-B14F-4D97-AF65-F5344CB8AC3E}">
+        <p14:creationId xmlns:p14="http://schemas.microsoft.com/office/powerpoint/2010/main" val="4009364472"/>
+      </p:ext>
+    </p:extLst>
+  </p:cSld>
+  <p:clrMapOvr>
+    <a:masterClrMapping/>
+  </p:clrMapOvr>
+</p:sld>
+</file>
+
+<file path=ppt/slides/slide6.xml><?xml version="1.0" encoding="utf-8"?>
+<p:sld xmlns:a="http://schemas.openxmlformats.org/drawingml/2006/main" xmlns:r="http://schemas.openxmlformats.org/officeDocument/2006/relationships" xmlns:p="http://schemas.openxmlformats.org/presentationml/2006/main">
+  <p:cSld>
+    <p:spTree>
+      <p:nvGrpSpPr>
+        <p:cNvPr id="1" name=""/>
+        <p:cNvGrpSpPr/>
+        <p:nvPr/>
+      </p:nvGrpSpPr>
+      <p:grpSpPr>
+        <a:xfrm>
+          <a:off x="0" y="0"/>
+          <a:ext cx="0" cy="0"/>
+          <a:chOff x="0" y="0"/>
+          <a:chExt cx="0" cy="0"/>
+        </a:xfrm>
+      </p:grpSpPr>
+      <p:pic>
+        <p:nvPicPr>
+          <p:cNvPr id="6" name="Picture 5" descr="A graph with blue and orange bars&#10;&#10;Description automatically generated">
+            <a:extLst>
+              <a:ext uri="{FF2B5EF4-FFF2-40B4-BE49-F238E27FC236}">
+                <a16:creationId xmlns:a16="http://schemas.microsoft.com/office/drawing/2014/main" id="{E5FF4464-964E-A1A0-696C-336A66C59529}"/>
+              </a:ext>
+            </a:extLst>
+          </p:cNvPr>
+          <p:cNvPicPr>
+            <a:picLocks noChangeAspect="1"/>
+          </p:cNvPicPr>
+          <p:nvPr/>
+        </p:nvPicPr>
+        <p:blipFill>
+          <a:blip r:embed="rId2">
+            <a:extLst>
+              <a:ext uri="{28A0092B-C50C-407E-A947-70E740481C1C}">
+                <a14:useLocalDpi xmlns:a14="http://schemas.microsoft.com/office/drawing/2010/main" val="0"/>
+              </a:ext>
+            </a:extLst>
+          </a:blip>
+          <a:stretch>
+            <a:fillRect/>
+          </a:stretch>
+        </p:blipFill>
+        <p:spPr>
+          <a:xfrm>
+            <a:off x="1986739" y="347054"/>
+            <a:ext cx="8218522" cy="6163892"/>
+          </a:xfrm>
+          <a:prstGeom prst="rect">
+            <a:avLst/>
+          </a:prstGeom>
+        </p:spPr>
+      </p:pic>
+    </p:spTree>
+    <p:extLst>
+      <p:ext uri="{BB962C8B-B14F-4D97-AF65-F5344CB8AC3E}">
+        <p14:creationId xmlns:p14="http://schemas.microsoft.com/office/powerpoint/2010/main" val="3216007296"/>
+      </p:ext>
+    </p:extLst>
+  </p:cSld>
+  <p:clrMapOvr>
+    <a:masterClrMapping/>
+  </p:clrMapOvr>
+</p:sld>
+</file>
+
+<file path=ppt/slides/slide7.xml><?xml version="1.0" encoding="utf-8"?>
+<p:sld xmlns:a="http://schemas.openxmlformats.org/drawingml/2006/main" xmlns:r="http://schemas.openxmlformats.org/officeDocument/2006/relationships" xmlns:p="http://schemas.openxmlformats.org/presentationml/2006/main">
+  <p:cSld>
+    <p:spTree>
+      <p:nvGrpSpPr>
+        <p:cNvPr id="1" name=""/>
+        <p:cNvGrpSpPr/>
+        <p:nvPr/>
+      </p:nvGrpSpPr>
+      <p:grpSpPr>
+        <a:xfrm>
+          <a:off x="0" y="0"/>
+          <a:ext cx="0" cy="0"/>
+          <a:chOff x="0" y="0"/>
+          <a:chExt cx="0" cy="0"/>
+        </a:xfrm>
+      </p:grpSpPr>
+      <p:pic>
+        <p:nvPicPr>
+          <p:cNvPr id="6" name="Picture 5" descr="A pie chart with numbers and a number of different colored circles&#10;&#10;Description automatically generated">
+            <a:extLst>
+              <a:ext uri="{FF2B5EF4-FFF2-40B4-BE49-F238E27FC236}">
+                <a16:creationId xmlns:a16="http://schemas.microsoft.com/office/drawing/2014/main" id="{3A4D1C5C-2A54-D7E0-FF8E-9A83071283FB}"/>
+              </a:ext>
+            </a:extLst>
+          </p:cNvPr>
+          <p:cNvPicPr>
+            <a:picLocks noChangeAspect="1"/>
+          </p:cNvPicPr>
+          <p:nvPr/>
+        </p:nvPicPr>
+        <p:blipFill>
+          <a:blip r:embed="rId2">
+            <a:extLst>
+              <a:ext uri="{28A0092B-C50C-407E-A947-70E740481C1C}">
+                <a14:useLocalDpi xmlns:a14="http://schemas.microsoft.com/office/drawing/2010/main" val="0"/>
+              </a:ext>
+            </a:extLst>
+          </a:blip>
+          <a:stretch>
+            <a:fillRect/>
+          </a:stretch>
+        </p:blipFill>
+        <p:spPr>
+          <a:xfrm>
+            <a:off x="1696487" y="129365"/>
+            <a:ext cx="8799026" cy="6599269"/>
+          </a:xfrm>
+          <a:prstGeom prst="rect">
+            <a:avLst/>
+          </a:prstGeom>
+        </p:spPr>
+      </p:pic>
+    </p:spTree>
+    <p:extLst>
+      <p:ext uri="{BB962C8B-B14F-4D97-AF65-F5344CB8AC3E}">
+        <p14:creationId xmlns:p14="http://schemas.microsoft.com/office/powerpoint/2010/main" val="3429967985"/>
+      </p:ext>
+    </p:extLst>
+  </p:cSld>
+  <p:clrMapOvr>
+    <a:masterClrMapping/>
+  </p:clrMapOvr>
+</p:sld>
+</file>
+
+<file path=ppt/slides/slide8.xml><?xml version="1.0" encoding="utf-8"?>
+<p:sld xmlns:a="http://schemas.openxmlformats.org/drawingml/2006/main" xmlns:r="http://schemas.openxmlformats.org/officeDocument/2006/relationships" xmlns:p="http://schemas.openxmlformats.org/presentationml/2006/main">
+  <p:cSld>
+    <p:spTree>
+      <p:nvGrpSpPr>
+        <p:cNvPr id="1" name=""/>
+        <p:cNvGrpSpPr/>
+        <p:nvPr/>
+      </p:nvGrpSpPr>
+      <p:grpSpPr>
+        <a:xfrm>
+          <a:off x="0" y="0"/>
+          <a:ext cx="0" cy="0"/>
+          <a:chOff x="0" y="0"/>
+          <a:chExt cx="0" cy="0"/>
+        </a:xfrm>
+      </p:grpSpPr>
+      <p:pic>
+        <p:nvPicPr>
+          <p:cNvPr id="6" name="Picture 5" descr="A graph with blue and orange bars&#10;&#10;Description automatically generated">
+            <a:extLst>
+              <a:ext uri="{FF2B5EF4-FFF2-40B4-BE49-F238E27FC236}">
+                <a16:creationId xmlns:a16="http://schemas.microsoft.com/office/drawing/2014/main" id="{BF6A22D9-19D5-5573-042F-005D67F07ACD}"/>
+              </a:ext>
+            </a:extLst>
+          </p:cNvPr>
+          <p:cNvPicPr>
+            <a:picLocks noChangeAspect="1"/>
+          </p:cNvPicPr>
+          <p:nvPr/>
+        </p:nvPicPr>
+        <p:blipFill>
+          <a:blip r:embed="rId2">
+            <a:extLst>
+              <a:ext uri="{28A0092B-C50C-407E-A947-70E740481C1C}">
+                <a14:useLocalDpi xmlns:a14="http://schemas.microsoft.com/office/drawing/2010/main" val="0"/>
+              </a:ext>
+            </a:extLst>
+          </a:blip>
+          <a:stretch>
+            <a:fillRect/>
+          </a:stretch>
+        </p:blipFill>
+        <p:spPr>
+          <a:xfrm>
+            <a:off x="1910538" y="289904"/>
+            <a:ext cx="8370923" cy="6278192"/>
+          </a:xfrm>
+          <a:prstGeom prst="rect">
+            <a:avLst/>
+          </a:prstGeom>
+        </p:spPr>
+      </p:pic>
+    </p:spTree>
+    <p:extLst>
+      <p:ext uri="{BB962C8B-B14F-4D97-AF65-F5344CB8AC3E}">
+        <p14:creationId xmlns:p14="http://schemas.microsoft.com/office/powerpoint/2010/main" val="2007046348"/>
+      </p:ext>
+    </p:extLst>
+  </p:cSld>
+  <p:clrMapOvr>
+    <a:masterClrMapping/>
+  </p:clrMapOvr>
+</p:sld>
+</file>
+
+<file path=ppt/slides/slide9.xml><?xml version="1.0" encoding="utf-8"?>
+<p:sld xmlns:a="http://schemas.openxmlformats.org/drawingml/2006/main" xmlns:r="http://schemas.openxmlformats.org/officeDocument/2006/relationships" xmlns:p="http://schemas.openxmlformats.org/presentationml/2006/main">
+  <p:cSld>
     <p:bg>
       <p:bgPr>
         <a:solidFill>
@@ -17292,7 +17693,7 @@
                 <a16:creationId xmlns:a16="http://schemas.microsoft.com/office/drawing/2014/main" id="{7DA3C418-758E-4180-A5D0-8655D6804587}"/>
               </a:ext>
               <a:ext uri="{C183D7F6-B498-43B3-948B-1728B52AA6E4}">
-                <adec:decorative xmlns="" xmlns:adec="http://schemas.microsoft.com/office/drawing/2017/decorative" val="1"/>
+                <adec:decorative xmlns:adec="http://schemas.microsoft.com/office/drawing/2017/decorative" val="1"/>
               </a:ext>
             </a:extLst>
           </p:cNvPr>
@@ -17368,7 +17769,7 @@
                 <a16:creationId xmlns:a16="http://schemas.microsoft.com/office/drawing/2014/main" id="{28C8EF06-5EC3-4883-AFAF-D74FF46550FB}"/>
               </a:ext>
               <a:ext uri="{C183D7F6-B498-43B3-948B-1728B52AA6E4}">
-                <adec:decorative xmlns="" xmlns:adec="http://schemas.microsoft.com/office/drawing/2017/decorative" val="1"/>
+                <adec:decorative xmlns:adec="http://schemas.microsoft.com/office/drawing/2017/decorative" val="1"/>
               </a:ext>
             </a:extLst>
           </p:cNvPr>
@@ -17980,17 +18381,6 @@
                 </a:solidFill>
               </a:rPr>
             </a:br>
-            <a:r>
-              <a:rPr lang="en-US" sz="3100">
-                <a:solidFill>
-                  <a:schemeClr val="tx1">
-                    <a:lumMod val="85000"/>
-                    <a:lumOff val="15000"/>
-                  </a:schemeClr>
-                </a:solidFill>
-              </a:rPr>
-              <a:t/>
-            </a:r>
             <a:br>
               <a:rPr lang="en-US" sz="3100">
                 <a:solidFill>
@@ -18001,17 +18391,6 @@
                 </a:solidFill>
               </a:rPr>
             </a:br>
-            <a:r>
-              <a:rPr lang="en-US" sz="3100">
-                <a:solidFill>
-                  <a:schemeClr val="tx1">
-                    <a:lumMod val="85000"/>
-                    <a:lumOff val="15000"/>
-                  </a:schemeClr>
-                </a:solidFill>
-              </a:rPr>
-              <a:t/>
-            </a:r>
             <a:br>
               <a:rPr lang="en-US" sz="3100">
                 <a:solidFill>
@@ -18138,270 +18517,6 @@
       <p:bldP spid="2" grpId="0"/>
     </p:bldLst>
   </p:timing>
-</p:sld>
-</file>
-
-<file path=ppt/slides/slide6.xml><?xml version="1.0" encoding="utf-8"?>
-<p:sld xmlns:a="http://schemas.openxmlformats.org/drawingml/2006/main" xmlns:r="http://schemas.openxmlformats.org/officeDocument/2006/relationships" xmlns:p="http://schemas.openxmlformats.org/presentationml/2006/main">
-  <p:cSld>
-    <p:spTree>
-      <p:nvGrpSpPr>
-        <p:cNvPr id="1" name=""/>
-        <p:cNvGrpSpPr/>
-        <p:nvPr/>
-      </p:nvGrpSpPr>
-      <p:grpSpPr>
-        <a:xfrm>
-          <a:off x="0" y="0"/>
-          <a:ext cx="0" cy="0"/>
-          <a:chOff x="0" y="0"/>
-          <a:chExt cx="0" cy="0"/>
-        </a:xfrm>
-      </p:grpSpPr>
-      <p:pic>
-        <p:nvPicPr>
-          <p:cNvPr id="3" name="Picture 2" descr="A graph with lines and numbers&#10;&#10;Description automatically generated">
-            <a:extLst>
-              <a:ext uri="{FF2B5EF4-FFF2-40B4-BE49-F238E27FC236}">
-                <a16:creationId xmlns:a16="http://schemas.microsoft.com/office/drawing/2014/main" id="{71E5196A-92CC-86BB-E2DF-C7CD40128F19}"/>
-              </a:ext>
-            </a:extLst>
-          </p:cNvPr>
-          <p:cNvPicPr>
-            <a:picLocks noChangeAspect="1"/>
-          </p:cNvPicPr>
-          <p:nvPr/>
-        </p:nvPicPr>
-        <p:blipFill>
-          <a:blip r:embed="rId2">
-            <a:extLst>
-              <a:ext uri="{28A0092B-C50C-407E-A947-70E740481C1C}">
-                <a14:useLocalDpi xmlns:a14="http://schemas.microsoft.com/office/drawing/2010/main" val="0"/>
-              </a:ext>
-            </a:extLst>
-          </a:blip>
-          <a:stretch>
-            <a:fillRect/>
-          </a:stretch>
-        </p:blipFill>
-        <p:spPr>
-          <a:xfrm>
-            <a:off x="1501131" y="937255"/>
-            <a:ext cx="9189738" cy="4983490"/>
-          </a:xfrm>
-          <a:prstGeom prst="rect">
-            <a:avLst/>
-          </a:prstGeom>
-        </p:spPr>
-      </p:pic>
-    </p:spTree>
-    <p:extLst>
-      <p:ext uri="{BB962C8B-B14F-4D97-AF65-F5344CB8AC3E}">
-        <p14:creationId xmlns:p14="http://schemas.microsoft.com/office/powerpoint/2010/main" val="2433314983"/>
-      </p:ext>
-    </p:extLst>
-  </p:cSld>
-  <p:clrMapOvr>
-    <a:masterClrMapping/>
-  </p:clrMapOvr>
-</p:sld>
-</file>
-
-<file path=ppt/slides/slide7.xml><?xml version="1.0" encoding="utf-8"?>
-<p:sld xmlns:a="http://schemas.openxmlformats.org/drawingml/2006/main" xmlns:r="http://schemas.openxmlformats.org/officeDocument/2006/relationships" xmlns:p="http://schemas.openxmlformats.org/presentationml/2006/main">
-  <p:cSld>
-    <p:spTree>
-      <p:nvGrpSpPr>
-        <p:cNvPr id="1" name=""/>
-        <p:cNvGrpSpPr/>
-        <p:nvPr/>
-      </p:nvGrpSpPr>
-      <p:grpSpPr>
-        <a:xfrm>
-          <a:off x="0" y="0"/>
-          <a:ext cx="0" cy="0"/>
-          <a:chOff x="0" y="0"/>
-          <a:chExt cx="0" cy="0"/>
-        </a:xfrm>
-      </p:grpSpPr>
-      <p:pic>
-        <p:nvPicPr>
-          <p:cNvPr id="3" name="Picture 2" descr="A graph with red and blue bars&#10;&#10;Description automatically generated">
-            <a:extLst>
-              <a:ext uri="{FF2B5EF4-FFF2-40B4-BE49-F238E27FC236}">
-                <a16:creationId xmlns:a16="http://schemas.microsoft.com/office/drawing/2014/main" id="{3BDA2209-99BF-092C-9FFF-465CA6A4FE24}"/>
-              </a:ext>
-            </a:extLst>
-          </p:cNvPr>
-          <p:cNvPicPr>
-            <a:picLocks noChangeAspect="1"/>
-          </p:cNvPicPr>
-          <p:nvPr/>
-        </p:nvPicPr>
-        <p:blipFill>
-          <a:blip r:embed="rId3">
-            <a:extLst>
-              <a:ext uri="{28A0092B-C50C-407E-A947-70E740481C1C}">
-                <a14:useLocalDpi xmlns:a14="http://schemas.microsoft.com/office/drawing/2010/main" val="0"/>
-              </a:ext>
-            </a:extLst>
-          </a:blip>
-          <a:stretch>
-            <a:fillRect/>
-          </a:stretch>
-        </p:blipFill>
-        <p:spPr>
-          <a:xfrm>
-            <a:off x="1973572" y="0"/>
-            <a:ext cx="8244856" cy="6858000"/>
-          </a:xfrm>
-          <a:prstGeom prst="rect">
-            <a:avLst/>
-          </a:prstGeom>
-        </p:spPr>
-      </p:pic>
-    </p:spTree>
-    <p:extLst>
-      <p:ext uri="{BB962C8B-B14F-4D97-AF65-F5344CB8AC3E}">
-        <p14:creationId xmlns:p14="http://schemas.microsoft.com/office/powerpoint/2010/main" val="86311721"/>
-      </p:ext>
-    </p:extLst>
-  </p:cSld>
-  <p:clrMapOvr>
-    <a:masterClrMapping/>
-  </p:clrMapOvr>
-</p:sld>
-</file>
-
-<file path=ppt/slides/slide8.xml><?xml version="1.0" encoding="utf-8"?>
-<p:sld xmlns:a="http://schemas.openxmlformats.org/drawingml/2006/main" xmlns:r="http://schemas.openxmlformats.org/officeDocument/2006/relationships" xmlns:p="http://schemas.openxmlformats.org/presentationml/2006/main">
-  <p:cSld>
-    <p:spTree>
-      <p:nvGrpSpPr>
-        <p:cNvPr id="1" name=""/>
-        <p:cNvGrpSpPr/>
-        <p:nvPr/>
-      </p:nvGrpSpPr>
-      <p:grpSpPr>
-        <a:xfrm>
-          <a:off x="0" y="0"/>
-          <a:ext cx="0" cy="0"/>
-          <a:chOff x="0" y="0"/>
-          <a:chExt cx="0" cy="0"/>
-        </a:xfrm>
-      </p:grpSpPr>
-      <p:pic>
-        <p:nvPicPr>
-          <p:cNvPr id="3" name="Picture 2" descr="A graph of bar graph&#10;&#10;Description automatically generated">
-            <a:extLst>
-              <a:ext uri="{FF2B5EF4-FFF2-40B4-BE49-F238E27FC236}">
-                <a16:creationId xmlns:a16="http://schemas.microsoft.com/office/drawing/2014/main" id="{0A125457-A7C2-7AFD-D6CE-C512C145CD61}"/>
-              </a:ext>
-            </a:extLst>
-          </p:cNvPr>
-          <p:cNvPicPr>
-            <a:picLocks noChangeAspect="1"/>
-          </p:cNvPicPr>
-          <p:nvPr/>
-        </p:nvPicPr>
-        <p:blipFill>
-          <a:blip r:embed="rId2">
-            <a:extLst>
-              <a:ext uri="{28A0092B-C50C-407E-A947-70E740481C1C}">
-                <a14:useLocalDpi xmlns:a14="http://schemas.microsoft.com/office/drawing/2010/main" val="0"/>
-              </a:ext>
-            </a:extLst>
-          </a:blip>
-          <a:stretch>
-            <a:fillRect/>
-          </a:stretch>
-        </p:blipFill>
-        <p:spPr>
-          <a:xfrm>
-            <a:off x="705601" y="1188715"/>
-            <a:ext cx="10780797" cy="4480569"/>
-          </a:xfrm>
-          <a:prstGeom prst="rect">
-            <a:avLst/>
-          </a:prstGeom>
-        </p:spPr>
-      </p:pic>
-    </p:spTree>
-    <p:extLst>
-      <p:ext uri="{BB962C8B-B14F-4D97-AF65-F5344CB8AC3E}">
-        <p14:creationId xmlns:p14="http://schemas.microsoft.com/office/powerpoint/2010/main" val="2239312587"/>
-      </p:ext>
-    </p:extLst>
-  </p:cSld>
-  <p:clrMapOvr>
-    <a:masterClrMapping/>
-  </p:clrMapOvr>
-</p:sld>
-</file>
-
-<file path=ppt/slides/slide9.xml><?xml version="1.0" encoding="utf-8"?>
-<p:sld xmlns:a="http://schemas.openxmlformats.org/drawingml/2006/main" xmlns:r="http://schemas.openxmlformats.org/officeDocument/2006/relationships" xmlns:p="http://schemas.openxmlformats.org/presentationml/2006/main">
-  <p:cSld>
-    <p:spTree>
-      <p:nvGrpSpPr>
-        <p:cNvPr id="1" name=""/>
-        <p:cNvGrpSpPr/>
-        <p:nvPr/>
-      </p:nvGrpSpPr>
-      <p:grpSpPr>
-        <a:xfrm>
-          <a:off x="0" y="0"/>
-          <a:ext cx="0" cy="0"/>
-          <a:chOff x="0" y="0"/>
-          <a:chExt cx="0" cy="0"/>
-        </a:xfrm>
-      </p:grpSpPr>
-      <p:pic>
-        <p:nvPicPr>
-          <p:cNvPr id="5" name="Picture 4" descr="A graph of different colored bars&#10;&#10;Description automatically generated">
-            <a:extLst>
-              <a:ext uri="{FF2B5EF4-FFF2-40B4-BE49-F238E27FC236}">
-                <a16:creationId xmlns:a16="http://schemas.microsoft.com/office/drawing/2014/main" id="{23085075-BAC4-B623-9907-E808522F3FBF}"/>
-              </a:ext>
-            </a:extLst>
-          </p:cNvPr>
-          <p:cNvPicPr>
-            <a:picLocks noChangeAspect="1"/>
-          </p:cNvPicPr>
-          <p:nvPr/>
-        </p:nvPicPr>
-        <p:blipFill>
-          <a:blip r:embed="rId2">
-            <a:extLst>
-              <a:ext uri="{28A0092B-C50C-407E-A947-70E740481C1C}">
-                <a14:useLocalDpi xmlns:a14="http://schemas.microsoft.com/office/drawing/2010/main" val="0"/>
-              </a:ext>
-            </a:extLst>
-          </a:blip>
-          <a:stretch>
-            <a:fillRect/>
-          </a:stretch>
-        </p:blipFill>
-        <p:spPr>
-          <a:xfrm>
-            <a:off x="3503671" y="1357880"/>
-            <a:ext cx="5184658" cy="4142240"/>
-          </a:xfrm>
-          <a:prstGeom prst="rect">
-            <a:avLst/>
-          </a:prstGeom>
-        </p:spPr>
-      </p:pic>
-    </p:spTree>
-    <p:extLst>
-      <p:ext uri="{BB962C8B-B14F-4D97-AF65-F5344CB8AC3E}">
-        <p14:creationId xmlns:p14="http://schemas.microsoft.com/office/powerpoint/2010/main" val="4087700314"/>
-      </p:ext>
-    </p:extLst>
-  </p:cSld>
-  <p:clrMapOvr>
-    <a:masterClrMapping/>
-  </p:clrMapOvr>
 </p:sld>
 </file>
 
